--- a/doc/Project 4 group 6 Presentation.pptx
+++ b/doc/Project 4 group 6 Presentation.pptx
@@ -5,7 +5,7 @@
     <p:sldMasterId id="2147483648" r:id="rId1"/>
   </p:sldMasterIdLst>
   <p:notesMasterIdLst>
-    <p:notesMasterId r:id="rId20"/>
+    <p:notesMasterId r:id="rId21"/>
   </p:notesMasterIdLst>
   <p:sldIdLst>
     <p:sldId id="256" r:id="rId2"/>
@@ -13,29 +13,39 @@
     <p:sldId id="258" r:id="rId4"/>
     <p:sldId id="259" r:id="rId5"/>
     <p:sldId id="260" r:id="rId6"/>
-    <p:sldId id="261" r:id="rId7"/>
-    <p:sldId id="262" r:id="rId8"/>
-    <p:sldId id="273" r:id="rId9"/>
-    <p:sldId id="271" r:id="rId10"/>
-    <p:sldId id="272" r:id="rId11"/>
-    <p:sldId id="263" r:id="rId12"/>
-    <p:sldId id="264" r:id="rId13"/>
-    <p:sldId id="267" r:id="rId14"/>
-    <p:sldId id="265" r:id="rId15"/>
-    <p:sldId id="266" r:id="rId16"/>
-    <p:sldId id="268" r:id="rId17"/>
-    <p:sldId id="269" r:id="rId18"/>
-    <p:sldId id="270" r:id="rId19"/>
+    <p:sldId id="274" r:id="rId7"/>
+    <p:sldId id="261" r:id="rId8"/>
+    <p:sldId id="262" r:id="rId9"/>
+    <p:sldId id="273" r:id="rId10"/>
+    <p:sldId id="271" r:id="rId11"/>
+    <p:sldId id="272" r:id="rId12"/>
+    <p:sldId id="263" r:id="rId13"/>
+    <p:sldId id="264" r:id="rId14"/>
+    <p:sldId id="267" r:id="rId15"/>
+    <p:sldId id="265" r:id="rId16"/>
+    <p:sldId id="266" r:id="rId17"/>
+    <p:sldId id="268" r:id="rId18"/>
+    <p:sldId id="269" r:id="rId19"/>
+    <p:sldId id="270" r:id="rId20"/>
   </p:sldIdLst>
   <p:sldSz cx="12192000" cy="6858000"/>
   <p:notesSz cx="6858000" cy="9144000"/>
   <p:embeddedFontLst>
     <p:embeddedFont>
-      <p:font typeface="Libre Franklin" pitchFamily="2" charset="77"/>
-      <p:regular r:id="rId21"/>
-      <p:bold r:id="rId22"/>
+      <p:font typeface="Franklin Gothic Medium" panose="020B0603020102020204" pitchFamily="34" charset="0"/>
+      <p:regular r:id="rId22"/>
       <p:italic r:id="rId23"/>
-      <p:boldItalic r:id="rId24"/>
+    </p:embeddedFont>
+    <p:embeddedFont>
+      <p:font typeface="Cambria Math" panose="02040503050406030204" pitchFamily="18" charset="0"/>
+      <p:regular r:id="rId24"/>
+    </p:embeddedFont>
+    <p:embeddedFont>
+      <p:font typeface="Libre Franklin" panose="00000500000000000000" charset="0"/>
+      <p:regular r:id="rId25"/>
+      <p:bold r:id="rId26"/>
+      <p:italic r:id="rId27"/>
+      <p:boldItalic r:id="rId28"/>
     </p:embeddedFont>
   </p:embeddedFontLst>
   <p:defaultTextStyle>
@@ -272,7 +282,7 @@
       <p15:sldGuideLst xmlns:p15="http://schemas.microsoft.com/office/powerpoint/2012/main"/>
     </p:ext>
     <p:ext uri="http://customooxmlschemas.google.com/">
-      <go:slidesCustomData xmlns="" xmlns:mc="http://schemas.openxmlformats.org/markup-compatibility/2006" xmlns:mv="urn:schemas-microsoft-com:mac:vml" xmlns:c="http://schemas.openxmlformats.org/drawingml/2006/chart" xmlns:dgm="http://schemas.openxmlformats.org/drawingml/2006/diagram" xmlns:o="urn:schemas-microsoft-com:office:office" xmlns:v="urn:schemas-microsoft-com:vml" xmlns:pvml="urn:schemas-microsoft-com:office:powerpoint" xmlns:com="http://schemas.openxmlformats.org/drawingml/2006/compatibility" xmlns:p14="http://schemas.microsoft.com/office/powerpoint/2010/main" xmlns:p15="http://schemas.microsoft.com/office/powerpoint/2012/main" xmlns:go="http://customooxmlschemas.google.com/" r:id="rId25" roundtripDataSignature="AMtx7mh89RgWPKWqMtKn1aRcil2/X8C+og=="/>
+      <go:slidesCustomData xmlns:go="http://customooxmlschemas.google.com/" xmlns:p15="http://schemas.microsoft.com/office/powerpoint/2012/main" xmlns:p14="http://schemas.microsoft.com/office/powerpoint/2010/main" xmlns:com="http://schemas.openxmlformats.org/drawingml/2006/compatibility" xmlns:pvml="urn:schemas-microsoft-com:office:powerpoint" xmlns:v="urn:schemas-microsoft-com:vml" xmlns:o="urn:schemas-microsoft-com:office:office" xmlns:dgm="http://schemas.openxmlformats.org/drawingml/2006/diagram" xmlns:c="http://schemas.openxmlformats.org/drawingml/2006/chart" xmlns:mv="urn:schemas-microsoft-com:mac:vml" xmlns:mc="http://schemas.openxmlformats.org/markup-compatibility/2006" xmlns="" r:id="rId29" roundtripDataSignature="AMtx7mh89RgWPKWqMtKn1aRcil2/X8C+og=="/>
     </p:ext>
   </p:extLst>
 </p:presentation>
@@ -485,6 +495,11 @@
         </p:txBody>
       </p:sp>
     </p:spTree>
+    <p:extLst>
+      <p:ext uri="{BB962C8B-B14F-4D97-AF65-F5344CB8AC3E}">
+        <p14:creationId xmlns:p14="http://schemas.microsoft.com/office/powerpoint/2010/main" val="833464081"/>
+      </p:ext>
+    </p:extLst>
   </p:cSld>
   <p:clrMap bg1="lt1" tx1="dk1" bg2="dk2" tx2="lt2" accent1="accent1" accent2="accent2" accent3="accent3" accent4="accent4" accent5="accent5" accent6="accent6" hlink="hlink" folHlink="folHlink"/>
   <p:notesStyle>
@@ -1230,6 +1245,11 @@
         </p:spPr>
       </p:sp>
     </p:spTree>
+    <p:extLst>
+      <p:ext uri="{BB962C8B-B14F-4D97-AF65-F5344CB8AC3E}">
+        <p14:creationId xmlns:p14="http://schemas.microsoft.com/office/powerpoint/2010/main" val="2942426844"/>
+      </p:ext>
+    </p:extLst>
   </p:cSld>
   <p:clrMapOvr>
     <a:masterClrMapping/>
@@ -1329,14 +1349,14 @@
               </a:spcAft>
               <a:buNone/>
             </a:pPr>
-            <a:endParaRPr/>
+            <a:endParaRPr dirty="0"/>
           </a:p>
         </p:txBody>
       </p:sp>
     </p:spTree>
     <p:extLst>
       <p:ext uri="{BB962C8B-B14F-4D97-AF65-F5344CB8AC3E}">
-        <p14:creationId xmlns:p14="http://schemas.microsoft.com/office/powerpoint/2010/main" val="3346564250"/>
+        <p14:creationId xmlns:p14="http://schemas.microsoft.com/office/powerpoint/2010/main" val="2366707087"/>
       </p:ext>
     </p:extLst>
   </p:cSld>
@@ -1347,1964 +1367,6 @@
 </file>
 
 <file path=ppt/notesSlides/notesSlide11.xml><?xml version="1.0" encoding="utf-8"?>
-<p:notes xmlns:a="http://schemas.openxmlformats.org/drawingml/2006/main" xmlns:r="http://schemas.openxmlformats.org/officeDocument/2006/relationships" xmlns:p="http://schemas.openxmlformats.org/presentationml/2006/main" showMasterSp="0" showMasterPhAnim="0">
-  <p:cSld>
-    <p:spTree>
-      <p:nvGrpSpPr>
-        <p:cNvPr id="1" name="Shape 131"/>
-        <p:cNvGrpSpPr/>
-        <p:nvPr/>
-      </p:nvGrpSpPr>
-      <p:grpSpPr>
-        <a:xfrm>
-          <a:off x="0" y="0"/>
-          <a:ext cx="0" cy="0"/>
-          <a:chOff x="0" y="0"/>
-          <a:chExt cx="0" cy="0"/>
-        </a:xfrm>
-      </p:grpSpPr>
-      <p:sp>
-        <p:nvSpPr>
-          <p:cNvPr id="132" name="Google Shape;132;p6:notes"/>
-          <p:cNvSpPr txBox="1">
-            <a:spLocks noGrp="1"/>
-          </p:cNvSpPr>
-          <p:nvPr>
-            <p:ph type="body" idx="1"/>
-          </p:nvPr>
-        </p:nvSpPr>
-        <p:spPr>
-          <a:xfrm>
-            <a:off x="685800" y="4343400"/>
-            <a:ext cx="5486400" cy="4114800"/>
-          </a:xfrm>
-          <a:prstGeom prst="rect">
-            <a:avLst/>
-          </a:prstGeom>
-        </p:spPr>
-        <p:txBody>
-          <a:bodyPr spcFirstLastPara="1" wrap="square" lIns="91425" tIns="91425" rIns="91425" bIns="91425" anchor="t" anchorCtr="0">
-            <a:noAutofit/>
-          </a:bodyPr>
-          <a:lstStyle/>
-          <a:p>
-            <a:pPr marL="384048" lvl="0" indent="-384048" algn="l" rtl="0">
-              <a:lnSpc>
-                <a:spcPct val="94000"/>
-              </a:lnSpc>
-              <a:spcBef>
-                <a:spcPts val="0"/>
-              </a:spcBef>
-              <a:spcAft>
-                <a:spcPts val="0"/>
-              </a:spcAft>
-              <a:buClr>
-                <a:schemeClr val="dk2"/>
-              </a:buClr>
-              <a:buSzPts val="2000"/>
-              <a:buChar char="■"/>
-            </a:pPr>
-            <a:r>
-              <a:rPr lang="en-US" altLang="zh-CN" dirty="0"/>
-              <a:t>Another</a:t>
-            </a:r>
-            <a:r>
-              <a:rPr lang="zh-CN" altLang="en-US" dirty="0"/>
-              <a:t> </a:t>
-            </a:r>
-            <a:r>
-              <a:rPr lang="en-US" altLang="zh-CN" dirty="0"/>
-              <a:t>paper</a:t>
-            </a:r>
-            <a:r>
-              <a:rPr lang="zh-CN" altLang="en-US" dirty="0"/>
-              <a:t> </a:t>
-            </a:r>
-            <a:r>
-              <a:rPr lang="en-US" altLang="zh-CN" dirty="0"/>
-              <a:t>we</a:t>
-            </a:r>
-            <a:r>
-              <a:rPr lang="zh-CN" altLang="en-US" dirty="0"/>
-              <a:t> </a:t>
-            </a:r>
-            <a:r>
-              <a:rPr lang="en-US" altLang="zh-CN" dirty="0"/>
-              <a:t>read</a:t>
-            </a:r>
-            <a:r>
-              <a:rPr lang="zh-CN" altLang="en-US" dirty="0"/>
-              <a:t> </a:t>
-            </a:r>
-            <a:r>
-              <a:rPr lang="en-US" altLang="zh-CN" dirty="0"/>
-              <a:t>is</a:t>
-            </a:r>
-            <a:r>
-              <a:rPr lang="zh-CN" altLang="en-US" dirty="0"/>
-              <a:t> </a:t>
-            </a:r>
-            <a:r>
-              <a:rPr lang="en-US" altLang="zh-CN" dirty="0"/>
-              <a:t>about</a:t>
-            </a:r>
-            <a:r>
-              <a:rPr lang="zh-CN" altLang="en-US" dirty="0"/>
-              <a:t> </a:t>
-            </a:r>
-            <a:r>
-              <a:rPr lang="en-US" sz="1100" dirty="0"/>
-              <a:t>Large-scale Parallel Collaborative Filtering (LPCF)</a:t>
-            </a:r>
-            <a:br>
-              <a:rPr lang="en-US" sz="1100" dirty="0"/>
-            </a:br>
-            <a:r>
-              <a:rPr lang="en-US" sz="1800" b="0" i="0" u="none" strike="noStrike" cap="none" dirty="0">
-                <a:solidFill>
-                  <a:srgbClr val="000000"/>
-                </a:solidFill>
-                <a:latin typeface="Arial"/>
-                <a:ea typeface="Arial"/>
-                <a:cs typeface="Arial"/>
-                <a:sym typeface="Arial"/>
-              </a:rPr>
-              <a:t>A parallel algorithm that alternates least-squares with weighted </a:t>
-            </a:r>
-            <a:r>
-              <a:rPr lang="el-GR" sz="1800" b="0" i="0" u="none" strike="noStrike" cap="none" dirty="0">
-                <a:solidFill>
-                  <a:srgbClr val="000000"/>
-                </a:solidFill>
-                <a:latin typeface="Arial"/>
-                <a:ea typeface="Arial"/>
-                <a:cs typeface="Arial"/>
-                <a:sym typeface="Arial"/>
-              </a:rPr>
-              <a:t>λ-</a:t>
-            </a:r>
-            <a:r>
-              <a:rPr lang="en-US" sz="1800" b="0" i="0" u="none" strike="noStrike" cap="none" dirty="0">
-                <a:solidFill>
-                  <a:srgbClr val="000000"/>
-                </a:solidFill>
-                <a:latin typeface="Arial"/>
-                <a:ea typeface="Arial"/>
-                <a:cs typeface="Arial"/>
-                <a:sym typeface="Arial"/>
-              </a:rPr>
-              <a:t>regularization</a:t>
-            </a:r>
-            <a:r>
-              <a:rPr lang="en-US" altLang="zh-CN" sz="1800" b="0" i="0" u="none" strike="noStrike" cap="none" dirty="0">
-                <a:solidFill>
-                  <a:srgbClr val="000000"/>
-                </a:solidFill>
-                <a:latin typeface="Arial"/>
-                <a:ea typeface="Arial"/>
-                <a:cs typeface="Arial"/>
-                <a:sym typeface="Arial"/>
-              </a:rPr>
-              <a:t>.</a:t>
-            </a:r>
-          </a:p>
-          <a:p>
-            <a:pPr marL="384048" marR="0" lvl="0" indent="-384048" algn="l" defTabSz="914400" rtl="0" eaLnBrk="1" fontAlgn="auto" latinLnBrk="0" hangingPunct="1">
-              <a:lnSpc>
-                <a:spcPct val="94000"/>
-              </a:lnSpc>
-              <a:spcBef>
-                <a:spcPts val="0"/>
-              </a:spcBef>
-              <a:spcAft>
-                <a:spcPts val="0"/>
-              </a:spcAft>
-              <a:buClr>
-                <a:schemeClr val="dk2"/>
-              </a:buClr>
-              <a:buSzPts val="2000"/>
-              <a:buFont typeface="Arial"/>
-              <a:buChar char="■"/>
-              <a:tabLst/>
-              <a:defRPr/>
-            </a:pPr>
-            <a:r>
-              <a:rPr lang="en-US" sz="1800" b="0" i="0" u="none" strike="noStrike" cap="none" dirty="0">
-                <a:solidFill>
-                  <a:srgbClr val="000000"/>
-                </a:solidFill>
-                <a:latin typeface="Arial"/>
-                <a:ea typeface="Arial"/>
-                <a:cs typeface="Arial"/>
-                <a:sym typeface="Arial"/>
-              </a:rPr>
-              <a:t>Scalable with large, sparse data</a:t>
-            </a:r>
-          </a:p>
-          <a:p>
-            <a:pPr marL="384048" lvl="0" indent="-384048" algn="l" rtl="0">
-              <a:lnSpc>
-                <a:spcPct val="94000"/>
-              </a:lnSpc>
-              <a:spcBef>
-                <a:spcPts val="0"/>
-              </a:spcBef>
-              <a:spcAft>
-                <a:spcPts val="0"/>
-              </a:spcAft>
-              <a:buClr>
-                <a:schemeClr val="dk2"/>
-              </a:buClr>
-              <a:buSzPts val="2000"/>
-              <a:buChar char="■"/>
-            </a:pPr>
-            <a:endParaRPr lang="en-US" sz="1800" b="0" i="0" u="none" strike="noStrike" cap="none" dirty="0">
-              <a:solidFill>
-                <a:srgbClr val="000000"/>
-              </a:solidFill>
-              <a:latin typeface="Arial"/>
-              <a:ea typeface="Arial"/>
-              <a:cs typeface="Arial"/>
-              <a:sym typeface="Arial"/>
-            </a:endParaRPr>
-          </a:p>
-        </p:txBody>
-      </p:sp>
-      <p:sp>
-        <p:nvSpPr>
-          <p:cNvPr id="133" name="Google Shape;133;p6:notes"/>
-          <p:cNvSpPr>
-            <a:spLocks noGrp="1" noRot="1" noChangeAspect="1"/>
-          </p:cNvSpPr>
-          <p:nvPr>
-            <p:ph type="sldImg" idx="2"/>
-          </p:nvPr>
-        </p:nvSpPr>
-        <p:spPr>
-          <a:xfrm>
-            <a:off x="381000" y="685800"/>
-            <a:ext cx="6096000" cy="3429000"/>
-          </a:xfrm>
-          <a:custGeom>
-            <a:avLst/>
-            <a:gdLst/>
-            <a:ahLst/>
-            <a:cxnLst/>
-            <a:rect l="l" t="t" r="r" b="b"/>
-            <a:pathLst>
-              <a:path w="120000" h="120000" extrusionOk="0">
-                <a:moveTo>
-                  <a:pt x="0" y="0"/>
-                </a:moveTo>
-                <a:lnTo>
-                  <a:pt x="120000" y="0"/>
-                </a:lnTo>
-                <a:lnTo>
-                  <a:pt x="120000" y="120000"/>
-                </a:lnTo>
-                <a:lnTo>
-                  <a:pt x="0" y="120000"/>
-                </a:lnTo>
-                <a:close/>
-              </a:path>
-            </a:pathLst>
-          </a:custGeom>
-        </p:spPr>
-      </p:sp>
-    </p:spTree>
-  </p:cSld>
-  <p:clrMapOvr>
-    <a:masterClrMapping/>
-  </p:clrMapOvr>
-</p:notes>
-</file>
-
-<file path=ppt/notesSlides/notesSlide12.xml><?xml version="1.0" encoding="utf-8"?>
-<p:notes xmlns:a="http://schemas.openxmlformats.org/drawingml/2006/main" xmlns:r="http://schemas.openxmlformats.org/officeDocument/2006/relationships" xmlns:p="http://schemas.openxmlformats.org/presentationml/2006/main" showMasterSp="0" showMasterPhAnim="0">
-  <p:cSld>
-    <p:spTree>
-      <p:nvGrpSpPr>
-        <p:cNvPr id="1" name="Shape 137"/>
-        <p:cNvGrpSpPr/>
-        <p:nvPr/>
-      </p:nvGrpSpPr>
-      <p:grpSpPr>
-        <a:xfrm>
-          <a:off x="0" y="0"/>
-          <a:ext cx="0" cy="0"/>
-          <a:chOff x="0" y="0"/>
-          <a:chExt cx="0" cy="0"/>
-        </a:xfrm>
-      </p:grpSpPr>
-      <p:sp>
-        <p:nvSpPr>
-          <p:cNvPr id="138" name="Google Shape;138;p7:notes"/>
-          <p:cNvSpPr txBox="1">
-            <a:spLocks noGrp="1"/>
-          </p:cNvSpPr>
-          <p:nvPr>
-            <p:ph type="body" idx="1"/>
-          </p:nvPr>
-        </p:nvSpPr>
-        <p:spPr>
-          <a:xfrm>
-            <a:off x="685800" y="4343400"/>
-            <a:ext cx="5486400" cy="4114800"/>
-          </a:xfrm>
-          <a:prstGeom prst="rect">
-            <a:avLst/>
-          </a:prstGeom>
-        </p:spPr>
-        <p:txBody>
-          <a:bodyPr spcFirstLastPara="1" wrap="square" lIns="91425" tIns="91425" rIns="91425" bIns="91425" anchor="t" anchorCtr="0">
-            <a:noAutofit/>
-          </a:bodyPr>
-          <a:lstStyle/>
-          <a:p>
-            <a:pPr marL="0" lvl="0" indent="0" algn="l" rtl="0">
-              <a:spcBef>
-                <a:spcPts val="0"/>
-              </a:spcBef>
-              <a:spcAft>
-                <a:spcPts val="0"/>
-              </a:spcAft>
-              <a:buNone/>
-            </a:pPr>
-            <a:r>
-              <a:rPr lang="en-US" altLang="zh-CN" dirty="0"/>
-              <a:t>Another</a:t>
-            </a:r>
-            <a:r>
-              <a:rPr lang="zh-CN" altLang="en-US" dirty="0"/>
-              <a:t> </a:t>
-            </a:r>
-            <a:r>
-              <a:rPr lang="en-US" altLang="zh-CN" dirty="0"/>
-              <a:t>method</a:t>
-            </a:r>
-            <a:r>
-              <a:rPr lang="zh-CN" altLang="en-US" dirty="0"/>
-              <a:t> </a:t>
-            </a:r>
-            <a:r>
-              <a:rPr lang="en-US" altLang="zh-CN" dirty="0"/>
-              <a:t>we</a:t>
-            </a:r>
-            <a:r>
-              <a:rPr lang="zh-CN" altLang="en-US" dirty="0"/>
-              <a:t> </a:t>
-            </a:r>
-            <a:r>
-              <a:rPr lang="en-US" altLang="zh-CN" dirty="0"/>
-              <a:t>use</a:t>
-            </a:r>
-            <a:r>
-              <a:rPr lang="zh-CN" altLang="en-US" dirty="0"/>
-              <a:t> </a:t>
-            </a:r>
-            <a:r>
-              <a:rPr lang="en-US" altLang="zh-CN" dirty="0"/>
-              <a:t>is</a:t>
-            </a:r>
-            <a:r>
-              <a:rPr lang="zh-CN" altLang="en-US" dirty="0"/>
-              <a:t> </a:t>
-            </a:r>
-            <a:r>
-              <a:rPr lang="en-US" altLang="zh-CN" dirty="0"/>
-              <a:t>the</a:t>
-            </a:r>
-            <a:r>
-              <a:rPr lang="zh-CN" altLang="en-US" dirty="0"/>
-              <a:t> </a:t>
-            </a:r>
-            <a:r>
-              <a:rPr lang="en-US" altLang="zh-CN" sz="800" b="0" i="0" u="none" strike="noStrike" cap="none" dirty="0">
-                <a:solidFill>
-                  <a:srgbClr val="000000"/>
-                </a:solidFill>
-                <a:latin typeface="Arial"/>
-                <a:ea typeface="Arial"/>
-                <a:cs typeface="Arial"/>
-                <a:sym typeface="Arial"/>
-              </a:rPr>
-              <a:t>Alternative-Least-Squares</a:t>
-            </a:r>
-            <a:r>
-              <a:rPr lang="zh-CN" altLang="en-US" sz="800" b="0" i="0" u="none" strike="noStrike" cap="none" dirty="0">
-                <a:solidFill>
-                  <a:srgbClr val="000000"/>
-                </a:solidFill>
-                <a:latin typeface="Arial"/>
-                <a:ea typeface="Arial"/>
-                <a:cs typeface="Arial"/>
-                <a:sym typeface="Arial"/>
-              </a:rPr>
-              <a:t> </a:t>
-            </a:r>
-            <a:r>
-              <a:rPr lang="en-US" altLang="zh-CN" sz="800" b="0" i="0" u="none" strike="noStrike" cap="none" dirty="0">
-                <a:solidFill>
-                  <a:srgbClr val="000000"/>
-                </a:solidFill>
-                <a:latin typeface="Arial"/>
-                <a:ea typeface="Arial"/>
-                <a:cs typeface="Arial"/>
-                <a:sym typeface="Arial"/>
-              </a:rPr>
-              <a:t>with</a:t>
-            </a:r>
-            <a:r>
-              <a:rPr lang="zh-CN" altLang="en-US" sz="800" b="0" i="0" u="none" strike="noStrike" cap="none" dirty="0">
-                <a:solidFill>
-                  <a:srgbClr val="000000"/>
-                </a:solidFill>
-                <a:latin typeface="Arial"/>
-                <a:ea typeface="Arial"/>
-                <a:cs typeface="Arial"/>
-                <a:sym typeface="Arial"/>
-              </a:rPr>
-              <a:t> </a:t>
-            </a:r>
-            <a:r>
-              <a:rPr lang="en-US" altLang="zh-CN" sz="800" b="0" i="0" u="none" strike="noStrike" cap="none" dirty="0">
-                <a:solidFill>
-                  <a:srgbClr val="000000"/>
-                </a:solidFill>
-                <a:latin typeface="Arial"/>
-                <a:ea typeface="Arial"/>
-                <a:cs typeface="Arial"/>
-                <a:sym typeface="Arial"/>
-              </a:rPr>
-              <a:t>Weighted-</a:t>
-            </a:r>
-            <a:r>
-              <a:rPr lang="en-US" altLang="zh-CN" sz="800" b="0" i="0" u="none" strike="noStrike" cap="none" dirty="0" err="1">
-                <a:solidFill>
-                  <a:srgbClr val="000000"/>
-                </a:solidFill>
-                <a:latin typeface="Arial"/>
-                <a:ea typeface="Arial"/>
-                <a:cs typeface="Arial"/>
-                <a:sym typeface="Arial"/>
-              </a:rPr>
-              <a:t>λ</a:t>
-            </a:r>
-            <a:r>
-              <a:rPr lang="en-US" altLang="zh-CN" sz="800" b="0" i="0" u="none" strike="noStrike" cap="none" dirty="0">
-                <a:solidFill>
-                  <a:srgbClr val="000000"/>
-                </a:solidFill>
-                <a:latin typeface="Arial"/>
-                <a:ea typeface="Arial"/>
-                <a:cs typeface="Arial"/>
-                <a:sym typeface="Arial"/>
-              </a:rPr>
-              <a:t>-Regularization</a:t>
-            </a:r>
-            <a:r>
-              <a:rPr lang="zh-CN" altLang="en-US" sz="800" b="0" i="0" u="none" strike="noStrike" cap="none" dirty="0">
-                <a:solidFill>
-                  <a:srgbClr val="000000"/>
-                </a:solidFill>
-                <a:latin typeface="Arial"/>
-                <a:ea typeface="Arial"/>
-                <a:cs typeface="Arial"/>
-                <a:sym typeface="Arial"/>
-              </a:rPr>
-              <a:t> </a:t>
-            </a:r>
-            <a:r>
-              <a:rPr lang="en-US" altLang="zh-CN" sz="800" b="0" i="0" u="none" strike="noStrike" cap="none" dirty="0">
-                <a:solidFill>
-                  <a:srgbClr val="000000"/>
-                </a:solidFill>
-                <a:latin typeface="Arial"/>
-                <a:ea typeface="Arial"/>
-                <a:cs typeface="Arial"/>
-                <a:sym typeface="Arial"/>
-              </a:rPr>
-              <a:t>(ALS-WR).</a:t>
-            </a:r>
-          </a:p>
-          <a:p>
-            <a:pPr marL="0" lvl="0" indent="0" algn="l" rtl="0">
-              <a:spcBef>
-                <a:spcPts val="0"/>
-              </a:spcBef>
-              <a:spcAft>
-                <a:spcPts val="0"/>
-              </a:spcAft>
-              <a:buNone/>
-            </a:pPr>
-            <a:r>
-              <a:rPr lang="en-US" altLang="zh-CN" sz="800" b="0" i="0" u="none" strike="noStrike" cap="none" dirty="0">
-                <a:solidFill>
-                  <a:srgbClr val="000000"/>
-                </a:solidFill>
-                <a:latin typeface="Arial"/>
-                <a:ea typeface="Arial"/>
-                <a:cs typeface="Arial"/>
-                <a:sym typeface="Arial"/>
-              </a:rPr>
-              <a:t>It</a:t>
-            </a:r>
-            <a:r>
-              <a:rPr lang="zh-CN" altLang="en-US" sz="800" b="0" i="0" u="none" strike="noStrike" cap="none" dirty="0">
-                <a:solidFill>
-                  <a:srgbClr val="000000"/>
-                </a:solidFill>
-                <a:latin typeface="Arial"/>
-                <a:ea typeface="Arial"/>
-                <a:cs typeface="Arial"/>
-                <a:sym typeface="Arial"/>
-              </a:rPr>
-              <a:t> </a:t>
-            </a:r>
-            <a:r>
-              <a:rPr lang="en-US" altLang="zh-CN" sz="800" b="0" i="0" u="none" strike="noStrike" cap="none" dirty="0">
-                <a:solidFill>
-                  <a:srgbClr val="000000"/>
-                </a:solidFill>
-                <a:latin typeface="Arial"/>
-                <a:ea typeface="Arial"/>
-                <a:cs typeface="Arial"/>
-                <a:sym typeface="Arial"/>
-              </a:rPr>
-              <a:t>solve</a:t>
-            </a:r>
-            <a:r>
-              <a:rPr lang="zh-CN" altLang="en-US" sz="800" b="0" i="0" u="none" strike="noStrike" cap="none" dirty="0">
-                <a:solidFill>
-                  <a:srgbClr val="000000"/>
-                </a:solidFill>
-                <a:latin typeface="Arial"/>
-                <a:ea typeface="Arial"/>
-                <a:cs typeface="Arial"/>
-                <a:sym typeface="Arial"/>
-              </a:rPr>
-              <a:t> </a:t>
-            </a:r>
-            <a:r>
-              <a:rPr lang="en-US" altLang="zh-CN" sz="800" b="0" i="0" u="none" strike="noStrike" cap="none" dirty="0">
-                <a:solidFill>
-                  <a:srgbClr val="000000"/>
-                </a:solidFill>
-                <a:latin typeface="Arial"/>
-                <a:ea typeface="Arial"/>
-                <a:cs typeface="Arial"/>
-                <a:sym typeface="Arial"/>
-              </a:rPr>
-              <a:t>the</a:t>
-            </a:r>
-            <a:r>
-              <a:rPr lang="zh-CN" altLang="en-US" sz="800" b="0" i="0" u="none" strike="noStrike" cap="none" dirty="0">
-                <a:solidFill>
-                  <a:srgbClr val="000000"/>
-                </a:solidFill>
-                <a:latin typeface="Arial"/>
-                <a:ea typeface="Arial"/>
-                <a:cs typeface="Arial"/>
-                <a:sym typeface="Arial"/>
-              </a:rPr>
-              <a:t> </a:t>
-            </a:r>
-            <a:r>
-              <a:rPr lang="en-US" altLang="zh-CN" sz="800" b="0" i="0" u="none" strike="noStrike" cap="none" dirty="0">
-                <a:solidFill>
-                  <a:srgbClr val="000000"/>
-                </a:solidFill>
-                <a:latin typeface="Arial"/>
-                <a:ea typeface="Arial"/>
-                <a:cs typeface="Arial"/>
-                <a:sym typeface="Arial"/>
-              </a:rPr>
-              <a:t>low-rank</a:t>
-            </a:r>
-            <a:r>
-              <a:rPr lang="zh-CN" altLang="en-US" sz="800" b="0" i="0" u="none" strike="noStrike" cap="none" dirty="0">
-                <a:solidFill>
-                  <a:srgbClr val="000000"/>
-                </a:solidFill>
-                <a:latin typeface="Arial"/>
-                <a:ea typeface="Arial"/>
-                <a:cs typeface="Arial"/>
-                <a:sym typeface="Arial"/>
-              </a:rPr>
-              <a:t> </a:t>
-            </a:r>
-            <a:r>
-              <a:rPr lang="en-US" altLang="zh-CN" sz="800" b="0" i="0" u="none" strike="noStrike" cap="none" dirty="0">
-                <a:solidFill>
-                  <a:srgbClr val="000000"/>
-                </a:solidFill>
-                <a:latin typeface="Arial"/>
-                <a:ea typeface="Arial"/>
-                <a:cs typeface="Arial"/>
-                <a:sym typeface="Arial"/>
-              </a:rPr>
-              <a:t>matrix</a:t>
-            </a:r>
-            <a:r>
-              <a:rPr lang="zh-CN" altLang="en-US" sz="800" b="0" i="0" u="none" strike="noStrike" cap="none" dirty="0">
-                <a:solidFill>
-                  <a:srgbClr val="000000"/>
-                </a:solidFill>
-                <a:latin typeface="Arial"/>
-                <a:ea typeface="Arial"/>
-                <a:cs typeface="Arial"/>
-                <a:sym typeface="Arial"/>
-              </a:rPr>
-              <a:t> </a:t>
-            </a:r>
-            <a:r>
-              <a:rPr lang="en-US" altLang="zh-CN" sz="800" b="0" i="0" u="none" strike="noStrike" cap="none" dirty="0">
-                <a:solidFill>
-                  <a:srgbClr val="000000"/>
-                </a:solidFill>
-                <a:latin typeface="Arial"/>
-                <a:ea typeface="Arial"/>
-                <a:cs typeface="Arial"/>
-                <a:sym typeface="Arial"/>
-              </a:rPr>
-              <a:t>factorization</a:t>
-            </a:r>
-            <a:r>
-              <a:rPr lang="zh-CN" altLang="en-US" sz="800" b="0" i="0" u="none" strike="noStrike" cap="none" dirty="0">
-                <a:solidFill>
-                  <a:srgbClr val="000000"/>
-                </a:solidFill>
-                <a:latin typeface="Arial"/>
-                <a:ea typeface="Arial"/>
-                <a:cs typeface="Arial"/>
-                <a:sym typeface="Arial"/>
-              </a:rPr>
-              <a:t> </a:t>
-            </a:r>
-            <a:r>
-              <a:rPr lang="en-US" altLang="zh-CN" sz="800" b="0" i="0" u="none" strike="noStrike" cap="none" dirty="0">
-                <a:solidFill>
-                  <a:srgbClr val="000000"/>
-                </a:solidFill>
-                <a:latin typeface="Arial"/>
-                <a:ea typeface="Arial"/>
-                <a:cs typeface="Arial"/>
-                <a:sym typeface="Arial"/>
-              </a:rPr>
-              <a:t>as</a:t>
-            </a:r>
-            <a:r>
-              <a:rPr lang="zh-CN" altLang="en-US" sz="800" b="0" i="0" u="none" strike="noStrike" cap="none" dirty="0">
-                <a:solidFill>
-                  <a:srgbClr val="000000"/>
-                </a:solidFill>
-                <a:latin typeface="Arial"/>
-                <a:ea typeface="Arial"/>
-                <a:cs typeface="Arial"/>
-                <a:sym typeface="Arial"/>
-              </a:rPr>
-              <a:t> </a:t>
-            </a:r>
-            <a:r>
-              <a:rPr lang="en-US" altLang="zh-CN" sz="800" b="0" i="0" u="none" strike="noStrike" cap="none" dirty="0">
-                <a:solidFill>
-                  <a:srgbClr val="000000"/>
-                </a:solidFill>
-                <a:latin typeface="Arial"/>
-                <a:ea typeface="Arial"/>
-                <a:cs typeface="Arial"/>
-                <a:sym typeface="Arial"/>
-              </a:rPr>
-              <a:t>the</a:t>
-            </a:r>
-            <a:r>
-              <a:rPr lang="zh-CN" altLang="en-US" sz="800" b="0" i="0" u="none" strike="noStrike" cap="none" dirty="0">
-                <a:solidFill>
-                  <a:srgbClr val="000000"/>
-                </a:solidFill>
-                <a:latin typeface="Arial"/>
-                <a:ea typeface="Arial"/>
-                <a:cs typeface="Arial"/>
-                <a:sym typeface="Arial"/>
-              </a:rPr>
-              <a:t> </a:t>
-            </a:r>
-            <a:r>
-              <a:rPr lang="en-US" altLang="zh-CN" sz="800" b="0" i="0" u="none" strike="noStrike" cap="none" dirty="0">
-                <a:solidFill>
-                  <a:srgbClr val="000000"/>
-                </a:solidFill>
-                <a:latin typeface="Arial"/>
-                <a:ea typeface="Arial"/>
-                <a:cs typeface="Arial"/>
-                <a:sym typeface="Arial"/>
-              </a:rPr>
-              <a:t>four</a:t>
-            </a:r>
-            <a:r>
-              <a:rPr lang="zh-CN" altLang="en-US" sz="800" b="0" i="0" u="none" strike="noStrike" cap="none" dirty="0">
-                <a:solidFill>
-                  <a:srgbClr val="000000"/>
-                </a:solidFill>
-                <a:latin typeface="Arial"/>
-                <a:ea typeface="Arial"/>
-                <a:cs typeface="Arial"/>
-                <a:sym typeface="Arial"/>
-              </a:rPr>
-              <a:t> </a:t>
-            </a:r>
-            <a:r>
-              <a:rPr lang="en-US" altLang="zh-CN" sz="800" b="0" i="0" u="none" strike="noStrike" cap="none" dirty="0">
-                <a:solidFill>
-                  <a:srgbClr val="000000"/>
-                </a:solidFill>
-                <a:latin typeface="Arial"/>
-                <a:ea typeface="Arial"/>
-                <a:cs typeface="Arial"/>
-                <a:sym typeface="Arial"/>
-              </a:rPr>
-              <a:t>steps</a:t>
-            </a:r>
-            <a:r>
-              <a:rPr lang="zh-CN" altLang="en-US" sz="800" b="0" i="0" u="none" strike="noStrike" cap="none" dirty="0">
-                <a:solidFill>
-                  <a:srgbClr val="000000"/>
-                </a:solidFill>
-                <a:latin typeface="Arial"/>
-                <a:ea typeface="Arial"/>
-                <a:cs typeface="Arial"/>
-                <a:sym typeface="Arial"/>
-              </a:rPr>
-              <a:t> </a:t>
-            </a:r>
-            <a:r>
-              <a:rPr lang="en-US" altLang="zh-CN" sz="800" b="0" i="0" u="none" strike="noStrike" cap="none" dirty="0">
-                <a:solidFill>
-                  <a:srgbClr val="000000"/>
-                </a:solidFill>
-                <a:latin typeface="Arial"/>
-                <a:ea typeface="Arial"/>
-                <a:cs typeface="Arial"/>
-                <a:sym typeface="Arial"/>
-              </a:rPr>
-              <a:t>above.</a:t>
-            </a:r>
-          </a:p>
-          <a:p>
-            <a:pPr marL="0" lvl="0" indent="0" algn="l" rtl="0">
-              <a:spcBef>
-                <a:spcPts val="0"/>
-              </a:spcBef>
-              <a:spcAft>
-                <a:spcPts val="0"/>
-              </a:spcAft>
-              <a:buNone/>
-            </a:pPr>
-            <a:r>
-              <a:rPr lang="en-US" altLang="zh-CN" sz="800" b="0" i="0" u="none" strike="noStrike" cap="none" dirty="0">
-                <a:solidFill>
-                  <a:srgbClr val="000000"/>
-                </a:solidFill>
-                <a:latin typeface="Arial"/>
-                <a:ea typeface="Arial"/>
-                <a:cs typeface="Arial"/>
-                <a:sym typeface="Arial"/>
-              </a:rPr>
-              <a:t>It</a:t>
-            </a:r>
-            <a:r>
-              <a:rPr lang="zh-CN" altLang="en-US" sz="800" b="0" i="0" u="none" strike="noStrike" cap="none" dirty="0">
-                <a:solidFill>
-                  <a:srgbClr val="000000"/>
-                </a:solidFill>
-                <a:latin typeface="Arial"/>
-                <a:ea typeface="Arial"/>
-                <a:cs typeface="Arial"/>
-                <a:sym typeface="Arial"/>
-              </a:rPr>
-              <a:t> </a:t>
-            </a:r>
-            <a:r>
-              <a:rPr lang="en-US" altLang="zh-CN" sz="800" b="0" i="0" u="none" strike="noStrike" cap="none" dirty="0">
-                <a:solidFill>
-                  <a:srgbClr val="000000"/>
-                </a:solidFill>
-                <a:latin typeface="Arial"/>
-                <a:ea typeface="Arial"/>
-                <a:cs typeface="Arial"/>
-                <a:sym typeface="Arial"/>
-              </a:rPr>
-              <a:t>can</a:t>
-            </a:r>
-            <a:r>
-              <a:rPr lang="zh-CN" altLang="en-US" sz="800" b="0" i="0" u="none" strike="noStrike" cap="none" dirty="0">
-                <a:solidFill>
-                  <a:srgbClr val="000000"/>
-                </a:solidFill>
-                <a:latin typeface="Arial"/>
-                <a:ea typeface="Arial"/>
-                <a:cs typeface="Arial"/>
-                <a:sym typeface="Arial"/>
-              </a:rPr>
-              <a:t> </a:t>
-            </a:r>
-            <a:r>
-              <a:rPr lang="en-US" altLang="zh-CN" sz="800" b="0" i="0" u="none" strike="noStrike" cap="none" dirty="0">
-                <a:solidFill>
-                  <a:srgbClr val="000000"/>
-                </a:solidFill>
-                <a:latin typeface="Arial"/>
-                <a:ea typeface="Arial"/>
-                <a:cs typeface="Arial"/>
-                <a:sym typeface="Arial"/>
-              </a:rPr>
-              <a:t>deal</a:t>
-            </a:r>
-            <a:r>
-              <a:rPr lang="zh-CN" altLang="en-US" sz="800" b="0" i="0" u="none" strike="noStrike" cap="none" dirty="0">
-                <a:solidFill>
-                  <a:srgbClr val="000000"/>
-                </a:solidFill>
-                <a:latin typeface="Arial"/>
-                <a:ea typeface="Arial"/>
-                <a:cs typeface="Arial"/>
-                <a:sym typeface="Arial"/>
-              </a:rPr>
-              <a:t> </a:t>
-            </a:r>
-            <a:r>
-              <a:rPr lang="en-US" altLang="zh-CN" sz="800" b="0" i="0" u="none" strike="noStrike" cap="none" dirty="0">
-                <a:solidFill>
-                  <a:srgbClr val="000000"/>
-                </a:solidFill>
-                <a:latin typeface="Arial"/>
-                <a:ea typeface="Arial"/>
-                <a:cs typeface="Arial"/>
-                <a:sym typeface="Arial"/>
-              </a:rPr>
-              <a:t>with</a:t>
-            </a:r>
-            <a:r>
-              <a:rPr lang="zh-CN" altLang="en-US" sz="800" b="0" i="0" u="none" strike="noStrike" cap="none" dirty="0">
-                <a:solidFill>
-                  <a:srgbClr val="000000"/>
-                </a:solidFill>
-                <a:latin typeface="Arial"/>
-                <a:ea typeface="Arial"/>
-                <a:cs typeface="Arial"/>
-                <a:sym typeface="Arial"/>
-              </a:rPr>
-              <a:t> </a:t>
-            </a:r>
-            <a:r>
-              <a:rPr lang="en-US" altLang="zh-CN" sz="800" b="0" i="0" u="none" strike="noStrike" cap="none" dirty="0">
-                <a:solidFill>
-                  <a:srgbClr val="000000"/>
-                </a:solidFill>
-                <a:latin typeface="Arial"/>
-                <a:ea typeface="Arial"/>
-                <a:cs typeface="Arial"/>
-                <a:sym typeface="Arial"/>
-              </a:rPr>
-              <a:t>the</a:t>
-            </a:r>
-            <a:r>
-              <a:rPr lang="zh-CN" altLang="en-US" sz="800" b="0" i="0" u="none" strike="noStrike" cap="none" dirty="0">
-                <a:solidFill>
-                  <a:srgbClr val="000000"/>
-                </a:solidFill>
-                <a:latin typeface="Arial"/>
-                <a:ea typeface="Arial"/>
-                <a:cs typeface="Arial"/>
-                <a:sym typeface="Arial"/>
-              </a:rPr>
-              <a:t> </a:t>
-            </a:r>
-            <a:r>
-              <a:rPr lang="en-US" altLang="zh-CN" sz="800" b="0" i="0" u="none" strike="noStrike" cap="none" dirty="0">
-                <a:solidFill>
-                  <a:srgbClr val="000000"/>
-                </a:solidFill>
-                <a:latin typeface="Arial"/>
-                <a:ea typeface="Arial"/>
-                <a:cs typeface="Arial"/>
-                <a:sym typeface="Arial"/>
-              </a:rPr>
-              <a:t>problems</a:t>
-            </a:r>
-            <a:r>
-              <a:rPr lang="zh-CN" altLang="en-US" sz="800" b="0" i="0" u="none" strike="noStrike" cap="none" dirty="0">
-                <a:solidFill>
-                  <a:srgbClr val="000000"/>
-                </a:solidFill>
-                <a:latin typeface="Arial"/>
-                <a:ea typeface="Arial"/>
-                <a:cs typeface="Arial"/>
-                <a:sym typeface="Arial"/>
-              </a:rPr>
-              <a:t> </a:t>
-            </a:r>
-            <a:r>
-              <a:rPr lang="en-US" altLang="zh-CN" sz="800" b="0" i="0" u="none" strike="noStrike" cap="none" dirty="0">
-                <a:solidFill>
-                  <a:srgbClr val="000000"/>
-                </a:solidFill>
-                <a:latin typeface="Arial"/>
-                <a:ea typeface="Arial"/>
-                <a:cs typeface="Arial"/>
-                <a:sym typeface="Arial"/>
-              </a:rPr>
-              <a:t>with</a:t>
-            </a:r>
-            <a:r>
-              <a:rPr lang="zh-CN" altLang="en-US" sz="800" b="0" i="0" u="none" strike="noStrike" cap="none" dirty="0">
-                <a:solidFill>
-                  <a:srgbClr val="000000"/>
-                </a:solidFill>
-                <a:latin typeface="Arial"/>
-                <a:ea typeface="Arial"/>
-                <a:cs typeface="Arial"/>
-                <a:sym typeface="Arial"/>
-              </a:rPr>
-              <a:t> </a:t>
-            </a:r>
-            <a:r>
-              <a:rPr lang="en-US" altLang="zh-CN" sz="800" b="0" i="0" u="none" strike="noStrike" cap="none" dirty="0">
-                <a:solidFill>
-                  <a:srgbClr val="000000"/>
-                </a:solidFill>
-                <a:latin typeface="Arial"/>
-                <a:ea typeface="Arial"/>
-                <a:cs typeface="Arial"/>
-                <a:sym typeface="Arial"/>
-              </a:rPr>
-              <a:t>too</a:t>
-            </a:r>
-            <a:r>
-              <a:rPr lang="zh-CN" altLang="en-US" sz="800" b="0" i="0" u="none" strike="noStrike" cap="none" dirty="0">
-                <a:solidFill>
-                  <a:srgbClr val="000000"/>
-                </a:solidFill>
-                <a:latin typeface="Arial"/>
-                <a:ea typeface="Arial"/>
-                <a:cs typeface="Arial"/>
-                <a:sym typeface="Arial"/>
-              </a:rPr>
-              <a:t> </a:t>
-            </a:r>
-            <a:r>
-              <a:rPr lang="en-US" altLang="zh-CN" sz="800" b="0" i="0" u="none" strike="noStrike" cap="none" dirty="0">
-                <a:solidFill>
-                  <a:srgbClr val="000000"/>
-                </a:solidFill>
-                <a:latin typeface="Arial"/>
-                <a:ea typeface="Arial"/>
-                <a:cs typeface="Arial"/>
-                <a:sym typeface="Arial"/>
-              </a:rPr>
-              <a:t>many</a:t>
-            </a:r>
-            <a:r>
-              <a:rPr lang="zh-CN" altLang="en-US" sz="800" b="0" i="0" u="none" strike="noStrike" cap="none" dirty="0">
-                <a:solidFill>
-                  <a:srgbClr val="000000"/>
-                </a:solidFill>
-                <a:latin typeface="Arial"/>
-                <a:ea typeface="Arial"/>
-                <a:cs typeface="Arial"/>
-                <a:sym typeface="Arial"/>
-              </a:rPr>
-              <a:t> </a:t>
-            </a:r>
-            <a:r>
-              <a:rPr lang="en-US" altLang="zh-CN" sz="800" b="0" i="0" u="none" strike="noStrike" cap="none" dirty="0">
-                <a:solidFill>
-                  <a:srgbClr val="000000"/>
-                </a:solidFill>
-                <a:latin typeface="Arial"/>
-                <a:ea typeface="Arial"/>
-                <a:cs typeface="Arial"/>
-                <a:sym typeface="Arial"/>
-              </a:rPr>
-              <a:t>missing</a:t>
-            </a:r>
-            <a:r>
-              <a:rPr lang="zh-CN" altLang="en-US" sz="800" b="0" i="0" u="none" strike="noStrike" cap="none" dirty="0">
-                <a:solidFill>
-                  <a:srgbClr val="000000"/>
-                </a:solidFill>
-                <a:latin typeface="Arial"/>
-                <a:ea typeface="Arial"/>
-                <a:cs typeface="Arial"/>
-                <a:sym typeface="Arial"/>
-              </a:rPr>
-              <a:t> </a:t>
-            </a:r>
-            <a:r>
-              <a:rPr lang="en-US" altLang="zh-CN" sz="800" b="0" i="0" u="none" strike="noStrike" cap="none" dirty="0">
-                <a:solidFill>
-                  <a:srgbClr val="000000"/>
-                </a:solidFill>
-                <a:latin typeface="Arial"/>
-                <a:ea typeface="Arial"/>
-                <a:cs typeface="Arial"/>
-                <a:sym typeface="Arial"/>
-              </a:rPr>
-              <a:t>elements</a:t>
-            </a:r>
-            <a:r>
-              <a:rPr lang="zh-CN" altLang="en-US" sz="800" b="0" i="0" u="none" strike="noStrike" cap="none" dirty="0">
-                <a:solidFill>
-                  <a:srgbClr val="000000"/>
-                </a:solidFill>
-                <a:latin typeface="Arial"/>
-                <a:ea typeface="Arial"/>
-                <a:cs typeface="Arial"/>
-                <a:sym typeface="Arial"/>
-              </a:rPr>
-              <a:t> </a:t>
-            </a:r>
-            <a:r>
-              <a:rPr lang="en-US" altLang="zh-CN" sz="800" b="0" i="0" u="none" strike="noStrike" cap="none" dirty="0">
-                <a:solidFill>
-                  <a:srgbClr val="000000"/>
-                </a:solidFill>
-                <a:latin typeface="Arial"/>
-                <a:ea typeface="Arial"/>
-                <a:cs typeface="Arial"/>
-                <a:sym typeface="Arial"/>
-              </a:rPr>
-              <a:t>in</a:t>
-            </a:r>
-            <a:r>
-              <a:rPr lang="zh-CN" altLang="en-US" sz="800" b="0" i="0" u="none" strike="noStrike" cap="none" dirty="0">
-                <a:solidFill>
-                  <a:srgbClr val="000000"/>
-                </a:solidFill>
-                <a:latin typeface="Arial"/>
-                <a:ea typeface="Arial"/>
-                <a:cs typeface="Arial"/>
-                <a:sym typeface="Arial"/>
-              </a:rPr>
-              <a:t> </a:t>
-            </a:r>
-            <a:r>
-              <a:rPr lang="en-US" altLang="zh-CN" sz="800" b="0" i="0" u="none" strike="noStrike" cap="none" dirty="0">
-                <a:solidFill>
-                  <a:srgbClr val="000000"/>
-                </a:solidFill>
-                <a:latin typeface="Arial"/>
-                <a:ea typeface="Arial"/>
-                <a:cs typeface="Arial"/>
-                <a:sym typeface="Arial"/>
-              </a:rPr>
-              <a:t>rating</a:t>
-            </a:r>
-            <a:r>
-              <a:rPr lang="zh-CN" altLang="en-US" sz="800" b="0" i="0" u="none" strike="noStrike" cap="none" dirty="0">
-                <a:solidFill>
-                  <a:srgbClr val="000000"/>
-                </a:solidFill>
-                <a:latin typeface="Arial"/>
-                <a:ea typeface="Arial"/>
-                <a:cs typeface="Arial"/>
-                <a:sym typeface="Arial"/>
-              </a:rPr>
-              <a:t> </a:t>
-            </a:r>
-            <a:r>
-              <a:rPr lang="en-US" altLang="zh-CN" sz="800" b="0" i="0" u="none" strike="noStrike" cap="none" dirty="0">
-                <a:solidFill>
-                  <a:srgbClr val="000000"/>
-                </a:solidFill>
-                <a:latin typeface="Arial"/>
-                <a:ea typeface="Arial"/>
-                <a:cs typeface="Arial"/>
-                <a:sym typeface="Arial"/>
-              </a:rPr>
-              <a:t>matrix</a:t>
-            </a:r>
-            <a:r>
-              <a:rPr lang="zh-CN" altLang="en-US" sz="800" b="0" i="0" u="none" strike="noStrike" cap="none" dirty="0">
-                <a:solidFill>
-                  <a:srgbClr val="000000"/>
-                </a:solidFill>
-                <a:latin typeface="Arial"/>
-                <a:ea typeface="Arial"/>
-                <a:cs typeface="Arial"/>
-                <a:sym typeface="Arial"/>
-              </a:rPr>
-              <a:t> </a:t>
-            </a:r>
-            <a:r>
-              <a:rPr lang="en-US" altLang="zh-CN" sz="800" b="0" i="0" u="none" strike="noStrike" cap="none" dirty="0">
-                <a:solidFill>
-                  <a:srgbClr val="000000"/>
-                </a:solidFill>
-                <a:latin typeface="Arial"/>
-                <a:ea typeface="Arial"/>
-                <a:cs typeface="Arial"/>
-                <a:sym typeface="Arial"/>
-              </a:rPr>
-              <a:t>R.</a:t>
-            </a:r>
-          </a:p>
-          <a:p>
-            <a:pPr marL="0" marR="0" lvl="0" indent="0" algn="l" defTabSz="914400" rtl="0" eaLnBrk="1" fontAlgn="auto" latinLnBrk="0" hangingPunct="1">
-              <a:lnSpc>
-                <a:spcPct val="100000"/>
-              </a:lnSpc>
-              <a:spcBef>
-                <a:spcPts val="0"/>
-              </a:spcBef>
-              <a:spcAft>
-                <a:spcPts val="0"/>
-              </a:spcAft>
-              <a:buClr>
-                <a:srgbClr val="000000"/>
-              </a:buClr>
-              <a:buSzPts val="1100"/>
-              <a:buFont typeface="Arial"/>
-              <a:buNone/>
-              <a:tabLst/>
-              <a:defRPr/>
-            </a:pPr>
-            <a:r>
-              <a:rPr lang="en-US" altLang="zh-CN" sz="800" b="0" i="0" u="none" strike="noStrike" cap="none" dirty="0">
-                <a:solidFill>
-                  <a:srgbClr val="000000"/>
-                </a:solidFill>
-                <a:latin typeface="Arial"/>
-                <a:ea typeface="Arial"/>
-                <a:cs typeface="Arial"/>
-                <a:sym typeface="Arial"/>
-              </a:rPr>
-              <a:t>Also</a:t>
-            </a:r>
-            <a:r>
-              <a:rPr lang="zh-CN" altLang="en-US" sz="800" b="0" i="0" u="none" strike="noStrike" cap="none" dirty="0">
-                <a:solidFill>
-                  <a:srgbClr val="000000"/>
-                </a:solidFill>
-                <a:latin typeface="Arial"/>
-                <a:ea typeface="Arial"/>
-                <a:cs typeface="Arial"/>
-                <a:sym typeface="Arial"/>
-              </a:rPr>
-              <a:t> </a:t>
-            </a:r>
-            <a:r>
-              <a:rPr lang="en-US" altLang="zh-CN" sz="1100" b="0" i="0" u="none" strike="noStrike" cap="none" dirty="0">
-                <a:solidFill>
-                  <a:srgbClr val="000000"/>
-                </a:solidFill>
-                <a:effectLst/>
-                <a:latin typeface="Arial"/>
-                <a:ea typeface="Arial"/>
-                <a:cs typeface="Arial"/>
-                <a:sym typeface="Arial"/>
-              </a:rPr>
-              <a:t>because</a:t>
-            </a:r>
-            <a:r>
-              <a:rPr lang="en-US" sz="1100" b="0" i="0" u="none" strike="noStrike" cap="none" dirty="0">
-                <a:solidFill>
-                  <a:srgbClr val="000000"/>
-                </a:solidFill>
-                <a:effectLst/>
-                <a:latin typeface="Arial"/>
-                <a:ea typeface="Arial"/>
-                <a:cs typeface="Arial"/>
-                <a:sym typeface="Arial"/>
-              </a:rPr>
-              <a:t> there are many free parameters. </a:t>
-            </a:r>
-            <a:r>
-              <a:rPr lang="en-US" altLang="zh-CN" sz="1100" b="0" i="0" u="none" strike="noStrike" cap="none" dirty="0">
-                <a:solidFill>
-                  <a:srgbClr val="000000"/>
-                </a:solidFill>
-                <a:effectLst/>
-                <a:latin typeface="Arial"/>
-                <a:ea typeface="Arial"/>
-                <a:cs typeface="Arial"/>
-                <a:sym typeface="Arial"/>
-              </a:rPr>
-              <a:t>w</a:t>
-            </a:r>
-            <a:r>
-              <a:rPr lang="en-US" sz="1100" b="0" i="0" u="none" strike="noStrike" cap="none" dirty="0">
-                <a:solidFill>
-                  <a:srgbClr val="000000"/>
-                </a:solidFill>
-                <a:effectLst/>
-                <a:latin typeface="Arial"/>
-                <a:ea typeface="Arial"/>
-                <a:cs typeface="Arial"/>
-                <a:sym typeface="Arial"/>
-              </a:rPr>
-              <a:t>ithout regularization, ALS might lead to overfitting. </a:t>
-            </a:r>
-          </a:p>
-          <a:p>
-            <a:pPr marL="0" marR="0" lvl="0" indent="0" algn="l" defTabSz="914400" rtl="0" eaLnBrk="1" fontAlgn="auto" latinLnBrk="0" hangingPunct="1">
-              <a:lnSpc>
-                <a:spcPct val="100000"/>
-              </a:lnSpc>
-              <a:spcBef>
-                <a:spcPts val="0"/>
-              </a:spcBef>
-              <a:spcAft>
-                <a:spcPts val="0"/>
-              </a:spcAft>
-              <a:buClr>
-                <a:srgbClr val="000000"/>
-              </a:buClr>
-              <a:buSzPts val="1100"/>
-              <a:buFont typeface="Arial"/>
-              <a:buNone/>
-              <a:tabLst/>
-              <a:defRPr/>
-            </a:pPr>
-            <a:r>
-              <a:rPr lang="en-US" altLang="zh-CN" sz="1100" b="0" i="0" u="none" strike="noStrike" cap="none" dirty="0">
-                <a:solidFill>
-                  <a:srgbClr val="000000"/>
-                </a:solidFill>
-                <a:effectLst/>
-                <a:latin typeface="Arial"/>
-                <a:ea typeface="Arial"/>
-                <a:cs typeface="Arial"/>
-                <a:sym typeface="Arial"/>
-              </a:rPr>
-              <a:t>Finally</a:t>
-            </a:r>
-            <a:r>
-              <a:rPr lang="zh-CN" altLang="en-US" sz="1100" b="0" i="0" u="none" strike="noStrike" cap="none" dirty="0">
-                <a:solidFill>
-                  <a:srgbClr val="000000"/>
-                </a:solidFill>
-                <a:effectLst/>
-                <a:latin typeface="Arial"/>
-                <a:ea typeface="Arial"/>
-                <a:cs typeface="Arial"/>
-                <a:sym typeface="Arial"/>
-              </a:rPr>
-              <a:t> </a:t>
-            </a:r>
-            <a:r>
-              <a:rPr lang="en-US" altLang="zh-CN" sz="1100" b="0" i="0" u="none" strike="noStrike" cap="none" dirty="0">
-                <a:solidFill>
-                  <a:srgbClr val="000000"/>
-                </a:solidFill>
-                <a:effectLst/>
-                <a:latin typeface="Arial"/>
-                <a:ea typeface="Arial"/>
-                <a:cs typeface="Arial"/>
-                <a:sym typeface="Arial"/>
-              </a:rPr>
-              <a:t>the</a:t>
-            </a:r>
-            <a:r>
-              <a:rPr lang="zh-CN" altLang="en-US" sz="1100" b="0" i="0" u="none" strike="noStrike" cap="none" dirty="0">
-                <a:solidFill>
-                  <a:srgbClr val="000000"/>
-                </a:solidFill>
-                <a:effectLst/>
-                <a:latin typeface="Arial"/>
-                <a:ea typeface="Arial"/>
-                <a:cs typeface="Arial"/>
-                <a:sym typeface="Arial"/>
-              </a:rPr>
-              <a:t> </a:t>
-            </a:r>
-            <a:r>
-              <a:rPr lang="en-US" sz="1100" b="0" i="0" u="none" strike="noStrike" cap="none" dirty="0">
-                <a:solidFill>
-                  <a:srgbClr val="000000"/>
-                </a:solidFill>
-                <a:effectLst/>
-                <a:latin typeface="Arial"/>
-                <a:ea typeface="Arial"/>
-                <a:cs typeface="Arial"/>
-                <a:sym typeface="Arial"/>
-              </a:rPr>
-              <a:t>weighted-</a:t>
-            </a:r>
-            <a:r>
-              <a:rPr lang="el-GR" sz="1100" b="0" i="0" u="none" strike="noStrike" cap="none" dirty="0">
-                <a:solidFill>
-                  <a:srgbClr val="000000"/>
-                </a:solidFill>
-                <a:effectLst/>
-                <a:latin typeface="Arial"/>
-                <a:ea typeface="Arial"/>
-                <a:cs typeface="Arial"/>
-                <a:sym typeface="Arial"/>
-              </a:rPr>
-              <a:t>λ-</a:t>
-            </a:r>
-            <a:r>
-              <a:rPr lang="en-US" sz="1100" b="0" i="0" u="none" strike="noStrike" cap="none" dirty="0">
-                <a:solidFill>
-                  <a:srgbClr val="000000"/>
-                </a:solidFill>
-                <a:effectLst/>
-                <a:latin typeface="Arial"/>
-                <a:ea typeface="Arial"/>
-                <a:cs typeface="Arial"/>
-                <a:sym typeface="Arial"/>
-              </a:rPr>
-              <a:t>regularization work</a:t>
-            </a:r>
-            <a:r>
-              <a:rPr lang="en-US" altLang="zh-CN" sz="1100" b="0" i="0" u="none" strike="noStrike" cap="none" dirty="0">
-                <a:solidFill>
-                  <a:srgbClr val="000000"/>
-                </a:solidFill>
-                <a:effectLst/>
-                <a:latin typeface="Arial"/>
-                <a:ea typeface="Arial"/>
-                <a:cs typeface="Arial"/>
-                <a:sym typeface="Arial"/>
-              </a:rPr>
-              <a:t>s</a:t>
-            </a:r>
-            <a:r>
-              <a:rPr lang="en-US" sz="1100" b="0" i="0" u="none" strike="noStrike" cap="none" dirty="0">
-                <a:solidFill>
-                  <a:srgbClr val="000000"/>
-                </a:solidFill>
-                <a:effectLst/>
-                <a:latin typeface="Arial"/>
-                <a:ea typeface="Arial"/>
-                <a:cs typeface="Arial"/>
-                <a:sym typeface="Arial"/>
-              </a:rPr>
-              <a:t> the best</a:t>
-            </a:r>
-            <a:r>
-              <a:rPr lang="zh-CN" altLang="en-US" sz="1100" b="0" i="0" u="none" strike="noStrike" cap="none" dirty="0">
-                <a:solidFill>
-                  <a:srgbClr val="000000"/>
-                </a:solidFill>
-                <a:effectLst/>
-                <a:latin typeface="Arial"/>
-                <a:ea typeface="Arial"/>
-                <a:cs typeface="Arial"/>
-                <a:sym typeface="Arial"/>
-              </a:rPr>
-              <a:t> </a:t>
-            </a:r>
-            <a:r>
-              <a:rPr lang="en-US" altLang="zh-CN" sz="1100" b="0" i="0" u="none" strike="noStrike" cap="none" dirty="0">
-                <a:solidFill>
-                  <a:srgbClr val="000000"/>
-                </a:solidFill>
-                <a:effectLst/>
-                <a:latin typeface="Arial"/>
-                <a:ea typeface="Arial"/>
-                <a:cs typeface="Arial"/>
-                <a:sym typeface="Arial"/>
-              </a:rPr>
-              <a:t>to</a:t>
-            </a:r>
-            <a:r>
-              <a:rPr lang="zh-CN" altLang="en-US" sz="1100" b="0" i="0" u="none" strike="noStrike" cap="none" dirty="0">
-                <a:solidFill>
-                  <a:srgbClr val="000000"/>
-                </a:solidFill>
-                <a:effectLst/>
-                <a:latin typeface="Arial"/>
-                <a:ea typeface="Arial"/>
-                <a:cs typeface="Arial"/>
-                <a:sym typeface="Arial"/>
-              </a:rPr>
-              <a:t> </a:t>
-            </a:r>
-            <a:r>
-              <a:rPr lang="en-US" altLang="zh-CN" sz="1100" b="0" i="0" u="none" strike="noStrike" cap="none" dirty="0">
-                <a:solidFill>
-                  <a:srgbClr val="000000"/>
-                </a:solidFill>
-                <a:effectLst/>
-                <a:latin typeface="Arial"/>
-                <a:ea typeface="Arial"/>
-                <a:cs typeface="Arial"/>
-                <a:sym typeface="Arial"/>
-              </a:rPr>
-              <a:t>avoid</a:t>
-            </a:r>
-            <a:r>
-              <a:rPr lang="zh-CN" altLang="en-US" sz="1100" b="0" i="0" u="none" strike="noStrike" cap="none" dirty="0">
-                <a:solidFill>
-                  <a:srgbClr val="000000"/>
-                </a:solidFill>
-                <a:effectLst/>
-                <a:latin typeface="Arial"/>
-                <a:ea typeface="Arial"/>
-                <a:cs typeface="Arial"/>
-                <a:sym typeface="Arial"/>
-              </a:rPr>
-              <a:t> </a:t>
-            </a:r>
-            <a:r>
-              <a:rPr lang="en-US" sz="1100" b="0" i="0" u="none" strike="noStrike" cap="none" dirty="0">
-                <a:solidFill>
-                  <a:srgbClr val="000000"/>
-                </a:solidFill>
-                <a:effectLst/>
-                <a:latin typeface="Arial"/>
-                <a:ea typeface="Arial"/>
-                <a:cs typeface="Arial"/>
-                <a:sym typeface="Arial"/>
-              </a:rPr>
-              <a:t>overfit</a:t>
-            </a:r>
-            <a:r>
-              <a:rPr lang="en-US" altLang="zh-CN" sz="1100" b="0" i="0" u="none" strike="noStrike" cap="none" dirty="0">
-                <a:solidFill>
-                  <a:srgbClr val="000000"/>
-                </a:solidFill>
-                <a:effectLst/>
-                <a:latin typeface="Arial"/>
-                <a:ea typeface="Arial"/>
-                <a:cs typeface="Arial"/>
-                <a:sym typeface="Arial"/>
-              </a:rPr>
-              <a:t>ting</a:t>
-            </a:r>
-            <a:r>
-              <a:rPr lang="en-US" sz="1100" b="0" i="0" u="none" strike="noStrike" cap="none" dirty="0">
-                <a:solidFill>
-                  <a:srgbClr val="000000"/>
-                </a:solidFill>
-                <a:effectLst/>
-                <a:latin typeface="Arial"/>
-                <a:ea typeface="Arial"/>
-                <a:cs typeface="Arial"/>
-                <a:sym typeface="Arial"/>
-              </a:rPr>
-              <a:t> the test data when we increase the number of features or number of iterations. </a:t>
-            </a:r>
-            <a:endParaRPr lang="en-US" sz="800" dirty="0"/>
-          </a:p>
-          <a:p>
-            <a:pPr marL="0" lvl="0" indent="0" algn="l" rtl="0">
-              <a:spcBef>
-                <a:spcPts val="0"/>
-              </a:spcBef>
-              <a:spcAft>
-                <a:spcPts val="0"/>
-              </a:spcAft>
-              <a:buNone/>
-            </a:pPr>
-            <a:endParaRPr lang="en-US" altLang="zh-CN" sz="800" b="0" i="0" u="none" strike="noStrike" cap="none" dirty="0">
-              <a:solidFill>
-                <a:srgbClr val="000000"/>
-              </a:solidFill>
-              <a:latin typeface="Arial"/>
-              <a:ea typeface="Arial"/>
-              <a:cs typeface="Arial"/>
-              <a:sym typeface="Arial"/>
-            </a:endParaRPr>
-          </a:p>
-        </p:txBody>
-      </p:sp>
-      <p:sp>
-        <p:nvSpPr>
-          <p:cNvPr id="139" name="Google Shape;139;p7:notes"/>
-          <p:cNvSpPr>
-            <a:spLocks noGrp="1" noRot="1" noChangeAspect="1"/>
-          </p:cNvSpPr>
-          <p:nvPr>
-            <p:ph type="sldImg" idx="2"/>
-          </p:nvPr>
-        </p:nvSpPr>
-        <p:spPr>
-          <a:xfrm>
-            <a:off x="381000" y="685800"/>
-            <a:ext cx="6096000" cy="3429000"/>
-          </a:xfrm>
-          <a:custGeom>
-            <a:avLst/>
-            <a:gdLst/>
-            <a:ahLst/>
-            <a:cxnLst/>
-            <a:rect l="l" t="t" r="r" b="b"/>
-            <a:pathLst>
-              <a:path w="120000" h="120000" extrusionOk="0">
-                <a:moveTo>
-                  <a:pt x="0" y="0"/>
-                </a:moveTo>
-                <a:lnTo>
-                  <a:pt x="120000" y="0"/>
-                </a:lnTo>
-                <a:lnTo>
-                  <a:pt x="120000" y="120000"/>
-                </a:lnTo>
-                <a:lnTo>
-                  <a:pt x="0" y="120000"/>
-                </a:lnTo>
-                <a:close/>
-              </a:path>
-            </a:pathLst>
-          </a:custGeom>
-        </p:spPr>
-      </p:sp>
-    </p:spTree>
-  </p:cSld>
-  <p:clrMapOvr>
-    <a:masterClrMapping/>
-  </p:clrMapOvr>
-</p:notes>
-</file>
-
-<file path=ppt/notesSlides/notesSlide13.xml><?xml version="1.0" encoding="utf-8"?>
-<p:notes xmlns:a="http://schemas.openxmlformats.org/drawingml/2006/main" xmlns:r="http://schemas.openxmlformats.org/officeDocument/2006/relationships" xmlns:p="http://schemas.openxmlformats.org/presentationml/2006/main" showMasterSp="0" showMasterPhAnim="0">
-  <p:cSld>
-    <p:spTree>
-      <p:nvGrpSpPr>
-        <p:cNvPr id="1" name="Shape 159"/>
-        <p:cNvGrpSpPr/>
-        <p:nvPr/>
-      </p:nvGrpSpPr>
-      <p:grpSpPr>
-        <a:xfrm>
-          <a:off x="0" y="0"/>
-          <a:ext cx="0" cy="0"/>
-          <a:chOff x="0" y="0"/>
-          <a:chExt cx="0" cy="0"/>
-        </a:xfrm>
-      </p:grpSpPr>
-      <p:sp>
-        <p:nvSpPr>
-          <p:cNvPr id="160" name="Google Shape;160;p8:notes"/>
-          <p:cNvSpPr txBox="1">
-            <a:spLocks noGrp="1"/>
-          </p:cNvSpPr>
-          <p:nvPr>
-            <p:ph type="body" idx="1"/>
-          </p:nvPr>
-        </p:nvSpPr>
-        <p:spPr>
-          <a:xfrm>
-            <a:off x="685800" y="4343400"/>
-            <a:ext cx="5486400" cy="4114800"/>
-          </a:xfrm>
-          <a:prstGeom prst="rect">
-            <a:avLst/>
-          </a:prstGeom>
-        </p:spPr>
-        <p:txBody>
-          <a:bodyPr spcFirstLastPara="1" wrap="square" lIns="91425" tIns="91425" rIns="91425" bIns="91425" anchor="t" anchorCtr="0">
-            <a:noAutofit/>
-          </a:bodyPr>
-          <a:lstStyle/>
-          <a:p>
-            <a:pPr marL="0" lvl="0" indent="0" algn="l" rtl="0">
-              <a:spcBef>
-                <a:spcPts val="0"/>
-              </a:spcBef>
-              <a:spcAft>
-                <a:spcPts val="0"/>
-              </a:spcAft>
-              <a:buNone/>
-            </a:pPr>
-            <a:r>
-              <a:rPr lang="en-US" altLang="zh-CN" dirty="0"/>
-              <a:t>We</a:t>
-            </a:r>
-            <a:r>
-              <a:rPr lang="zh-CN" altLang="en-US" dirty="0"/>
-              <a:t> </a:t>
-            </a:r>
-            <a:r>
-              <a:rPr lang="en-US" altLang="zh-CN" dirty="0"/>
-              <a:t>performed</a:t>
-            </a:r>
-            <a:r>
-              <a:rPr lang="zh-CN" altLang="en-US" dirty="0"/>
-              <a:t> </a:t>
-            </a:r>
-            <a:r>
-              <a:rPr lang="en-US" altLang="zh-CN" dirty="0"/>
-              <a:t>parameters</a:t>
-            </a:r>
-            <a:r>
-              <a:rPr lang="zh-CN" altLang="en-US" dirty="0"/>
-              <a:t> </a:t>
-            </a:r>
-            <a:r>
-              <a:rPr lang="en-US" altLang="zh-CN" dirty="0"/>
-              <a:t>tuning</a:t>
-            </a:r>
-            <a:r>
-              <a:rPr lang="zh-CN" altLang="en-US" dirty="0"/>
-              <a:t> </a:t>
-            </a:r>
-            <a:r>
-              <a:rPr lang="en-US" altLang="zh-CN" dirty="0"/>
-              <a:t>for</a:t>
-            </a:r>
-            <a:r>
-              <a:rPr lang="zh-CN" altLang="en-US" dirty="0"/>
-              <a:t> </a:t>
-            </a:r>
-            <a:r>
-              <a:rPr lang="en-US" altLang="zh-CN" dirty="0"/>
-              <a:t>the</a:t>
-            </a:r>
-            <a:r>
-              <a:rPr lang="zh-CN" altLang="en-US" dirty="0"/>
-              <a:t> </a:t>
-            </a:r>
-            <a:r>
-              <a:rPr lang="en-US" altLang="zh-CN" dirty="0"/>
-              <a:t>dimension of factor from</a:t>
-            </a:r>
-            <a:r>
-              <a:rPr lang="zh-CN" altLang="en-US" dirty="0"/>
-              <a:t> </a:t>
-            </a:r>
-            <a:r>
-              <a:rPr lang="en-US" altLang="zh-CN" dirty="0"/>
-              <a:t>5</a:t>
-            </a:r>
-            <a:r>
-              <a:rPr lang="zh-CN" altLang="en-US" dirty="0"/>
-              <a:t> </a:t>
-            </a:r>
-            <a:r>
-              <a:rPr lang="en-US" altLang="zh-CN" dirty="0"/>
-              <a:t>to</a:t>
-            </a:r>
-            <a:r>
-              <a:rPr lang="zh-CN" altLang="en-US" dirty="0"/>
-              <a:t> </a:t>
-            </a:r>
-            <a:r>
-              <a:rPr lang="en-US" altLang="zh-CN" dirty="0"/>
-              <a:t>50</a:t>
-            </a:r>
-          </a:p>
-          <a:p>
-            <a:pPr marL="0" lvl="0" indent="0" algn="l" rtl="0">
-              <a:spcBef>
-                <a:spcPts val="0"/>
-              </a:spcBef>
-              <a:spcAft>
-                <a:spcPts val="0"/>
-              </a:spcAft>
-              <a:buNone/>
-            </a:pPr>
-            <a:r>
-              <a:rPr lang="en-US" altLang="zh-CN" dirty="0"/>
-              <a:t>And</a:t>
-            </a:r>
-            <a:r>
-              <a:rPr lang="zh-CN" altLang="en-US" dirty="0"/>
-              <a:t> </a:t>
-            </a:r>
-            <a:r>
-              <a:rPr lang="en-US" altLang="zh-CN" dirty="0"/>
-              <a:t>the penalty parameter $\lambda$ for</a:t>
-            </a:r>
-            <a:r>
-              <a:rPr lang="zh-CN" altLang="en-US" dirty="0"/>
-              <a:t> </a:t>
-            </a:r>
-            <a:r>
-              <a:rPr lang="en-US" altLang="zh-CN" dirty="0"/>
-              <a:t>user</a:t>
-            </a:r>
-            <a:r>
-              <a:rPr lang="zh-CN" altLang="en-US" dirty="0"/>
-              <a:t> </a:t>
-            </a:r>
-            <a:r>
-              <a:rPr lang="en-US" altLang="zh-CN" dirty="0"/>
-              <a:t>and</a:t>
-            </a:r>
-            <a:r>
-              <a:rPr lang="zh-CN" altLang="en-US" dirty="0"/>
-              <a:t> </a:t>
-            </a:r>
-            <a:r>
-              <a:rPr lang="en-US" altLang="zh-CN" dirty="0"/>
-              <a:t>movie</a:t>
-            </a:r>
-            <a:r>
-              <a:rPr lang="zh-CN" altLang="en-US" dirty="0"/>
-              <a:t> </a:t>
-            </a:r>
-            <a:r>
-              <a:rPr lang="en-US" altLang="zh-CN" dirty="0"/>
-              <a:t>from</a:t>
-            </a:r>
-            <a:r>
-              <a:rPr lang="zh-CN" altLang="en-US" dirty="0"/>
-              <a:t> </a:t>
-            </a:r>
-            <a:r>
-              <a:rPr lang="en-US" altLang="zh-CN" dirty="0"/>
-              <a:t>.05</a:t>
-            </a:r>
-            <a:r>
-              <a:rPr lang="zh-CN" altLang="en-US" dirty="0"/>
-              <a:t> </a:t>
-            </a:r>
-            <a:r>
-              <a:rPr lang="en-US" altLang="zh-CN" dirty="0"/>
-              <a:t>to</a:t>
-            </a:r>
-            <a:r>
-              <a:rPr lang="zh-CN" altLang="en-US" dirty="0"/>
-              <a:t> </a:t>
-            </a:r>
-            <a:r>
-              <a:rPr lang="en-US" altLang="zh-CN" dirty="0"/>
-              <a:t>.2</a:t>
-            </a:r>
-            <a:r>
-              <a:rPr lang="zh-CN" altLang="en-US" dirty="0"/>
-              <a:t> </a:t>
-            </a:r>
-            <a:r>
-              <a:rPr lang="en-US" altLang="zh-CN" dirty="0"/>
-              <a:t>by</a:t>
-            </a:r>
-            <a:r>
-              <a:rPr lang="zh-CN" altLang="en-US" dirty="0"/>
-              <a:t> </a:t>
-            </a:r>
-            <a:r>
-              <a:rPr lang="en-US" altLang="zh-CN" dirty="0"/>
-              <a:t>5-fold</a:t>
-            </a:r>
-            <a:r>
-              <a:rPr lang="zh-CN" altLang="en-US" dirty="0"/>
-              <a:t> </a:t>
-            </a:r>
-            <a:r>
-              <a:rPr lang="en-US" altLang="zh-CN" dirty="0"/>
-              <a:t>cross-validation.</a:t>
-            </a:r>
-          </a:p>
-          <a:p>
-            <a:pPr marL="0" lvl="0" indent="0" algn="l" rtl="0">
-              <a:spcBef>
-                <a:spcPts val="0"/>
-              </a:spcBef>
-              <a:spcAft>
-                <a:spcPts val="0"/>
-              </a:spcAft>
-              <a:buNone/>
-            </a:pPr>
-            <a:r>
-              <a:rPr lang="en-US" altLang="zh-CN" dirty="0"/>
-              <a:t>After the cross-validation, the final parameter is applied to Train and test data separately.</a:t>
-            </a:r>
-          </a:p>
-          <a:p>
-            <a:pPr marL="0" lvl="0" indent="0" algn="l" rtl="0">
-              <a:spcBef>
-                <a:spcPts val="0"/>
-              </a:spcBef>
-              <a:spcAft>
-                <a:spcPts val="0"/>
-              </a:spcAft>
-              <a:buNone/>
-            </a:pPr>
-            <a:r>
-              <a:rPr lang="en-US" altLang="zh-CN" dirty="0"/>
-              <a:t>The</a:t>
-            </a:r>
-            <a:r>
-              <a:rPr lang="zh-CN" altLang="en-US" dirty="0"/>
-              <a:t> </a:t>
-            </a:r>
-            <a:r>
-              <a:rPr lang="en-US" altLang="zh-CN" dirty="0"/>
-              <a:t>final</a:t>
-            </a:r>
-            <a:r>
-              <a:rPr lang="zh-CN" altLang="en-US" dirty="0"/>
-              <a:t> </a:t>
-            </a:r>
-            <a:r>
-              <a:rPr lang="en-US" altLang="zh-CN" dirty="0"/>
-              <a:t>parameter</a:t>
-            </a:r>
-            <a:r>
-              <a:rPr lang="zh-CN" altLang="en-US" dirty="0"/>
-              <a:t> </a:t>
-            </a:r>
-            <a:r>
-              <a:rPr lang="en-US" altLang="zh-CN" dirty="0"/>
-              <a:t>is</a:t>
-            </a:r>
-            <a:r>
-              <a:rPr lang="zh-CN" altLang="en-US" dirty="0"/>
-              <a:t> </a:t>
-            </a:r>
-            <a:r>
-              <a:rPr lang="en-US" altLang="zh-CN" dirty="0" err="1"/>
-              <a:t>lamba</a:t>
-            </a:r>
-            <a:r>
-              <a:rPr lang="zh-CN" altLang="en-US" dirty="0"/>
-              <a:t> </a:t>
-            </a:r>
-            <a:r>
-              <a:rPr lang="en-US" altLang="zh-CN" dirty="0"/>
-              <a:t>equals</a:t>
-            </a:r>
-            <a:r>
-              <a:rPr lang="zh-CN" altLang="en-US" dirty="0"/>
-              <a:t> </a:t>
-            </a:r>
-            <a:r>
-              <a:rPr lang="en-US" altLang="zh-CN" dirty="0"/>
-              <a:t>0.15</a:t>
-            </a:r>
-            <a:r>
-              <a:rPr lang="zh-CN" altLang="en-US" dirty="0"/>
-              <a:t> </a:t>
-            </a:r>
-            <a:r>
-              <a:rPr lang="en-US" altLang="zh-CN" dirty="0"/>
-              <a:t>and</a:t>
-            </a:r>
-            <a:r>
-              <a:rPr lang="zh-CN" altLang="en-US" dirty="0"/>
-              <a:t> </a:t>
-            </a:r>
-            <a:r>
-              <a:rPr lang="en-US" altLang="zh-CN" dirty="0"/>
-              <a:t>f</a:t>
-            </a:r>
-            <a:r>
-              <a:rPr lang="zh-CN" altLang="en-US" dirty="0"/>
-              <a:t> </a:t>
-            </a:r>
-            <a:r>
-              <a:rPr lang="en-US" altLang="zh-CN" dirty="0"/>
-              <a:t>number</a:t>
-            </a:r>
-            <a:r>
-              <a:rPr lang="zh-CN" altLang="en-US" dirty="0"/>
-              <a:t> </a:t>
-            </a:r>
-            <a:r>
-              <a:rPr lang="en-US" altLang="zh-CN" dirty="0"/>
-              <a:t>of</a:t>
-            </a:r>
-            <a:r>
-              <a:rPr lang="zh-CN" altLang="en-US" dirty="0"/>
-              <a:t> </a:t>
-            </a:r>
-            <a:r>
-              <a:rPr lang="en-US" altLang="zh-CN" dirty="0"/>
-              <a:t>factors</a:t>
-            </a:r>
-            <a:r>
-              <a:rPr lang="zh-CN" altLang="en-US" dirty="0"/>
-              <a:t> </a:t>
-            </a:r>
-            <a:r>
-              <a:rPr lang="en-US" altLang="zh-CN" dirty="0"/>
-              <a:t>equals</a:t>
-            </a:r>
-            <a:r>
-              <a:rPr lang="zh-CN" altLang="en-US" dirty="0"/>
-              <a:t> </a:t>
-            </a:r>
-            <a:r>
-              <a:rPr lang="en-US" altLang="zh-CN" dirty="0"/>
-              <a:t>20</a:t>
-            </a:r>
-          </a:p>
-          <a:p>
-            <a:pPr marL="0" lvl="0" indent="0" algn="l" rtl="0">
-              <a:spcBef>
-                <a:spcPts val="0"/>
-              </a:spcBef>
-              <a:spcAft>
-                <a:spcPts val="0"/>
-              </a:spcAft>
-              <a:buNone/>
-            </a:pPr>
-            <a:r>
-              <a:rPr lang="en-US" altLang="zh-CN" dirty="0"/>
-              <a:t>After one-hundred epoch, the RMSE for train achieves 0.61 and for test achieves 1.102.</a:t>
-            </a:r>
-            <a:endParaRPr lang="en-US" dirty="0"/>
-          </a:p>
-          <a:p>
-            <a:pPr marL="0" lvl="0" indent="0" algn="l" rtl="0">
-              <a:spcBef>
-                <a:spcPts val="0"/>
-              </a:spcBef>
-              <a:spcAft>
-                <a:spcPts val="0"/>
-              </a:spcAft>
-              <a:buNone/>
-            </a:pPr>
-            <a:endParaRPr dirty="0"/>
-          </a:p>
-        </p:txBody>
-      </p:sp>
-      <p:sp>
-        <p:nvSpPr>
-          <p:cNvPr id="161" name="Google Shape;161;p8:notes"/>
-          <p:cNvSpPr>
-            <a:spLocks noGrp="1" noRot="1" noChangeAspect="1"/>
-          </p:cNvSpPr>
-          <p:nvPr>
-            <p:ph type="sldImg" idx="2"/>
-          </p:nvPr>
-        </p:nvSpPr>
-        <p:spPr>
-          <a:xfrm>
-            <a:off x="381000" y="685800"/>
-            <a:ext cx="6096000" cy="3429000"/>
-          </a:xfrm>
-          <a:custGeom>
-            <a:avLst/>
-            <a:gdLst/>
-            <a:ahLst/>
-            <a:cxnLst/>
-            <a:rect l="l" t="t" r="r" b="b"/>
-            <a:pathLst>
-              <a:path w="120000" h="120000" extrusionOk="0">
-                <a:moveTo>
-                  <a:pt x="0" y="0"/>
-                </a:moveTo>
-                <a:lnTo>
-                  <a:pt x="120000" y="0"/>
-                </a:lnTo>
-                <a:lnTo>
-                  <a:pt x="120000" y="120000"/>
-                </a:lnTo>
-                <a:lnTo>
-                  <a:pt x="0" y="120000"/>
-                </a:lnTo>
-                <a:close/>
-              </a:path>
-            </a:pathLst>
-          </a:custGeom>
-        </p:spPr>
-      </p:sp>
-    </p:spTree>
-  </p:cSld>
-  <p:clrMapOvr>
-    <a:masterClrMapping/>
-  </p:clrMapOvr>
-</p:notes>
-</file>
-
-<file path=ppt/notesSlides/notesSlide14.xml><?xml version="1.0" encoding="utf-8"?>
 <p:notes xmlns:a="http://schemas.openxmlformats.org/drawingml/2006/main" xmlns:r="http://schemas.openxmlformats.org/officeDocument/2006/relationships" xmlns:p="http://schemas.openxmlformats.org/presentationml/2006/main" showMasterSp="0" showMasterPhAnim="0">
   <p:cSld>
     <p:spTree>
@@ -3396,9 +1458,507 @@
               </a:spcAft>
               <a:buNone/>
             </a:pPr>
+            <a:endParaRPr/>
+          </a:p>
+        </p:txBody>
+      </p:sp>
+    </p:spTree>
+    <p:extLst>
+      <p:ext uri="{BB962C8B-B14F-4D97-AF65-F5344CB8AC3E}">
+        <p14:creationId xmlns:p14="http://schemas.microsoft.com/office/powerpoint/2010/main" val="3346564250"/>
+      </p:ext>
+    </p:extLst>
+  </p:cSld>
+  <p:clrMapOvr>
+    <a:masterClrMapping/>
+  </p:clrMapOvr>
+</p:notes>
+</file>
+
+<file path=ppt/notesSlides/notesSlide12.xml><?xml version="1.0" encoding="utf-8"?>
+<p:notes xmlns:a="http://schemas.openxmlformats.org/drawingml/2006/main" xmlns:r="http://schemas.openxmlformats.org/officeDocument/2006/relationships" xmlns:p="http://schemas.openxmlformats.org/presentationml/2006/main" showMasterSp="0" showMasterPhAnim="0">
+  <p:cSld>
+    <p:spTree>
+      <p:nvGrpSpPr>
+        <p:cNvPr id="1" name="Shape 131"/>
+        <p:cNvGrpSpPr/>
+        <p:nvPr/>
+      </p:nvGrpSpPr>
+      <p:grpSpPr>
+        <a:xfrm>
+          <a:off x="0" y="0"/>
+          <a:ext cx="0" cy="0"/>
+          <a:chOff x="0" y="0"/>
+          <a:chExt cx="0" cy="0"/>
+        </a:xfrm>
+      </p:grpSpPr>
+      <p:sp>
+        <p:nvSpPr>
+          <p:cNvPr id="132" name="Google Shape;132;p6:notes"/>
+          <p:cNvSpPr txBox="1">
+            <a:spLocks noGrp="1"/>
+          </p:cNvSpPr>
+          <p:nvPr>
+            <p:ph type="body" idx="1"/>
+          </p:nvPr>
+        </p:nvSpPr>
+        <p:spPr>
+          <a:xfrm>
+            <a:off x="685800" y="4343400"/>
+            <a:ext cx="5486400" cy="4114800"/>
+          </a:xfrm>
+          <a:prstGeom prst="rect">
+            <a:avLst/>
+          </a:prstGeom>
+        </p:spPr>
+        <p:txBody>
+          <a:bodyPr spcFirstLastPara="1" wrap="square" lIns="91425" tIns="91425" rIns="91425" bIns="91425" anchor="t" anchorCtr="0">
+            <a:noAutofit/>
+          </a:bodyPr>
+          <a:lstStyle/>
+          <a:p>
+            <a:pPr marL="384048" lvl="0" indent="-384048" algn="l" rtl="0">
+              <a:lnSpc>
+                <a:spcPct val="94000"/>
+              </a:lnSpc>
+              <a:spcBef>
+                <a:spcPts val="0"/>
+              </a:spcBef>
+              <a:spcAft>
+                <a:spcPts val="0"/>
+              </a:spcAft>
+              <a:buClr>
+                <a:schemeClr val="dk2"/>
+              </a:buClr>
+              <a:buSzPts val="2000"/>
+              <a:buChar char="■"/>
+            </a:pPr>
             <a:r>
               <a:rPr lang="en-US" altLang="zh-CN" dirty="0"/>
-              <a:t>To evaluate our parameter performance, a visualization is demonstrated with training and testing RMSE for different dimension of parameters and epochs.</a:t>
+              <a:t>Another</a:t>
+            </a:r>
+            <a:r>
+              <a:rPr lang="zh-CN" altLang="en-US" dirty="0"/>
+              <a:t> </a:t>
+            </a:r>
+            <a:r>
+              <a:rPr lang="en-US" altLang="zh-CN" dirty="0"/>
+              <a:t>paper</a:t>
+            </a:r>
+            <a:r>
+              <a:rPr lang="zh-CN" altLang="en-US" dirty="0"/>
+              <a:t> </a:t>
+            </a:r>
+            <a:r>
+              <a:rPr lang="en-US" altLang="zh-CN" dirty="0"/>
+              <a:t>we</a:t>
+            </a:r>
+            <a:r>
+              <a:rPr lang="zh-CN" altLang="en-US" dirty="0"/>
+              <a:t> </a:t>
+            </a:r>
+            <a:r>
+              <a:rPr lang="en-US" altLang="zh-CN" dirty="0"/>
+              <a:t>read</a:t>
+            </a:r>
+            <a:r>
+              <a:rPr lang="zh-CN" altLang="en-US" dirty="0"/>
+              <a:t> </a:t>
+            </a:r>
+            <a:r>
+              <a:rPr lang="en-US" altLang="zh-CN" dirty="0"/>
+              <a:t>is</a:t>
+            </a:r>
+            <a:r>
+              <a:rPr lang="zh-CN" altLang="en-US" dirty="0"/>
+              <a:t> </a:t>
+            </a:r>
+            <a:r>
+              <a:rPr lang="en-US" altLang="zh-CN" dirty="0"/>
+              <a:t>about</a:t>
+            </a:r>
+            <a:r>
+              <a:rPr lang="zh-CN" altLang="en-US" dirty="0"/>
+              <a:t> </a:t>
+            </a:r>
+            <a:r>
+              <a:rPr lang="en-US" sz="1100" dirty="0"/>
+              <a:t>Large-scale Parallel Collaborative Filtering (LPCF)</a:t>
+            </a:r>
+            <a:br>
+              <a:rPr lang="en-US" sz="1100" dirty="0"/>
+            </a:br>
+            <a:r>
+              <a:rPr lang="en-US" sz="1800" b="0" i="0" u="none" strike="noStrike" cap="none" dirty="0">
+                <a:solidFill>
+                  <a:srgbClr val="000000"/>
+                </a:solidFill>
+                <a:latin typeface="Arial"/>
+                <a:ea typeface="Arial"/>
+                <a:cs typeface="Arial"/>
+                <a:sym typeface="Arial"/>
+              </a:rPr>
+              <a:t>A parallel algorithm that alternates least-squares with weighted </a:t>
+            </a:r>
+            <a:r>
+              <a:rPr lang="el-GR" sz="1800" b="0" i="0" u="none" strike="noStrike" cap="none" dirty="0">
+                <a:solidFill>
+                  <a:srgbClr val="000000"/>
+                </a:solidFill>
+                <a:latin typeface="Arial"/>
+                <a:ea typeface="Arial"/>
+                <a:cs typeface="Arial"/>
+                <a:sym typeface="Arial"/>
+              </a:rPr>
+              <a:t>λ-</a:t>
+            </a:r>
+            <a:r>
+              <a:rPr lang="en-US" sz="1800" b="0" i="0" u="none" strike="noStrike" cap="none" dirty="0">
+                <a:solidFill>
+                  <a:srgbClr val="000000"/>
+                </a:solidFill>
+                <a:latin typeface="Arial"/>
+                <a:ea typeface="Arial"/>
+                <a:cs typeface="Arial"/>
+                <a:sym typeface="Arial"/>
+              </a:rPr>
+              <a:t>regularization</a:t>
+            </a:r>
+            <a:r>
+              <a:rPr lang="en-US" altLang="zh-CN" sz="1800" b="0" i="0" u="none" strike="noStrike" cap="none" dirty="0">
+                <a:solidFill>
+                  <a:srgbClr val="000000"/>
+                </a:solidFill>
+                <a:latin typeface="Arial"/>
+                <a:ea typeface="Arial"/>
+                <a:cs typeface="Arial"/>
+                <a:sym typeface="Arial"/>
+              </a:rPr>
+              <a:t>.</a:t>
+            </a:r>
+          </a:p>
+          <a:p>
+            <a:pPr marL="384048" marR="0" lvl="0" indent="-384048" algn="l" defTabSz="914400" rtl="0" eaLnBrk="1" fontAlgn="auto" latinLnBrk="0" hangingPunct="1">
+              <a:lnSpc>
+                <a:spcPct val="94000"/>
+              </a:lnSpc>
+              <a:spcBef>
+                <a:spcPts val="0"/>
+              </a:spcBef>
+              <a:spcAft>
+                <a:spcPts val="0"/>
+              </a:spcAft>
+              <a:buClr>
+                <a:schemeClr val="dk2"/>
+              </a:buClr>
+              <a:buSzPts val="2000"/>
+              <a:buFont typeface="Arial"/>
+              <a:buChar char="■"/>
+              <a:tabLst/>
+              <a:defRPr/>
+            </a:pPr>
+            <a:r>
+              <a:rPr lang="en-US" sz="1800" b="0" i="0" u="none" strike="noStrike" cap="none" dirty="0">
+                <a:solidFill>
+                  <a:srgbClr val="000000"/>
+                </a:solidFill>
+                <a:latin typeface="Arial"/>
+                <a:ea typeface="Arial"/>
+                <a:cs typeface="Arial"/>
+                <a:sym typeface="Arial"/>
+              </a:rPr>
+              <a:t>Scalable with large, sparse data</a:t>
+            </a:r>
+          </a:p>
+          <a:p>
+            <a:pPr marL="384048" lvl="0" indent="-384048" algn="l" rtl="0">
+              <a:lnSpc>
+                <a:spcPct val="94000"/>
+              </a:lnSpc>
+              <a:spcBef>
+                <a:spcPts val="0"/>
+              </a:spcBef>
+              <a:spcAft>
+                <a:spcPts val="0"/>
+              </a:spcAft>
+              <a:buClr>
+                <a:schemeClr val="dk2"/>
+              </a:buClr>
+              <a:buSzPts val="2000"/>
+              <a:buChar char="■"/>
+            </a:pPr>
+            <a:endParaRPr lang="en-US" sz="1800" b="0" i="0" u="none" strike="noStrike" cap="none" dirty="0">
+              <a:solidFill>
+                <a:srgbClr val="000000"/>
+              </a:solidFill>
+              <a:latin typeface="Arial"/>
+              <a:ea typeface="Arial"/>
+              <a:cs typeface="Arial"/>
+              <a:sym typeface="Arial"/>
+            </a:endParaRPr>
+          </a:p>
+        </p:txBody>
+      </p:sp>
+      <p:sp>
+        <p:nvSpPr>
+          <p:cNvPr id="133" name="Google Shape;133;p6:notes"/>
+          <p:cNvSpPr>
+            <a:spLocks noGrp="1" noRot="1" noChangeAspect="1"/>
+          </p:cNvSpPr>
+          <p:nvPr>
+            <p:ph type="sldImg" idx="2"/>
+          </p:nvPr>
+        </p:nvSpPr>
+        <p:spPr>
+          <a:xfrm>
+            <a:off x="381000" y="685800"/>
+            <a:ext cx="6096000" cy="3429000"/>
+          </a:xfrm>
+          <a:custGeom>
+            <a:avLst/>
+            <a:gdLst/>
+            <a:ahLst/>
+            <a:cxnLst/>
+            <a:rect l="l" t="t" r="r" b="b"/>
+            <a:pathLst>
+              <a:path w="120000" h="120000" extrusionOk="0">
+                <a:moveTo>
+                  <a:pt x="0" y="0"/>
+                </a:moveTo>
+                <a:lnTo>
+                  <a:pt x="120000" y="0"/>
+                </a:lnTo>
+                <a:lnTo>
+                  <a:pt x="120000" y="120000"/>
+                </a:lnTo>
+                <a:lnTo>
+                  <a:pt x="0" y="120000"/>
+                </a:lnTo>
+                <a:close/>
+              </a:path>
+            </a:pathLst>
+          </a:custGeom>
+        </p:spPr>
+      </p:sp>
+    </p:spTree>
+    <p:extLst>
+      <p:ext uri="{BB962C8B-B14F-4D97-AF65-F5344CB8AC3E}">
+        <p14:creationId xmlns:p14="http://schemas.microsoft.com/office/powerpoint/2010/main" val="3626748456"/>
+      </p:ext>
+    </p:extLst>
+  </p:cSld>
+  <p:clrMapOvr>
+    <a:masterClrMapping/>
+  </p:clrMapOvr>
+</p:notes>
+</file>
+
+<file path=ppt/notesSlides/notesSlide13.xml><?xml version="1.0" encoding="utf-8"?>
+<p:notes xmlns:a="http://schemas.openxmlformats.org/drawingml/2006/main" xmlns:r="http://schemas.openxmlformats.org/officeDocument/2006/relationships" xmlns:p="http://schemas.openxmlformats.org/presentationml/2006/main" showMasterSp="0" showMasterPhAnim="0">
+  <p:cSld>
+    <p:spTree>
+      <p:nvGrpSpPr>
+        <p:cNvPr id="1" name="Shape 137"/>
+        <p:cNvGrpSpPr/>
+        <p:nvPr/>
+      </p:nvGrpSpPr>
+      <p:grpSpPr>
+        <a:xfrm>
+          <a:off x="0" y="0"/>
+          <a:ext cx="0" cy="0"/>
+          <a:chOff x="0" y="0"/>
+          <a:chExt cx="0" cy="0"/>
+        </a:xfrm>
+      </p:grpSpPr>
+      <p:sp>
+        <p:nvSpPr>
+          <p:cNvPr id="138" name="Google Shape;138;p7:notes"/>
+          <p:cNvSpPr txBox="1">
+            <a:spLocks noGrp="1"/>
+          </p:cNvSpPr>
+          <p:nvPr>
+            <p:ph type="body" idx="1"/>
+          </p:nvPr>
+        </p:nvSpPr>
+        <p:spPr>
+          <a:xfrm>
+            <a:off x="685800" y="4343400"/>
+            <a:ext cx="5486400" cy="4114800"/>
+          </a:xfrm>
+          <a:prstGeom prst="rect">
+            <a:avLst/>
+          </a:prstGeom>
+        </p:spPr>
+        <p:txBody>
+          <a:bodyPr spcFirstLastPara="1" wrap="square" lIns="91425" tIns="91425" rIns="91425" bIns="91425" anchor="t" anchorCtr="0">
+            <a:noAutofit/>
+          </a:bodyPr>
+          <a:lstStyle/>
+          <a:p>
+            <a:pPr marL="0" lvl="0" indent="0" algn="l" rtl="0">
+              <a:spcBef>
+                <a:spcPts val="0"/>
+              </a:spcBef>
+              <a:spcAft>
+                <a:spcPts val="0"/>
+              </a:spcAft>
+              <a:buNone/>
+            </a:pPr>
+            <a:r>
+              <a:rPr lang="en-US" altLang="zh-CN" dirty="0"/>
+              <a:t>Another</a:t>
+            </a:r>
+            <a:r>
+              <a:rPr lang="zh-CN" altLang="en-US" dirty="0"/>
+              <a:t> </a:t>
+            </a:r>
+            <a:r>
+              <a:rPr lang="en-US" altLang="zh-CN" dirty="0"/>
+              <a:t>method</a:t>
+            </a:r>
+            <a:r>
+              <a:rPr lang="zh-CN" altLang="en-US" dirty="0"/>
+              <a:t> </a:t>
+            </a:r>
+            <a:r>
+              <a:rPr lang="en-US" altLang="zh-CN" dirty="0"/>
+              <a:t>we</a:t>
+            </a:r>
+            <a:r>
+              <a:rPr lang="zh-CN" altLang="en-US" dirty="0"/>
+              <a:t> </a:t>
+            </a:r>
+            <a:r>
+              <a:rPr lang="en-US" altLang="zh-CN" dirty="0"/>
+              <a:t>use</a:t>
+            </a:r>
+            <a:r>
+              <a:rPr lang="zh-CN" altLang="en-US" dirty="0"/>
+              <a:t> </a:t>
+            </a:r>
+            <a:r>
+              <a:rPr lang="en-US" altLang="zh-CN" dirty="0"/>
+              <a:t>is</a:t>
+            </a:r>
+            <a:r>
+              <a:rPr lang="zh-CN" altLang="en-US" dirty="0"/>
+              <a:t> </a:t>
+            </a:r>
+            <a:r>
+              <a:rPr lang="en-US" altLang="zh-CN" dirty="0"/>
+              <a:t>the</a:t>
+            </a:r>
+            <a:r>
+              <a:rPr lang="zh-CN" altLang="en-US" dirty="0"/>
+              <a:t> </a:t>
+            </a:r>
+            <a:r>
+              <a:rPr lang="en-US" altLang="zh-CN" sz="800" b="0" i="0" u="none" strike="noStrike" cap="none" dirty="0">
+                <a:solidFill>
+                  <a:srgbClr val="000000"/>
+                </a:solidFill>
+                <a:latin typeface="Arial"/>
+                <a:ea typeface="Arial"/>
+                <a:cs typeface="Arial"/>
+                <a:sym typeface="Arial"/>
+              </a:rPr>
+              <a:t>Alternative-Least-Squares</a:t>
+            </a:r>
+            <a:r>
+              <a:rPr lang="zh-CN" altLang="en-US" sz="800" b="0" i="0" u="none" strike="noStrike" cap="none" dirty="0">
+                <a:solidFill>
+                  <a:srgbClr val="000000"/>
+                </a:solidFill>
+                <a:latin typeface="Arial"/>
+                <a:ea typeface="Arial"/>
+                <a:cs typeface="Arial"/>
+                <a:sym typeface="Arial"/>
+              </a:rPr>
+              <a:t> </a:t>
+            </a:r>
+            <a:r>
+              <a:rPr lang="en-US" altLang="zh-CN" sz="800" b="0" i="0" u="none" strike="noStrike" cap="none" dirty="0">
+                <a:solidFill>
+                  <a:srgbClr val="000000"/>
+                </a:solidFill>
+                <a:latin typeface="Arial"/>
+                <a:ea typeface="Arial"/>
+                <a:cs typeface="Arial"/>
+                <a:sym typeface="Arial"/>
+              </a:rPr>
+              <a:t>with</a:t>
+            </a:r>
+            <a:r>
+              <a:rPr lang="zh-CN" altLang="en-US" sz="800" b="0" i="0" u="none" strike="noStrike" cap="none" dirty="0">
+                <a:solidFill>
+                  <a:srgbClr val="000000"/>
+                </a:solidFill>
+                <a:latin typeface="Arial"/>
+                <a:ea typeface="Arial"/>
+                <a:cs typeface="Arial"/>
+                <a:sym typeface="Arial"/>
+              </a:rPr>
+              <a:t> </a:t>
+            </a:r>
+            <a:r>
+              <a:rPr lang="en-US" altLang="zh-CN" sz="800" b="0" i="0" u="none" strike="noStrike" cap="none" dirty="0">
+                <a:solidFill>
+                  <a:srgbClr val="000000"/>
+                </a:solidFill>
+                <a:latin typeface="Arial"/>
+                <a:ea typeface="Arial"/>
+                <a:cs typeface="Arial"/>
+                <a:sym typeface="Arial"/>
+              </a:rPr>
+              <a:t>Weighted-</a:t>
+            </a:r>
+            <a:r>
+              <a:rPr lang="en-US" altLang="zh-CN" sz="800" b="0" i="0" u="none" strike="noStrike" cap="none" dirty="0" err="1">
+                <a:solidFill>
+                  <a:srgbClr val="000000"/>
+                </a:solidFill>
+                <a:latin typeface="Arial"/>
+                <a:ea typeface="Arial"/>
+                <a:cs typeface="Arial"/>
+                <a:sym typeface="Arial"/>
+              </a:rPr>
+              <a:t>λ</a:t>
+            </a:r>
+            <a:r>
+              <a:rPr lang="en-US" altLang="zh-CN" sz="800" b="0" i="0" u="none" strike="noStrike" cap="none" dirty="0">
+                <a:solidFill>
+                  <a:srgbClr val="000000"/>
+                </a:solidFill>
+                <a:latin typeface="Arial"/>
+                <a:ea typeface="Arial"/>
+                <a:cs typeface="Arial"/>
+                <a:sym typeface="Arial"/>
+              </a:rPr>
+              <a:t>-Regularization</a:t>
+            </a:r>
+            <a:r>
+              <a:rPr lang="zh-CN" altLang="en-US" sz="800" b="0" i="0" u="none" strike="noStrike" cap="none" dirty="0">
+                <a:solidFill>
+                  <a:srgbClr val="000000"/>
+                </a:solidFill>
+                <a:latin typeface="Arial"/>
+                <a:ea typeface="Arial"/>
+                <a:cs typeface="Arial"/>
+                <a:sym typeface="Arial"/>
+              </a:rPr>
+              <a:t> </a:t>
+            </a:r>
+            <a:r>
+              <a:rPr lang="en-US" altLang="zh-CN" sz="800" b="0" i="0" u="none" strike="noStrike" cap="none" dirty="0">
+                <a:solidFill>
+                  <a:srgbClr val="000000"/>
+                </a:solidFill>
+                <a:latin typeface="Arial"/>
+                <a:ea typeface="Arial"/>
+                <a:cs typeface="Arial"/>
+                <a:sym typeface="Arial"/>
+              </a:rPr>
+              <a:t>(ALS-WR).</a:t>
             </a:r>
           </a:p>
           <a:p>
@@ -3412,8 +1972,1087 @@
               <a:buNone/>
             </a:pPr>
             <a:r>
+              <a:rPr lang="en-US" altLang="zh-CN" sz="800" b="0" i="0" u="none" strike="noStrike" cap="none" dirty="0">
+                <a:solidFill>
+                  <a:srgbClr val="000000"/>
+                </a:solidFill>
+                <a:latin typeface="Arial"/>
+                <a:ea typeface="Arial"/>
+                <a:cs typeface="Arial"/>
+                <a:sym typeface="Arial"/>
+              </a:rPr>
+              <a:t>It</a:t>
+            </a:r>
+            <a:r>
+              <a:rPr lang="zh-CN" altLang="en-US" sz="800" b="0" i="0" u="none" strike="noStrike" cap="none" dirty="0">
+                <a:solidFill>
+                  <a:srgbClr val="000000"/>
+                </a:solidFill>
+                <a:latin typeface="Arial"/>
+                <a:ea typeface="Arial"/>
+                <a:cs typeface="Arial"/>
+                <a:sym typeface="Arial"/>
+              </a:rPr>
+              <a:t> </a:t>
+            </a:r>
+            <a:r>
+              <a:rPr lang="en-US" altLang="zh-CN" sz="800" b="0" i="0" u="none" strike="noStrike" cap="none" dirty="0">
+                <a:solidFill>
+                  <a:srgbClr val="000000"/>
+                </a:solidFill>
+                <a:latin typeface="Arial"/>
+                <a:ea typeface="Arial"/>
+                <a:cs typeface="Arial"/>
+                <a:sym typeface="Arial"/>
+              </a:rPr>
+              <a:t>solve</a:t>
+            </a:r>
+            <a:r>
+              <a:rPr lang="zh-CN" altLang="en-US" sz="800" b="0" i="0" u="none" strike="noStrike" cap="none" dirty="0">
+                <a:solidFill>
+                  <a:srgbClr val="000000"/>
+                </a:solidFill>
+                <a:latin typeface="Arial"/>
+                <a:ea typeface="Arial"/>
+                <a:cs typeface="Arial"/>
+                <a:sym typeface="Arial"/>
+              </a:rPr>
+              <a:t> </a:t>
+            </a:r>
+            <a:r>
+              <a:rPr lang="en-US" altLang="zh-CN" sz="800" b="0" i="0" u="none" strike="noStrike" cap="none" dirty="0">
+                <a:solidFill>
+                  <a:srgbClr val="000000"/>
+                </a:solidFill>
+                <a:latin typeface="Arial"/>
+                <a:ea typeface="Arial"/>
+                <a:cs typeface="Arial"/>
+                <a:sym typeface="Arial"/>
+              </a:rPr>
+              <a:t>the</a:t>
+            </a:r>
+            <a:r>
+              <a:rPr lang="zh-CN" altLang="en-US" sz="800" b="0" i="0" u="none" strike="noStrike" cap="none" dirty="0">
+                <a:solidFill>
+                  <a:srgbClr val="000000"/>
+                </a:solidFill>
+                <a:latin typeface="Arial"/>
+                <a:ea typeface="Arial"/>
+                <a:cs typeface="Arial"/>
+                <a:sym typeface="Arial"/>
+              </a:rPr>
+              <a:t> </a:t>
+            </a:r>
+            <a:r>
+              <a:rPr lang="en-US" altLang="zh-CN" sz="800" b="0" i="0" u="none" strike="noStrike" cap="none" dirty="0">
+                <a:solidFill>
+                  <a:srgbClr val="000000"/>
+                </a:solidFill>
+                <a:latin typeface="Arial"/>
+                <a:ea typeface="Arial"/>
+                <a:cs typeface="Arial"/>
+                <a:sym typeface="Arial"/>
+              </a:rPr>
+              <a:t>low-rank</a:t>
+            </a:r>
+            <a:r>
+              <a:rPr lang="zh-CN" altLang="en-US" sz="800" b="0" i="0" u="none" strike="noStrike" cap="none" dirty="0">
+                <a:solidFill>
+                  <a:srgbClr val="000000"/>
+                </a:solidFill>
+                <a:latin typeface="Arial"/>
+                <a:ea typeface="Arial"/>
+                <a:cs typeface="Arial"/>
+                <a:sym typeface="Arial"/>
+              </a:rPr>
+              <a:t> </a:t>
+            </a:r>
+            <a:r>
+              <a:rPr lang="en-US" altLang="zh-CN" sz="800" b="0" i="0" u="none" strike="noStrike" cap="none" dirty="0">
+                <a:solidFill>
+                  <a:srgbClr val="000000"/>
+                </a:solidFill>
+                <a:latin typeface="Arial"/>
+                <a:ea typeface="Arial"/>
+                <a:cs typeface="Arial"/>
+                <a:sym typeface="Arial"/>
+              </a:rPr>
+              <a:t>matrix</a:t>
+            </a:r>
+            <a:r>
+              <a:rPr lang="zh-CN" altLang="en-US" sz="800" b="0" i="0" u="none" strike="noStrike" cap="none" dirty="0">
+                <a:solidFill>
+                  <a:srgbClr val="000000"/>
+                </a:solidFill>
+                <a:latin typeface="Arial"/>
+                <a:ea typeface="Arial"/>
+                <a:cs typeface="Arial"/>
+                <a:sym typeface="Arial"/>
+              </a:rPr>
+              <a:t> </a:t>
+            </a:r>
+            <a:r>
+              <a:rPr lang="en-US" altLang="zh-CN" sz="800" b="0" i="0" u="none" strike="noStrike" cap="none" dirty="0">
+                <a:solidFill>
+                  <a:srgbClr val="000000"/>
+                </a:solidFill>
+                <a:latin typeface="Arial"/>
+                <a:ea typeface="Arial"/>
+                <a:cs typeface="Arial"/>
+                <a:sym typeface="Arial"/>
+              </a:rPr>
+              <a:t>factorization</a:t>
+            </a:r>
+            <a:r>
+              <a:rPr lang="zh-CN" altLang="en-US" sz="800" b="0" i="0" u="none" strike="noStrike" cap="none" dirty="0">
+                <a:solidFill>
+                  <a:srgbClr val="000000"/>
+                </a:solidFill>
+                <a:latin typeface="Arial"/>
+                <a:ea typeface="Arial"/>
+                <a:cs typeface="Arial"/>
+                <a:sym typeface="Arial"/>
+              </a:rPr>
+              <a:t> </a:t>
+            </a:r>
+            <a:r>
+              <a:rPr lang="en-US" altLang="zh-CN" sz="800" b="0" i="0" u="none" strike="noStrike" cap="none" dirty="0">
+                <a:solidFill>
+                  <a:srgbClr val="000000"/>
+                </a:solidFill>
+                <a:latin typeface="Arial"/>
+                <a:ea typeface="Arial"/>
+                <a:cs typeface="Arial"/>
+                <a:sym typeface="Arial"/>
+              </a:rPr>
+              <a:t>as</a:t>
+            </a:r>
+            <a:r>
+              <a:rPr lang="zh-CN" altLang="en-US" sz="800" b="0" i="0" u="none" strike="noStrike" cap="none" dirty="0">
+                <a:solidFill>
+                  <a:srgbClr val="000000"/>
+                </a:solidFill>
+                <a:latin typeface="Arial"/>
+                <a:ea typeface="Arial"/>
+                <a:cs typeface="Arial"/>
+                <a:sym typeface="Arial"/>
+              </a:rPr>
+              <a:t> </a:t>
+            </a:r>
+            <a:r>
+              <a:rPr lang="en-US" altLang="zh-CN" sz="800" b="0" i="0" u="none" strike="noStrike" cap="none" dirty="0">
+                <a:solidFill>
+                  <a:srgbClr val="000000"/>
+                </a:solidFill>
+                <a:latin typeface="Arial"/>
+                <a:ea typeface="Arial"/>
+                <a:cs typeface="Arial"/>
+                <a:sym typeface="Arial"/>
+              </a:rPr>
+              <a:t>the</a:t>
+            </a:r>
+            <a:r>
+              <a:rPr lang="zh-CN" altLang="en-US" sz="800" b="0" i="0" u="none" strike="noStrike" cap="none" dirty="0">
+                <a:solidFill>
+                  <a:srgbClr val="000000"/>
+                </a:solidFill>
+                <a:latin typeface="Arial"/>
+                <a:ea typeface="Arial"/>
+                <a:cs typeface="Arial"/>
+                <a:sym typeface="Arial"/>
+              </a:rPr>
+              <a:t> </a:t>
+            </a:r>
+            <a:r>
+              <a:rPr lang="en-US" altLang="zh-CN" sz="800" b="0" i="0" u="none" strike="noStrike" cap="none" dirty="0">
+                <a:solidFill>
+                  <a:srgbClr val="000000"/>
+                </a:solidFill>
+                <a:latin typeface="Arial"/>
+                <a:ea typeface="Arial"/>
+                <a:cs typeface="Arial"/>
+                <a:sym typeface="Arial"/>
+              </a:rPr>
+              <a:t>four</a:t>
+            </a:r>
+            <a:r>
+              <a:rPr lang="zh-CN" altLang="en-US" sz="800" b="0" i="0" u="none" strike="noStrike" cap="none" dirty="0">
+                <a:solidFill>
+                  <a:srgbClr val="000000"/>
+                </a:solidFill>
+                <a:latin typeface="Arial"/>
+                <a:ea typeface="Arial"/>
+                <a:cs typeface="Arial"/>
+                <a:sym typeface="Arial"/>
+              </a:rPr>
+              <a:t> </a:t>
+            </a:r>
+            <a:r>
+              <a:rPr lang="en-US" altLang="zh-CN" sz="800" b="0" i="0" u="none" strike="noStrike" cap="none" dirty="0">
+                <a:solidFill>
+                  <a:srgbClr val="000000"/>
+                </a:solidFill>
+                <a:latin typeface="Arial"/>
+                <a:ea typeface="Arial"/>
+                <a:cs typeface="Arial"/>
+                <a:sym typeface="Arial"/>
+              </a:rPr>
+              <a:t>steps</a:t>
+            </a:r>
+            <a:r>
+              <a:rPr lang="zh-CN" altLang="en-US" sz="800" b="0" i="0" u="none" strike="noStrike" cap="none" dirty="0">
+                <a:solidFill>
+                  <a:srgbClr val="000000"/>
+                </a:solidFill>
+                <a:latin typeface="Arial"/>
+                <a:ea typeface="Arial"/>
+                <a:cs typeface="Arial"/>
+                <a:sym typeface="Arial"/>
+              </a:rPr>
+              <a:t> </a:t>
+            </a:r>
+            <a:r>
+              <a:rPr lang="en-US" altLang="zh-CN" sz="800" b="0" i="0" u="none" strike="noStrike" cap="none" dirty="0">
+                <a:solidFill>
+                  <a:srgbClr val="000000"/>
+                </a:solidFill>
+                <a:latin typeface="Arial"/>
+                <a:ea typeface="Arial"/>
+                <a:cs typeface="Arial"/>
+                <a:sym typeface="Arial"/>
+              </a:rPr>
+              <a:t>above.</a:t>
+            </a:r>
+          </a:p>
+          <a:p>
+            <a:pPr marL="0" lvl="0" indent="0" algn="l" rtl="0">
+              <a:spcBef>
+                <a:spcPts val="0"/>
+              </a:spcBef>
+              <a:spcAft>
+                <a:spcPts val="0"/>
+              </a:spcAft>
+              <a:buNone/>
+            </a:pPr>
+            <a:r>
+              <a:rPr lang="en-US" altLang="zh-CN" sz="800" b="0" i="0" u="none" strike="noStrike" cap="none" dirty="0">
+                <a:solidFill>
+                  <a:srgbClr val="000000"/>
+                </a:solidFill>
+                <a:latin typeface="Arial"/>
+                <a:ea typeface="Arial"/>
+                <a:cs typeface="Arial"/>
+                <a:sym typeface="Arial"/>
+              </a:rPr>
+              <a:t>It</a:t>
+            </a:r>
+            <a:r>
+              <a:rPr lang="zh-CN" altLang="en-US" sz="800" b="0" i="0" u="none" strike="noStrike" cap="none" dirty="0">
+                <a:solidFill>
+                  <a:srgbClr val="000000"/>
+                </a:solidFill>
+                <a:latin typeface="Arial"/>
+                <a:ea typeface="Arial"/>
+                <a:cs typeface="Arial"/>
+                <a:sym typeface="Arial"/>
+              </a:rPr>
+              <a:t> </a:t>
+            </a:r>
+            <a:r>
+              <a:rPr lang="en-US" altLang="zh-CN" sz="800" b="0" i="0" u="none" strike="noStrike" cap="none" dirty="0">
+                <a:solidFill>
+                  <a:srgbClr val="000000"/>
+                </a:solidFill>
+                <a:latin typeface="Arial"/>
+                <a:ea typeface="Arial"/>
+                <a:cs typeface="Arial"/>
+                <a:sym typeface="Arial"/>
+              </a:rPr>
+              <a:t>can</a:t>
+            </a:r>
+            <a:r>
+              <a:rPr lang="zh-CN" altLang="en-US" sz="800" b="0" i="0" u="none" strike="noStrike" cap="none" dirty="0">
+                <a:solidFill>
+                  <a:srgbClr val="000000"/>
+                </a:solidFill>
+                <a:latin typeface="Arial"/>
+                <a:ea typeface="Arial"/>
+                <a:cs typeface="Arial"/>
+                <a:sym typeface="Arial"/>
+              </a:rPr>
+              <a:t> </a:t>
+            </a:r>
+            <a:r>
+              <a:rPr lang="en-US" altLang="zh-CN" sz="800" b="0" i="0" u="none" strike="noStrike" cap="none" dirty="0">
+                <a:solidFill>
+                  <a:srgbClr val="000000"/>
+                </a:solidFill>
+                <a:latin typeface="Arial"/>
+                <a:ea typeface="Arial"/>
+                <a:cs typeface="Arial"/>
+                <a:sym typeface="Arial"/>
+              </a:rPr>
+              <a:t>deal</a:t>
+            </a:r>
+            <a:r>
+              <a:rPr lang="zh-CN" altLang="en-US" sz="800" b="0" i="0" u="none" strike="noStrike" cap="none" dirty="0">
+                <a:solidFill>
+                  <a:srgbClr val="000000"/>
+                </a:solidFill>
+                <a:latin typeface="Arial"/>
+                <a:ea typeface="Arial"/>
+                <a:cs typeface="Arial"/>
+                <a:sym typeface="Arial"/>
+              </a:rPr>
+              <a:t> </a:t>
+            </a:r>
+            <a:r>
+              <a:rPr lang="en-US" altLang="zh-CN" sz="800" b="0" i="0" u="none" strike="noStrike" cap="none" dirty="0">
+                <a:solidFill>
+                  <a:srgbClr val="000000"/>
+                </a:solidFill>
+                <a:latin typeface="Arial"/>
+                <a:ea typeface="Arial"/>
+                <a:cs typeface="Arial"/>
+                <a:sym typeface="Arial"/>
+              </a:rPr>
+              <a:t>with</a:t>
+            </a:r>
+            <a:r>
+              <a:rPr lang="zh-CN" altLang="en-US" sz="800" b="0" i="0" u="none" strike="noStrike" cap="none" dirty="0">
+                <a:solidFill>
+                  <a:srgbClr val="000000"/>
+                </a:solidFill>
+                <a:latin typeface="Arial"/>
+                <a:ea typeface="Arial"/>
+                <a:cs typeface="Arial"/>
+                <a:sym typeface="Arial"/>
+              </a:rPr>
+              <a:t> </a:t>
+            </a:r>
+            <a:r>
+              <a:rPr lang="en-US" altLang="zh-CN" sz="800" b="0" i="0" u="none" strike="noStrike" cap="none" dirty="0">
+                <a:solidFill>
+                  <a:srgbClr val="000000"/>
+                </a:solidFill>
+                <a:latin typeface="Arial"/>
+                <a:ea typeface="Arial"/>
+                <a:cs typeface="Arial"/>
+                <a:sym typeface="Arial"/>
+              </a:rPr>
+              <a:t>the</a:t>
+            </a:r>
+            <a:r>
+              <a:rPr lang="zh-CN" altLang="en-US" sz="800" b="0" i="0" u="none" strike="noStrike" cap="none" dirty="0">
+                <a:solidFill>
+                  <a:srgbClr val="000000"/>
+                </a:solidFill>
+                <a:latin typeface="Arial"/>
+                <a:ea typeface="Arial"/>
+                <a:cs typeface="Arial"/>
+                <a:sym typeface="Arial"/>
+              </a:rPr>
+              <a:t> </a:t>
+            </a:r>
+            <a:r>
+              <a:rPr lang="en-US" altLang="zh-CN" sz="800" b="0" i="0" u="none" strike="noStrike" cap="none" dirty="0">
+                <a:solidFill>
+                  <a:srgbClr val="000000"/>
+                </a:solidFill>
+                <a:latin typeface="Arial"/>
+                <a:ea typeface="Arial"/>
+                <a:cs typeface="Arial"/>
+                <a:sym typeface="Arial"/>
+              </a:rPr>
+              <a:t>problems</a:t>
+            </a:r>
+            <a:r>
+              <a:rPr lang="zh-CN" altLang="en-US" sz="800" b="0" i="0" u="none" strike="noStrike" cap="none" dirty="0">
+                <a:solidFill>
+                  <a:srgbClr val="000000"/>
+                </a:solidFill>
+                <a:latin typeface="Arial"/>
+                <a:ea typeface="Arial"/>
+                <a:cs typeface="Arial"/>
+                <a:sym typeface="Arial"/>
+              </a:rPr>
+              <a:t> </a:t>
+            </a:r>
+            <a:r>
+              <a:rPr lang="en-US" altLang="zh-CN" sz="800" b="0" i="0" u="none" strike="noStrike" cap="none" dirty="0">
+                <a:solidFill>
+                  <a:srgbClr val="000000"/>
+                </a:solidFill>
+                <a:latin typeface="Arial"/>
+                <a:ea typeface="Arial"/>
+                <a:cs typeface="Arial"/>
+                <a:sym typeface="Arial"/>
+              </a:rPr>
+              <a:t>with</a:t>
+            </a:r>
+            <a:r>
+              <a:rPr lang="zh-CN" altLang="en-US" sz="800" b="0" i="0" u="none" strike="noStrike" cap="none" dirty="0">
+                <a:solidFill>
+                  <a:srgbClr val="000000"/>
+                </a:solidFill>
+                <a:latin typeface="Arial"/>
+                <a:ea typeface="Arial"/>
+                <a:cs typeface="Arial"/>
+                <a:sym typeface="Arial"/>
+              </a:rPr>
+              <a:t> </a:t>
+            </a:r>
+            <a:r>
+              <a:rPr lang="en-US" altLang="zh-CN" sz="800" b="0" i="0" u="none" strike="noStrike" cap="none" dirty="0">
+                <a:solidFill>
+                  <a:srgbClr val="000000"/>
+                </a:solidFill>
+                <a:latin typeface="Arial"/>
+                <a:ea typeface="Arial"/>
+                <a:cs typeface="Arial"/>
+                <a:sym typeface="Arial"/>
+              </a:rPr>
+              <a:t>too</a:t>
+            </a:r>
+            <a:r>
+              <a:rPr lang="zh-CN" altLang="en-US" sz="800" b="0" i="0" u="none" strike="noStrike" cap="none" dirty="0">
+                <a:solidFill>
+                  <a:srgbClr val="000000"/>
+                </a:solidFill>
+                <a:latin typeface="Arial"/>
+                <a:ea typeface="Arial"/>
+                <a:cs typeface="Arial"/>
+                <a:sym typeface="Arial"/>
+              </a:rPr>
+              <a:t> </a:t>
+            </a:r>
+            <a:r>
+              <a:rPr lang="en-US" altLang="zh-CN" sz="800" b="0" i="0" u="none" strike="noStrike" cap="none" dirty="0">
+                <a:solidFill>
+                  <a:srgbClr val="000000"/>
+                </a:solidFill>
+                <a:latin typeface="Arial"/>
+                <a:ea typeface="Arial"/>
+                <a:cs typeface="Arial"/>
+                <a:sym typeface="Arial"/>
+              </a:rPr>
+              <a:t>many</a:t>
+            </a:r>
+            <a:r>
+              <a:rPr lang="zh-CN" altLang="en-US" sz="800" b="0" i="0" u="none" strike="noStrike" cap="none" dirty="0">
+                <a:solidFill>
+                  <a:srgbClr val="000000"/>
+                </a:solidFill>
+                <a:latin typeface="Arial"/>
+                <a:ea typeface="Arial"/>
+                <a:cs typeface="Arial"/>
+                <a:sym typeface="Arial"/>
+              </a:rPr>
+              <a:t> </a:t>
+            </a:r>
+            <a:r>
+              <a:rPr lang="en-US" altLang="zh-CN" sz="800" b="0" i="0" u="none" strike="noStrike" cap="none" dirty="0">
+                <a:solidFill>
+                  <a:srgbClr val="000000"/>
+                </a:solidFill>
+                <a:latin typeface="Arial"/>
+                <a:ea typeface="Arial"/>
+                <a:cs typeface="Arial"/>
+                <a:sym typeface="Arial"/>
+              </a:rPr>
+              <a:t>missing</a:t>
+            </a:r>
+            <a:r>
+              <a:rPr lang="zh-CN" altLang="en-US" sz="800" b="0" i="0" u="none" strike="noStrike" cap="none" dirty="0">
+                <a:solidFill>
+                  <a:srgbClr val="000000"/>
+                </a:solidFill>
+                <a:latin typeface="Arial"/>
+                <a:ea typeface="Arial"/>
+                <a:cs typeface="Arial"/>
+                <a:sym typeface="Arial"/>
+              </a:rPr>
+              <a:t> </a:t>
+            </a:r>
+            <a:r>
+              <a:rPr lang="en-US" altLang="zh-CN" sz="800" b="0" i="0" u="none" strike="noStrike" cap="none" dirty="0">
+                <a:solidFill>
+                  <a:srgbClr val="000000"/>
+                </a:solidFill>
+                <a:latin typeface="Arial"/>
+                <a:ea typeface="Arial"/>
+                <a:cs typeface="Arial"/>
+                <a:sym typeface="Arial"/>
+              </a:rPr>
+              <a:t>elements</a:t>
+            </a:r>
+            <a:r>
+              <a:rPr lang="zh-CN" altLang="en-US" sz="800" b="0" i="0" u="none" strike="noStrike" cap="none" dirty="0">
+                <a:solidFill>
+                  <a:srgbClr val="000000"/>
+                </a:solidFill>
+                <a:latin typeface="Arial"/>
+                <a:ea typeface="Arial"/>
+                <a:cs typeface="Arial"/>
+                <a:sym typeface="Arial"/>
+              </a:rPr>
+              <a:t> </a:t>
+            </a:r>
+            <a:r>
+              <a:rPr lang="en-US" altLang="zh-CN" sz="800" b="0" i="0" u="none" strike="noStrike" cap="none" dirty="0">
+                <a:solidFill>
+                  <a:srgbClr val="000000"/>
+                </a:solidFill>
+                <a:latin typeface="Arial"/>
+                <a:ea typeface="Arial"/>
+                <a:cs typeface="Arial"/>
+                <a:sym typeface="Arial"/>
+              </a:rPr>
+              <a:t>in</a:t>
+            </a:r>
+            <a:r>
+              <a:rPr lang="zh-CN" altLang="en-US" sz="800" b="0" i="0" u="none" strike="noStrike" cap="none" dirty="0">
+                <a:solidFill>
+                  <a:srgbClr val="000000"/>
+                </a:solidFill>
+                <a:latin typeface="Arial"/>
+                <a:ea typeface="Arial"/>
+                <a:cs typeface="Arial"/>
+                <a:sym typeface="Arial"/>
+              </a:rPr>
+              <a:t> </a:t>
+            </a:r>
+            <a:r>
+              <a:rPr lang="en-US" altLang="zh-CN" sz="800" b="0" i="0" u="none" strike="noStrike" cap="none" dirty="0">
+                <a:solidFill>
+                  <a:srgbClr val="000000"/>
+                </a:solidFill>
+                <a:latin typeface="Arial"/>
+                <a:ea typeface="Arial"/>
+                <a:cs typeface="Arial"/>
+                <a:sym typeface="Arial"/>
+              </a:rPr>
+              <a:t>rating</a:t>
+            </a:r>
+            <a:r>
+              <a:rPr lang="zh-CN" altLang="en-US" sz="800" b="0" i="0" u="none" strike="noStrike" cap="none" dirty="0">
+                <a:solidFill>
+                  <a:srgbClr val="000000"/>
+                </a:solidFill>
+                <a:latin typeface="Arial"/>
+                <a:ea typeface="Arial"/>
+                <a:cs typeface="Arial"/>
+                <a:sym typeface="Arial"/>
+              </a:rPr>
+              <a:t> </a:t>
+            </a:r>
+            <a:r>
+              <a:rPr lang="en-US" altLang="zh-CN" sz="800" b="0" i="0" u="none" strike="noStrike" cap="none" dirty="0">
+                <a:solidFill>
+                  <a:srgbClr val="000000"/>
+                </a:solidFill>
+                <a:latin typeface="Arial"/>
+                <a:ea typeface="Arial"/>
+                <a:cs typeface="Arial"/>
+                <a:sym typeface="Arial"/>
+              </a:rPr>
+              <a:t>matrix</a:t>
+            </a:r>
+            <a:r>
+              <a:rPr lang="zh-CN" altLang="en-US" sz="800" b="0" i="0" u="none" strike="noStrike" cap="none" dirty="0">
+                <a:solidFill>
+                  <a:srgbClr val="000000"/>
+                </a:solidFill>
+                <a:latin typeface="Arial"/>
+                <a:ea typeface="Arial"/>
+                <a:cs typeface="Arial"/>
+                <a:sym typeface="Arial"/>
+              </a:rPr>
+              <a:t> </a:t>
+            </a:r>
+            <a:r>
+              <a:rPr lang="en-US" altLang="zh-CN" sz="800" b="0" i="0" u="none" strike="noStrike" cap="none" dirty="0">
+                <a:solidFill>
+                  <a:srgbClr val="000000"/>
+                </a:solidFill>
+                <a:latin typeface="Arial"/>
+                <a:ea typeface="Arial"/>
+                <a:cs typeface="Arial"/>
+                <a:sym typeface="Arial"/>
+              </a:rPr>
+              <a:t>R.</a:t>
+            </a:r>
+          </a:p>
+          <a:p>
+            <a:pPr marL="0" marR="0" lvl="0" indent="0" algn="l" defTabSz="914400" rtl="0" eaLnBrk="1" fontAlgn="auto" latinLnBrk="0" hangingPunct="1">
+              <a:lnSpc>
+                <a:spcPct val="100000"/>
+              </a:lnSpc>
+              <a:spcBef>
+                <a:spcPts val="0"/>
+              </a:spcBef>
+              <a:spcAft>
+                <a:spcPts val="0"/>
+              </a:spcAft>
+              <a:buClr>
+                <a:srgbClr val="000000"/>
+              </a:buClr>
+              <a:buSzPts val="1100"/>
+              <a:buFont typeface="Arial"/>
+              <a:buNone/>
+              <a:tabLst/>
+              <a:defRPr/>
+            </a:pPr>
+            <a:r>
+              <a:rPr lang="en-US" altLang="zh-CN" sz="800" b="0" i="0" u="none" strike="noStrike" cap="none" dirty="0">
+                <a:solidFill>
+                  <a:srgbClr val="000000"/>
+                </a:solidFill>
+                <a:latin typeface="Arial"/>
+                <a:ea typeface="Arial"/>
+                <a:cs typeface="Arial"/>
+                <a:sym typeface="Arial"/>
+              </a:rPr>
+              <a:t>Also</a:t>
+            </a:r>
+            <a:r>
+              <a:rPr lang="zh-CN" altLang="en-US" sz="800" b="0" i="0" u="none" strike="noStrike" cap="none" dirty="0">
+                <a:solidFill>
+                  <a:srgbClr val="000000"/>
+                </a:solidFill>
+                <a:latin typeface="Arial"/>
+                <a:ea typeface="Arial"/>
+                <a:cs typeface="Arial"/>
+                <a:sym typeface="Arial"/>
+              </a:rPr>
+              <a:t> </a:t>
+            </a:r>
+            <a:r>
+              <a:rPr lang="en-US" altLang="zh-CN" sz="1100" b="0" i="0" u="none" strike="noStrike" cap="none" dirty="0">
+                <a:solidFill>
+                  <a:srgbClr val="000000"/>
+                </a:solidFill>
+                <a:effectLst/>
+                <a:latin typeface="Arial"/>
+                <a:ea typeface="Arial"/>
+                <a:cs typeface="Arial"/>
+                <a:sym typeface="Arial"/>
+              </a:rPr>
+              <a:t>because</a:t>
+            </a:r>
+            <a:r>
+              <a:rPr lang="en-US" sz="1100" b="0" i="0" u="none" strike="noStrike" cap="none" dirty="0">
+                <a:solidFill>
+                  <a:srgbClr val="000000"/>
+                </a:solidFill>
+                <a:effectLst/>
+                <a:latin typeface="Arial"/>
+                <a:ea typeface="Arial"/>
+                <a:cs typeface="Arial"/>
+                <a:sym typeface="Arial"/>
+              </a:rPr>
+              <a:t> there are many free parameters. </a:t>
+            </a:r>
+            <a:r>
+              <a:rPr lang="en-US" altLang="zh-CN" sz="1100" b="0" i="0" u="none" strike="noStrike" cap="none" dirty="0">
+                <a:solidFill>
+                  <a:srgbClr val="000000"/>
+                </a:solidFill>
+                <a:effectLst/>
+                <a:latin typeface="Arial"/>
+                <a:ea typeface="Arial"/>
+                <a:cs typeface="Arial"/>
+                <a:sym typeface="Arial"/>
+              </a:rPr>
+              <a:t>w</a:t>
+            </a:r>
+            <a:r>
+              <a:rPr lang="en-US" sz="1100" b="0" i="0" u="none" strike="noStrike" cap="none" dirty="0">
+                <a:solidFill>
+                  <a:srgbClr val="000000"/>
+                </a:solidFill>
+                <a:effectLst/>
+                <a:latin typeface="Arial"/>
+                <a:ea typeface="Arial"/>
+                <a:cs typeface="Arial"/>
+                <a:sym typeface="Arial"/>
+              </a:rPr>
+              <a:t>ithout regularization, ALS might lead to overfitting. </a:t>
+            </a:r>
+          </a:p>
+          <a:p>
+            <a:pPr marL="0" marR="0" lvl="0" indent="0" algn="l" defTabSz="914400" rtl="0" eaLnBrk="1" fontAlgn="auto" latinLnBrk="0" hangingPunct="1">
+              <a:lnSpc>
+                <a:spcPct val="100000"/>
+              </a:lnSpc>
+              <a:spcBef>
+                <a:spcPts val="0"/>
+              </a:spcBef>
+              <a:spcAft>
+                <a:spcPts val="0"/>
+              </a:spcAft>
+              <a:buClr>
+                <a:srgbClr val="000000"/>
+              </a:buClr>
+              <a:buSzPts val="1100"/>
+              <a:buFont typeface="Arial"/>
+              <a:buNone/>
+              <a:tabLst/>
+              <a:defRPr/>
+            </a:pPr>
+            <a:r>
+              <a:rPr lang="en-US" altLang="zh-CN" sz="1100" b="0" i="0" u="none" strike="noStrike" cap="none" dirty="0">
+                <a:solidFill>
+                  <a:srgbClr val="000000"/>
+                </a:solidFill>
+                <a:effectLst/>
+                <a:latin typeface="Arial"/>
+                <a:ea typeface="Arial"/>
+                <a:cs typeface="Arial"/>
+                <a:sym typeface="Arial"/>
+              </a:rPr>
+              <a:t>Finally</a:t>
+            </a:r>
+            <a:r>
+              <a:rPr lang="zh-CN" altLang="en-US" sz="1100" b="0" i="0" u="none" strike="noStrike" cap="none" dirty="0">
+                <a:solidFill>
+                  <a:srgbClr val="000000"/>
+                </a:solidFill>
+                <a:effectLst/>
+                <a:latin typeface="Arial"/>
+                <a:ea typeface="Arial"/>
+                <a:cs typeface="Arial"/>
+                <a:sym typeface="Arial"/>
+              </a:rPr>
+              <a:t> </a:t>
+            </a:r>
+            <a:r>
+              <a:rPr lang="en-US" altLang="zh-CN" sz="1100" b="0" i="0" u="none" strike="noStrike" cap="none" dirty="0">
+                <a:solidFill>
+                  <a:srgbClr val="000000"/>
+                </a:solidFill>
+                <a:effectLst/>
+                <a:latin typeface="Arial"/>
+                <a:ea typeface="Arial"/>
+                <a:cs typeface="Arial"/>
+                <a:sym typeface="Arial"/>
+              </a:rPr>
+              <a:t>the</a:t>
+            </a:r>
+            <a:r>
+              <a:rPr lang="zh-CN" altLang="en-US" sz="1100" b="0" i="0" u="none" strike="noStrike" cap="none" dirty="0">
+                <a:solidFill>
+                  <a:srgbClr val="000000"/>
+                </a:solidFill>
+                <a:effectLst/>
+                <a:latin typeface="Arial"/>
+                <a:ea typeface="Arial"/>
+                <a:cs typeface="Arial"/>
+                <a:sym typeface="Arial"/>
+              </a:rPr>
+              <a:t> </a:t>
+            </a:r>
+            <a:r>
+              <a:rPr lang="en-US" sz="1100" b="0" i="0" u="none" strike="noStrike" cap="none" dirty="0">
+                <a:solidFill>
+                  <a:srgbClr val="000000"/>
+                </a:solidFill>
+                <a:effectLst/>
+                <a:latin typeface="Arial"/>
+                <a:ea typeface="Arial"/>
+                <a:cs typeface="Arial"/>
+                <a:sym typeface="Arial"/>
+              </a:rPr>
+              <a:t>weighted-</a:t>
+            </a:r>
+            <a:r>
+              <a:rPr lang="el-GR" sz="1100" b="0" i="0" u="none" strike="noStrike" cap="none" dirty="0">
+                <a:solidFill>
+                  <a:srgbClr val="000000"/>
+                </a:solidFill>
+                <a:effectLst/>
+                <a:latin typeface="Arial"/>
+                <a:ea typeface="Arial"/>
+                <a:cs typeface="Arial"/>
+                <a:sym typeface="Arial"/>
+              </a:rPr>
+              <a:t>λ-</a:t>
+            </a:r>
+            <a:r>
+              <a:rPr lang="en-US" sz="1100" b="0" i="0" u="none" strike="noStrike" cap="none" dirty="0">
+                <a:solidFill>
+                  <a:srgbClr val="000000"/>
+                </a:solidFill>
+                <a:effectLst/>
+                <a:latin typeface="Arial"/>
+                <a:ea typeface="Arial"/>
+                <a:cs typeface="Arial"/>
+                <a:sym typeface="Arial"/>
+              </a:rPr>
+              <a:t>regularization work</a:t>
+            </a:r>
+            <a:r>
+              <a:rPr lang="en-US" altLang="zh-CN" sz="1100" b="0" i="0" u="none" strike="noStrike" cap="none" dirty="0">
+                <a:solidFill>
+                  <a:srgbClr val="000000"/>
+                </a:solidFill>
+                <a:effectLst/>
+                <a:latin typeface="Arial"/>
+                <a:ea typeface="Arial"/>
+                <a:cs typeface="Arial"/>
+                <a:sym typeface="Arial"/>
+              </a:rPr>
+              <a:t>s</a:t>
+            </a:r>
+            <a:r>
+              <a:rPr lang="en-US" sz="1100" b="0" i="0" u="none" strike="noStrike" cap="none" dirty="0">
+                <a:solidFill>
+                  <a:srgbClr val="000000"/>
+                </a:solidFill>
+                <a:effectLst/>
+                <a:latin typeface="Arial"/>
+                <a:ea typeface="Arial"/>
+                <a:cs typeface="Arial"/>
+                <a:sym typeface="Arial"/>
+              </a:rPr>
+              <a:t> the best</a:t>
+            </a:r>
+            <a:r>
+              <a:rPr lang="zh-CN" altLang="en-US" sz="1100" b="0" i="0" u="none" strike="noStrike" cap="none" dirty="0">
+                <a:solidFill>
+                  <a:srgbClr val="000000"/>
+                </a:solidFill>
+                <a:effectLst/>
+                <a:latin typeface="Arial"/>
+                <a:ea typeface="Arial"/>
+                <a:cs typeface="Arial"/>
+                <a:sym typeface="Arial"/>
+              </a:rPr>
+              <a:t> </a:t>
+            </a:r>
+            <a:r>
+              <a:rPr lang="en-US" altLang="zh-CN" sz="1100" b="0" i="0" u="none" strike="noStrike" cap="none" dirty="0">
+                <a:solidFill>
+                  <a:srgbClr val="000000"/>
+                </a:solidFill>
+                <a:effectLst/>
+                <a:latin typeface="Arial"/>
+                <a:ea typeface="Arial"/>
+                <a:cs typeface="Arial"/>
+                <a:sym typeface="Arial"/>
+              </a:rPr>
+              <a:t>to</a:t>
+            </a:r>
+            <a:r>
+              <a:rPr lang="zh-CN" altLang="en-US" sz="1100" b="0" i="0" u="none" strike="noStrike" cap="none" dirty="0">
+                <a:solidFill>
+                  <a:srgbClr val="000000"/>
+                </a:solidFill>
+                <a:effectLst/>
+                <a:latin typeface="Arial"/>
+                <a:ea typeface="Arial"/>
+                <a:cs typeface="Arial"/>
+                <a:sym typeface="Arial"/>
+              </a:rPr>
+              <a:t> </a:t>
+            </a:r>
+            <a:r>
+              <a:rPr lang="en-US" altLang="zh-CN" sz="1100" b="0" i="0" u="none" strike="noStrike" cap="none" dirty="0">
+                <a:solidFill>
+                  <a:srgbClr val="000000"/>
+                </a:solidFill>
+                <a:effectLst/>
+                <a:latin typeface="Arial"/>
+                <a:ea typeface="Arial"/>
+                <a:cs typeface="Arial"/>
+                <a:sym typeface="Arial"/>
+              </a:rPr>
+              <a:t>avoid</a:t>
+            </a:r>
+            <a:r>
+              <a:rPr lang="zh-CN" altLang="en-US" sz="1100" b="0" i="0" u="none" strike="noStrike" cap="none" dirty="0">
+                <a:solidFill>
+                  <a:srgbClr val="000000"/>
+                </a:solidFill>
+                <a:effectLst/>
+                <a:latin typeface="Arial"/>
+                <a:ea typeface="Arial"/>
+                <a:cs typeface="Arial"/>
+                <a:sym typeface="Arial"/>
+              </a:rPr>
+              <a:t> </a:t>
+            </a:r>
+            <a:r>
+              <a:rPr lang="en-US" sz="1100" b="0" i="0" u="none" strike="noStrike" cap="none" dirty="0">
+                <a:solidFill>
+                  <a:srgbClr val="000000"/>
+                </a:solidFill>
+                <a:effectLst/>
+                <a:latin typeface="Arial"/>
+                <a:ea typeface="Arial"/>
+                <a:cs typeface="Arial"/>
+                <a:sym typeface="Arial"/>
+              </a:rPr>
+              <a:t>overfit</a:t>
+            </a:r>
+            <a:r>
+              <a:rPr lang="en-US" altLang="zh-CN" sz="1100" b="0" i="0" u="none" strike="noStrike" cap="none" dirty="0">
+                <a:solidFill>
+                  <a:srgbClr val="000000"/>
+                </a:solidFill>
+                <a:effectLst/>
+                <a:latin typeface="Arial"/>
+                <a:ea typeface="Arial"/>
+                <a:cs typeface="Arial"/>
+                <a:sym typeface="Arial"/>
+              </a:rPr>
+              <a:t>ting</a:t>
+            </a:r>
+            <a:r>
+              <a:rPr lang="en-US" sz="1100" b="0" i="0" u="none" strike="noStrike" cap="none" dirty="0">
+                <a:solidFill>
+                  <a:srgbClr val="000000"/>
+                </a:solidFill>
+                <a:effectLst/>
+                <a:latin typeface="Arial"/>
+                <a:ea typeface="Arial"/>
+                <a:cs typeface="Arial"/>
+                <a:sym typeface="Arial"/>
+              </a:rPr>
+              <a:t> the test data when we increase the number of features or number of iterations. </a:t>
+            </a:r>
+            <a:endParaRPr lang="en-US" sz="800" dirty="0"/>
+          </a:p>
+          <a:p>
+            <a:pPr marL="0" lvl="0" indent="0" algn="l" rtl="0">
+              <a:spcBef>
+                <a:spcPts val="0"/>
+              </a:spcBef>
+              <a:spcAft>
+                <a:spcPts val="0"/>
+              </a:spcAft>
+              <a:buNone/>
+            </a:pPr>
+            <a:endParaRPr lang="en-US" altLang="zh-CN" sz="800" b="0" i="0" u="none" strike="noStrike" cap="none" dirty="0">
+              <a:solidFill>
+                <a:srgbClr val="000000"/>
+              </a:solidFill>
+              <a:latin typeface="Arial"/>
+              <a:ea typeface="Arial"/>
+              <a:cs typeface="Arial"/>
+              <a:sym typeface="Arial"/>
+            </a:endParaRPr>
+          </a:p>
+        </p:txBody>
+      </p:sp>
+      <p:sp>
+        <p:nvSpPr>
+          <p:cNvPr id="139" name="Google Shape;139;p7:notes"/>
+          <p:cNvSpPr>
+            <a:spLocks noGrp="1" noRot="1" noChangeAspect="1"/>
+          </p:cNvSpPr>
+          <p:nvPr>
+            <p:ph type="sldImg" idx="2"/>
+          </p:nvPr>
+        </p:nvSpPr>
+        <p:spPr>
+          <a:xfrm>
+            <a:off x="381000" y="685800"/>
+            <a:ext cx="6096000" cy="3429000"/>
+          </a:xfrm>
+          <a:custGeom>
+            <a:avLst/>
+            <a:gdLst/>
+            <a:ahLst/>
+            <a:cxnLst/>
+            <a:rect l="l" t="t" r="r" b="b"/>
+            <a:pathLst>
+              <a:path w="120000" h="120000" extrusionOk="0">
+                <a:moveTo>
+                  <a:pt x="0" y="0"/>
+                </a:moveTo>
+                <a:lnTo>
+                  <a:pt x="120000" y="0"/>
+                </a:lnTo>
+                <a:lnTo>
+                  <a:pt x="120000" y="120000"/>
+                </a:lnTo>
+                <a:lnTo>
+                  <a:pt x="0" y="120000"/>
+                </a:lnTo>
+                <a:close/>
+              </a:path>
+            </a:pathLst>
+          </a:custGeom>
+        </p:spPr>
+      </p:sp>
+    </p:spTree>
+    <p:extLst>
+      <p:ext uri="{BB962C8B-B14F-4D97-AF65-F5344CB8AC3E}">
+        <p14:creationId xmlns:p14="http://schemas.microsoft.com/office/powerpoint/2010/main" val="4171885481"/>
+      </p:ext>
+    </p:extLst>
+  </p:cSld>
+  <p:clrMapOvr>
+    <a:masterClrMapping/>
+  </p:clrMapOvr>
+</p:notes>
+</file>
+
+<file path=ppt/notesSlides/notesSlide14.xml><?xml version="1.0" encoding="utf-8"?>
+<p:notes xmlns:a="http://schemas.openxmlformats.org/drawingml/2006/main" xmlns:r="http://schemas.openxmlformats.org/officeDocument/2006/relationships" xmlns:p="http://schemas.openxmlformats.org/presentationml/2006/main" showMasterSp="0" showMasterPhAnim="0">
+  <p:cSld>
+    <p:spTree>
+      <p:nvGrpSpPr>
+        <p:cNvPr id="1" name="Shape 159"/>
+        <p:cNvGrpSpPr/>
+        <p:nvPr/>
+      </p:nvGrpSpPr>
+      <p:grpSpPr>
+        <a:xfrm>
+          <a:off x="0" y="0"/>
+          <a:ext cx="0" cy="0"/>
+          <a:chOff x="0" y="0"/>
+          <a:chExt cx="0" cy="0"/>
+        </a:xfrm>
+      </p:grpSpPr>
+      <p:sp>
+        <p:nvSpPr>
+          <p:cNvPr id="160" name="Google Shape;160;p8:notes"/>
+          <p:cNvSpPr txBox="1">
+            <a:spLocks noGrp="1"/>
+          </p:cNvSpPr>
+          <p:nvPr>
+            <p:ph type="body" idx="1"/>
+          </p:nvPr>
+        </p:nvSpPr>
+        <p:spPr>
+          <a:xfrm>
+            <a:off x="685800" y="4343400"/>
+            <a:ext cx="5486400" cy="4114800"/>
+          </a:xfrm>
+          <a:prstGeom prst="rect">
+            <a:avLst/>
+          </a:prstGeom>
+        </p:spPr>
+        <p:txBody>
+          <a:bodyPr spcFirstLastPara="1" wrap="square" lIns="91425" tIns="91425" rIns="91425" bIns="91425" anchor="t" anchorCtr="0">
+            <a:noAutofit/>
+          </a:bodyPr>
+          <a:lstStyle/>
+          <a:p>
+            <a:pPr marL="0" lvl="0" indent="0" algn="l" rtl="0">
+              <a:spcBef>
+                <a:spcPts val="0"/>
+              </a:spcBef>
+              <a:spcAft>
+                <a:spcPts val="0"/>
+              </a:spcAft>
+              <a:buNone/>
+            </a:pPr>
+            <a:r>
               <a:rPr lang="en-US" altLang="zh-CN" dirty="0"/>
-              <a:t>The next two</a:t>
+              <a:t>We</a:t>
             </a:r>
             <a:r>
               <a:rPr lang="zh-CN" altLang="en-US" dirty="0"/>
@@ -3421,7 +3060,323 @@
             </a:r>
             <a:r>
               <a:rPr lang="en-US" altLang="zh-CN" dirty="0"/>
-              <a:t>slides are our results</a:t>
+              <a:t>performed</a:t>
+            </a:r>
+            <a:r>
+              <a:rPr lang="zh-CN" altLang="en-US" dirty="0"/>
+              <a:t> </a:t>
+            </a:r>
+            <a:r>
+              <a:rPr lang="en-US" altLang="zh-CN" dirty="0"/>
+              <a:t>parameters</a:t>
+            </a:r>
+            <a:r>
+              <a:rPr lang="zh-CN" altLang="en-US" dirty="0"/>
+              <a:t> </a:t>
+            </a:r>
+            <a:r>
+              <a:rPr lang="en-US" altLang="zh-CN" dirty="0"/>
+              <a:t>tuning</a:t>
+            </a:r>
+            <a:r>
+              <a:rPr lang="zh-CN" altLang="en-US" dirty="0"/>
+              <a:t> </a:t>
+            </a:r>
+            <a:r>
+              <a:rPr lang="en-US" altLang="zh-CN" dirty="0"/>
+              <a:t>for</a:t>
+            </a:r>
+            <a:r>
+              <a:rPr lang="zh-CN" altLang="en-US" dirty="0"/>
+              <a:t> </a:t>
+            </a:r>
+            <a:r>
+              <a:rPr lang="en-US" altLang="zh-CN" dirty="0"/>
+              <a:t>the</a:t>
+            </a:r>
+            <a:r>
+              <a:rPr lang="zh-CN" altLang="en-US" dirty="0"/>
+              <a:t> </a:t>
+            </a:r>
+            <a:r>
+              <a:rPr lang="en-US" altLang="zh-CN" dirty="0"/>
+              <a:t>dimension of factor from</a:t>
+            </a:r>
+            <a:r>
+              <a:rPr lang="zh-CN" altLang="en-US" dirty="0"/>
+              <a:t> </a:t>
+            </a:r>
+            <a:r>
+              <a:rPr lang="en-US" altLang="zh-CN" dirty="0"/>
+              <a:t>5</a:t>
+            </a:r>
+            <a:r>
+              <a:rPr lang="zh-CN" altLang="en-US" dirty="0"/>
+              <a:t> </a:t>
+            </a:r>
+            <a:r>
+              <a:rPr lang="en-US" altLang="zh-CN" dirty="0"/>
+              <a:t>to</a:t>
+            </a:r>
+            <a:r>
+              <a:rPr lang="zh-CN" altLang="en-US" dirty="0"/>
+              <a:t> </a:t>
+            </a:r>
+            <a:r>
+              <a:rPr lang="en-US" altLang="zh-CN" dirty="0"/>
+              <a:t>50</a:t>
+            </a:r>
+          </a:p>
+          <a:p>
+            <a:pPr marL="0" lvl="0" indent="0" algn="l" rtl="0">
+              <a:spcBef>
+                <a:spcPts val="0"/>
+              </a:spcBef>
+              <a:spcAft>
+                <a:spcPts val="0"/>
+              </a:spcAft>
+              <a:buNone/>
+            </a:pPr>
+            <a:r>
+              <a:rPr lang="en-US" altLang="zh-CN" dirty="0"/>
+              <a:t>And</a:t>
+            </a:r>
+            <a:r>
+              <a:rPr lang="zh-CN" altLang="en-US" dirty="0"/>
+              <a:t> </a:t>
+            </a:r>
+            <a:r>
+              <a:rPr lang="en-US" altLang="zh-CN" dirty="0"/>
+              <a:t>the penalty parameter $\lambda$ for</a:t>
+            </a:r>
+            <a:r>
+              <a:rPr lang="zh-CN" altLang="en-US" dirty="0"/>
+              <a:t> </a:t>
+            </a:r>
+            <a:r>
+              <a:rPr lang="en-US" altLang="zh-CN" dirty="0"/>
+              <a:t>user</a:t>
+            </a:r>
+            <a:r>
+              <a:rPr lang="zh-CN" altLang="en-US" dirty="0"/>
+              <a:t> </a:t>
+            </a:r>
+            <a:r>
+              <a:rPr lang="en-US" altLang="zh-CN" dirty="0"/>
+              <a:t>and</a:t>
+            </a:r>
+            <a:r>
+              <a:rPr lang="zh-CN" altLang="en-US" dirty="0"/>
+              <a:t> </a:t>
+            </a:r>
+            <a:r>
+              <a:rPr lang="en-US" altLang="zh-CN" dirty="0"/>
+              <a:t>movie</a:t>
+            </a:r>
+            <a:r>
+              <a:rPr lang="zh-CN" altLang="en-US" dirty="0"/>
+              <a:t> </a:t>
+            </a:r>
+            <a:r>
+              <a:rPr lang="en-US" altLang="zh-CN" dirty="0"/>
+              <a:t>from</a:t>
+            </a:r>
+            <a:r>
+              <a:rPr lang="zh-CN" altLang="en-US" dirty="0"/>
+              <a:t> </a:t>
+            </a:r>
+            <a:r>
+              <a:rPr lang="en-US" altLang="zh-CN" dirty="0"/>
+              <a:t>.05</a:t>
+            </a:r>
+            <a:r>
+              <a:rPr lang="zh-CN" altLang="en-US" dirty="0"/>
+              <a:t> </a:t>
+            </a:r>
+            <a:r>
+              <a:rPr lang="en-US" altLang="zh-CN" dirty="0"/>
+              <a:t>to</a:t>
+            </a:r>
+            <a:r>
+              <a:rPr lang="zh-CN" altLang="en-US" dirty="0"/>
+              <a:t> </a:t>
+            </a:r>
+            <a:r>
+              <a:rPr lang="en-US" altLang="zh-CN" dirty="0"/>
+              <a:t>.2</a:t>
+            </a:r>
+            <a:r>
+              <a:rPr lang="zh-CN" altLang="en-US" dirty="0"/>
+              <a:t> </a:t>
+            </a:r>
+            <a:r>
+              <a:rPr lang="en-US" altLang="zh-CN" dirty="0"/>
+              <a:t>by</a:t>
+            </a:r>
+            <a:r>
+              <a:rPr lang="zh-CN" altLang="en-US" dirty="0"/>
+              <a:t> </a:t>
+            </a:r>
+            <a:r>
+              <a:rPr lang="en-US" altLang="zh-CN" dirty="0"/>
+              <a:t>5-fold</a:t>
+            </a:r>
+            <a:r>
+              <a:rPr lang="zh-CN" altLang="en-US" dirty="0"/>
+              <a:t> </a:t>
+            </a:r>
+            <a:r>
+              <a:rPr lang="en-US" altLang="zh-CN" dirty="0"/>
+              <a:t>cross-validation.</a:t>
+            </a:r>
+          </a:p>
+          <a:p>
+            <a:pPr marL="0" lvl="0" indent="0" algn="l" rtl="0">
+              <a:spcBef>
+                <a:spcPts val="0"/>
+              </a:spcBef>
+              <a:spcAft>
+                <a:spcPts val="0"/>
+              </a:spcAft>
+              <a:buNone/>
+            </a:pPr>
+            <a:r>
+              <a:rPr lang="en-US" altLang="zh-CN" dirty="0"/>
+              <a:t>After the cross-validation, the final parameter is applied to Train and test data separately.</a:t>
+            </a:r>
+          </a:p>
+          <a:p>
+            <a:pPr marL="0" lvl="0" indent="0" algn="l" rtl="0">
+              <a:spcBef>
+                <a:spcPts val="0"/>
+              </a:spcBef>
+              <a:spcAft>
+                <a:spcPts val="0"/>
+              </a:spcAft>
+              <a:buNone/>
+            </a:pPr>
+            <a:r>
+              <a:rPr lang="en-US" altLang="zh-CN" dirty="0"/>
+              <a:t>The</a:t>
+            </a:r>
+            <a:r>
+              <a:rPr lang="zh-CN" altLang="en-US" dirty="0"/>
+              <a:t> </a:t>
+            </a:r>
+            <a:r>
+              <a:rPr lang="en-US" altLang="zh-CN" dirty="0"/>
+              <a:t>final</a:t>
+            </a:r>
+            <a:r>
+              <a:rPr lang="zh-CN" altLang="en-US" dirty="0"/>
+              <a:t> </a:t>
+            </a:r>
+            <a:r>
+              <a:rPr lang="en-US" altLang="zh-CN" dirty="0"/>
+              <a:t>parameter</a:t>
+            </a:r>
+            <a:r>
+              <a:rPr lang="zh-CN" altLang="en-US" dirty="0"/>
+              <a:t> </a:t>
+            </a:r>
+            <a:r>
+              <a:rPr lang="en-US" altLang="zh-CN" dirty="0"/>
+              <a:t>is</a:t>
+            </a:r>
+            <a:r>
+              <a:rPr lang="zh-CN" altLang="en-US" dirty="0"/>
+              <a:t> </a:t>
+            </a:r>
+            <a:r>
+              <a:rPr lang="en-US" altLang="zh-CN" dirty="0" err="1"/>
+              <a:t>lamba</a:t>
+            </a:r>
+            <a:r>
+              <a:rPr lang="zh-CN" altLang="en-US" dirty="0"/>
+              <a:t> </a:t>
+            </a:r>
+            <a:r>
+              <a:rPr lang="en-US" altLang="zh-CN" dirty="0"/>
+              <a:t>equals</a:t>
+            </a:r>
+            <a:r>
+              <a:rPr lang="zh-CN" altLang="en-US" dirty="0"/>
+              <a:t> </a:t>
+            </a:r>
+            <a:r>
+              <a:rPr lang="en-US" altLang="zh-CN" dirty="0"/>
+              <a:t>0.15</a:t>
+            </a:r>
+            <a:r>
+              <a:rPr lang="zh-CN" altLang="en-US" dirty="0"/>
+              <a:t> </a:t>
+            </a:r>
+            <a:r>
+              <a:rPr lang="en-US" altLang="zh-CN" dirty="0"/>
+              <a:t>and</a:t>
+            </a:r>
+            <a:r>
+              <a:rPr lang="zh-CN" altLang="en-US" dirty="0"/>
+              <a:t> </a:t>
+            </a:r>
+            <a:r>
+              <a:rPr lang="en-US" altLang="zh-CN" dirty="0"/>
+              <a:t>f</a:t>
+            </a:r>
+            <a:r>
+              <a:rPr lang="zh-CN" altLang="en-US" dirty="0"/>
+              <a:t> </a:t>
+            </a:r>
+            <a:r>
+              <a:rPr lang="en-US" altLang="zh-CN" dirty="0"/>
+              <a:t>number</a:t>
+            </a:r>
+            <a:r>
+              <a:rPr lang="zh-CN" altLang="en-US" dirty="0"/>
+              <a:t> </a:t>
+            </a:r>
+            <a:r>
+              <a:rPr lang="en-US" altLang="zh-CN" dirty="0"/>
+              <a:t>of</a:t>
+            </a:r>
+            <a:r>
+              <a:rPr lang="zh-CN" altLang="en-US" dirty="0"/>
+              <a:t> </a:t>
+            </a:r>
+            <a:r>
+              <a:rPr lang="en-US" altLang="zh-CN" dirty="0"/>
+              <a:t>factors</a:t>
+            </a:r>
+            <a:r>
+              <a:rPr lang="zh-CN" altLang="en-US" dirty="0"/>
+              <a:t> </a:t>
+            </a:r>
+            <a:r>
+              <a:rPr lang="en-US" altLang="zh-CN" dirty="0"/>
+              <a:t>equals</a:t>
+            </a:r>
+            <a:r>
+              <a:rPr lang="zh-CN" altLang="en-US" dirty="0"/>
+              <a:t> </a:t>
+            </a:r>
+            <a:r>
+              <a:rPr lang="en-US" altLang="zh-CN" dirty="0"/>
+              <a:t>20</a:t>
+            </a:r>
+          </a:p>
+          <a:p>
+            <a:pPr marL="0" lvl="0" indent="0" algn="l" rtl="0">
+              <a:spcBef>
+                <a:spcPts val="0"/>
+              </a:spcBef>
+              <a:spcAft>
+                <a:spcPts val="0"/>
+              </a:spcAft>
+              <a:buNone/>
+            </a:pPr>
+            <a:r>
+              <a:rPr lang="en-US" altLang="zh-CN" dirty="0"/>
+              <a:t>After one-hundred epoch, the RMSE for train achieves 0.61 and for test achieves 1.102.</a:t>
             </a:r>
             <a:endParaRPr lang="en-US" dirty="0"/>
           </a:p>
@@ -3439,7 +3394,53 @@
           </a:p>
         </p:txBody>
       </p:sp>
+      <p:sp>
+        <p:nvSpPr>
+          <p:cNvPr id="161" name="Google Shape;161;p8:notes"/>
+          <p:cNvSpPr>
+            <a:spLocks noGrp="1" noRot="1" noChangeAspect="1"/>
+          </p:cNvSpPr>
+          <p:nvPr>
+            <p:ph type="sldImg" idx="2"/>
+          </p:nvPr>
+        </p:nvSpPr>
+        <p:spPr>
+          <a:xfrm>
+            <a:off x="381000" y="685800"/>
+            <a:ext cx="6096000" cy="3429000"/>
+          </a:xfrm>
+          <a:custGeom>
+            <a:avLst/>
+            <a:gdLst/>
+            <a:ahLst/>
+            <a:cxnLst/>
+            <a:rect l="l" t="t" r="r" b="b"/>
+            <a:pathLst>
+              <a:path w="120000" h="120000" extrusionOk="0">
+                <a:moveTo>
+                  <a:pt x="0" y="0"/>
+                </a:moveTo>
+                <a:lnTo>
+                  <a:pt x="120000" y="0"/>
+                </a:lnTo>
+                <a:lnTo>
+                  <a:pt x="120000" y="120000"/>
+                </a:lnTo>
+                <a:lnTo>
+                  <a:pt x="0" y="120000"/>
+                </a:lnTo>
+                <a:close/>
+              </a:path>
+            </a:pathLst>
+          </a:custGeom>
+        </p:spPr>
+      </p:sp>
     </p:spTree>
+    <p:extLst>
+      <p:ext uri="{BB962C8B-B14F-4D97-AF65-F5344CB8AC3E}">
+        <p14:creationId xmlns:p14="http://schemas.microsoft.com/office/powerpoint/2010/main" val="1888195853"/>
+      </p:ext>
+    </p:extLst>
   </p:cSld>
   <p:clrMapOvr>
     <a:masterClrMapping/>
@@ -3448,6 +3449,154 @@
 </file>
 
 <file path=ppt/notesSlides/notesSlide15.xml><?xml version="1.0" encoding="utf-8"?>
+<p:notes xmlns:a="http://schemas.openxmlformats.org/drawingml/2006/main" xmlns:r="http://schemas.openxmlformats.org/officeDocument/2006/relationships" xmlns:p="http://schemas.openxmlformats.org/presentationml/2006/main" showMasterSp="0" showMasterPhAnim="0">
+  <p:cSld>
+    <p:spTree>
+      <p:nvGrpSpPr>
+        <p:cNvPr id="1" name="Shape 143"/>
+        <p:cNvGrpSpPr/>
+        <p:nvPr/>
+      </p:nvGrpSpPr>
+      <p:grpSpPr>
+        <a:xfrm>
+          <a:off x="0" y="0"/>
+          <a:ext cx="0" cy="0"/>
+          <a:chOff x="0" y="0"/>
+          <a:chExt cx="0" cy="0"/>
+        </a:xfrm>
+      </p:grpSpPr>
+      <p:sp>
+        <p:nvSpPr>
+          <p:cNvPr id="144" name="Google Shape;144;g6b602bf000_2_3:notes"/>
+          <p:cNvSpPr>
+            <a:spLocks noGrp="1" noRot="1" noChangeAspect="1"/>
+          </p:cNvSpPr>
+          <p:nvPr>
+            <p:ph type="sldImg" idx="2"/>
+          </p:nvPr>
+        </p:nvSpPr>
+        <p:spPr>
+          <a:xfrm>
+            <a:off x="381000" y="685800"/>
+            <a:ext cx="6096000" cy="3429000"/>
+          </a:xfrm>
+          <a:custGeom>
+            <a:avLst/>
+            <a:gdLst/>
+            <a:ahLst/>
+            <a:cxnLst/>
+            <a:rect l="l" t="t" r="r" b="b"/>
+            <a:pathLst>
+              <a:path w="120000" h="120000" extrusionOk="0">
+                <a:moveTo>
+                  <a:pt x="0" y="0"/>
+                </a:moveTo>
+                <a:lnTo>
+                  <a:pt x="120000" y="0"/>
+                </a:lnTo>
+                <a:lnTo>
+                  <a:pt x="120000" y="120000"/>
+                </a:lnTo>
+                <a:lnTo>
+                  <a:pt x="0" y="120000"/>
+                </a:lnTo>
+                <a:close/>
+              </a:path>
+            </a:pathLst>
+          </a:custGeom>
+        </p:spPr>
+      </p:sp>
+      <p:sp>
+        <p:nvSpPr>
+          <p:cNvPr id="145" name="Google Shape;145;g6b602bf000_2_3:notes"/>
+          <p:cNvSpPr txBox="1">
+            <a:spLocks noGrp="1"/>
+          </p:cNvSpPr>
+          <p:nvPr>
+            <p:ph type="body" idx="1"/>
+          </p:nvPr>
+        </p:nvSpPr>
+        <p:spPr>
+          <a:xfrm>
+            <a:off x="685800" y="4343400"/>
+            <a:ext cx="5486400" cy="4114800"/>
+          </a:xfrm>
+          <a:prstGeom prst="rect">
+            <a:avLst/>
+          </a:prstGeom>
+        </p:spPr>
+        <p:txBody>
+          <a:bodyPr spcFirstLastPara="1" wrap="square" lIns="91425" tIns="91425" rIns="91425" bIns="91425" anchor="t" anchorCtr="0">
+            <a:noAutofit/>
+          </a:bodyPr>
+          <a:lstStyle/>
+          <a:p>
+            <a:pPr marL="0" lvl="0" indent="0" algn="l" rtl="0">
+              <a:spcBef>
+                <a:spcPts val="0"/>
+              </a:spcBef>
+              <a:spcAft>
+                <a:spcPts val="0"/>
+              </a:spcAft>
+              <a:buNone/>
+            </a:pPr>
+            <a:r>
+              <a:rPr lang="en-US" altLang="zh-CN" dirty="0"/>
+              <a:t>To evaluate our parameter performance, a visualization is demonstrated with training and testing RMSE for different dimension of parameters and epochs.</a:t>
+            </a:r>
+          </a:p>
+          <a:p>
+            <a:pPr marL="0" lvl="0" indent="0" algn="l" rtl="0">
+              <a:spcBef>
+                <a:spcPts val="0"/>
+              </a:spcBef>
+              <a:spcAft>
+                <a:spcPts val="0"/>
+              </a:spcAft>
+              <a:buNone/>
+            </a:pPr>
+            <a:r>
+              <a:rPr lang="en-US" altLang="zh-CN" dirty="0"/>
+              <a:t>The next two</a:t>
+            </a:r>
+            <a:r>
+              <a:rPr lang="zh-CN" altLang="en-US" dirty="0"/>
+              <a:t> </a:t>
+            </a:r>
+            <a:r>
+              <a:rPr lang="en-US" altLang="zh-CN" dirty="0"/>
+              <a:t>slides are our results</a:t>
+            </a:r>
+            <a:endParaRPr lang="en-US" dirty="0"/>
+          </a:p>
+          <a:p>
+            <a:pPr marL="0" lvl="0" indent="0" algn="l" rtl="0">
+              <a:spcBef>
+                <a:spcPts val="0"/>
+              </a:spcBef>
+              <a:spcAft>
+                <a:spcPts val="0"/>
+              </a:spcAft>
+              <a:buNone/>
+            </a:pPr>
+            <a:endParaRPr dirty="0"/>
+          </a:p>
+        </p:txBody>
+      </p:sp>
+    </p:spTree>
+    <p:extLst>
+      <p:ext uri="{BB962C8B-B14F-4D97-AF65-F5344CB8AC3E}">
+        <p14:creationId xmlns:p14="http://schemas.microsoft.com/office/powerpoint/2010/main" val="1446557532"/>
+      </p:ext>
+    </p:extLst>
+  </p:cSld>
+  <p:clrMapOvr>
+    <a:masterClrMapping/>
+  </p:clrMapOvr>
+</p:notes>
+</file>
+
+<file path=ppt/notesSlides/notesSlide16.xml><?xml version="1.0" encoding="utf-8"?>
 <p:notes xmlns:a="http://schemas.openxmlformats.org/drawingml/2006/main" xmlns:r="http://schemas.openxmlformats.org/officeDocument/2006/relationships" xmlns:p="http://schemas.openxmlformats.org/presentationml/2006/main" showMasterSp="0" showMasterPhAnim="0">
   <p:cSld>
     <p:spTree>
@@ -3544,6 +3693,11 @@
         </p:txBody>
       </p:sp>
     </p:spTree>
+    <p:extLst>
+      <p:ext uri="{BB962C8B-B14F-4D97-AF65-F5344CB8AC3E}">
+        <p14:creationId xmlns:p14="http://schemas.microsoft.com/office/powerpoint/2010/main" val="2679748246"/>
+      </p:ext>
+    </p:extLst>
   </p:cSld>
   <p:clrMapOvr>
     <a:masterClrMapping/>
@@ -3551,7 +3705,7 @@
 </p:notes>
 </file>
 
-<file path=ppt/notesSlides/notesSlide16.xml><?xml version="1.0" encoding="utf-8"?>
+<file path=ppt/notesSlides/notesSlide17.xml><?xml version="1.0" encoding="utf-8"?>
 <p:notes xmlns:a="http://schemas.openxmlformats.org/drawingml/2006/main" xmlns:r="http://schemas.openxmlformats.org/officeDocument/2006/relationships" xmlns:p="http://schemas.openxmlformats.org/presentationml/2006/main" showMasterSp="0" showMasterPhAnim="0">
   <p:cSld>
     <p:spTree>
@@ -4240,6 +4394,11 @@
         </p:spPr>
       </p:sp>
     </p:spTree>
+    <p:extLst>
+      <p:ext uri="{BB962C8B-B14F-4D97-AF65-F5344CB8AC3E}">
+        <p14:creationId xmlns:p14="http://schemas.microsoft.com/office/powerpoint/2010/main" val="3397053812"/>
+      </p:ext>
+    </p:extLst>
   </p:cSld>
   <p:clrMapOvr>
     <a:masterClrMapping/>
@@ -4247,7 +4406,7 @@
 </p:notes>
 </file>
 
-<file path=ppt/notesSlides/notesSlide17.xml><?xml version="1.0" encoding="utf-8"?>
+<file path=ppt/notesSlides/notesSlide18.xml><?xml version="1.0" encoding="utf-8"?>
 <p:notes xmlns:a="http://schemas.openxmlformats.org/drawingml/2006/main" xmlns:r="http://schemas.openxmlformats.org/officeDocument/2006/relationships" xmlns:p="http://schemas.openxmlformats.org/presentationml/2006/main" showMasterSp="0" showMasterPhAnim="0">
   <p:cSld>
     <p:spTree>
@@ -4829,6 +4988,11 @@
         </p:spPr>
       </p:sp>
     </p:spTree>
+    <p:extLst>
+      <p:ext uri="{BB962C8B-B14F-4D97-AF65-F5344CB8AC3E}">
+        <p14:creationId xmlns:p14="http://schemas.microsoft.com/office/powerpoint/2010/main" val="4227872535"/>
+      </p:ext>
+    </p:extLst>
   </p:cSld>
   <p:clrMapOvr>
     <a:masterClrMapping/>
@@ -4836,7 +5000,7 @@
 </p:notes>
 </file>
 
-<file path=ppt/notesSlides/notesSlide18.xml><?xml version="1.0" encoding="utf-8"?>
+<file path=ppt/notesSlides/notesSlide19.xml><?xml version="1.0" encoding="utf-8"?>
 <p:notes xmlns:a="http://schemas.openxmlformats.org/drawingml/2006/main" xmlns:r="http://schemas.openxmlformats.org/officeDocument/2006/relationships" xmlns:p="http://schemas.openxmlformats.org/presentationml/2006/main" showMasterSp="0" showMasterPhAnim="0">
   <p:cSld>
     <p:spTree>
@@ -4933,6 +5097,11 @@
         </p:spPr>
       </p:sp>
     </p:spTree>
+    <p:extLst>
+      <p:ext uri="{BB962C8B-B14F-4D97-AF65-F5344CB8AC3E}">
+        <p14:creationId xmlns:p14="http://schemas.microsoft.com/office/powerpoint/2010/main" val="2601193068"/>
+      </p:ext>
+    </p:extLst>
   </p:cSld>
   <p:clrMapOvr>
     <a:masterClrMapping/>
@@ -5778,6 +5947,11 @@
         </p:spPr>
       </p:sp>
     </p:spTree>
+    <p:extLst>
+      <p:ext uri="{BB962C8B-B14F-4D97-AF65-F5344CB8AC3E}">
+        <p14:creationId xmlns:p14="http://schemas.microsoft.com/office/powerpoint/2010/main" val="156019160"/>
+      </p:ext>
+    </p:extLst>
   </p:cSld>
   <p:clrMapOvr>
     <a:masterClrMapping/>
@@ -6584,6 +6758,11 @@
         </p:spPr>
       </p:sp>
     </p:spTree>
+    <p:extLst>
+      <p:ext uri="{BB962C8B-B14F-4D97-AF65-F5344CB8AC3E}">
+        <p14:creationId xmlns:p14="http://schemas.microsoft.com/office/powerpoint/2010/main" val="4128756322"/>
+      </p:ext>
+    </p:extLst>
   </p:cSld>
   <p:clrMapOvr>
     <a:masterClrMapping/>
@@ -6728,6 +6907,11 @@
         </p:spPr>
       </p:sp>
     </p:spTree>
+    <p:extLst>
+      <p:ext uri="{BB962C8B-B14F-4D97-AF65-F5344CB8AC3E}">
+        <p14:creationId xmlns:p14="http://schemas.microsoft.com/office/powerpoint/2010/main" val="2858161004"/>
+      </p:ext>
+    </p:extLst>
   </p:cSld>
   <p:clrMapOvr>
     <a:masterClrMapping/>
@@ -7010,6 +7194,11 @@
         </p:spPr>
       </p:sp>
     </p:spTree>
+    <p:extLst>
+      <p:ext uri="{BB962C8B-B14F-4D97-AF65-F5344CB8AC3E}">
+        <p14:creationId xmlns:p14="http://schemas.microsoft.com/office/powerpoint/2010/main" val="260733087"/>
+      </p:ext>
+    </p:extLst>
   </p:cSld>
   <p:clrMapOvr>
     <a:masterClrMapping/>
@@ -7018,6 +7207,293 @@
 </file>
 
 <file path=ppt/notesSlides/notesSlide6.xml><?xml version="1.0" encoding="utf-8"?>
+<p:notes xmlns:a="http://schemas.openxmlformats.org/drawingml/2006/main" xmlns:r="http://schemas.openxmlformats.org/officeDocument/2006/relationships" xmlns:p="http://schemas.openxmlformats.org/presentationml/2006/main" showMasterSp="0" showMasterPhAnim="0">
+  <p:cSld>
+    <p:spTree>
+      <p:nvGrpSpPr>
+        <p:cNvPr id="1" name="Shape 113"/>
+        <p:cNvGrpSpPr/>
+        <p:nvPr/>
+      </p:nvGrpSpPr>
+      <p:grpSpPr>
+        <a:xfrm>
+          <a:off x="0" y="0"/>
+          <a:ext cx="0" cy="0"/>
+          <a:chOff x="0" y="0"/>
+          <a:chExt cx="0" cy="0"/>
+        </a:xfrm>
+      </p:grpSpPr>
+      <p:sp>
+        <p:nvSpPr>
+          <p:cNvPr id="114" name="Google Shape;114;p5:notes"/>
+          <p:cNvSpPr txBox="1">
+            <a:spLocks noGrp="1"/>
+          </p:cNvSpPr>
+          <p:nvPr>
+            <p:ph type="body" idx="1"/>
+          </p:nvPr>
+        </p:nvSpPr>
+        <p:spPr>
+          <a:xfrm>
+            <a:off x="685800" y="4343400"/>
+            <a:ext cx="5486400" cy="4114800"/>
+          </a:xfrm>
+          <a:prstGeom prst="rect">
+            <a:avLst/>
+          </a:prstGeom>
+        </p:spPr>
+        <p:txBody>
+          <a:bodyPr spcFirstLastPara="1" wrap="square" lIns="91425" tIns="91425" rIns="91425" bIns="91425" anchor="t" anchorCtr="0">
+            <a:noAutofit/>
+          </a:bodyPr>
+          <a:lstStyle/>
+          <a:p>
+            <a:pPr marL="0" lvl="0" indent="0" algn="l" rtl="0">
+              <a:spcBef>
+                <a:spcPts val="0"/>
+              </a:spcBef>
+              <a:spcAft>
+                <a:spcPts val="0"/>
+              </a:spcAft>
+              <a:buNone/>
+            </a:pPr>
+            <a:r>
+              <a:rPr lang="en-US" altLang="zh-CN" dirty="0"/>
+              <a:t>We</a:t>
+            </a:r>
+            <a:r>
+              <a:rPr lang="zh-CN" altLang="en-US" dirty="0"/>
+              <a:t> </a:t>
+            </a:r>
+            <a:r>
+              <a:rPr lang="en-US" altLang="zh-CN" dirty="0"/>
+              <a:t>performed</a:t>
+            </a:r>
+            <a:r>
+              <a:rPr lang="zh-CN" altLang="en-US" dirty="0"/>
+              <a:t> </a:t>
+            </a:r>
+            <a:r>
+              <a:rPr lang="en-US" altLang="zh-CN" dirty="0"/>
+              <a:t>parameters</a:t>
+            </a:r>
+            <a:r>
+              <a:rPr lang="zh-CN" altLang="en-US" dirty="0"/>
+              <a:t> </a:t>
+            </a:r>
+            <a:r>
+              <a:rPr lang="en-US" altLang="zh-CN" dirty="0"/>
+              <a:t>tuning</a:t>
+            </a:r>
+            <a:r>
+              <a:rPr lang="zh-CN" altLang="en-US" dirty="0"/>
+              <a:t> </a:t>
+            </a:r>
+            <a:r>
+              <a:rPr lang="en-US" altLang="zh-CN" dirty="0"/>
+              <a:t>for</a:t>
+            </a:r>
+            <a:r>
+              <a:rPr lang="zh-CN" altLang="en-US" dirty="0"/>
+              <a:t> </a:t>
+            </a:r>
+            <a:r>
+              <a:rPr lang="en-US" altLang="zh-CN" dirty="0"/>
+              <a:t>the</a:t>
+            </a:r>
+            <a:r>
+              <a:rPr lang="zh-CN" altLang="en-US" dirty="0"/>
+              <a:t> </a:t>
+            </a:r>
+            <a:r>
+              <a:rPr lang="en-US" altLang="zh-CN" dirty="0"/>
+              <a:t>dimension of factor from</a:t>
+            </a:r>
+            <a:r>
+              <a:rPr lang="zh-CN" altLang="en-US" dirty="0"/>
+              <a:t> </a:t>
+            </a:r>
+            <a:r>
+              <a:rPr lang="en-US" altLang="zh-CN" dirty="0"/>
+              <a:t>10</a:t>
+            </a:r>
+            <a:r>
+              <a:rPr lang="zh-CN" altLang="en-US" dirty="0"/>
+              <a:t> </a:t>
+            </a:r>
+            <a:r>
+              <a:rPr lang="en-US" altLang="zh-CN" dirty="0"/>
+              <a:t>to</a:t>
+            </a:r>
+            <a:r>
+              <a:rPr lang="zh-CN" altLang="en-US" dirty="0"/>
+              <a:t> </a:t>
+            </a:r>
+            <a:r>
+              <a:rPr lang="en-US" altLang="zh-CN" dirty="0"/>
+              <a:t>30</a:t>
+            </a:r>
+          </a:p>
+          <a:p>
+            <a:pPr marL="0" lvl="0" indent="0" algn="l" rtl="0">
+              <a:spcBef>
+                <a:spcPts val="0"/>
+              </a:spcBef>
+              <a:spcAft>
+                <a:spcPts val="0"/>
+              </a:spcAft>
+              <a:buNone/>
+            </a:pPr>
+            <a:r>
+              <a:rPr lang="en-US" altLang="zh-CN" dirty="0"/>
+              <a:t>And</a:t>
+            </a:r>
+            <a:r>
+              <a:rPr lang="zh-CN" altLang="en-US" dirty="0"/>
+              <a:t> </a:t>
+            </a:r>
+            <a:r>
+              <a:rPr lang="en-US" altLang="zh-CN" dirty="0"/>
+              <a:t>the penalty parameter $\lambda$ for</a:t>
+            </a:r>
+            <a:r>
+              <a:rPr lang="zh-CN" altLang="en-US" dirty="0"/>
+              <a:t> </a:t>
+            </a:r>
+            <a:r>
+              <a:rPr lang="en-US" altLang="zh-CN" dirty="0"/>
+              <a:t>user</a:t>
+            </a:r>
+            <a:r>
+              <a:rPr lang="zh-CN" altLang="en-US" dirty="0"/>
+              <a:t> </a:t>
+            </a:r>
+            <a:r>
+              <a:rPr lang="en-US" altLang="zh-CN" dirty="0"/>
+              <a:t>and</a:t>
+            </a:r>
+            <a:r>
+              <a:rPr lang="zh-CN" altLang="en-US" dirty="0"/>
+              <a:t> </a:t>
+            </a:r>
+            <a:r>
+              <a:rPr lang="en-US" altLang="zh-CN" dirty="0"/>
+              <a:t>movie</a:t>
+            </a:r>
+            <a:r>
+              <a:rPr lang="zh-CN" altLang="en-US" dirty="0"/>
+              <a:t> </a:t>
+            </a:r>
+            <a:r>
+              <a:rPr lang="en-US" altLang="zh-CN" dirty="0"/>
+              <a:t>from</a:t>
+            </a:r>
+            <a:r>
+              <a:rPr lang="zh-CN" altLang="en-US" dirty="0"/>
+              <a:t> </a:t>
+            </a:r>
+            <a:r>
+              <a:rPr lang="en-US" altLang="zh-CN" dirty="0"/>
+              <a:t>.05</a:t>
+            </a:r>
+            <a:r>
+              <a:rPr lang="zh-CN" altLang="en-US" dirty="0"/>
+              <a:t> </a:t>
+            </a:r>
+            <a:r>
+              <a:rPr lang="en-US" altLang="zh-CN" dirty="0"/>
+              <a:t>to</a:t>
+            </a:r>
+            <a:r>
+              <a:rPr lang="zh-CN" altLang="en-US" dirty="0"/>
+              <a:t> </a:t>
+            </a:r>
+            <a:r>
+              <a:rPr lang="en-US" altLang="zh-CN" dirty="0"/>
+              <a:t>.2</a:t>
+            </a:r>
+            <a:r>
+              <a:rPr lang="zh-CN" altLang="en-US" dirty="0"/>
+              <a:t> </a:t>
+            </a:r>
+            <a:r>
+              <a:rPr lang="en-US" altLang="zh-CN" dirty="0"/>
+              <a:t>by</a:t>
+            </a:r>
+            <a:r>
+              <a:rPr lang="zh-CN" altLang="en-US" dirty="0"/>
+              <a:t> </a:t>
+            </a:r>
+            <a:r>
+              <a:rPr lang="en-US" altLang="zh-CN" dirty="0"/>
+              <a:t>5-fold</a:t>
+            </a:r>
+            <a:r>
+              <a:rPr lang="zh-CN" altLang="en-US" dirty="0"/>
+              <a:t> </a:t>
+            </a:r>
+            <a:r>
+              <a:rPr lang="en-US" altLang="zh-CN" dirty="0"/>
+              <a:t>cross-validation.</a:t>
+            </a:r>
+          </a:p>
+        </p:txBody>
+      </p:sp>
+      <p:sp>
+        <p:nvSpPr>
+          <p:cNvPr id="115" name="Google Shape;115;p5:notes"/>
+          <p:cNvSpPr>
+            <a:spLocks noGrp="1" noRot="1" noChangeAspect="1"/>
+          </p:cNvSpPr>
+          <p:nvPr>
+            <p:ph type="sldImg" idx="2"/>
+          </p:nvPr>
+        </p:nvSpPr>
+        <p:spPr>
+          <a:xfrm>
+            <a:off x="381000" y="685800"/>
+            <a:ext cx="6096000" cy="3429000"/>
+          </a:xfrm>
+          <a:custGeom>
+            <a:avLst/>
+            <a:gdLst/>
+            <a:ahLst/>
+            <a:cxnLst/>
+            <a:rect l="l" t="t" r="r" b="b"/>
+            <a:pathLst>
+              <a:path w="120000" h="120000" extrusionOk="0">
+                <a:moveTo>
+                  <a:pt x="0" y="0"/>
+                </a:moveTo>
+                <a:lnTo>
+                  <a:pt x="120000" y="0"/>
+                </a:lnTo>
+                <a:lnTo>
+                  <a:pt x="120000" y="120000"/>
+                </a:lnTo>
+                <a:lnTo>
+                  <a:pt x="0" y="120000"/>
+                </a:lnTo>
+                <a:close/>
+              </a:path>
+            </a:pathLst>
+          </a:custGeom>
+        </p:spPr>
+      </p:sp>
+    </p:spTree>
+    <p:extLst>
+      <p:ext uri="{BB962C8B-B14F-4D97-AF65-F5344CB8AC3E}">
+        <p14:creationId xmlns:p14="http://schemas.microsoft.com/office/powerpoint/2010/main" val="62274091"/>
+      </p:ext>
+    </p:extLst>
+  </p:cSld>
+  <p:clrMapOvr>
+    <a:masterClrMapping/>
+  </p:clrMapOvr>
+</p:notes>
+</file>
+
+<file path=ppt/notesSlides/notesSlide7.xml><?xml version="1.0" encoding="utf-8"?>
 <p:notes xmlns:a="http://schemas.openxmlformats.org/drawingml/2006/main" xmlns:r="http://schemas.openxmlformats.org/officeDocument/2006/relationships" xmlns:p="http://schemas.openxmlformats.org/presentationml/2006/main" showMasterSp="0" showMasterPhAnim="0">
   <p:cSld>
     <p:spTree>
@@ -7366,6 +7842,11 @@
         </p:txBody>
       </p:sp>
     </p:spTree>
+    <p:extLst>
+      <p:ext uri="{BB962C8B-B14F-4D97-AF65-F5344CB8AC3E}">
+        <p14:creationId xmlns:p14="http://schemas.microsoft.com/office/powerpoint/2010/main" val="3349311147"/>
+      </p:ext>
+    </p:extLst>
   </p:cSld>
   <p:clrMapOvr>
     <a:masterClrMapping/>
@@ -7373,7 +7854,7 @@
 </p:notes>
 </file>
 
-<file path=ppt/notesSlides/notesSlide7.xml><?xml version="1.0" encoding="utf-8"?>
+<file path=ppt/notesSlides/notesSlide8.xml><?xml version="1.0" encoding="utf-8"?>
 <p:notes xmlns:a="http://schemas.openxmlformats.org/drawingml/2006/main" xmlns:r="http://schemas.openxmlformats.org/officeDocument/2006/relationships" xmlns:p="http://schemas.openxmlformats.org/presentationml/2006/main" showMasterSp="0" showMasterPhAnim="0">
   <p:cSld>
     <p:spTree>
@@ -7697,252 +8178,9 @@
         </p:txBody>
       </p:sp>
     </p:spTree>
-  </p:cSld>
-  <p:clrMapOvr>
-    <a:masterClrMapping/>
-  </p:clrMapOvr>
-</p:notes>
-</file>
-
-<file path=ppt/notesSlides/notesSlide8.xml><?xml version="1.0" encoding="utf-8"?>
-<p:notes xmlns:a="http://schemas.openxmlformats.org/drawingml/2006/main" xmlns:r="http://schemas.openxmlformats.org/officeDocument/2006/relationships" xmlns:p="http://schemas.openxmlformats.org/presentationml/2006/main" showMasterSp="0" showMasterPhAnim="0">
-  <p:cSld>
-    <p:spTree>
-      <p:nvGrpSpPr>
-        <p:cNvPr id="1" name="Shape 143"/>
-        <p:cNvGrpSpPr/>
-        <p:nvPr/>
-      </p:nvGrpSpPr>
-      <p:grpSpPr>
-        <a:xfrm>
-          <a:off x="0" y="0"/>
-          <a:ext cx="0" cy="0"/>
-          <a:chOff x="0" y="0"/>
-          <a:chExt cx="0" cy="0"/>
-        </a:xfrm>
-      </p:grpSpPr>
-      <p:sp>
-        <p:nvSpPr>
-          <p:cNvPr id="144" name="Google Shape;144;g6b602bf000_2_3:notes"/>
-          <p:cNvSpPr>
-            <a:spLocks noGrp="1" noRot="1" noChangeAspect="1"/>
-          </p:cNvSpPr>
-          <p:nvPr>
-            <p:ph type="sldImg" idx="2"/>
-          </p:nvPr>
-        </p:nvSpPr>
-        <p:spPr>
-          <a:xfrm>
-            <a:off x="381000" y="685800"/>
-            <a:ext cx="6096000" cy="3429000"/>
-          </a:xfrm>
-          <a:custGeom>
-            <a:avLst/>
-            <a:gdLst/>
-            <a:ahLst/>
-            <a:cxnLst/>
-            <a:rect l="l" t="t" r="r" b="b"/>
-            <a:pathLst>
-              <a:path w="120000" h="120000" extrusionOk="0">
-                <a:moveTo>
-                  <a:pt x="0" y="0"/>
-                </a:moveTo>
-                <a:lnTo>
-                  <a:pt x="120000" y="0"/>
-                </a:lnTo>
-                <a:lnTo>
-                  <a:pt x="120000" y="120000"/>
-                </a:lnTo>
-                <a:lnTo>
-                  <a:pt x="0" y="120000"/>
-                </a:lnTo>
-                <a:close/>
-              </a:path>
-            </a:pathLst>
-          </a:custGeom>
-        </p:spPr>
-      </p:sp>
-      <p:sp>
-        <p:nvSpPr>
-          <p:cNvPr id="145" name="Google Shape;145;g6b602bf000_2_3:notes"/>
-          <p:cNvSpPr txBox="1">
-            <a:spLocks noGrp="1"/>
-          </p:cNvSpPr>
-          <p:nvPr>
-            <p:ph type="body" idx="1"/>
-          </p:nvPr>
-        </p:nvSpPr>
-        <p:spPr>
-          <a:xfrm>
-            <a:off x="685800" y="4343400"/>
-            <a:ext cx="5486400" cy="4114800"/>
-          </a:xfrm>
-          <a:prstGeom prst="rect">
-            <a:avLst/>
-          </a:prstGeom>
-        </p:spPr>
-        <p:txBody>
-          <a:bodyPr spcFirstLastPara="1" wrap="square" lIns="91425" tIns="91425" rIns="91425" bIns="91425" anchor="t" anchorCtr="0">
-            <a:noAutofit/>
-          </a:bodyPr>
-          <a:lstStyle/>
-          <a:p>
-            <a:pPr marL="0" lvl="0" indent="0" algn="l" rtl="0">
-              <a:spcBef>
-                <a:spcPts val="0"/>
-              </a:spcBef>
-              <a:spcAft>
-                <a:spcPts val="0"/>
-              </a:spcAft>
-              <a:buNone/>
-            </a:pPr>
-            <a:r>
-              <a:rPr lang="en-US" altLang="zh-CN" dirty="0"/>
-              <a:t>To</a:t>
-            </a:r>
-            <a:r>
-              <a:rPr lang="zh-CN" altLang="en-US" dirty="0"/>
-              <a:t> </a:t>
-            </a:r>
-            <a:r>
-              <a:rPr lang="en-US" altLang="zh-CN" dirty="0"/>
-              <a:t>evaluate</a:t>
-            </a:r>
-            <a:r>
-              <a:rPr lang="zh-CN" altLang="en-US" dirty="0"/>
-              <a:t> </a:t>
-            </a:r>
-            <a:r>
-              <a:rPr lang="en-US" altLang="zh-CN" dirty="0"/>
-              <a:t>our</a:t>
-            </a:r>
-            <a:r>
-              <a:rPr lang="zh-CN" altLang="en-US" dirty="0"/>
-              <a:t> </a:t>
-            </a:r>
-            <a:r>
-              <a:rPr lang="en-US" altLang="zh-CN" dirty="0"/>
-              <a:t>parameter</a:t>
-            </a:r>
-            <a:r>
-              <a:rPr lang="zh-CN" altLang="en-US" dirty="0"/>
-              <a:t> </a:t>
-            </a:r>
-            <a:r>
-              <a:rPr lang="en-US" altLang="zh-CN" dirty="0"/>
-              <a:t>performance,</a:t>
-            </a:r>
-            <a:r>
-              <a:rPr lang="zh-CN" altLang="en-US" dirty="0"/>
-              <a:t> </a:t>
-            </a:r>
-            <a:r>
-              <a:rPr lang="en-US" altLang="zh-CN" dirty="0"/>
-              <a:t>a</a:t>
-            </a:r>
-            <a:r>
-              <a:rPr lang="zh-CN" altLang="en-US" dirty="0"/>
-              <a:t> </a:t>
-            </a:r>
-            <a:r>
-              <a:rPr lang="en-US" altLang="zh-CN" dirty="0"/>
-              <a:t>visualization</a:t>
-            </a:r>
-            <a:r>
-              <a:rPr lang="zh-CN" altLang="en-US" dirty="0"/>
-              <a:t> </a:t>
-            </a:r>
-            <a:r>
-              <a:rPr lang="en-US" altLang="zh-CN" dirty="0"/>
-              <a:t>is</a:t>
-            </a:r>
-            <a:r>
-              <a:rPr lang="zh-CN" altLang="en-US" dirty="0"/>
-              <a:t> </a:t>
-            </a:r>
-            <a:r>
-              <a:rPr lang="en-US" altLang="zh-CN" dirty="0"/>
-              <a:t>demonstrated</a:t>
-            </a:r>
-            <a:r>
-              <a:rPr lang="zh-CN" altLang="en-US" dirty="0"/>
-              <a:t> </a:t>
-            </a:r>
-            <a:r>
-              <a:rPr lang="en-US" altLang="zh-CN" dirty="0"/>
-              <a:t>with training and testing RMSE for different dimension of parameters and epochs.</a:t>
-            </a:r>
-          </a:p>
-          <a:p>
-            <a:pPr marL="0" lvl="0" indent="0" algn="l" rtl="0">
-              <a:spcBef>
-                <a:spcPts val="0"/>
-              </a:spcBef>
-              <a:spcAft>
-                <a:spcPts val="0"/>
-              </a:spcAft>
-              <a:buNone/>
-            </a:pPr>
-            <a:r>
-              <a:rPr lang="en-US" altLang="zh-CN" dirty="0"/>
-              <a:t>The</a:t>
-            </a:r>
-            <a:r>
-              <a:rPr lang="zh-CN" altLang="en-US" dirty="0"/>
-              <a:t> </a:t>
-            </a:r>
-            <a:r>
-              <a:rPr lang="en-US" altLang="zh-CN" dirty="0"/>
-              <a:t>next</a:t>
-            </a:r>
-            <a:r>
-              <a:rPr lang="zh-CN" altLang="en-US" dirty="0"/>
-              <a:t> </a:t>
-            </a:r>
-            <a:r>
-              <a:rPr lang="en-US" altLang="zh-CN" dirty="0"/>
-              <a:t>three</a:t>
-            </a:r>
-            <a:r>
-              <a:rPr lang="zh-CN" altLang="en-US" dirty="0"/>
-              <a:t> </a:t>
-            </a:r>
-            <a:r>
-              <a:rPr lang="en-US" altLang="zh-CN" dirty="0"/>
-              <a:t>slides</a:t>
-            </a:r>
-            <a:r>
-              <a:rPr lang="zh-CN" altLang="en-US" dirty="0"/>
-              <a:t> </a:t>
-            </a:r>
-            <a:r>
-              <a:rPr lang="en-US" altLang="zh-CN" dirty="0"/>
-              <a:t>are</a:t>
-            </a:r>
-            <a:r>
-              <a:rPr lang="zh-CN" altLang="en-US" dirty="0"/>
-              <a:t> </a:t>
-            </a:r>
-            <a:r>
-              <a:rPr lang="en-US" altLang="zh-CN" dirty="0"/>
-              <a:t>our</a:t>
-            </a:r>
-            <a:r>
-              <a:rPr lang="zh-CN" altLang="en-US" dirty="0"/>
-              <a:t> </a:t>
-            </a:r>
-            <a:r>
-              <a:rPr lang="en-US" altLang="zh-CN" dirty="0"/>
-              <a:t>results</a:t>
-            </a:r>
-            <a:endParaRPr dirty="0"/>
-          </a:p>
-        </p:txBody>
-      </p:sp>
-    </p:spTree>
     <p:extLst>
       <p:ext uri="{BB962C8B-B14F-4D97-AF65-F5344CB8AC3E}">
-        <p14:creationId xmlns:p14="http://schemas.microsoft.com/office/powerpoint/2010/main" val="630455616"/>
+        <p14:creationId xmlns:p14="http://schemas.microsoft.com/office/powerpoint/2010/main" val="1321107852"/>
       </p:ext>
     </p:extLst>
   </p:cSld>
@@ -8044,6 +8282,145 @@
               </a:spcAft>
               <a:buNone/>
             </a:pPr>
+            <a:r>
+              <a:rPr lang="en-US" altLang="zh-CN" dirty="0"/>
+              <a:t>To</a:t>
+            </a:r>
+            <a:r>
+              <a:rPr lang="zh-CN" altLang="en-US" dirty="0"/>
+              <a:t> </a:t>
+            </a:r>
+            <a:r>
+              <a:rPr lang="en-US" altLang="zh-CN" dirty="0"/>
+              <a:t>evaluate</a:t>
+            </a:r>
+            <a:r>
+              <a:rPr lang="zh-CN" altLang="en-US" dirty="0"/>
+              <a:t> </a:t>
+            </a:r>
+            <a:r>
+              <a:rPr lang="en-US" altLang="zh-CN" dirty="0"/>
+              <a:t>our</a:t>
+            </a:r>
+            <a:r>
+              <a:rPr lang="zh-CN" altLang="en-US" dirty="0"/>
+              <a:t> </a:t>
+            </a:r>
+            <a:r>
+              <a:rPr lang="en-US" altLang="zh-CN" dirty="0"/>
+              <a:t>parameter</a:t>
+            </a:r>
+            <a:r>
+              <a:rPr lang="zh-CN" altLang="en-US" dirty="0"/>
+              <a:t> </a:t>
+            </a:r>
+            <a:r>
+              <a:rPr lang="en-US" altLang="zh-CN" dirty="0"/>
+              <a:t>performance,</a:t>
+            </a:r>
+            <a:r>
+              <a:rPr lang="zh-CN" altLang="en-US" dirty="0"/>
+              <a:t> </a:t>
+            </a:r>
+            <a:r>
+              <a:rPr lang="en-US" altLang="zh-CN" dirty="0"/>
+              <a:t>a</a:t>
+            </a:r>
+            <a:r>
+              <a:rPr lang="zh-CN" altLang="en-US" dirty="0"/>
+              <a:t> </a:t>
+            </a:r>
+            <a:r>
+              <a:rPr lang="en-US" altLang="zh-CN" dirty="0"/>
+              <a:t>visualization</a:t>
+            </a:r>
+            <a:r>
+              <a:rPr lang="zh-CN" altLang="en-US" dirty="0"/>
+              <a:t> </a:t>
+            </a:r>
+            <a:r>
+              <a:rPr lang="en-US" altLang="zh-CN" dirty="0"/>
+              <a:t>is</a:t>
+            </a:r>
+            <a:r>
+              <a:rPr lang="zh-CN" altLang="en-US" dirty="0"/>
+              <a:t> </a:t>
+            </a:r>
+            <a:r>
+              <a:rPr lang="en-US" altLang="zh-CN" dirty="0"/>
+              <a:t>demonstrated</a:t>
+            </a:r>
+            <a:r>
+              <a:rPr lang="zh-CN" altLang="en-US" dirty="0"/>
+              <a:t> </a:t>
+            </a:r>
+            <a:r>
+              <a:rPr lang="en-US" altLang="zh-CN" dirty="0"/>
+              <a:t>with training and testing RMSE for different dimension of parameters and epochs.</a:t>
+            </a:r>
+          </a:p>
+          <a:p>
+            <a:pPr marL="0" lvl="0" indent="0" algn="l" rtl="0">
+              <a:spcBef>
+                <a:spcPts val="0"/>
+              </a:spcBef>
+              <a:spcAft>
+                <a:spcPts val="0"/>
+              </a:spcAft>
+              <a:buNone/>
+            </a:pPr>
+            <a:r>
+              <a:rPr lang="en-US" altLang="zh-CN" dirty="0"/>
+              <a:t>The</a:t>
+            </a:r>
+            <a:r>
+              <a:rPr lang="zh-CN" altLang="en-US" dirty="0"/>
+              <a:t> </a:t>
+            </a:r>
+            <a:r>
+              <a:rPr lang="en-US" altLang="zh-CN" dirty="0"/>
+              <a:t>next</a:t>
+            </a:r>
+            <a:r>
+              <a:rPr lang="zh-CN" altLang="en-US" dirty="0"/>
+              <a:t> </a:t>
+            </a:r>
+            <a:r>
+              <a:rPr lang="en-US" altLang="zh-CN" dirty="0"/>
+              <a:t>three</a:t>
+            </a:r>
+            <a:r>
+              <a:rPr lang="zh-CN" altLang="en-US" dirty="0"/>
+              <a:t> </a:t>
+            </a:r>
+            <a:r>
+              <a:rPr lang="en-US" altLang="zh-CN" dirty="0"/>
+              <a:t>slides</a:t>
+            </a:r>
+            <a:r>
+              <a:rPr lang="zh-CN" altLang="en-US" dirty="0"/>
+              <a:t> </a:t>
+            </a:r>
+            <a:r>
+              <a:rPr lang="en-US" altLang="zh-CN" dirty="0"/>
+              <a:t>are</a:t>
+            </a:r>
+            <a:r>
+              <a:rPr lang="zh-CN" altLang="en-US" dirty="0"/>
+              <a:t> </a:t>
+            </a:r>
+            <a:r>
+              <a:rPr lang="en-US" altLang="zh-CN" dirty="0"/>
+              <a:t>our</a:t>
+            </a:r>
+            <a:r>
+              <a:rPr lang="zh-CN" altLang="en-US" dirty="0"/>
+              <a:t> </a:t>
+            </a:r>
+            <a:r>
+              <a:rPr lang="en-US" altLang="zh-CN" dirty="0"/>
+              <a:t>results</a:t>
+            </a:r>
             <a:endParaRPr dirty="0"/>
           </a:p>
         </p:txBody>
@@ -8051,7 +8428,7 @@
     </p:spTree>
     <p:extLst>
       <p:ext uri="{BB962C8B-B14F-4D97-AF65-F5344CB8AC3E}">
-        <p14:creationId xmlns:p14="http://schemas.microsoft.com/office/powerpoint/2010/main" val="2366707087"/>
+        <p14:creationId xmlns:p14="http://schemas.microsoft.com/office/powerpoint/2010/main" val="630455616"/>
       </p:ext>
     </p:extLst>
   </p:cSld>
@@ -19442,8 +19819,8 @@
         </p:nvSpPr>
         <p:spPr>
           <a:xfrm>
-            <a:off x="1372904" y="1156002"/>
-            <a:ext cx="8928383" cy="2098200"/>
+            <a:off x="1372904" y="1156001"/>
+            <a:ext cx="8928383" cy="2410159"/>
           </a:xfrm>
           <a:prstGeom prst="rect">
             <a:avLst/>
@@ -19482,16 +19859,45 @@
               </a:rPr>
               <a:t>COLLABORATIVE FILTERING ALGORITHM IMPLEMENTATION</a:t>
             </a:r>
+            <a:r>
+              <a:rPr lang="en-US" sz="3600" dirty="0">
+                <a:latin typeface="+mj-lt"/>
+              </a:rPr>
+              <a:t/>
+            </a:r>
             <a:br>
               <a:rPr lang="en-US" sz="3600" dirty="0">
                 <a:latin typeface="+mj-lt"/>
               </a:rPr>
             </a:br>
             <a:r>
+              <a:rPr lang="en-US" sz="2400" dirty="0" smtClean="0">
+                <a:latin typeface="+mj-lt"/>
+              </a:rPr>
+              <a:t> </a:t>
+            </a:r>
+            <a:r>
+              <a:rPr lang="en-US" sz="3600" dirty="0" smtClean="0">
+                <a:latin typeface="+mj-lt"/>
+              </a:rPr>
+              <a:t/>
+            </a:r>
+            <a:br>
+              <a:rPr lang="en-US" sz="3600" dirty="0" smtClean="0">
+                <a:latin typeface="+mj-lt"/>
+              </a:rPr>
+            </a:br>
+            <a:r>
+              <a:rPr lang="en-US" sz="2400" cap="none" dirty="0" smtClean="0">
+                <a:latin typeface="+mj-lt"/>
+              </a:rPr>
+              <a:t>Using </a:t>
+            </a:r>
+            <a:r>
               <a:rPr lang="en-US" sz="2400" cap="none" dirty="0">
                 <a:latin typeface="+mj-lt"/>
               </a:rPr>
-              <a:t>Using Probabilistic Matrix Factorization and Large-scale Parallel Collaborative Filtering using SVD with KNN </a:t>
+              <a:t>Probabilistic Matrix Factorization and Large-scale Parallel Collaborative Filtering using SVD with KNN </a:t>
             </a:r>
             <a:endParaRPr dirty="0">
               <a:latin typeface="+mj-lt"/>
@@ -19511,8 +19917,8 @@
         </p:nvSpPr>
         <p:spPr>
           <a:xfrm>
-            <a:off x="1175300" y="3423843"/>
-            <a:ext cx="7466100" cy="2546700"/>
+            <a:off x="925864" y="3982720"/>
+            <a:ext cx="7268496" cy="2194560"/>
           </a:xfrm>
           <a:prstGeom prst="rect">
             <a:avLst/>
@@ -19545,46 +19951,76 @@
               <a:buNone/>
             </a:pPr>
             <a:r>
-              <a:rPr lang="zh-CN" altLang="en-US" dirty="0">
+              <a:rPr lang="en-US" dirty="0" smtClean="0">
                 <a:latin typeface="+mj-lt"/>
               </a:rPr>
-              <a:t>                 </a:t>
+              <a:t>      Group </a:t>
+            </a:r>
+            <a:r>
+              <a:rPr lang="en-US" altLang="zh-CN" dirty="0" smtClean="0">
+                <a:latin typeface="+mj-lt"/>
+              </a:rPr>
+              <a:t>6</a:t>
+            </a:r>
+            <a:r>
+              <a:rPr lang="en-US" dirty="0" smtClean="0">
+                <a:latin typeface="+mj-lt"/>
+              </a:rPr>
+              <a:t>:	</a:t>
+            </a:r>
+            <a:r>
+              <a:rPr lang="en-US" dirty="0" err="1" smtClean="0">
+                <a:latin typeface="+mj-lt"/>
+              </a:rPr>
+              <a:t>Yanan</a:t>
+            </a:r>
+            <a:r>
+              <a:rPr lang="en-US" dirty="0" smtClean="0">
+                <a:latin typeface="+mj-lt"/>
+              </a:rPr>
+              <a:t> </a:t>
             </a:r>
             <a:r>
               <a:rPr lang="en-US" dirty="0">
                 <a:latin typeface="+mj-lt"/>
               </a:rPr>
-              <a:t>Group </a:t>
-            </a:r>
-            <a:r>
-              <a:rPr lang="en-US" altLang="zh-CN" dirty="0">
+              <a:t>Li (</a:t>
+            </a:r>
+            <a:r>
+              <a:rPr lang="en-US" dirty="0" smtClean="0">
                 <a:latin typeface="+mj-lt"/>
               </a:rPr>
-              <a:t>6</a:t>
+              <a:t>yl4062)</a:t>
+            </a:r>
+          </a:p>
+          <a:p>
+            <a:pPr marL="0" lvl="0" indent="0" algn="l" rtl="0">
+              <a:lnSpc>
+                <a:spcPct val="112000"/>
+              </a:lnSpc>
+              <a:spcBef>
+                <a:spcPts val="0"/>
+              </a:spcBef>
+              <a:spcAft>
+                <a:spcPts val="0"/>
+              </a:spcAft>
+              <a:buClr>
+                <a:schemeClr val="dk2"/>
+              </a:buClr>
+              <a:buSzPts val="2300"/>
+              <a:buNone/>
+            </a:pPr>
+            <a:r>
+              <a:rPr lang="en-US" dirty="0" smtClean="0">
+                <a:latin typeface="+mj-lt"/>
+              </a:rPr>
+              <a:t>		Daniel </a:t>
             </a:r>
             <a:r>
               <a:rPr lang="en-US" dirty="0">
                 <a:latin typeface="+mj-lt"/>
               </a:rPr>
-              <a:t>: </a:t>
-            </a:r>
-            <a:r>
-              <a:rPr lang="zh-CN" altLang="en-US" dirty="0">
-                <a:latin typeface="+mj-lt"/>
-              </a:rPr>
-              <a:t>      </a:t>
-            </a:r>
-            <a:r>
-              <a:rPr lang="en-US" dirty="0" err="1">
-                <a:latin typeface="+mj-lt"/>
-              </a:rPr>
-              <a:t>Yanan</a:t>
-            </a:r>
-            <a:r>
-              <a:rPr lang="en-US" dirty="0">
-                <a:latin typeface="+mj-lt"/>
-              </a:rPr>
-              <a:t> Li (yl4062)</a:t>
+              <a:t>Weiss (dmw2180)</a:t>
             </a:r>
             <a:endParaRPr dirty="0">
               <a:latin typeface="+mj-lt"/>
@@ -19608,24 +20044,90 @@
               <a:buNone/>
             </a:pPr>
             <a:r>
+              <a:rPr lang="en-US" dirty="0" smtClean="0">
+                <a:latin typeface="+mj-lt"/>
+              </a:rPr>
+              <a:t>		</a:t>
+            </a:r>
+            <a:r>
+              <a:rPr lang="en-US" dirty="0" err="1" smtClean="0">
+                <a:latin typeface="+mj-lt"/>
+              </a:rPr>
+              <a:t>Bingquan</a:t>
+            </a:r>
+            <a:r>
+              <a:rPr lang="en-US" dirty="0" smtClean="0">
+                <a:latin typeface="+mj-lt"/>
+              </a:rPr>
+              <a:t> </a:t>
+            </a:r>
+            <a:r>
               <a:rPr lang="en-US" dirty="0">
                 <a:latin typeface="+mj-lt"/>
               </a:rPr>
-              <a:t>                                     </a:t>
-            </a:r>
-            <a:r>
-              <a:rPr lang="zh-CN" altLang="en-US" dirty="0">
+              <a:t>Wu (</a:t>
+            </a:r>
+            <a:r>
+              <a:rPr lang="en-US" dirty="0" smtClean="0">
                 <a:latin typeface="+mj-lt"/>
               </a:rPr>
-              <a:t> </a:t>
-            </a:r>
+              <a:t>bw2585)</a:t>
+            </a:r>
+          </a:p>
+          <a:p>
+            <a:pPr marL="0" lvl="0" indent="0" algn="l" rtl="0">
+              <a:lnSpc>
+                <a:spcPct val="112000"/>
+              </a:lnSpc>
+              <a:spcBef>
+                <a:spcPts val="0"/>
+              </a:spcBef>
+              <a:spcAft>
+                <a:spcPts val="0"/>
+              </a:spcAft>
+              <a:buClr>
+                <a:schemeClr val="dk2"/>
+              </a:buClr>
+              <a:buSzPts val="2300"/>
+              <a:buNone/>
+            </a:pPr>
             <a:r>
               <a:rPr lang="en-US" dirty="0">
                 <a:latin typeface="+mj-lt"/>
               </a:rPr>
-              <a:t>Daniel Weiss (dmw2180)</a:t>
-            </a:r>
-            <a:endParaRPr dirty="0">
+              <a:t>	</a:t>
+            </a:r>
+            <a:r>
+              <a:rPr lang="en-US" dirty="0" smtClean="0">
+                <a:latin typeface="+mj-lt"/>
+              </a:rPr>
+              <a:t>	</a:t>
+            </a:r>
+            <a:r>
+              <a:rPr lang="en-US" dirty="0" err="1" smtClean="0">
+                <a:latin typeface="+mj-lt"/>
+              </a:rPr>
+              <a:t>Shijie</a:t>
+            </a:r>
+            <a:r>
+              <a:rPr lang="en-US" dirty="0" smtClean="0">
+                <a:latin typeface="+mj-lt"/>
+              </a:rPr>
+              <a:t> </a:t>
+            </a:r>
+            <a:r>
+              <a:rPr lang="en-US" dirty="0">
+                <a:latin typeface="+mj-lt"/>
+              </a:rPr>
+              <a:t>Zhang (</a:t>
+            </a:r>
+            <a:r>
+              <a:rPr lang="en-US" dirty="0" smtClean="0">
+                <a:latin typeface="+mj-lt"/>
+              </a:rPr>
+              <a:t>sz2781)</a:t>
+            </a:r>
+            <a:endParaRPr lang="en-US" dirty="0">
               <a:latin typeface="+mj-lt"/>
             </a:endParaRPr>
           </a:p>
@@ -19650,97 +20152,13 @@
               <a:rPr lang="en-US" dirty="0">
                 <a:latin typeface="+mj-lt"/>
               </a:rPr>
-              <a:t>                                     </a:t>
-            </a:r>
-            <a:r>
-              <a:rPr lang="zh-CN" altLang="en-US" dirty="0">
+              <a:t>	</a:t>
+            </a:r>
+            <a:r>
+              <a:rPr lang="en-US" dirty="0" smtClean="0">
                 <a:latin typeface="+mj-lt"/>
               </a:rPr>
-              <a:t> </a:t>
-            </a:r>
-            <a:r>
-              <a:rPr lang="en-US" dirty="0" err="1">
-                <a:latin typeface="+mj-lt"/>
-              </a:rPr>
-              <a:t>Bingquan</a:t>
-            </a:r>
-            <a:r>
-              <a:rPr lang="en-US" dirty="0">
-                <a:latin typeface="+mj-lt"/>
-              </a:rPr>
-              <a:t> Wu (bw2585)</a:t>
-            </a:r>
-            <a:endParaRPr dirty="0">
-              <a:latin typeface="+mj-lt"/>
-            </a:endParaRPr>
-          </a:p>
-          <a:p>
-            <a:pPr marL="0" lvl="0" indent="0" algn="l" rtl="0">
-              <a:lnSpc>
-                <a:spcPct val="112000"/>
-              </a:lnSpc>
-              <a:spcBef>
-                <a:spcPts val="0"/>
-              </a:spcBef>
-              <a:spcAft>
-                <a:spcPts val="0"/>
-              </a:spcAft>
-              <a:buClr>
-                <a:schemeClr val="dk2"/>
-              </a:buClr>
-              <a:buSzPts val="2300"/>
-              <a:buNone/>
-            </a:pPr>
-            <a:r>
-              <a:rPr lang="en-US" dirty="0">
-                <a:latin typeface="+mj-lt"/>
-              </a:rPr>
-              <a:t>		              </a:t>
-            </a:r>
-            <a:r>
-              <a:rPr lang="zh-CN" altLang="en-US" dirty="0">
-                <a:latin typeface="+mj-lt"/>
-              </a:rPr>
-              <a:t> </a:t>
-            </a:r>
-            <a:r>
-              <a:rPr lang="en-US" dirty="0" err="1">
-                <a:latin typeface="+mj-lt"/>
-              </a:rPr>
-              <a:t>Shijie</a:t>
-            </a:r>
-            <a:r>
-              <a:rPr lang="en-US" dirty="0">
-                <a:latin typeface="+mj-lt"/>
-              </a:rPr>
-              <a:t> Zhang (sz2781)</a:t>
-            </a:r>
-            <a:endParaRPr dirty="0">
-              <a:latin typeface="+mj-lt"/>
-            </a:endParaRPr>
-          </a:p>
-          <a:p>
-            <a:pPr marL="0" lvl="0" indent="0" algn="l" rtl="0">
-              <a:lnSpc>
-                <a:spcPct val="112000"/>
-              </a:lnSpc>
-              <a:spcBef>
-                <a:spcPts val="0"/>
-              </a:spcBef>
-              <a:spcAft>
-                <a:spcPts val="0"/>
-              </a:spcAft>
-              <a:buClr>
-                <a:schemeClr val="dk2"/>
-              </a:buClr>
-              <a:buSzPts val="2300"/>
-              <a:buNone/>
-            </a:pPr>
-            <a:r>
-              <a:rPr lang="en-US" dirty="0">
-                <a:latin typeface="+mj-lt"/>
-              </a:rPr>
-              <a:t>                                      Na </a:t>
+              <a:t>	Na </a:t>
             </a:r>
             <a:r>
               <a:rPr lang="en-US" dirty="0" err="1">
@@ -19765,7 +20183,7 @@
           <p:cNvPr id="2" name="Slide Number Placeholder 1">
             <a:extLst>
               <a:ext uri="{FF2B5EF4-FFF2-40B4-BE49-F238E27FC236}">
-                <a16:creationId xmlns:a16="http://schemas.microsoft.com/office/drawing/2014/main" id="{767B9A3D-AB0B-314E-84A1-7A6E26F92F01}"/>
+                <a16:creationId xmlns:a16="http://schemas.microsoft.com/office/drawing/2014/main" xmlns="" id="{767B9A3D-AB0B-314E-84A1-7A6E26F92F01}"/>
               </a:ext>
             </a:extLst>
           </p:cNvPr>
@@ -19878,7 +20296,355 @@
           <p:cNvPr id="2" name="TextBox 1">
             <a:extLst>
               <a:ext uri="{FF2B5EF4-FFF2-40B4-BE49-F238E27FC236}">
-                <a16:creationId xmlns:a16="http://schemas.microsoft.com/office/drawing/2014/main" id="{8DF5C8C2-B12C-ED47-92E5-5386C31AC56D}"/>
+                <a16:creationId xmlns:a16="http://schemas.microsoft.com/office/drawing/2014/main" xmlns="" id="{8DF5C8C2-B12C-ED47-92E5-5386C31AC56D}"/>
+              </a:ext>
+            </a:extLst>
+          </p:cNvPr>
+          <p:cNvSpPr txBox="1"/>
+          <p:nvPr/>
+        </p:nvSpPr>
+        <p:spPr>
+          <a:xfrm>
+            <a:off x="1371600" y="1459746"/>
+            <a:ext cx="7698828" cy="369332"/>
+          </a:xfrm>
+          <a:prstGeom prst="rect">
+            <a:avLst/>
+          </a:prstGeom>
+          <a:noFill/>
+        </p:spPr>
+        <p:txBody>
+          <a:bodyPr wrap="square" rtlCol="0">
+            <a:spAutoFit/>
+          </a:bodyPr>
+          <a:lstStyle/>
+          <a:p>
+            <a:r>
+              <a:rPr lang="en-US" sz="1800" b="1" dirty="0"/>
+              <a:t>fix number of features to be </a:t>
+            </a:r>
+            <a:r>
+              <a:rPr lang="en-US" altLang="zh-CN" sz="1800" b="1" dirty="0"/>
+              <a:t>3</a:t>
+            </a:r>
+            <a:r>
+              <a:rPr lang="en-US" sz="1800" b="1" dirty="0"/>
+              <a:t>0</a:t>
+            </a:r>
+            <a:r>
+              <a:rPr lang="zh-CN" altLang="en-US" sz="1800" b="1" dirty="0"/>
+              <a:t> </a:t>
+            </a:r>
+            <a:r>
+              <a:rPr lang="en-US" altLang="zh-CN" sz="1800" b="1" dirty="0"/>
+              <a:t>and</a:t>
+            </a:r>
+            <a:r>
+              <a:rPr lang="zh-CN" altLang="en-US" sz="1800" b="1" dirty="0"/>
+              <a:t> </a:t>
+            </a:r>
+            <a:r>
+              <a:rPr lang="en-US" altLang="zh-CN" sz="1800" b="1" dirty="0" err="1"/>
+              <a:t>λ</a:t>
+            </a:r>
+            <a:r>
+              <a:rPr lang="en-US" altLang="zh-CN" sz="1800" b="1" baseline="-25000" dirty="0" err="1"/>
+              <a:t>v</a:t>
+            </a:r>
+            <a:r>
+              <a:rPr lang="zh-CN" altLang="en-US" sz="1800" b="1" dirty="0"/>
+              <a:t> </a:t>
+            </a:r>
+            <a:r>
+              <a:rPr lang="en-US" altLang="zh-CN" sz="1800" b="1" dirty="0"/>
+              <a:t>to</a:t>
+            </a:r>
+            <a:r>
+              <a:rPr lang="zh-CN" altLang="en-US" sz="1800" b="1" dirty="0"/>
+              <a:t> </a:t>
+            </a:r>
+            <a:r>
+              <a:rPr lang="en-US" altLang="zh-CN" sz="1800" b="1" dirty="0"/>
+              <a:t>be</a:t>
+            </a:r>
+            <a:r>
+              <a:rPr lang="zh-CN" altLang="en-US" sz="1800" b="1" dirty="0"/>
+              <a:t> </a:t>
+            </a:r>
+            <a:r>
+              <a:rPr lang="en-US" altLang="zh-CN" sz="1800" b="1" dirty="0"/>
+              <a:t>0.2</a:t>
+            </a:r>
+            <a:r>
+              <a:rPr lang="en-US" sz="1800" b="1" dirty="0"/>
+              <a:t>, change </a:t>
+            </a:r>
+            <a:r>
+              <a:rPr lang="en-US" altLang="zh-CN" sz="1800" b="1" dirty="0" err="1"/>
+              <a:t>λ</a:t>
+            </a:r>
+            <a:r>
+              <a:rPr lang="en-US" altLang="zh-CN" sz="1800" b="1" baseline="-25000" dirty="0" err="1"/>
+              <a:t>u</a:t>
+            </a:r>
+            <a:endParaRPr lang="en-US" sz="1800" b="1" dirty="0"/>
+          </a:p>
+        </p:txBody>
+      </p:sp>
+      <p:pic>
+        <p:nvPicPr>
+          <p:cNvPr id="4" name="Picture 3">
+            <a:extLst>
+              <a:ext uri="{FF2B5EF4-FFF2-40B4-BE49-F238E27FC236}">
+                <a16:creationId xmlns:a16="http://schemas.microsoft.com/office/drawing/2014/main" xmlns="" id="{65D4097B-F19A-674B-88B9-8EEDB67C6B45}"/>
+              </a:ext>
+            </a:extLst>
+          </p:cNvPr>
+          <p:cNvPicPr>
+            <a:picLocks noChangeAspect="1"/>
+          </p:cNvPicPr>
+          <p:nvPr/>
+        </p:nvPicPr>
+        <p:blipFill rotWithShape="1">
+          <a:blip r:embed="rId3"/>
+          <a:srcRect r="9165"/>
+          <a:stretch/>
+        </p:blipFill>
+        <p:spPr>
+          <a:xfrm>
+            <a:off x="1371601" y="1965433"/>
+            <a:ext cx="4367048" cy="3526221"/>
+          </a:xfrm>
+          <a:prstGeom prst="rect">
+            <a:avLst/>
+          </a:prstGeom>
+        </p:spPr>
+      </p:pic>
+      <p:pic>
+        <p:nvPicPr>
+          <p:cNvPr id="8" name="Picture 7">
+            <a:extLst>
+              <a:ext uri="{FF2B5EF4-FFF2-40B4-BE49-F238E27FC236}">
+                <a16:creationId xmlns:a16="http://schemas.microsoft.com/office/drawing/2014/main" xmlns="" id="{2A917C70-03FA-E742-AB5F-312E20C07C90}"/>
+              </a:ext>
+            </a:extLst>
+          </p:cNvPr>
+          <p:cNvPicPr>
+            <a:picLocks noChangeAspect="1"/>
+          </p:cNvPicPr>
+          <p:nvPr/>
+        </p:nvPicPr>
+        <p:blipFill rotWithShape="1">
+          <a:blip r:embed="rId4"/>
+          <a:srcRect r="7572"/>
+          <a:stretch/>
+        </p:blipFill>
+        <p:spPr>
+          <a:xfrm>
+            <a:off x="6639197" y="1965432"/>
+            <a:ext cx="4333604" cy="3526221"/>
+          </a:xfrm>
+          <a:prstGeom prst="rect">
+            <a:avLst/>
+          </a:prstGeom>
+        </p:spPr>
+      </p:pic>
+      <p:sp>
+        <p:nvSpPr>
+          <p:cNvPr id="9" name="TextBox 8">
+            <a:extLst>
+              <a:ext uri="{FF2B5EF4-FFF2-40B4-BE49-F238E27FC236}">
+                <a16:creationId xmlns:a16="http://schemas.microsoft.com/office/drawing/2014/main" xmlns="" id="{26AC9F5E-F117-354C-8AE8-204FA90992EC}"/>
+              </a:ext>
+            </a:extLst>
+          </p:cNvPr>
+          <p:cNvSpPr txBox="1"/>
+          <p:nvPr/>
+        </p:nvSpPr>
+        <p:spPr>
+          <a:xfrm>
+            <a:off x="4981903" y="5791200"/>
+            <a:ext cx="3647090" cy="400110"/>
+          </a:xfrm>
+          <a:prstGeom prst="rect">
+            <a:avLst/>
+          </a:prstGeom>
+          <a:noFill/>
+        </p:spPr>
+        <p:txBody>
+          <a:bodyPr wrap="square" rtlCol="0">
+            <a:spAutoFit/>
+          </a:bodyPr>
+          <a:lstStyle/>
+          <a:p>
+            <a:r>
+              <a:rPr lang="en-US" altLang="zh-CN" sz="1800" b="1" dirty="0"/>
+              <a:t>Finally</a:t>
+            </a:r>
+            <a:r>
+              <a:rPr lang="zh-CN" altLang="en-US" sz="2000" b="1" dirty="0"/>
+              <a:t> </a:t>
+            </a:r>
+            <a:r>
+              <a:rPr lang="en-US" altLang="zh-CN" sz="2000" b="1" dirty="0"/>
+              <a:t>choose</a:t>
+            </a:r>
+            <a:r>
+              <a:rPr lang="zh-CN" altLang="en-US" sz="2000" b="1" dirty="0"/>
+              <a:t> </a:t>
+            </a:r>
+            <a:r>
+              <a:rPr lang="en-US" altLang="zh-CN" sz="2000" b="1" dirty="0" err="1"/>
+              <a:t>λ</a:t>
+            </a:r>
+            <a:r>
+              <a:rPr lang="en-US" altLang="zh-CN" sz="2000" b="1" baseline="-25000" dirty="0" err="1"/>
+              <a:t>u</a:t>
+            </a:r>
+            <a:r>
+              <a:rPr lang="zh-CN" altLang="en-US" sz="2000" b="1" baseline="-25000" dirty="0"/>
+              <a:t> </a:t>
+            </a:r>
+            <a:r>
+              <a:rPr lang="en-US" altLang="zh-CN" sz="2000" b="1" dirty="0"/>
+              <a:t>=</a:t>
+            </a:r>
+            <a:r>
+              <a:rPr lang="zh-CN" altLang="en-US" sz="2000" b="1" dirty="0"/>
+              <a:t> </a:t>
+            </a:r>
+            <a:r>
+              <a:rPr lang="en-US" altLang="zh-CN" sz="2000" b="1" dirty="0"/>
+              <a:t>0.1</a:t>
+            </a:r>
+            <a:endParaRPr lang="en-US" sz="2000" dirty="0"/>
+          </a:p>
+        </p:txBody>
+      </p:sp>
+      <p:sp>
+        <p:nvSpPr>
+          <p:cNvPr id="3" name="Slide Number Placeholder 2">
+            <a:extLst>
+              <a:ext uri="{FF2B5EF4-FFF2-40B4-BE49-F238E27FC236}">
+                <a16:creationId xmlns:a16="http://schemas.microsoft.com/office/drawing/2014/main" xmlns="" id="{0F4DCDCA-4AB8-F94D-9916-B2E9882CA9C2}"/>
+              </a:ext>
+            </a:extLst>
+          </p:cNvPr>
+          <p:cNvSpPr>
+            <a:spLocks noGrp="1"/>
+          </p:cNvSpPr>
+          <p:nvPr>
+            <p:ph type="sldNum" idx="12"/>
+          </p:nvPr>
+        </p:nvSpPr>
+        <p:spPr/>
+        <p:txBody>
+          <a:bodyPr/>
+          <a:lstStyle/>
+          <a:p>
+            <a:pPr marL="0" lvl="0" indent="0" algn="r" rtl="0">
+              <a:spcBef>
+                <a:spcPts val="0"/>
+              </a:spcBef>
+              <a:spcAft>
+                <a:spcPts val="0"/>
+              </a:spcAft>
+              <a:buNone/>
+            </a:pPr>
+            <a:fld id="{00000000-1234-1234-1234-123412341234}" type="slidenum">
+              <a:rPr lang="en-US" smtClean="0"/>
+              <a:t>10</a:t>
+            </a:fld>
+            <a:endParaRPr lang="en-US"/>
+          </a:p>
+        </p:txBody>
+      </p:sp>
+    </p:spTree>
+    <p:extLst>
+      <p:ext uri="{BB962C8B-B14F-4D97-AF65-F5344CB8AC3E}">
+        <p14:creationId xmlns:p14="http://schemas.microsoft.com/office/powerpoint/2010/main" val="2449263063"/>
+      </p:ext>
+    </p:extLst>
+  </p:cSld>
+  <p:clrMapOvr>
+    <a:masterClrMapping/>
+  </p:clrMapOvr>
+</p:sld>
+</file>
+
+<file path=ppt/slides/slide11.xml><?xml version="1.0" encoding="utf-8"?>
+<p:sld xmlns:a="http://schemas.openxmlformats.org/drawingml/2006/main" xmlns:r="http://schemas.openxmlformats.org/officeDocument/2006/relationships" xmlns:p="http://schemas.openxmlformats.org/presentationml/2006/main">
+  <p:cSld>
+    <p:spTree>
+      <p:nvGrpSpPr>
+        <p:cNvPr id="1" name="Shape 146"/>
+        <p:cNvGrpSpPr/>
+        <p:nvPr/>
+      </p:nvGrpSpPr>
+      <p:grpSpPr>
+        <a:xfrm>
+          <a:off x="0" y="0"/>
+          <a:ext cx="0" cy="0"/>
+          <a:chOff x="0" y="0"/>
+          <a:chExt cx="0" cy="0"/>
+        </a:xfrm>
+      </p:grpSpPr>
+      <p:sp>
+        <p:nvSpPr>
+          <p:cNvPr id="150" name="Google Shape;150;g6b602bf000_2_3"/>
+          <p:cNvSpPr txBox="1">
+            <a:spLocks noGrp="1"/>
+          </p:cNvSpPr>
+          <p:nvPr>
+            <p:ph type="title"/>
+          </p:nvPr>
+        </p:nvSpPr>
+        <p:spPr>
+          <a:xfrm>
+            <a:off x="1371600" y="685800"/>
+            <a:ext cx="9601200" cy="1485900"/>
+          </a:xfrm>
+          <a:prstGeom prst="rect">
+            <a:avLst/>
+          </a:prstGeom>
+          <a:noFill/>
+          <a:ln>
+            <a:noFill/>
+          </a:ln>
+        </p:spPr>
+        <p:txBody>
+          <a:bodyPr spcFirstLastPara="1" wrap="square" lIns="91425" tIns="45700" rIns="91425" bIns="45700" anchor="t" anchorCtr="0">
+            <a:noAutofit/>
+          </a:bodyPr>
+          <a:lstStyle/>
+          <a:p>
+            <a:pPr lvl="0">
+              <a:buSzPts val="4400"/>
+            </a:pPr>
+            <a:r>
+              <a:rPr lang="en-US" altLang="zh-CN" dirty="0">
+                <a:latin typeface="+mj-lt"/>
+              </a:rPr>
+              <a:t>PMF</a:t>
+            </a:r>
+            <a:r>
+              <a:rPr lang="en-US" dirty="0">
+                <a:latin typeface="+mj-lt"/>
+              </a:rPr>
+              <a:t> Parameter Evaluation</a:t>
+            </a:r>
+            <a:endParaRPr dirty="0">
+              <a:latin typeface="+mj-lt"/>
+            </a:endParaRPr>
+          </a:p>
+        </p:txBody>
+      </p:sp>
+      <p:sp>
+        <p:nvSpPr>
+          <p:cNvPr id="2" name="TextBox 1">
+            <a:extLst>
+              <a:ext uri="{FF2B5EF4-FFF2-40B4-BE49-F238E27FC236}">
+                <a16:creationId xmlns:a16="http://schemas.microsoft.com/office/drawing/2014/main" xmlns="" id="{8DF5C8C2-B12C-ED47-92E5-5386C31AC56D}"/>
               </a:ext>
             </a:extLst>
           </p:cNvPr>
@@ -19978,7 +20744,7 @@
           <p:cNvPr id="5" name="Picture 4">
             <a:extLst>
               <a:ext uri="{FF2B5EF4-FFF2-40B4-BE49-F238E27FC236}">
-                <a16:creationId xmlns:a16="http://schemas.microsoft.com/office/drawing/2014/main" id="{3BF5EB0A-B66D-CF46-8C2E-5DAC695310D2}"/>
+                <a16:creationId xmlns:a16="http://schemas.microsoft.com/office/drawing/2014/main" xmlns="" id="{3BF5EB0A-B66D-CF46-8C2E-5DAC695310D2}"/>
               </a:ext>
             </a:extLst>
           </p:cNvPr>
@@ -20008,7 +20774,7 @@
           <p:cNvPr id="7" name="Picture 6">
             <a:extLst>
               <a:ext uri="{FF2B5EF4-FFF2-40B4-BE49-F238E27FC236}">
-                <a16:creationId xmlns:a16="http://schemas.microsoft.com/office/drawing/2014/main" id="{B5AC5C21-4518-514E-A548-5E10D7003459}"/>
+                <a16:creationId xmlns:a16="http://schemas.microsoft.com/office/drawing/2014/main" xmlns="" id="{B5AC5C21-4518-514E-A548-5E10D7003459}"/>
               </a:ext>
             </a:extLst>
           </p:cNvPr>
@@ -20038,7 +20804,7 @@
           <p:cNvPr id="8" name="Rectangle 7">
             <a:extLst>
               <a:ext uri="{FF2B5EF4-FFF2-40B4-BE49-F238E27FC236}">
-                <a16:creationId xmlns:a16="http://schemas.microsoft.com/office/drawing/2014/main" id="{2026B64B-115E-FC44-AEBB-80669B48AD0F}"/>
+                <a16:creationId xmlns:a16="http://schemas.microsoft.com/office/drawing/2014/main" xmlns="" id="{2026B64B-115E-FC44-AEBB-80669B48AD0F}"/>
               </a:ext>
             </a:extLst>
           </p:cNvPr>
@@ -20109,7 +20875,7 @@
           <p:cNvPr id="3" name="Slide Number Placeholder 2">
             <a:extLst>
               <a:ext uri="{FF2B5EF4-FFF2-40B4-BE49-F238E27FC236}">
-                <a16:creationId xmlns:a16="http://schemas.microsoft.com/office/drawing/2014/main" id="{1906876A-327B-3D4C-8ED2-7750DA06B55A}"/>
+                <a16:creationId xmlns:a16="http://schemas.microsoft.com/office/drawing/2014/main" xmlns="" id="{1906876A-327B-3D4C-8ED2-7750DA06B55A}"/>
               </a:ext>
             </a:extLst>
           </p:cNvPr>
@@ -20136,7 +20902,7 @@
             </a:pPr>
             <a:fld id="{00000000-1234-1234-1234-123412341234}" type="slidenum">
               <a:rPr lang="en-US" smtClean="0"/>
-              <a:t>10</a:t>
+              <a:t>11</a:t>
             </a:fld>
             <a:endParaRPr lang="en-US"/>
           </a:p>
@@ -20155,7 +20921,7 @@
 </p:sld>
 </file>
 
-<file path=ppt/slides/slide11.xml><?xml version="1.0" encoding="utf-8"?>
+<file path=ppt/slides/slide12.xml><?xml version="1.0" encoding="utf-8"?>
 <p:sld xmlns:a="http://schemas.openxmlformats.org/drawingml/2006/main" xmlns:r="http://schemas.openxmlformats.org/officeDocument/2006/relationships" xmlns:p="http://schemas.openxmlformats.org/presentationml/2006/main">
   <p:cSld>
     <p:spTree>
@@ -20210,6 +20976,12 @@
               </a:rPr>
               <a:t>Large-scale Parallel Collaborative Filtering (LPCF)</a:t>
             </a:r>
+            <a:r>
+              <a:rPr lang="en-US" sz="3959" dirty="0">
+                <a:latin typeface="+mj-lt"/>
+              </a:rPr>
+              <a:t/>
+            </a:r>
             <a:br>
               <a:rPr lang="en-US" sz="3959" dirty="0">
                 <a:latin typeface="+mj-lt"/>
@@ -20509,7 +21281,7 @@
           <p:cNvPr id="2" name="Slide Number Placeholder 1">
             <a:extLst>
               <a:ext uri="{FF2B5EF4-FFF2-40B4-BE49-F238E27FC236}">
-                <a16:creationId xmlns:a16="http://schemas.microsoft.com/office/drawing/2014/main" id="{97854B3C-9D8C-C240-BA69-C8A6D282F0F9}"/>
+                <a16:creationId xmlns:a16="http://schemas.microsoft.com/office/drawing/2014/main" xmlns="" id="{97854B3C-9D8C-C240-BA69-C8A6D282F0F9}"/>
               </a:ext>
             </a:extLst>
           </p:cNvPr>
@@ -20536,7 +21308,7 @@
             </a:pPr>
             <a:fld id="{00000000-1234-1234-1234-123412341234}" type="slidenum">
               <a:rPr lang="en-US" smtClean="0"/>
-              <a:t>11</a:t>
+              <a:t>12</a:t>
             </a:fld>
             <a:endParaRPr lang="en-US"/>
           </a:p>
@@ -20550,7 +21322,7 @@
 </p:sld>
 </file>
 
-<file path=ppt/slides/slide12.xml><?xml version="1.0" encoding="utf-8"?>
+<file path=ppt/slides/slide13.xml><?xml version="1.0" encoding="utf-8"?>
 <p:sld xmlns:a="http://schemas.openxmlformats.org/drawingml/2006/main" xmlns:r="http://schemas.openxmlformats.org/officeDocument/2006/relationships" xmlns:p="http://schemas.openxmlformats.org/presentationml/2006/main">
   <p:cSld>
     <p:spTree>
@@ -20637,6 +21409,12 @@
               </a:rPr>
               <a:t> </a:t>
             </a:r>
+            <a:r>
+              <a:rPr lang="en-US" altLang="zh-CN" dirty="0">
+                <a:latin typeface="+mj-lt"/>
+              </a:rPr>
+              <a:t/>
+            </a:r>
             <a:br>
               <a:rPr lang="en-US" altLang="zh-CN" dirty="0">
                 <a:latin typeface="+mj-lt"/>
@@ -20677,14 +21455,14 @@
           </a:p>
         </p:txBody>
       </p:sp>
-      <mc:AlternateContent xmlns:mc="http://schemas.openxmlformats.org/markup-compatibility/2006">
-        <mc:Choice xmlns:a14="http://schemas.microsoft.com/office/drawing/2010/main" Requires="a14">
+      <mc:AlternateContent xmlns:mc="http://schemas.openxmlformats.org/markup-compatibility/2006" xmlns:a14="http://schemas.microsoft.com/office/drawing/2010/main">
+        <mc:Choice Requires="a14">
           <p:sp>
             <p:nvSpPr>
               <p:cNvPr id="4" name="Rectangle 3">
                 <a:extLst>
                   <a:ext uri="{FF2B5EF4-FFF2-40B4-BE49-F238E27FC236}">
-                    <a16:creationId xmlns:a16="http://schemas.microsoft.com/office/drawing/2014/main" id="{FEFCE8E9-EA50-344A-9791-C1739EFD2012}"/>
+                    <a16:creationId xmlns:a16="http://schemas.microsoft.com/office/drawing/2014/main" xmlns="" id="{FEFCE8E9-EA50-344A-9791-C1739EFD2012}"/>
                   </a:ext>
                 </a:extLst>
               </p:cNvPr>
@@ -20727,14 +21505,14 @@
                         <m:sSubPr>
                           <m:ctrlPr>
                             <a:rPr lang="en-US" sz="1800" i="1">
-                              <a:latin typeface="+mj-lt"/>
+                              <a:latin typeface="Cambria Math" panose="02040503050406030204" pitchFamily="18" charset="0"/>
                             </a:rPr>
                           </m:ctrlPr>
                         </m:sSubPr>
                         <m:e>
                           <m:r>
                             <a:rPr lang="en-US" sz="1800" i="1">
-                              <a:latin typeface="+mj-lt"/>
+                              <a:latin typeface="Cambria Math" panose="02040503050406030204" pitchFamily="18" charset="0"/>
                             </a:rPr>
                             <m:t>𝑚𝑖𝑛</m:t>
                           </m:r>
@@ -20742,25 +21520,25 @@
                         <m:sub>
                           <m:r>
                             <a:rPr lang="en-US" sz="1800" i="1">
-                              <a:latin typeface="+mj-lt"/>
+                              <a:latin typeface="Cambria Math" panose="02040503050406030204" pitchFamily="18" charset="0"/>
                             </a:rPr>
                             <m:t>𝑞</m:t>
                           </m:r>
                           <m:r>
                             <a:rPr lang="en-US" sz="1800" i="1">
-                              <a:latin typeface="+mj-lt"/>
+                              <a:latin typeface="Cambria Math" panose="02040503050406030204" pitchFamily="18" charset="0"/>
                             </a:rPr>
                             <m:t>∗</m:t>
                           </m:r>
                           <m:r>
                             <a:rPr lang="en-US" sz="1800" i="1">
-                              <a:latin typeface="+mj-lt"/>
+                              <a:latin typeface="Cambria Math" panose="02040503050406030204" pitchFamily="18" charset="0"/>
                             </a:rPr>
                             <m:t>𝑝</m:t>
                           </m:r>
                           <m:r>
                             <a:rPr lang="en-US" sz="1800" i="1">
-                              <a:latin typeface="+mj-lt"/>
+                              <a:latin typeface="Cambria Math" panose="02040503050406030204" pitchFamily="18" charset="0"/>
                             </a:rPr>
                             <m:t>∗</m:t>
                           </m:r>
@@ -20772,7 +21550,7 @@
                           <m:supHide m:val="on"/>
                           <m:ctrlPr>
                             <a:rPr lang="en-US" sz="1800" i="1">
-                              <a:latin typeface="+mj-lt"/>
+                              <a:latin typeface="Cambria Math" panose="02040503050406030204" pitchFamily="18" charset="0"/>
                             </a:rPr>
                           </m:ctrlPr>
                         </m:naryPr>
@@ -20782,37 +21560,37 @@
                               <m:brk m:alnAt="7"/>
                             </m:rPr>
                             <a:rPr lang="en-US" sz="1800" i="1">
-                              <a:latin typeface="+mj-lt"/>
+                              <a:latin typeface="Cambria Math" panose="02040503050406030204" pitchFamily="18" charset="0"/>
                             </a:rPr>
                             <m:t>(</m:t>
                           </m:r>
                           <m:r>
                             <a:rPr lang="en-US" sz="1800" i="1">
-                              <a:latin typeface="+mj-lt"/>
+                              <a:latin typeface="Cambria Math" panose="02040503050406030204" pitchFamily="18" charset="0"/>
                             </a:rPr>
                             <m:t>𝑢</m:t>
                           </m:r>
                           <m:r>
                             <a:rPr lang="en-US" sz="1800" i="1">
-                              <a:latin typeface="+mj-lt"/>
+                              <a:latin typeface="Cambria Math" panose="02040503050406030204" pitchFamily="18" charset="0"/>
                             </a:rPr>
                             <m:t>,</m:t>
                           </m:r>
                           <m:r>
                             <a:rPr lang="en-US" sz="1800" i="1">
-                              <a:latin typeface="+mj-lt"/>
+                              <a:latin typeface="Cambria Math" panose="02040503050406030204" pitchFamily="18" charset="0"/>
                             </a:rPr>
                             <m:t>𝑖</m:t>
                           </m:r>
                           <m:r>
                             <a:rPr lang="en-US" sz="1800" i="1">
-                              <a:latin typeface="+mj-lt"/>
+                              <a:latin typeface="Cambria Math" panose="02040503050406030204" pitchFamily="18" charset="0"/>
                             </a:rPr>
                             <m:t>)∈</m:t>
                           </m:r>
                           <m:r>
                             <a:rPr lang="en-US" sz="1800" i="1">
-                              <a:latin typeface="+mj-lt"/>
+                              <a:latin typeface="Cambria Math" panose="02040503050406030204" pitchFamily="18" charset="0"/>
                               <a:ea typeface="Cambria Math" panose="02040503050406030204" pitchFamily="18" charset="0"/>
                             </a:rPr>
                             <m:t>𝐼</m:t>
@@ -20824,7 +21602,7 @@
                             <m:sSupPr>
                               <m:ctrlPr>
                                 <a:rPr lang="en-US" sz="1800" i="1">
-                                  <a:latin typeface="+mj-lt"/>
+                                  <a:latin typeface="Cambria Math" panose="02040503050406030204" pitchFamily="18" charset="0"/>
                                 </a:rPr>
                               </m:ctrlPr>
                             </m:sSupPr>
@@ -20833,7 +21611,7 @@
                                 <m:dPr>
                                   <m:ctrlPr>
                                     <a:rPr lang="en-US" sz="1800" i="1">
-                                      <a:latin typeface="+mj-lt"/>
+                                      <a:latin typeface="Cambria Math" panose="02040503050406030204" pitchFamily="18" charset="0"/>
                                     </a:rPr>
                                   </m:ctrlPr>
                                 </m:dPr>
@@ -20842,14 +21620,14 @@
                                     <m:sSubPr>
                                       <m:ctrlPr>
                                         <a:rPr lang="en-US" sz="1800" i="1">
-                                          <a:latin typeface="+mj-lt"/>
+                                          <a:latin typeface="Cambria Math" panose="02040503050406030204" pitchFamily="18" charset="0"/>
                                         </a:rPr>
                                       </m:ctrlPr>
                                     </m:sSubPr>
                                     <m:e>
                                       <m:r>
                                         <a:rPr lang="en-US" sz="1800" i="1">
-                                          <a:latin typeface="+mj-lt"/>
+                                          <a:latin typeface="Cambria Math" panose="02040503050406030204" pitchFamily="18" charset="0"/>
                                         </a:rPr>
                                         <m:t>𝑟</m:t>
                                       </m:r>
@@ -20857,7 +21635,7 @@
                                     <m:sub>
                                       <m:r>
                                         <a:rPr lang="en-US" sz="1800" i="1">
-                                          <a:latin typeface="+mj-lt"/>
+                                          <a:latin typeface="Cambria Math" panose="02040503050406030204" pitchFamily="18" charset="0"/>
                                         </a:rPr>
                                         <m:t>𝑢𝑖</m:t>
                                       </m:r>
@@ -20865,7 +21643,7 @@
                                   </m:sSub>
                                   <m:r>
                                     <a:rPr lang="en-US" sz="1800" i="1">
-                                      <a:latin typeface="+mj-lt"/>
+                                      <a:latin typeface="Cambria Math" panose="02040503050406030204" pitchFamily="18" charset="0"/>
                                     </a:rPr>
                                     <m:t>−</m:t>
                                   </m:r>
@@ -20873,14 +21651,14 @@
                                     <m:sSubSupPr>
                                       <m:ctrlPr>
                                         <a:rPr lang="en-US" sz="1800" i="1">
-                                          <a:latin typeface="+mj-lt"/>
+                                          <a:latin typeface="Cambria Math" panose="02040503050406030204" pitchFamily="18" charset="0"/>
                                         </a:rPr>
                                       </m:ctrlPr>
                                     </m:sSubSupPr>
                                     <m:e>
                                       <m:r>
                                         <a:rPr lang="en-US" sz="1800" i="1">
-                                          <a:latin typeface="+mj-lt"/>
+                                          <a:latin typeface="Cambria Math" panose="02040503050406030204" pitchFamily="18" charset="0"/>
                                         </a:rPr>
                                         <m:t>𝑞</m:t>
                                       </m:r>
@@ -20888,7 +21666,7 @@
                                     <m:sub>
                                       <m:r>
                                         <a:rPr lang="en-US" sz="1800" i="1">
-                                          <a:latin typeface="+mj-lt"/>
+                                          <a:latin typeface="Cambria Math" panose="02040503050406030204" pitchFamily="18" charset="0"/>
                                         </a:rPr>
                                         <m:t>𝑖</m:t>
                                       </m:r>
@@ -20896,7 +21674,7 @@
                                     <m:sup>
                                       <m:r>
                                         <a:rPr lang="en-US" sz="1800" i="1">
-                                          <a:latin typeface="+mj-lt"/>
+                                          <a:latin typeface="Cambria Math" panose="02040503050406030204" pitchFamily="18" charset="0"/>
                                         </a:rPr>
                                         <m:t>𝑇</m:t>
                                       </m:r>
@@ -20906,14 +21684,14 @@
                                     <m:sSubPr>
                                       <m:ctrlPr>
                                         <a:rPr lang="en-US" sz="1800" i="1">
-                                          <a:latin typeface="+mj-lt"/>
+                                          <a:latin typeface="Cambria Math" panose="02040503050406030204" pitchFamily="18" charset="0"/>
                                         </a:rPr>
                                       </m:ctrlPr>
                                     </m:sSubPr>
                                     <m:e>
                                       <m:r>
                                         <a:rPr lang="en-US" sz="1800" i="1">
-                                          <a:latin typeface="+mj-lt"/>
+                                          <a:latin typeface="Cambria Math" panose="02040503050406030204" pitchFamily="18" charset="0"/>
                                         </a:rPr>
                                         <m:t>𝑝</m:t>
                                       </m:r>
@@ -20921,7 +21699,7 @@
                                     <m:sub>
                                       <m:r>
                                         <a:rPr lang="en-US" sz="1800" i="1">
-                                          <a:latin typeface="+mj-lt"/>
+                                          <a:latin typeface="Cambria Math" panose="02040503050406030204" pitchFamily="18" charset="0"/>
                                         </a:rPr>
                                         <m:t>𝑢</m:t>
                                       </m:r>
@@ -20933,7 +21711,7 @@
                             <m:sup>
                               <m:r>
                                 <a:rPr lang="en-US" sz="1800" i="1">
-                                  <a:latin typeface="+mj-lt"/>
+                                  <a:latin typeface="Cambria Math" panose="02040503050406030204" pitchFamily="18" charset="0"/>
                                 </a:rPr>
                                 <m:t>2</m:t>
                               </m:r>
@@ -20943,7 +21721,7 @@
                       </m:nary>
                       <m:r>
                         <a:rPr lang="en-US" sz="1800" i="1">
-                          <a:latin typeface="+mj-lt"/>
+                          <a:latin typeface="Cambria Math" panose="02040503050406030204" pitchFamily="18" charset="0"/>
                         </a:rPr>
                         <m:t>+</m:t>
                       </m:r>
@@ -20960,7 +21738,7 @@
                         <m:dPr>
                           <m:ctrlPr>
                             <a:rPr lang="en-US" sz="1800" i="1">
-                              <a:latin typeface="+mj-lt"/>
+                              <a:latin typeface="Cambria Math" panose="02040503050406030204" pitchFamily="18" charset="0"/>
                             </a:rPr>
                           </m:ctrlPr>
                         </m:dPr>
@@ -20969,7 +21747,7 @@
                             <m:sSupPr>
                               <m:ctrlPr>
                                 <a:rPr lang="en-US" sz="1800" i="1">
-                                  <a:latin typeface="+mj-lt"/>
+                                  <a:latin typeface="Cambria Math" panose="02040503050406030204" pitchFamily="18" charset="0"/>
                                 </a:rPr>
                               </m:ctrlPr>
                             </m:sSupPr>
@@ -20980,7 +21758,7 @@
                                   <m:supHide m:val="on"/>
                                   <m:ctrlPr>
                                     <a:rPr lang="en-US" sz="1800" i="1">
-                                      <a:latin typeface="+mj-lt"/>
+                                      <a:latin typeface="Cambria Math" panose="02040503050406030204" pitchFamily="18" charset="0"/>
                                     </a:rPr>
                                   </m:ctrlPr>
                                 </m:naryPr>
@@ -20990,7 +21768,7 @@
                                       <m:brk m:alnAt="7"/>
                                     </m:rPr>
                                     <a:rPr lang="en-US" sz="1800" i="1">
-                                      <a:latin typeface="+mj-lt"/>
+                                      <a:latin typeface="Cambria Math" panose="02040503050406030204" pitchFamily="18" charset="0"/>
                                     </a:rPr>
                                     <m:t>𝑖</m:t>
                                   </m:r>
@@ -21001,14 +21779,14 @@
                                     <m:sSubPr>
                                       <m:ctrlPr>
                                         <a:rPr lang="en-US" sz="1800" i="1">
-                                          <a:latin typeface="+mj-lt"/>
+                                          <a:latin typeface="Cambria Math" panose="02040503050406030204" pitchFamily="18" charset="0"/>
                                         </a:rPr>
                                       </m:ctrlPr>
                                     </m:sSubPr>
                                     <m:e>
                                       <m:r>
                                         <a:rPr lang="en-US" sz="1800" i="1">
-                                          <a:latin typeface="+mj-lt"/>
+                                          <a:latin typeface="Cambria Math" panose="02040503050406030204" pitchFamily="18" charset="0"/>
                                         </a:rPr>
                                         <m:t>𝑛</m:t>
                                       </m:r>
@@ -21018,14 +21796,14 @@
                                         <m:sSubPr>
                                           <m:ctrlPr>
                                             <a:rPr lang="en-US" sz="1800" i="1">
-                                              <a:latin typeface="+mj-lt"/>
+                                              <a:latin typeface="Cambria Math" panose="02040503050406030204" pitchFamily="18" charset="0"/>
                                             </a:rPr>
                                           </m:ctrlPr>
                                         </m:sSubPr>
                                         <m:e>
                                           <m:r>
                                             <a:rPr lang="en-US" sz="1800" i="1">
-                                              <a:latin typeface="+mj-lt"/>
+                                              <a:latin typeface="Cambria Math" panose="02040503050406030204" pitchFamily="18" charset="0"/>
                                             </a:rPr>
                                             <m:t>𝑞</m:t>
                                           </m:r>
@@ -21033,7 +21811,7 @@
                                         <m:sub>
                                           <m:r>
                                             <a:rPr lang="en-US" sz="1800" i="1">
-                                              <a:latin typeface="+mj-lt"/>
+                                              <a:latin typeface="Cambria Math" panose="02040503050406030204" pitchFamily="18" charset="0"/>
                                             </a:rPr>
                                             <m:t>𝑖</m:t>
                                           </m:r>
@@ -21049,7 +21827,7 @@
                                   <m:endChr m:val="‖"/>
                                   <m:ctrlPr>
                                     <a:rPr lang="en-US" sz="1800" i="1">
-                                      <a:latin typeface="+mj-lt"/>
+                                      <a:latin typeface="Cambria Math" panose="02040503050406030204" pitchFamily="18" charset="0"/>
                                     </a:rPr>
                                   </m:ctrlPr>
                                 </m:dPr>
@@ -21058,14 +21836,14 @@
                                     <m:sSubPr>
                                       <m:ctrlPr>
                                         <a:rPr lang="en-US" sz="1800" i="1">
-                                          <a:latin typeface="+mj-lt"/>
+                                          <a:latin typeface="Cambria Math" panose="02040503050406030204" pitchFamily="18" charset="0"/>
                                         </a:rPr>
                                       </m:ctrlPr>
                                     </m:sSubPr>
                                     <m:e>
                                       <m:r>
                                         <a:rPr lang="en-US" sz="1800" i="1">
-                                          <a:latin typeface="+mj-lt"/>
+                                          <a:latin typeface="Cambria Math" panose="02040503050406030204" pitchFamily="18" charset="0"/>
                                         </a:rPr>
                                         <m:t>𝑞</m:t>
                                       </m:r>
@@ -21073,7 +21851,7 @@
                                     <m:sub>
                                       <m:r>
                                         <a:rPr lang="en-US" sz="1800" i="1">
-                                          <a:latin typeface="+mj-lt"/>
+                                          <a:latin typeface="Cambria Math" panose="02040503050406030204" pitchFamily="18" charset="0"/>
                                         </a:rPr>
                                         <m:t>𝑖</m:t>
                                       </m:r>
@@ -21085,7 +21863,7 @@
                             <m:sup>
                               <m:r>
                                 <a:rPr lang="en-US" sz="1800" i="1">
-                                  <a:latin typeface="+mj-lt"/>
+                                  <a:latin typeface="Cambria Math" panose="02040503050406030204" pitchFamily="18" charset="0"/>
                                 </a:rPr>
                                 <m:t>2</m:t>
                               </m:r>
@@ -21093,7 +21871,7 @@
                           </m:sSup>
                           <m:r>
                             <a:rPr lang="en-US" sz="1800" i="1">
-                              <a:latin typeface="+mj-lt"/>
+                              <a:latin typeface="Cambria Math" panose="02040503050406030204" pitchFamily="18" charset="0"/>
                             </a:rPr>
                             <m:t>+</m:t>
                           </m:r>
@@ -21103,7 +21881,7 @@
                               <m:supHide m:val="on"/>
                               <m:ctrlPr>
                                 <a:rPr lang="en-US" sz="1800" i="1">
-                                  <a:latin typeface="+mj-lt"/>
+                                  <a:latin typeface="Cambria Math" panose="02040503050406030204" pitchFamily="18" charset="0"/>
                                 </a:rPr>
                               </m:ctrlPr>
                             </m:naryPr>
@@ -21113,7 +21891,7 @@
                                   <m:brk m:alnAt="7"/>
                                 </m:rPr>
                                 <a:rPr lang="en-US" sz="1800" i="1">
-                                  <a:latin typeface="+mj-lt"/>
+                                  <a:latin typeface="Cambria Math" panose="02040503050406030204" pitchFamily="18" charset="0"/>
                                 </a:rPr>
                                 <m:t>𝑢</m:t>
                               </m:r>
@@ -21124,14 +21902,14 @@
                                 <m:sSubPr>
                                   <m:ctrlPr>
                                     <a:rPr lang="en-US" sz="1800" i="1">
-                                      <a:latin typeface="+mj-lt"/>
+                                      <a:latin typeface="Cambria Math" panose="02040503050406030204" pitchFamily="18" charset="0"/>
                                     </a:rPr>
                                   </m:ctrlPr>
                                 </m:sSubPr>
                                 <m:e>
                                   <m:r>
                                     <a:rPr lang="en-US" sz="1800" i="1">
-                                      <a:latin typeface="+mj-lt"/>
+                                      <a:latin typeface="Cambria Math" panose="02040503050406030204" pitchFamily="18" charset="0"/>
                                     </a:rPr>
                                     <m:t>𝑛</m:t>
                                   </m:r>
@@ -21141,14 +21919,14 @@
                                     <m:sSubPr>
                                       <m:ctrlPr>
                                         <a:rPr lang="en-US" sz="1800" i="1">
-                                          <a:latin typeface="+mj-lt"/>
+                                          <a:latin typeface="Cambria Math" panose="02040503050406030204" pitchFamily="18" charset="0"/>
                                         </a:rPr>
                                       </m:ctrlPr>
                                     </m:sSubPr>
                                     <m:e>
                                       <m:r>
                                         <a:rPr lang="en-US" sz="1800" i="1">
-                                          <a:latin typeface="+mj-lt"/>
+                                          <a:latin typeface="Cambria Math" panose="02040503050406030204" pitchFamily="18" charset="0"/>
                                         </a:rPr>
                                         <m:t>𝑝</m:t>
                                       </m:r>
@@ -21156,7 +21934,7 @@
                                     <m:sub>
                                       <m:r>
                                         <a:rPr lang="en-US" sz="1800" i="1">
-                                          <a:latin typeface="+mj-lt"/>
+                                          <a:latin typeface="Cambria Math" panose="02040503050406030204" pitchFamily="18" charset="0"/>
                                         </a:rPr>
                                         <m:t>𝑢</m:t>
                                       </m:r>
@@ -21170,7 +21948,7 @@
                             <m:sSupPr>
                               <m:ctrlPr>
                                 <a:rPr lang="en-US" sz="1800" i="1">
-                                  <a:latin typeface="+mj-lt"/>
+                                  <a:latin typeface="Cambria Math" panose="02040503050406030204" pitchFamily="18" charset="0"/>
                                 </a:rPr>
                               </m:ctrlPr>
                             </m:sSupPr>
@@ -21181,7 +21959,7 @@
                                   <m:endChr m:val="‖"/>
                                   <m:ctrlPr>
                                     <a:rPr lang="en-US" sz="1800" i="1">
-                                      <a:latin typeface="+mj-lt"/>
+                                      <a:latin typeface="Cambria Math" panose="02040503050406030204" pitchFamily="18" charset="0"/>
                                     </a:rPr>
                                   </m:ctrlPr>
                                 </m:dPr>
@@ -21190,14 +21968,14 @@
                                     <m:sSubPr>
                                       <m:ctrlPr>
                                         <a:rPr lang="en-US" sz="1800" i="1">
-                                          <a:latin typeface="+mj-lt"/>
+                                          <a:latin typeface="Cambria Math" panose="02040503050406030204" pitchFamily="18" charset="0"/>
                                         </a:rPr>
                                       </m:ctrlPr>
                                     </m:sSubPr>
                                     <m:e>
                                       <m:r>
                                         <a:rPr lang="en-US" sz="1800" i="1">
-                                          <a:latin typeface="+mj-lt"/>
+                                          <a:latin typeface="Cambria Math" panose="02040503050406030204" pitchFamily="18" charset="0"/>
                                         </a:rPr>
                                         <m:t>𝑝</m:t>
                                       </m:r>
@@ -21205,7 +21983,7 @@
                                     <m:sub>
                                       <m:r>
                                         <a:rPr lang="en-US" sz="1800" i="1">
-                                          <a:latin typeface="+mj-lt"/>
+                                          <a:latin typeface="Cambria Math" panose="02040503050406030204" pitchFamily="18" charset="0"/>
                                         </a:rPr>
                                         <m:t>𝑢</m:t>
                                       </m:r>
@@ -21217,7 +21995,7 @@
                             <m:sup>
                               <m:r>
                                 <a:rPr lang="en-US" sz="1800" i="1">
-                                  <a:latin typeface="+mj-lt"/>
+                                  <a:latin typeface="Cambria Math" panose="02040503050406030204" pitchFamily="18" charset="0"/>
                                 </a:rPr>
                                 <m:t>2</m:t>
                               </m:r>
@@ -21235,7 +22013,7 @@
             </p:txBody>
           </p:sp>
         </mc:Choice>
-        <mc:Fallback>
+        <mc:Fallback xmlns="">
           <p:sp>
             <p:nvSpPr>
               <p:cNvPr id="4" name="Rectangle 3">
@@ -21285,7 +22063,7 @@
           <p:cNvPr id="5" name="TextBox 4">
             <a:extLst>
               <a:ext uri="{FF2B5EF4-FFF2-40B4-BE49-F238E27FC236}">
-                <a16:creationId xmlns:a16="http://schemas.microsoft.com/office/drawing/2014/main" id="{6C70C120-E020-1541-B2DC-54AB7CABC30D}"/>
+                <a16:creationId xmlns:a16="http://schemas.microsoft.com/office/drawing/2014/main" xmlns="" id="{6C70C120-E020-1541-B2DC-54AB7CABC30D}"/>
               </a:ext>
             </a:extLst>
           </p:cNvPr>
@@ -21440,7 +22218,7 @@
           <p:cNvPr id="6" name="Slide Number Placeholder 5">
             <a:extLst>
               <a:ext uri="{FF2B5EF4-FFF2-40B4-BE49-F238E27FC236}">
-                <a16:creationId xmlns:a16="http://schemas.microsoft.com/office/drawing/2014/main" id="{1943DDDF-8178-F94E-AB3F-1DCDFAA0BE8B}"/>
+                <a16:creationId xmlns:a16="http://schemas.microsoft.com/office/drawing/2014/main" xmlns="" id="{1943DDDF-8178-F94E-AB3F-1DCDFAA0BE8B}"/>
               </a:ext>
             </a:extLst>
           </p:cNvPr>
@@ -21467,7 +22245,7 @@
             </a:pPr>
             <a:fld id="{00000000-1234-1234-1234-123412341234}" type="slidenum">
               <a:rPr lang="en-US" smtClean="0"/>
-              <a:t>12</a:t>
+              <a:t>13</a:t>
             </a:fld>
             <a:endParaRPr lang="en-US"/>
           </a:p>
@@ -21481,7 +22259,7 @@
 </p:sld>
 </file>
 
-<file path=ppt/slides/slide13.xml><?xml version="1.0" encoding="utf-8"?>
+<file path=ppt/slides/slide14.xml><?xml version="1.0" encoding="utf-8"?>
 <p:sld xmlns:a="http://schemas.openxmlformats.org/drawingml/2006/main" xmlns:r="http://schemas.openxmlformats.org/officeDocument/2006/relationships" xmlns:p="http://schemas.openxmlformats.org/presentationml/2006/main">
   <p:cSld>
     <p:spTree>
@@ -21855,7 +22633,7 @@
           <p:cNvPr id="2" name="Slide Number Placeholder 1">
             <a:extLst>
               <a:ext uri="{FF2B5EF4-FFF2-40B4-BE49-F238E27FC236}">
-                <a16:creationId xmlns:a16="http://schemas.microsoft.com/office/drawing/2014/main" id="{D8EBBB87-514E-F442-BF03-6EEC6E5CF19D}"/>
+                <a16:creationId xmlns:a16="http://schemas.microsoft.com/office/drawing/2014/main" xmlns="" id="{D8EBBB87-514E-F442-BF03-6EEC6E5CF19D}"/>
               </a:ext>
             </a:extLst>
           </p:cNvPr>
@@ -21882,7 +22660,7 @@
             </a:pPr>
             <a:fld id="{00000000-1234-1234-1234-123412341234}" type="slidenum">
               <a:rPr lang="en-US" smtClean="0"/>
-              <a:t>13</a:t>
+              <a:t>14</a:t>
             </a:fld>
             <a:endParaRPr lang="en-US"/>
           </a:p>
@@ -21896,7 +22674,7 @@
 </p:sld>
 </file>
 
-<file path=ppt/slides/slide14.xml><?xml version="1.0" encoding="utf-8"?>
+<file path=ppt/slides/slide15.xml><?xml version="1.0" encoding="utf-8"?>
 <p:sld xmlns:a="http://schemas.openxmlformats.org/drawingml/2006/main" xmlns:r="http://schemas.openxmlformats.org/officeDocument/2006/relationships" xmlns:p="http://schemas.openxmlformats.org/presentationml/2006/main">
   <p:cSld>
     <p:spTree>
@@ -22068,7 +22846,7 @@
           <p:cNvPr id="2" name="TextBox 1">
             <a:extLst>
               <a:ext uri="{FF2B5EF4-FFF2-40B4-BE49-F238E27FC236}">
-                <a16:creationId xmlns:a16="http://schemas.microsoft.com/office/drawing/2014/main" id="{8DF5C8C2-B12C-ED47-92E5-5386C31AC56D}"/>
+                <a16:creationId xmlns:a16="http://schemas.microsoft.com/office/drawing/2014/main" xmlns="" id="{8DF5C8C2-B12C-ED47-92E5-5386C31AC56D}"/>
               </a:ext>
             </a:extLst>
           </p:cNvPr>
@@ -22103,7 +22881,7 @@
           <p:cNvPr id="3" name="Slide Number Placeholder 2">
             <a:extLst>
               <a:ext uri="{FF2B5EF4-FFF2-40B4-BE49-F238E27FC236}">
-                <a16:creationId xmlns:a16="http://schemas.microsoft.com/office/drawing/2014/main" id="{FF991100-6FBC-8244-A25B-97CB7E4A1161}"/>
+                <a16:creationId xmlns:a16="http://schemas.microsoft.com/office/drawing/2014/main" xmlns="" id="{FF991100-6FBC-8244-A25B-97CB7E4A1161}"/>
               </a:ext>
             </a:extLst>
           </p:cNvPr>
@@ -22130,7 +22908,7 @@
             </a:pPr>
             <a:fld id="{00000000-1234-1234-1234-123412341234}" type="slidenum">
               <a:rPr lang="en-US" smtClean="0"/>
-              <a:t>14</a:t>
+              <a:t>15</a:t>
             </a:fld>
             <a:endParaRPr lang="en-US"/>
           </a:p>
@@ -22141,7 +22919,7 @@
           <p:cNvPr id="4" name="Rectangle 3">
             <a:extLst>
               <a:ext uri="{FF2B5EF4-FFF2-40B4-BE49-F238E27FC236}">
-                <a16:creationId xmlns:a16="http://schemas.microsoft.com/office/drawing/2014/main" id="{DE17DA7F-9C3C-404C-9A44-5798D602C793}"/>
+                <a16:creationId xmlns:a16="http://schemas.microsoft.com/office/drawing/2014/main" xmlns="" id="{DE17DA7F-9C3C-404C-9A44-5798D602C793}"/>
               </a:ext>
             </a:extLst>
           </p:cNvPr>
@@ -22211,7 +22989,7 @@
 </p:sld>
 </file>
 
-<file path=ppt/slides/slide15.xml><?xml version="1.0" encoding="utf-8"?>
+<file path=ppt/slides/slide16.xml><?xml version="1.0" encoding="utf-8"?>
 <p:sld xmlns:a="http://schemas.openxmlformats.org/drawingml/2006/main" xmlns:r="http://schemas.openxmlformats.org/officeDocument/2006/relationships" xmlns:p="http://schemas.openxmlformats.org/presentationml/2006/main">
   <p:cSld>
     <p:spTree>
@@ -22345,7 +23123,7 @@
           <p:cNvPr id="4" name="Rectangle 3">
             <a:extLst>
               <a:ext uri="{FF2B5EF4-FFF2-40B4-BE49-F238E27FC236}">
-                <a16:creationId xmlns:a16="http://schemas.microsoft.com/office/drawing/2014/main" id="{9FDFF6FF-FB38-5247-9410-8BF598AA9217}"/>
+                <a16:creationId xmlns:a16="http://schemas.microsoft.com/office/drawing/2014/main" xmlns="" id="{9FDFF6FF-FB38-5247-9410-8BF598AA9217}"/>
               </a:ext>
             </a:extLst>
           </p:cNvPr>
@@ -22383,7 +23161,7 @@
           <p:cNvPr id="2" name="Slide Number Placeholder 1">
             <a:extLst>
               <a:ext uri="{FF2B5EF4-FFF2-40B4-BE49-F238E27FC236}">
-                <a16:creationId xmlns:a16="http://schemas.microsoft.com/office/drawing/2014/main" id="{80242440-4DDA-0A44-8B45-A82269E72516}"/>
+                <a16:creationId xmlns:a16="http://schemas.microsoft.com/office/drawing/2014/main" xmlns="" id="{80242440-4DDA-0A44-8B45-A82269E72516}"/>
               </a:ext>
             </a:extLst>
           </p:cNvPr>
@@ -22410,7 +23188,7 @@
             </a:pPr>
             <a:fld id="{00000000-1234-1234-1234-123412341234}" type="slidenum">
               <a:rPr lang="en-US" smtClean="0"/>
-              <a:t>15</a:t>
+              <a:t>16</a:t>
             </a:fld>
             <a:endParaRPr lang="en-US"/>
           </a:p>
@@ -22421,7 +23199,7 @@
           <p:cNvPr id="3" name="Rectangle 2">
             <a:extLst>
               <a:ext uri="{FF2B5EF4-FFF2-40B4-BE49-F238E27FC236}">
-                <a16:creationId xmlns:a16="http://schemas.microsoft.com/office/drawing/2014/main" id="{0AF5C009-5927-E246-943C-4C505E8BEC95}"/>
+                <a16:creationId xmlns:a16="http://schemas.microsoft.com/office/drawing/2014/main" xmlns="" id="{0AF5C009-5927-E246-943C-4C505E8BEC95}"/>
               </a:ext>
             </a:extLst>
           </p:cNvPr>
@@ -22515,7 +23293,7 @@
 </p:sld>
 </file>
 
-<file path=ppt/slides/slide16.xml><?xml version="1.0" encoding="utf-8"?>
+<file path=ppt/slides/slide17.xml><?xml version="1.0" encoding="utf-8"?>
 <p:sld xmlns:a="http://schemas.openxmlformats.org/drawingml/2006/main" xmlns:r="http://schemas.openxmlformats.org/officeDocument/2006/relationships" xmlns:p="http://schemas.openxmlformats.org/presentationml/2006/main">
   <p:cSld>
     <p:spTree>
@@ -22602,14 +23380,14 @@
           </a:p>
         </p:txBody>
       </p:sp>
-      <mc:AlternateContent xmlns:mc="http://schemas.openxmlformats.org/markup-compatibility/2006">
-        <mc:Choice xmlns:a14="http://schemas.microsoft.com/office/drawing/2010/main" Requires="a14">
+      <mc:AlternateContent xmlns:mc="http://schemas.openxmlformats.org/markup-compatibility/2006" xmlns:a14="http://schemas.microsoft.com/office/drawing/2010/main">
+        <mc:Choice Requires="a14">
           <p:sp>
             <p:nvSpPr>
               <p:cNvPr id="6" name="Content Placeholder 2">
                 <a:extLst>
                   <a:ext uri="{FF2B5EF4-FFF2-40B4-BE49-F238E27FC236}">
-                    <a16:creationId xmlns:a16="http://schemas.microsoft.com/office/drawing/2014/main" id="{7E98A3A6-31A0-A44A-BA1D-8A07C74FF225}"/>
+                    <a16:creationId xmlns:a16="http://schemas.microsoft.com/office/drawing/2014/main" xmlns="" id="{7E98A3A6-31A0-A44A-BA1D-8A07C74FF225}"/>
                   </a:ext>
                 </a:extLst>
               </p:cNvPr>
@@ -23687,7 +24465,7 @@
             </p:txBody>
           </p:sp>
         </mc:Choice>
-        <mc:Fallback>
+        <mc:Fallback xmlns="">
           <p:sp>
             <p:nvSpPr>
               <p:cNvPr id="6" name="Content Placeholder 2">
@@ -23740,7 +24518,7 @@
           <p:cNvPr id="2" name="Slide Number Placeholder 1">
             <a:extLst>
               <a:ext uri="{FF2B5EF4-FFF2-40B4-BE49-F238E27FC236}">
-                <a16:creationId xmlns:a16="http://schemas.microsoft.com/office/drawing/2014/main" id="{4496498C-6A40-C54C-AC08-1305795879FD}"/>
+                <a16:creationId xmlns:a16="http://schemas.microsoft.com/office/drawing/2014/main" xmlns="" id="{4496498C-6A40-C54C-AC08-1305795879FD}"/>
               </a:ext>
             </a:extLst>
           </p:cNvPr>
@@ -23767,7 +24545,7 @@
             </a:pPr>
             <a:fld id="{00000000-1234-1234-1234-123412341234}" type="slidenum">
               <a:rPr lang="en-US" smtClean="0"/>
-              <a:t>16</a:t>
+              <a:t>17</a:t>
             </a:fld>
             <a:endParaRPr lang="en-US"/>
           </a:p>
@@ -23781,7 +24559,7 @@
 </p:sld>
 </file>
 
-<file path=ppt/slides/slide17.xml><?xml version="1.0" encoding="utf-8"?>
+<file path=ppt/slides/slide18.xml><?xml version="1.0" encoding="utf-8"?>
 <p:sld xmlns:a="http://schemas.openxmlformats.org/drawingml/2006/main" xmlns:r="http://schemas.openxmlformats.org/officeDocument/2006/relationships" xmlns:p="http://schemas.openxmlformats.org/presentationml/2006/main">
   <p:cSld>
     <p:spTree>
@@ -23861,7 +24639,7 @@
           <p:cNvPr id="2" name="Table 1">
             <a:extLst>
               <a:ext uri="{FF2B5EF4-FFF2-40B4-BE49-F238E27FC236}">
-                <a16:creationId xmlns:a16="http://schemas.microsoft.com/office/drawing/2014/main" id="{57B21D52-A7F8-7340-A066-AC70C21F286B}"/>
+                <a16:creationId xmlns:a16="http://schemas.microsoft.com/office/drawing/2014/main" xmlns="" id="{57B21D52-A7F8-7340-A066-AC70C21F286B}"/>
               </a:ext>
             </a:extLst>
           </p:cNvPr>
@@ -23890,14 +24668,14 @@
                 <a:gridCol w="4064000">
                   <a:extLst>
                     <a:ext uri="{9D8B030D-6E8A-4147-A177-3AD203B41FA5}">
-                      <a16:colId xmlns:a16="http://schemas.microsoft.com/office/drawing/2014/main" val="500061330"/>
+                      <a16:colId xmlns:a16="http://schemas.microsoft.com/office/drawing/2014/main" xmlns="" val="500061330"/>
                     </a:ext>
                   </a:extLst>
                 </a:gridCol>
                 <a:gridCol w="4064000">
                   <a:extLst>
                     <a:ext uri="{9D8B030D-6E8A-4147-A177-3AD203B41FA5}">
-                      <a16:colId xmlns:a16="http://schemas.microsoft.com/office/drawing/2014/main" val="1959119972"/>
+                      <a16:colId xmlns:a16="http://schemas.microsoft.com/office/drawing/2014/main" xmlns="" val="1959119972"/>
                     </a:ext>
                   </a:extLst>
                 </a:gridCol>
@@ -23949,7 +24727,7 @@
                 </a:tc>
                 <a:extLst>
                   <a:ext uri="{0D108BD9-81ED-4DB2-BD59-A6C34878D82A}">
-                    <a16:rowId xmlns:a16="http://schemas.microsoft.com/office/drawing/2014/main" val="452676242"/>
+                    <a16:rowId xmlns:a16="http://schemas.microsoft.com/office/drawing/2014/main" xmlns="" val="452676242"/>
                   </a:ext>
                 </a:extLst>
               </a:tr>
@@ -23984,7 +24762,7 @@
                 </a:tc>
                 <a:extLst>
                   <a:ext uri="{0D108BD9-81ED-4DB2-BD59-A6C34878D82A}">
-                    <a16:rowId xmlns:a16="http://schemas.microsoft.com/office/drawing/2014/main" val="3490324846"/>
+                    <a16:rowId xmlns:a16="http://schemas.microsoft.com/office/drawing/2014/main" xmlns="" val="3490324846"/>
                   </a:ext>
                 </a:extLst>
               </a:tr>
@@ -23997,7 +24775,7 @@
           <p:cNvPr id="3" name="TextBox 2">
             <a:extLst>
               <a:ext uri="{FF2B5EF4-FFF2-40B4-BE49-F238E27FC236}">
-                <a16:creationId xmlns:a16="http://schemas.microsoft.com/office/drawing/2014/main" id="{4B723FFC-7F69-4E49-A79A-8C8FF2EA22B8}"/>
+                <a16:creationId xmlns:a16="http://schemas.microsoft.com/office/drawing/2014/main" xmlns="" id="{4B723FFC-7F69-4E49-A79A-8C8FF2EA22B8}"/>
               </a:ext>
             </a:extLst>
           </p:cNvPr>
@@ -24032,7 +24810,7 @@
           <p:cNvPr id="4" name="Slide Number Placeholder 3">
             <a:extLst>
               <a:ext uri="{FF2B5EF4-FFF2-40B4-BE49-F238E27FC236}">
-                <a16:creationId xmlns:a16="http://schemas.microsoft.com/office/drawing/2014/main" id="{33366289-552E-A443-A01D-1C67AD1B36FD}"/>
+                <a16:creationId xmlns:a16="http://schemas.microsoft.com/office/drawing/2014/main" xmlns="" id="{33366289-552E-A443-A01D-1C67AD1B36FD}"/>
               </a:ext>
             </a:extLst>
           </p:cNvPr>
@@ -24059,7 +24837,7 @@
             </a:pPr>
             <a:fld id="{00000000-1234-1234-1234-123412341234}" type="slidenum">
               <a:rPr lang="en-US" smtClean="0"/>
-              <a:t>17</a:t>
+              <a:t>18</a:t>
             </a:fld>
             <a:endParaRPr lang="en-US"/>
           </a:p>
@@ -24073,7 +24851,7 @@
 </p:sld>
 </file>
 
-<file path=ppt/slides/slide18.xml><?xml version="1.0" encoding="utf-8"?>
+<file path=ppt/slides/slide19.xml><?xml version="1.0" encoding="utf-8"?>
 <p:sld xmlns:a="http://schemas.openxmlformats.org/drawingml/2006/main" xmlns:r="http://schemas.openxmlformats.org/officeDocument/2006/relationships" xmlns:p="http://schemas.openxmlformats.org/presentationml/2006/main">
   <p:cSld>
     <p:spTree>
@@ -24198,7 +24976,7 @@
           <p:cNvPr id="2" name="Slide Number Placeholder 1">
             <a:extLst>
               <a:ext uri="{FF2B5EF4-FFF2-40B4-BE49-F238E27FC236}">
-                <a16:creationId xmlns:a16="http://schemas.microsoft.com/office/drawing/2014/main" id="{56EA20D4-F4FC-CE4F-BBD1-1D357EE8528A}"/>
+                <a16:creationId xmlns:a16="http://schemas.microsoft.com/office/drawing/2014/main" xmlns="" id="{56EA20D4-F4FC-CE4F-BBD1-1D357EE8528A}"/>
               </a:ext>
             </a:extLst>
           </p:cNvPr>
@@ -24225,7 +25003,7 @@
             </a:pPr>
             <a:fld id="{00000000-1234-1234-1234-123412341234}" type="slidenum">
               <a:rPr lang="en-US" smtClean="0"/>
-              <a:t>18</a:t>
+              <a:t>19</a:t>
             </a:fld>
             <a:endParaRPr lang="en-US"/>
           </a:p>
@@ -24900,10 +25678,10 @@
                 <a:cs typeface="Arial"/>
                 <a:sym typeface="Arial"/>
               </a:rPr>
-              <a:t>match consumers with most appropriate products</a:t>
-            </a:r>
-            <a:r>
-              <a:rPr lang="zh-CN" altLang="en-US" sz="1800" dirty="0">
+              <a:t>match consumers with </a:t>
+            </a:r>
+            <a:r>
+              <a:rPr lang="en-US" altLang="zh-CN" sz="1800" dirty="0" smtClean="0">
                 <a:solidFill>
                   <a:srgbClr val="000000"/>
                 </a:solidFill>
@@ -24911,10 +25689,10 @@
                 <a:cs typeface="Arial"/>
                 <a:sym typeface="Arial"/>
               </a:rPr>
-              <a:t> </a:t>
-            </a:r>
-            <a:r>
-              <a:rPr lang="en-US" altLang="zh-CN" sz="1800" dirty="0">
+              <a:t>products we predict </a:t>
+            </a:r>
+            <a:r>
+              <a:rPr lang="en-US" altLang="zh-CN" sz="1800" dirty="0" smtClean="0">
                 <a:solidFill>
                   <a:srgbClr val="000000"/>
                 </a:solidFill>
@@ -24922,10 +25700,10 @@
                 <a:cs typeface="Arial"/>
                 <a:sym typeface="Arial"/>
               </a:rPr>
-              <a:t>for</a:t>
-            </a:r>
-            <a:r>
-              <a:rPr lang="zh-CN" altLang="en-US" sz="1800" dirty="0">
+              <a:t>they would rate </a:t>
+            </a:r>
+            <a:r>
+              <a:rPr lang="en-US" altLang="zh-CN" sz="1800" dirty="0" err="1" smtClean="0">
                 <a:solidFill>
                   <a:srgbClr val="000000"/>
                 </a:solidFill>
@@ -24933,76 +25711,35 @@
                 <a:cs typeface="Arial"/>
                 <a:sym typeface="Arial"/>
               </a:rPr>
-              <a:t> </a:t>
-            </a:r>
-            <a:r>
-              <a:rPr lang="en-US" altLang="zh-CN" sz="1800" dirty="0">
-                <a:solidFill>
-                  <a:srgbClr val="000000"/>
-                </a:solidFill>
-                <a:latin typeface="+mj-lt"/>
-                <a:cs typeface="Arial"/>
-                <a:sym typeface="Arial"/>
-              </a:rPr>
-              <a:t>the</a:t>
-            </a:r>
-            <a:r>
-              <a:rPr lang="zh-CN" altLang="en-US" sz="1800" dirty="0">
-                <a:solidFill>
-                  <a:srgbClr val="000000"/>
-                </a:solidFill>
-                <a:latin typeface="+mj-lt"/>
-                <a:cs typeface="Arial"/>
-                <a:sym typeface="Arial"/>
-              </a:rPr>
-              <a:t> </a:t>
-            </a:r>
-            <a:r>
-              <a:rPr lang="en-US" altLang="zh-CN" sz="1800" dirty="0">
-                <a:solidFill>
-                  <a:srgbClr val="000000"/>
-                </a:solidFill>
-                <a:latin typeface="+mj-lt"/>
-                <a:cs typeface="Arial"/>
-                <a:sym typeface="Arial"/>
-              </a:rPr>
-              <a:t>missing</a:t>
-            </a:r>
-            <a:r>
-              <a:rPr lang="zh-CN" altLang="en-US" sz="1800" dirty="0">
-                <a:solidFill>
-                  <a:srgbClr val="000000"/>
-                </a:solidFill>
-                <a:latin typeface="+mj-lt"/>
-                <a:cs typeface="Arial"/>
-                <a:sym typeface="Arial"/>
-              </a:rPr>
-              <a:t> </a:t>
-            </a:r>
-            <a:r>
-              <a:rPr lang="en-US" altLang="zh-CN" sz="1800" dirty="0">
-                <a:solidFill>
-                  <a:srgbClr val="000000"/>
-                </a:solidFill>
-                <a:latin typeface="+mj-lt"/>
-                <a:cs typeface="Arial"/>
-                <a:sym typeface="Arial"/>
-              </a:rPr>
-              <a:t>values.</a:t>
-            </a:r>
+              <a:t>higly</a:t>
+            </a:r>
+            <a:endParaRPr lang="en-US" altLang="zh-CN" sz="1800" dirty="0" smtClean="0">
+              <a:solidFill>
+                <a:srgbClr val="000000"/>
+              </a:solidFill>
+              <a:latin typeface="+mj-lt"/>
+              <a:cs typeface="Arial"/>
+              <a:sym typeface="Arial"/>
+            </a:endParaRPr>
           </a:p>
           <a:p>
-            <a:pPr marL="384048" indent="-384048">
+            <a:pPr marL="384048" lvl="0" indent="-384048">
               <a:spcBef>
                 <a:spcPts val="1200"/>
               </a:spcBef>
               <a:buSzPts val="2000"/>
             </a:pPr>
             <a:r>
+              <a:rPr lang="en-US" sz="1800" dirty="0" smtClean="0">
+                <a:latin typeface="+mj-lt"/>
+              </a:rPr>
+              <a:t>Matrix </a:t>
+            </a:r>
+            <a:r>
               <a:rPr lang="en-US" sz="1800" dirty="0">
                 <a:latin typeface="+mj-lt"/>
               </a:rPr>
-              <a:t>Matrix factorization models map both users and items to a joint latent factor space of dimensionality</a:t>
+              <a:t>factorization models map both users and items to a joint latent factor space of dimensionality</a:t>
             </a:r>
             <a:r>
               <a:rPr lang="en-US" sz="1800" b="1" dirty="0">
@@ -25339,7 +26076,7 @@
           <p:cNvPr id="2" name="Slide Number Placeholder 1">
             <a:extLst>
               <a:ext uri="{FF2B5EF4-FFF2-40B4-BE49-F238E27FC236}">
-                <a16:creationId xmlns:a16="http://schemas.microsoft.com/office/drawing/2014/main" id="{8678174C-96BA-A94C-8AB3-04ADDD045FFE}"/>
+                <a16:creationId xmlns:a16="http://schemas.microsoft.com/office/drawing/2014/main" xmlns="" id="{8678174C-96BA-A94C-8AB3-04ADDD045FFE}"/>
               </a:ext>
             </a:extLst>
           </p:cNvPr>
@@ -25449,6 +26186,12 @@
               </a:rPr>
               <a:t>Probabilistic Matrix Factorization (PMF)</a:t>
             </a:r>
+            <a:r>
+              <a:rPr lang="en-US" dirty="0">
+                <a:latin typeface="+mj-lt"/>
+              </a:rPr>
+              <a:t/>
+            </a:r>
             <a:br>
               <a:rPr lang="en-US" dirty="0">
                 <a:latin typeface="+mj-lt"/>
@@ -25493,7 +26236,7 @@
               <a:p>
                 <a:pPr marL="384048" lvl="0" indent="-384048" algn="l" rtl="0">
                   <a:lnSpc>
-                    <a:spcPct val="94000"/>
+                    <a:spcPct val="120000"/>
                   </a:lnSpc>
                   <a:spcBef>
                     <a:spcPts val="0"/>
@@ -25508,7 +26251,7 @@
                   <a:buChar char="■"/>
                 </a:pPr>
                 <a:r>
-                  <a:rPr lang="en-US" sz="1900" dirty="0">
+                  <a:rPr lang="en-US" sz="1900" dirty="0" smtClean="0">
                     <a:latin typeface="+mj-lt"/>
                   </a:rPr>
                   <a:t>Assume gaussian distributions of ratings for users and movies</a:t>
@@ -25667,10 +26410,10 @@
                                 <m:rPr>
                                   <m:brk m:alnAt="23"/>
                                 </m:rPr>
-                                <a:rPr lang="en-US" i="1">
+                                <a:rPr lang="en-US" b="0" i="1" smtClean="0">
                                   <a:latin typeface="Cambria Math" panose="02040503050406030204" pitchFamily="18" charset="0"/>
                                 </a:rPr>
-                                <m:t>𝑗</m:t>
+                                <m:t>𝑢</m:t>
                               </m:r>
                               <m:r>
                                 <a:rPr lang="en-US" i="1">
@@ -25851,13 +26594,32 @@
                           </m:ctrlPr>
                         </m:fPr>
                         <m:num>
-                          <m:r>
-                            <a:rPr lang="en-US" i="1">
-                              <a:latin typeface="Cambria Math" panose="02040503050406030204" pitchFamily="18" charset="0"/>
-                              <a:ea typeface="Cambria Math" panose="02040503050406030204" pitchFamily="18" charset="0"/>
-                            </a:rPr>
-                            <m:t>𝜎</m:t>
-                          </m:r>
+                          <m:sSup>
+                            <m:sSupPr>
+                              <m:ctrlPr>
+                                <a:rPr lang="en-US" i="1">
+                                  <a:latin typeface="Cambria Math" panose="02040503050406030204" pitchFamily="18" charset="0"/>
+                                </a:rPr>
+                              </m:ctrlPr>
+                            </m:sSupPr>
+                            <m:e>
+                              <m:r>
+                                <a:rPr lang="en-US" i="1">
+                                  <a:latin typeface="Cambria Math" panose="02040503050406030204" pitchFamily="18" charset="0"/>
+                                  <a:ea typeface="Cambria Math" panose="02040503050406030204" pitchFamily="18" charset="0"/>
+                                </a:rPr>
+                                <m:t>𝜎</m:t>
+                              </m:r>
+                            </m:e>
+                            <m:sup>
+                              <m:r>
+                                <a:rPr lang="en-US" i="1">
+                                  <a:latin typeface="Cambria Math" panose="02040503050406030204" pitchFamily="18" charset="0"/>
+                                </a:rPr>
+                                <m:t>2</m:t>
+                              </m:r>
+                            </m:sup>
+                          </m:sSup>
                         </m:num>
                         <m:den>
                           <m:r>
@@ -25866,14 +26628,14 @@
                             </a:rPr>
                             <m:t>2</m:t>
                           </m:r>
-                          <m:sSub>
-                            <m:sSubPr>
+                          <m:sSubSup>
+                            <m:sSubSupPr>
                               <m:ctrlPr>
                                 <a:rPr lang="en-US" i="1">
                                   <a:latin typeface="Cambria Math" panose="02040503050406030204" pitchFamily="18" charset="0"/>
                                 </a:rPr>
                               </m:ctrlPr>
-                            </m:sSubPr>
+                            </m:sSubSupPr>
                             <m:e>
                               <m:r>
                                 <a:rPr lang="en-US" i="1">
@@ -25885,13 +26647,21 @@
                             </m:e>
                             <m:sub>
                               <m:r>
-                                <a:rPr lang="en-US" i="1">
+                                <a:rPr lang="en-US" b="0" i="1" smtClean="0">
                                   <a:latin typeface="Cambria Math" panose="02040503050406030204" pitchFamily="18" charset="0"/>
                                 </a:rPr>
                                 <m:t>𝑞</m:t>
                               </m:r>
                             </m:sub>
-                          </m:sSub>
+                            <m:sup>
+                              <m:r>
+                                <a:rPr lang="en-US" i="1">
+                                  <a:latin typeface="Cambria Math" panose="02040503050406030204" pitchFamily="18" charset="0"/>
+                                </a:rPr>
+                                <m:t>2</m:t>
+                              </m:r>
+                            </m:sup>
+                          </m:sSubSup>
                         </m:den>
                       </m:f>
                       <m:nary>
@@ -26003,13 +26773,32 @@
                           </m:ctrlPr>
                         </m:fPr>
                         <m:num>
-                          <m:r>
-                            <a:rPr lang="en-US" i="1">
-                              <a:latin typeface="Cambria Math" panose="02040503050406030204" pitchFamily="18" charset="0"/>
-                              <a:ea typeface="Cambria Math" panose="02040503050406030204" pitchFamily="18" charset="0"/>
-                            </a:rPr>
-                            <m:t>𝜎</m:t>
-                          </m:r>
+                          <m:sSup>
+                            <m:sSupPr>
+                              <m:ctrlPr>
+                                <a:rPr lang="en-US" i="1" smtClean="0">
+                                  <a:latin typeface="Cambria Math" panose="02040503050406030204" pitchFamily="18" charset="0"/>
+                                </a:rPr>
+                              </m:ctrlPr>
+                            </m:sSupPr>
+                            <m:e>
+                              <m:r>
+                                <a:rPr lang="en-US" i="1">
+                                  <a:latin typeface="Cambria Math" panose="02040503050406030204" pitchFamily="18" charset="0"/>
+                                  <a:ea typeface="Cambria Math" panose="02040503050406030204" pitchFamily="18" charset="0"/>
+                                </a:rPr>
+                                <m:t>𝜎</m:t>
+                              </m:r>
+                            </m:e>
+                            <m:sup>
+                              <m:r>
+                                <a:rPr lang="en-US" b="0" i="1" smtClean="0">
+                                  <a:latin typeface="Cambria Math" panose="02040503050406030204" pitchFamily="18" charset="0"/>
+                                </a:rPr>
+                                <m:t>2</m:t>
+                              </m:r>
+                            </m:sup>
+                          </m:sSup>
                         </m:num>
                         <m:den>
                           <m:r>
@@ -26018,14 +26807,14 @@
                             </a:rPr>
                             <m:t>2</m:t>
                           </m:r>
-                          <m:sSub>
-                            <m:sSubPr>
+                          <m:sSubSup>
+                            <m:sSubSupPr>
                               <m:ctrlPr>
                                 <a:rPr lang="en-US" i="1">
                                   <a:latin typeface="Cambria Math" panose="02040503050406030204" pitchFamily="18" charset="0"/>
                                 </a:rPr>
                               </m:ctrlPr>
-                            </m:sSubPr>
+                            </m:sSubSupPr>
                             <m:e>
                               <m:r>
                                 <a:rPr lang="en-US" i="1">
@@ -26043,7 +26832,15 @@
                                 <m:t>𝑝</m:t>
                               </m:r>
                             </m:sub>
-                          </m:sSub>
+                            <m:sup>
+                              <m:r>
+                                <a:rPr lang="en-US" i="1">
+                                  <a:latin typeface="Cambria Math" panose="02040503050406030204" pitchFamily="18" charset="0"/>
+                                </a:rPr>
+                                <m:t>2</m:t>
+                              </m:r>
+                            </m:sup>
+                          </m:sSubSup>
                         </m:den>
                       </m:f>
                       <m:nary>
@@ -26070,13 +26867,6 @@
                               <a:latin typeface="Cambria Math" panose="02040503050406030204" pitchFamily="18" charset="0"/>
                             </a:rPr>
                             <m:t>=1</m:t>
-                          </m:r>
-                          <m:r>
-                            <a:rPr lang="en-US" i="1">
-                              <a:latin typeface="Cambria Math" panose="02040503050406030204" pitchFamily="18" charset="0"/>
-                              <a:ea typeface="Cambria Math" panose="02040503050406030204" pitchFamily="18" charset="0"/>
-                            </a:rPr>
-                            <m:t>𝜎</m:t>
                           </m:r>
                         </m:sub>
                         <m:sup>
@@ -26300,10 +27090,10 @@
               <a:prstGeom prst="rect">
                 <a:avLst/>
               </a:prstGeom>
-              <a:blipFill>
+              <a:blipFill rotWithShape="0">
                 <a:blip r:embed="rId3"/>
                 <a:stretch>
-                  <a:fillRect l="-661" t="-4000" b="-30000"/>
+                  <a:fillRect l="-698" t="-1199" b="-26139"/>
                 </a:stretch>
               </a:blipFill>
               <a:ln>
@@ -26315,7 +27105,7 @@
               <a:lstStyle/>
               <a:p>
                 <a:r>
-                  <a:rPr lang="en-US">
+                  <a:rPr lang="en-GB">
                     <a:noFill/>
                   </a:rPr>
                   <a:t> </a:t>
@@ -26330,7 +27120,7 @@
           <p:cNvPr id="5" name="Content Placeholder 2">
             <a:extLst>
               <a:ext uri="{FF2B5EF4-FFF2-40B4-BE49-F238E27FC236}">
-                <a16:creationId xmlns:a16="http://schemas.microsoft.com/office/drawing/2014/main" id="{97A4CB48-CD02-9149-BC08-B0BC66D8BDFE}"/>
+                <a16:creationId xmlns:a16="http://schemas.microsoft.com/office/drawing/2014/main" xmlns="" id="{97A4CB48-CD02-9149-BC08-B0BC66D8BDFE}"/>
               </a:ext>
             </a:extLst>
           </p:cNvPr>
@@ -26840,7 +27630,7 @@
           <p:cNvPr id="2" name="Slide Number Placeholder 1">
             <a:extLst>
               <a:ext uri="{FF2B5EF4-FFF2-40B4-BE49-F238E27FC236}">
-                <a16:creationId xmlns:a16="http://schemas.microsoft.com/office/drawing/2014/main" id="{18F0C61D-D449-6846-A03A-8C879EFFB44E}"/>
+                <a16:creationId xmlns:a16="http://schemas.microsoft.com/office/drawing/2014/main" xmlns="" id="{18F0C61D-D449-6846-A03A-8C879EFFB44E}"/>
               </a:ext>
             </a:extLst>
           </p:cNvPr>
@@ -26952,7 +27742,7 @@
           <p:cNvPr id="4" name="Rectangle 3">
             <a:extLst>
               <a:ext uri="{FF2B5EF4-FFF2-40B4-BE49-F238E27FC236}">
-                <a16:creationId xmlns:a16="http://schemas.microsoft.com/office/drawing/2014/main" id="{21518595-F3DE-A24E-B996-BD74001BF859}"/>
+                <a16:creationId xmlns:a16="http://schemas.microsoft.com/office/drawing/2014/main" xmlns="" id="{21518595-F3DE-A24E-B996-BD74001BF859}"/>
               </a:ext>
             </a:extLst>
           </p:cNvPr>
@@ -27075,7 +27865,7 @@
           <p:cNvPr id="5" name="Slide Number Placeholder 4">
             <a:extLst>
               <a:ext uri="{FF2B5EF4-FFF2-40B4-BE49-F238E27FC236}">
-                <a16:creationId xmlns:a16="http://schemas.microsoft.com/office/drawing/2014/main" id="{9D33BB7C-2BC9-8A40-AF74-39037A3A2E97}"/>
+                <a16:creationId xmlns:a16="http://schemas.microsoft.com/office/drawing/2014/main" xmlns="" id="{9D33BB7C-2BC9-8A40-AF74-39037A3A2E97}"/>
               </a:ext>
             </a:extLst>
           </p:cNvPr>
@@ -27117,6 +27907,2047 @@
 </file>
 
 <file path=ppt/slides/slide5.xml><?xml version="1.0" encoding="utf-8"?>
+<p:sld xmlns:a="http://schemas.openxmlformats.org/drawingml/2006/main" xmlns:r="http://schemas.openxmlformats.org/officeDocument/2006/relationships" xmlns:p="http://schemas.openxmlformats.org/presentationml/2006/main">
+  <p:cSld>
+    <p:spTree>
+      <p:nvGrpSpPr>
+        <p:cNvPr id="1" name="Shape 116"/>
+        <p:cNvGrpSpPr/>
+        <p:nvPr/>
+      </p:nvGrpSpPr>
+      <p:grpSpPr>
+        <a:xfrm>
+          <a:off x="0" y="0"/>
+          <a:ext cx="0" cy="0"/>
+          <a:chOff x="0" y="0"/>
+          <a:chExt cx="0" cy="0"/>
+        </a:xfrm>
+      </p:grpSpPr>
+      <p:sp>
+        <p:nvSpPr>
+          <p:cNvPr id="117" name="Google Shape;117;p5"/>
+          <p:cNvSpPr txBox="1">
+            <a:spLocks noGrp="1"/>
+          </p:cNvSpPr>
+          <p:nvPr>
+            <p:ph type="title"/>
+          </p:nvPr>
+        </p:nvSpPr>
+        <p:spPr>
+          <a:xfrm>
+            <a:off x="1371600" y="318477"/>
+            <a:ext cx="9601200" cy="1485900"/>
+          </a:xfrm>
+          <a:prstGeom prst="rect">
+            <a:avLst/>
+          </a:prstGeom>
+          <a:noFill/>
+          <a:ln>
+            <a:noFill/>
+          </a:ln>
+        </p:spPr>
+        <p:txBody>
+          <a:bodyPr spcFirstLastPara="1" wrap="square" lIns="91425" tIns="45700" rIns="91425" bIns="45700" anchor="t" anchorCtr="0">
+            <a:normAutofit/>
+          </a:bodyPr>
+          <a:lstStyle/>
+          <a:p>
+            <a:pPr marL="0" lvl="0" indent="0" algn="l" rtl="0">
+              <a:lnSpc>
+                <a:spcPct val="89000"/>
+              </a:lnSpc>
+              <a:spcBef>
+                <a:spcPts val="0"/>
+              </a:spcBef>
+              <a:spcAft>
+                <a:spcPts val="0"/>
+              </a:spcAft>
+              <a:buClr>
+                <a:schemeClr val="dk2"/>
+              </a:buClr>
+              <a:buSzPts val="4400"/>
+              <a:buFont typeface="Libre Franklin"/>
+              <a:buNone/>
+            </a:pPr>
+            <a:r>
+              <a:rPr lang="en-US" dirty="0">
+                <a:latin typeface="+mj-lt"/>
+              </a:rPr>
+              <a:t>PMF Parameter Tuning</a:t>
+            </a:r>
+            <a:endParaRPr dirty="0">
+              <a:latin typeface="+mj-lt"/>
+            </a:endParaRPr>
+          </a:p>
+        </p:txBody>
+      </p:sp>
+      <p:sp>
+        <p:nvSpPr>
+          <p:cNvPr id="118" name="Google Shape;118;p5"/>
+          <p:cNvSpPr txBox="1"/>
+          <p:nvPr/>
+        </p:nvSpPr>
+        <p:spPr>
+          <a:xfrm>
+            <a:off x="1485900" y="1061427"/>
+            <a:ext cx="10457400" cy="1954530"/>
+          </a:xfrm>
+          <a:prstGeom prst="rect">
+            <a:avLst/>
+          </a:prstGeom>
+          <a:noFill/>
+          <a:ln>
+            <a:noFill/>
+          </a:ln>
+        </p:spPr>
+        <p:txBody>
+          <a:bodyPr spcFirstLastPara="1" wrap="square" lIns="91425" tIns="91425" rIns="91425" bIns="91425" anchor="t" anchorCtr="0">
+            <a:noAutofit/>
+          </a:bodyPr>
+          <a:lstStyle/>
+          <a:p>
+            <a:pPr marL="285750" lvl="0" indent="-285750" algn="l" rtl="0">
+              <a:spcBef>
+                <a:spcPts val="0"/>
+              </a:spcBef>
+              <a:spcAft>
+                <a:spcPts val="0"/>
+              </a:spcAft>
+              <a:buFont typeface="Wingdings" pitchFamily="2" charset="2"/>
+              <a:buChar char="§"/>
+            </a:pPr>
+            <a:r>
+              <a:rPr lang="en-US" sz="1800" i="1" dirty="0" err="1" smtClean="0">
+                <a:latin typeface="+mj-lt"/>
+                <a:ea typeface="Libre Franklin"/>
+                <a:cs typeface="Libre Franklin"/>
+                <a:sym typeface="Libre Franklin"/>
+              </a:rPr>
+              <a:t>n</a:t>
+            </a:r>
+            <a:r>
+              <a:rPr lang="en-US" sz="1800" i="1" baseline="-25000" dirty="0" err="1" smtClean="0">
+                <a:latin typeface="+mj-lt"/>
+                <a:ea typeface="Libre Franklin"/>
+                <a:cs typeface="Libre Franklin"/>
+                <a:sym typeface="Libre Franklin"/>
+              </a:rPr>
+              <a:t>f</a:t>
+            </a:r>
+            <a:r>
+              <a:rPr lang="en-US" sz="1800" dirty="0" smtClean="0">
+                <a:latin typeface="+mj-lt"/>
+                <a:ea typeface="Libre Franklin"/>
+                <a:cs typeface="Libre Franklin"/>
+                <a:sym typeface="Libre Franklin"/>
+              </a:rPr>
+              <a:t>: number </a:t>
+            </a:r>
+            <a:r>
+              <a:rPr lang="en-US" sz="1800" dirty="0">
+                <a:latin typeface="+mj-lt"/>
+                <a:ea typeface="Libre Franklin"/>
+                <a:cs typeface="Libre Franklin"/>
+                <a:sym typeface="Libre Franklin"/>
+              </a:rPr>
+              <a:t>of latent </a:t>
+            </a:r>
+            <a:r>
+              <a:rPr lang="en-US" sz="1800" dirty="0" smtClean="0">
+                <a:latin typeface="+mj-lt"/>
+                <a:ea typeface="Libre Franklin"/>
+                <a:cs typeface="Libre Franklin"/>
+                <a:sym typeface="Libre Franklin"/>
+              </a:rPr>
+              <a:t>factors</a:t>
+            </a:r>
+          </a:p>
+          <a:p>
+            <a:pPr marL="285750" lvl="0" indent="-285750">
+              <a:buFont typeface="Wingdings" pitchFamily="2" charset="2"/>
+              <a:buChar char="§"/>
+            </a:pPr>
+            <a:r>
+              <a:rPr lang="en-US" sz="1800" dirty="0" err="1" smtClean="0">
+                <a:solidFill>
+                  <a:schemeClr val="dk1"/>
+                </a:solidFill>
+                <a:ea typeface="Libre Franklin"/>
+                <a:cs typeface="Libre Franklin"/>
+                <a:sym typeface="Libre Franklin"/>
+              </a:rPr>
+              <a:t>λ</a:t>
+            </a:r>
+            <a:r>
+              <a:rPr lang="en-US" sz="1800" baseline="-25000" dirty="0" err="1" smtClean="0">
+                <a:solidFill>
+                  <a:schemeClr val="dk1"/>
+                </a:solidFill>
+                <a:latin typeface="+mj-lt"/>
+                <a:ea typeface="Libre Franklin"/>
+                <a:cs typeface="Libre Franklin"/>
+                <a:sym typeface="Libre Franklin"/>
+              </a:rPr>
+              <a:t>u</a:t>
+            </a:r>
+            <a:r>
+              <a:rPr lang="en-US" sz="1800" dirty="0" smtClean="0">
+                <a:solidFill>
+                  <a:schemeClr val="dk1"/>
+                </a:solidFill>
+                <a:latin typeface="+mj-lt"/>
+                <a:ea typeface="Libre Franklin"/>
+                <a:cs typeface="Libre Franklin"/>
+                <a:sym typeface="Libre Franklin"/>
+              </a:rPr>
+              <a:t>:  squared ratio of rating variance to </a:t>
+            </a:r>
+            <a:r>
+              <a:rPr lang="en-US" sz="1800" dirty="0">
+                <a:solidFill>
+                  <a:schemeClr val="dk1"/>
+                </a:solidFill>
+                <a:ea typeface="Libre Franklin"/>
+                <a:cs typeface="Libre Franklin"/>
+                <a:sym typeface="Libre Franklin"/>
+              </a:rPr>
+              <a:t>feature variance of </a:t>
+            </a:r>
+            <a:r>
+              <a:rPr lang="en-US" sz="1800" dirty="0" smtClean="0">
+                <a:solidFill>
+                  <a:schemeClr val="dk1"/>
+                </a:solidFill>
+                <a:ea typeface="Libre Franklin"/>
+                <a:cs typeface="Libre Franklin"/>
+                <a:sym typeface="Libre Franklin"/>
+              </a:rPr>
+              <a:t>user </a:t>
+            </a:r>
+            <a:r>
+              <a:rPr lang="en-US" sz="1800" i="1" dirty="0" smtClean="0">
+                <a:solidFill>
+                  <a:schemeClr val="dk1"/>
+                </a:solidFill>
+                <a:ea typeface="Libre Franklin"/>
+                <a:cs typeface="Libre Franklin"/>
+                <a:sym typeface="Libre Franklin"/>
+              </a:rPr>
+              <a:t>u</a:t>
+            </a:r>
+          </a:p>
+          <a:p>
+            <a:pPr marL="285750" lvl="0" indent="-285750">
+              <a:buFont typeface="Wingdings" pitchFamily="2" charset="2"/>
+              <a:buChar char="§"/>
+            </a:pPr>
+            <a:r>
+              <a:rPr lang="en-US" sz="1800" dirty="0" err="1" smtClean="0">
+                <a:solidFill>
+                  <a:schemeClr val="dk1"/>
+                </a:solidFill>
+                <a:ea typeface="Libre Franklin"/>
+                <a:cs typeface="Libre Franklin"/>
+                <a:sym typeface="Libre Franklin"/>
+              </a:rPr>
+              <a:t>λ</a:t>
+            </a:r>
+            <a:r>
+              <a:rPr lang="en-US" sz="1800" baseline="-25000" dirty="0" err="1" smtClean="0">
+                <a:solidFill>
+                  <a:schemeClr val="dk1"/>
+                </a:solidFill>
+                <a:ea typeface="Libre Franklin"/>
+                <a:cs typeface="Libre Franklin"/>
+                <a:sym typeface="Libre Franklin"/>
+              </a:rPr>
+              <a:t>i</a:t>
+            </a:r>
+            <a:r>
+              <a:rPr lang="en-US" sz="1800" dirty="0" smtClean="0">
+                <a:solidFill>
+                  <a:schemeClr val="dk1"/>
+                </a:solidFill>
+                <a:ea typeface="Libre Franklin"/>
+                <a:cs typeface="Libre Franklin"/>
+                <a:sym typeface="Libre Franklin"/>
+              </a:rPr>
+              <a:t>:  squared ratio of rating variance to feature variance of movie </a:t>
+            </a:r>
+            <a:r>
+              <a:rPr lang="en-US" sz="1800" i="1" dirty="0" err="1" smtClean="0">
+                <a:solidFill>
+                  <a:schemeClr val="dk1"/>
+                </a:solidFill>
+                <a:ea typeface="Libre Franklin"/>
+                <a:cs typeface="Libre Franklin"/>
+                <a:sym typeface="Libre Franklin"/>
+              </a:rPr>
+              <a:t>i</a:t>
+            </a:r>
+            <a:endParaRPr lang="en-US" sz="1800" i="1" dirty="0" smtClean="0">
+              <a:solidFill>
+                <a:schemeClr val="dk1"/>
+              </a:solidFill>
+              <a:ea typeface="Libre Franklin"/>
+              <a:cs typeface="Libre Franklin"/>
+              <a:sym typeface="Libre Franklin"/>
+            </a:endParaRPr>
+          </a:p>
+          <a:p>
+            <a:pPr marL="285750" lvl="0" indent="-285750" algn="l" rtl="0">
+              <a:spcBef>
+                <a:spcPts val="0"/>
+              </a:spcBef>
+              <a:spcAft>
+                <a:spcPts val="0"/>
+              </a:spcAft>
+              <a:buFont typeface="Wingdings" pitchFamily="2" charset="2"/>
+              <a:buChar char="§"/>
+            </a:pPr>
+            <a:r>
+              <a:rPr lang="en-US" sz="1800" dirty="0" smtClean="0">
+                <a:solidFill>
+                  <a:schemeClr val="dk1"/>
+                </a:solidFill>
+                <a:latin typeface="+mj-lt"/>
+                <a:ea typeface="Libre Franklin"/>
+                <a:cs typeface="Libre Franklin"/>
+                <a:sym typeface="Libre Franklin"/>
+              </a:rPr>
+              <a:t>The </a:t>
+            </a:r>
+            <a:r>
+              <a:rPr lang="en-US" sz="1800" dirty="0">
+                <a:solidFill>
+                  <a:schemeClr val="dk1"/>
+                </a:solidFill>
+                <a:latin typeface="+mj-lt"/>
+                <a:ea typeface="Libre Franklin"/>
+                <a:cs typeface="Libre Franklin"/>
+                <a:sym typeface="Libre Franklin"/>
+              </a:rPr>
+              <a:t>cross-validation is used for parameter selection with </a:t>
+            </a:r>
+            <a:r>
+              <a:rPr lang="en-US" sz="1800" b="1" dirty="0">
+                <a:solidFill>
+                  <a:schemeClr val="dk1"/>
+                </a:solidFill>
+                <a:latin typeface="+mj-lt"/>
+                <a:ea typeface="Libre Franklin"/>
+                <a:cs typeface="Libre Franklin"/>
+                <a:sym typeface="Libre Franklin"/>
+              </a:rPr>
+              <a:t>K=5</a:t>
+            </a:r>
+            <a:endParaRPr sz="1800" b="1" dirty="0">
+              <a:solidFill>
+                <a:schemeClr val="dk1"/>
+              </a:solidFill>
+              <a:latin typeface="+mj-lt"/>
+              <a:ea typeface="Libre Franklin"/>
+              <a:cs typeface="Libre Franklin"/>
+              <a:sym typeface="Libre Franklin"/>
+            </a:endParaRPr>
+          </a:p>
+          <a:p>
+            <a:pPr marL="285750" lvl="0" indent="-285750" algn="l" rtl="0">
+              <a:spcBef>
+                <a:spcPts val="0"/>
+              </a:spcBef>
+              <a:spcAft>
+                <a:spcPts val="0"/>
+              </a:spcAft>
+              <a:buFont typeface="Wingdings" pitchFamily="2" charset="2"/>
+              <a:buChar char="§"/>
+            </a:pPr>
+            <a:r>
+              <a:rPr lang="en-US" sz="1800" dirty="0">
+                <a:solidFill>
+                  <a:schemeClr val="dk1"/>
+                </a:solidFill>
+                <a:latin typeface="+mj-lt"/>
+                <a:ea typeface="Libre Franklin"/>
+                <a:cs typeface="Libre Franklin"/>
+                <a:sym typeface="Libre Franklin"/>
+              </a:rPr>
+              <a:t>The number of epochs is</a:t>
+            </a:r>
+            <a:r>
+              <a:rPr lang="en-US" sz="1800" b="1" dirty="0">
+                <a:solidFill>
+                  <a:schemeClr val="dk1"/>
+                </a:solidFill>
+                <a:latin typeface="+mj-lt"/>
+                <a:ea typeface="Libre Franklin"/>
+                <a:cs typeface="Libre Franklin"/>
+                <a:sym typeface="Libre Franklin"/>
+              </a:rPr>
+              <a:t> 30</a:t>
+            </a:r>
+            <a:endParaRPr sz="1800" b="1" dirty="0">
+              <a:solidFill>
+                <a:schemeClr val="dk1"/>
+              </a:solidFill>
+              <a:latin typeface="+mj-lt"/>
+              <a:ea typeface="Libre Franklin"/>
+              <a:cs typeface="Libre Franklin"/>
+              <a:sym typeface="Libre Franklin"/>
+            </a:endParaRPr>
+          </a:p>
+        </p:txBody>
+      </p:sp>
+      <p:sp>
+        <p:nvSpPr>
+          <p:cNvPr id="2" name="Slide Number Placeholder 1">
+            <a:extLst>
+              <a:ext uri="{FF2B5EF4-FFF2-40B4-BE49-F238E27FC236}">
+                <a16:creationId xmlns:a16="http://schemas.microsoft.com/office/drawing/2014/main" xmlns="" id="{C86C188F-99D2-AD4B-B076-D89507417AB6}"/>
+              </a:ext>
+            </a:extLst>
+          </p:cNvPr>
+          <p:cNvSpPr>
+            <a:spLocks noGrp="1"/>
+          </p:cNvSpPr>
+          <p:nvPr>
+            <p:ph type="sldNum" idx="12"/>
+          </p:nvPr>
+        </p:nvSpPr>
+        <p:spPr/>
+        <p:txBody>
+          <a:bodyPr/>
+          <a:lstStyle/>
+          <a:p>
+            <a:pPr marL="0" lvl="0" indent="0" algn="r" rtl="0">
+              <a:spcBef>
+                <a:spcPts val="0"/>
+              </a:spcBef>
+              <a:spcAft>
+                <a:spcPts val="0"/>
+              </a:spcAft>
+              <a:buNone/>
+            </a:pPr>
+            <a:fld id="{00000000-1234-1234-1234-123412341234}" type="slidenum">
+              <a:rPr lang="en-US" smtClean="0"/>
+              <a:t>5</a:t>
+            </a:fld>
+            <a:endParaRPr lang="en-US"/>
+          </a:p>
+        </p:txBody>
+      </p:sp>
+      <p:graphicFrame>
+        <p:nvGraphicFramePr>
+          <p:cNvPr id="5" name="Google Shape;123;g6b602bf000_0_17"/>
+          <p:cNvGraphicFramePr/>
+          <p:nvPr>
+            <p:extLst>
+              <p:ext uri="{D42A27DB-BD31-4B8C-83A1-F6EECF244321}">
+                <p14:modId xmlns:p14="http://schemas.microsoft.com/office/powerpoint/2010/main" val="1642302436"/>
+              </p:ext>
+            </p:extLst>
+          </p:nvPr>
+        </p:nvGraphicFramePr>
+        <p:xfrm>
+          <a:off x="2047905" y="2663113"/>
+          <a:ext cx="7750750" cy="3992580"/>
+        </p:xfrm>
+        <a:graphic>
+          <a:graphicData uri="http://schemas.openxmlformats.org/drawingml/2006/table">
+            <a:tbl>
+              <a:tblPr>
+                <a:noFill/>
+                <a:tableStyleId>{B2E849A9-8A5B-4781-B239-89C291F308E5}</a:tableStyleId>
+              </a:tblPr>
+              <a:tblGrid>
+                <a:gridCol w="1550150">
+                  <a:extLst>
+                    <a:ext uri="{9D8B030D-6E8A-4147-A177-3AD203B41FA5}">
+                      <a16:colId xmlns:a16="http://schemas.microsoft.com/office/drawing/2014/main" xmlns="" val="20000"/>
+                    </a:ext>
+                  </a:extLst>
+                </a:gridCol>
+                <a:gridCol w="1550150">
+                  <a:extLst>
+                    <a:ext uri="{9D8B030D-6E8A-4147-A177-3AD203B41FA5}">
+                      <a16:colId xmlns:a16="http://schemas.microsoft.com/office/drawing/2014/main" xmlns="" val="20001"/>
+                    </a:ext>
+                  </a:extLst>
+                </a:gridCol>
+                <a:gridCol w="1550150">
+                  <a:extLst>
+                    <a:ext uri="{9D8B030D-6E8A-4147-A177-3AD203B41FA5}">
+                      <a16:colId xmlns:a16="http://schemas.microsoft.com/office/drawing/2014/main" xmlns="" val="20002"/>
+                    </a:ext>
+                  </a:extLst>
+                </a:gridCol>
+                <a:gridCol w="1550150">
+                  <a:extLst>
+                    <a:ext uri="{9D8B030D-6E8A-4147-A177-3AD203B41FA5}">
+                      <a16:colId xmlns:a16="http://schemas.microsoft.com/office/drawing/2014/main" xmlns="" val="20003"/>
+                    </a:ext>
+                  </a:extLst>
+                </a:gridCol>
+                <a:gridCol w="1550150">
+                  <a:extLst>
+                    <a:ext uri="{9D8B030D-6E8A-4147-A177-3AD203B41FA5}">
+                      <a16:colId xmlns:a16="http://schemas.microsoft.com/office/drawing/2014/main" xmlns="" val="20004"/>
+                    </a:ext>
+                  </a:extLst>
+                </a:gridCol>
+              </a:tblGrid>
+              <a:tr h="274746">
+                <a:tc>
+                  <a:txBody>
+                    <a:bodyPr/>
+                    <a:lstStyle/>
+                    <a:p>
+                      <a:pPr marL="0" lvl="0" indent="0" algn="ctr" rtl="0">
+                        <a:spcBef>
+                          <a:spcPts val="0"/>
+                        </a:spcBef>
+                        <a:spcAft>
+                          <a:spcPts val="0"/>
+                        </a:spcAft>
+                        <a:buClr>
+                          <a:schemeClr val="dk1"/>
+                        </a:buClr>
+                        <a:buSzPts val="1100"/>
+                        <a:buFont typeface="Arial"/>
+                        <a:buNone/>
+                      </a:pPr>
+                      <a:r>
+                        <a:rPr lang="en-US" sz="1600" b="1" i="1" u="none" strike="noStrike" cap="none" dirty="0" err="1" smtClean="0">
+                          <a:solidFill>
+                            <a:srgbClr val="000000"/>
+                          </a:solidFill>
+                          <a:latin typeface="Arial"/>
+                          <a:ea typeface="Libre Franklin"/>
+                          <a:cs typeface="Libre Franklin"/>
+                          <a:sym typeface="Libre Franklin"/>
+                        </a:rPr>
+                        <a:t>n</a:t>
+                      </a:r>
+                      <a:r>
+                        <a:rPr lang="en-US" sz="1600" b="1" i="1" u="none" strike="noStrike" cap="none" baseline="-25000" dirty="0" err="1" smtClean="0">
+                          <a:solidFill>
+                            <a:srgbClr val="000000"/>
+                          </a:solidFill>
+                          <a:latin typeface="Arial"/>
+                          <a:ea typeface="Libre Franklin"/>
+                          <a:cs typeface="Libre Franklin"/>
+                          <a:sym typeface="Libre Franklin"/>
+                        </a:rPr>
+                        <a:t>f</a:t>
+                      </a:r>
+                      <a:endParaRPr b="1" dirty="0"/>
+                    </a:p>
+                  </a:txBody>
+                  <a:tcPr marL="91425" marR="91425" marT="91425" marB="91425" anchor="ctr">
+                    <a:solidFill>
+                      <a:schemeClr val="bg1"/>
+                    </a:solidFill>
+                  </a:tcPr>
+                </a:tc>
+                <a:tc>
+                  <a:txBody>
+                    <a:bodyPr/>
+                    <a:lstStyle/>
+                    <a:p>
+                      <a:pPr marL="0" lvl="0" indent="0" algn="ctr" rtl="0">
+                        <a:spcBef>
+                          <a:spcPts val="0"/>
+                        </a:spcBef>
+                        <a:spcAft>
+                          <a:spcPts val="0"/>
+                        </a:spcAft>
+                        <a:buClr>
+                          <a:schemeClr val="dk1"/>
+                        </a:buClr>
+                        <a:buSzPts val="1100"/>
+                        <a:buFont typeface="Arial"/>
+                        <a:buNone/>
+                      </a:pPr>
+                      <a:r>
+                        <a:rPr lang="en-US" sz="1600" b="1" i="1" dirty="0" err="1" smtClean="0">
+                          <a:solidFill>
+                            <a:schemeClr val="dk1"/>
+                          </a:solidFill>
+                          <a:latin typeface="Libre Franklin"/>
+                          <a:ea typeface="Libre Franklin"/>
+                          <a:cs typeface="Libre Franklin"/>
+                          <a:sym typeface="Libre Franklin"/>
+                        </a:rPr>
+                        <a:t>λ</a:t>
+                      </a:r>
+                      <a:r>
+                        <a:rPr lang="en-US" sz="1600" b="1" i="1" baseline="-25000" dirty="0" err="1" smtClean="0">
+                          <a:solidFill>
+                            <a:schemeClr val="dk1"/>
+                          </a:solidFill>
+                          <a:latin typeface="Libre Franklin"/>
+                          <a:ea typeface="Libre Franklin"/>
+                          <a:cs typeface="Libre Franklin"/>
+                          <a:sym typeface="Libre Franklin"/>
+                        </a:rPr>
+                        <a:t>u</a:t>
+                      </a:r>
+                      <a:endParaRPr b="1" i="1" dirty="0"/>
+                    </a:p>
+                  </a:txBody>
+                  <a:tcPr marL="91425" marR="91425" marT="91425" marB="91425" anchor="ctr">
+                    <a:solidFill>
+                      <a:schemeClr val="bg1"/>
+                    </a:solidFill>
+                  </a:tcPr>
+                </a:tc>
+                <a:tc>
+                  <a:txBody>
+                    <a:bodyPr/>
+                    <a:lstStyle/>
+                    <a:p>
+                      <a:pPr marL="0" lvl="0" indent="0" algn="ctr" rtl="0">
+                        <a:spcBef>
+                          <a:spcPts val="0"/>
+                        </a:spcBef>
+                        <a:spcAft>
+                          <a:spcPts val="0"/>
+                        </a:spcAft>
+                        <a:buClr>
+                          <a:schemeClr val="dk1"/>
+                        </a:buClr>
+                        <a:buSzPts val="1100"/>
+                        <a:buFont typeface="Arial"/>
+                        <a:buNone/>
+                      </a:pPr>
+                      <a:r>
+                        <a:rPr lang="en-US" sz="1600" b="1" i="1" dirty="0" err="1" smtClean="0">
+                          <a:solidFill>
+                            <a:schemeClr val="dk1"/>
+                          </a:solidFill>
+                          <a:latin typeface="Libre Franklin"/>
+                          <a:ea typeface="Libre Franklin"/>
+                          <a:cs typeface="Libre Franklin"/>
+                          <a:sym typeface="Libre Franklin"/>
+                        </a:rPr>
+                        <a:t>λ</a:t>
+                      </a:r>
+                      <a:r>
+                        <a:rPr lang="en-US" sz="1600" b="1" i="1" baseline="-25000" dirty="0" err="1" smtClean="0">
+                          <a:solidFill>
+                            <a:schemeClr val="dk1"/>
+                          </a:solidFill>
+                          <a:latin typeface="Libre Franklin"/>
+                          <a:ea typeface="Libre Franklin"/>
+                          <a:cs typeface="Libre Franklin"/>
+                          <a:sym typeface="Libre Franklin"/>
+                        </a:rPr>
+                        <a:t>i</a:t>
+                      </a:r>
+                      <a:endParaRPr sz="1600" b="1" i="1" dirty="0"/>
+                    </a:p>
+                  </a:txBody>
+                  <a:tcPr marL="91425" marR="91425" marT="91425" marB="91425" anchor="ctr">
+                    <a:solidFill>
+                      <a:schemeClr val="bg1"/>
+                    </a:solidFill>
+                  </a:tcPr>
+                </a:tc>
+                <a:tc>
+                  <a:txBody>
+                    <a:bodyPr/>
+                    <a:lstStyle/>
+                    <a:p>
+                      <a:pPr marL="0" lvl="0" indent="0" algn="ctr" rtl="0">
+                        <a:spcBef>
+                          <a:spcPts val="0"/>
+                        </a:spcBef>
+                        <a:spcAft>
+                          <a:spcPts val="0"/>
+                        </a:spcAft>
+                        <a:buNone/>
+                      </a:pPr>
+                      <a:r>
+                        <a:rPr lang="en-US" b="1" dirty="0" smtClean="0"/>
+                        <a:t>RMSE</a:t>
+                      </a:r>
+                      <a:r>
+                        <a:rPr lang="en-US" b="1" baseline="0" dirty="0" smtClean="0"/>
+                        <a:t> T</a:t>
+                      </a:r>
+                      <a:r>
+                        <a:rPr lang="en-US" b="1" dirty="0" smtClean="0"/>
+                        <a:t>rain</a:t>
+                      </a:r>
+                      <a:endParaRPr b="1" dirty="0"/>
+                    </a:p>
+                  </a:txBody>
+                  <a:tcPr marL="91425" marR="91425" marT="91425" marB="91425" anchor="ctr">
+                    <a:solidFill>
+                      <a:schemeClr val="bg1"/>
+                    </a:solidFill>
+                  </a:tcPr>
+                </a:tc>
+                <a:tc>
+                  <a:txBody>
+                    <a:bodyPr/>
+                    <a:lstStyle/>
+                    <a:p>
+                      <a:pPr marL="0" lvl="0" indent="0" algn="ctr" rtl="0">
+                        <a:spcBef>
+                          <a:spcPts val="0"/>
+                        </a:spcBef>
+                        <a:spcAft>
+                          <a:spcPts val="0"/>
+                        </a:spcAft>
+                        <a:buNone/>
+                      </a:pPr>
+                      <a:r>
+                        <a:rPr lang="en-US" b="1" dirty="0" smtClean="0"/>
+                        <a:t>RMSE</a:t>
+                      </a:r>
+                      <a:r>
+                        <a:rPr lang="en-US" b="1" baseline="0" dirty="0" smtClean="0"/>
+                        <a:t> T</a:t>
+                      </a:r>
+                      <a:r>
+                        <a:rPr lang="en-US" b="1" dirty="0" smtClean="0"/>
+                        <a:t>est</a:t>
+                      </a:r>
+                      <a:endParaRPr b="1" dirty="0"/>
+                    </a:p>
+                  </a:txBody>
+                  <a:tcPr marL="91425" marR="91425" marT="91425" marB="91425" anchor="ctr">
+                    <a:solidFill>
+                      <a:schemeClr val="bg1"/>
+                    </a:solidFill>
+                  </a:tcPr>
+                </a:tc>
+                <a:extLst>
+                  <a:ext uri="{0D108BD9-81ED-4DB2-BD59-A6C34878D82A}">
+                    <a16:rowId xmlns:a16="http://schemas.microsoft.com/office/drawing/2014/main" xmlns="" val="10000"/>
+                  </a:ext>
+                </a:extLst>
+              </a:tr>
+              <a:tr h="371484">
+                <a:tc>
+                  <a:txBody>
+                    <a:bodyPr/>
+                    <a:lstStyle/>
+                    <a:p>
+                      <a:pPr marL="0" lvl="0" indent="0" algn="r" rtl="0">
+                        <a:spcBef>
+                          <a:spcPts val="0"/>
+                        </a:spcBef>
+                        <a:spcAft>
+                          <a:spcPts val="0"/>
+                        </a:spcAft>
+                        <a:buNone/>
+                      </a:pPr>
+                      <a:r>
+                        <a:rPr lang="en-US" dirty="0"/>
+                        <a:t>10</a:t>
+                      </a:r>
+                      <a:endParaRPr dirty="0"/>
+                    </a:p>
+                  </a:txBody>
+                  <a:tcPr marL="91425" marR="91425" marT="91425" marB="91425">
+                    <a:solidFill>
+                      <a:schemeClr val="bg1"/>
+                    </a:solidFill>
+                  </a:tcPr>
+                </a:tc>
+                <a:tc>
+                  <a:txBody>
+                    <a:bodyPr/>
+                    <a:lstStyle/>
+                    <a:p>
+                      <a:pPr marL="0" lvl="0" indent="0" algn="r" rtl="0">
+                        <a:spcBef>
+                          <a:spcPts val="0"/>
+                        </a:spcBef>
+                        <a:spcAft>
+                          <a:spcPts val="0"/>
+                        </a:spcAft>
+                        <a:buNone/>
+                      </a:pPr>
+                      <a:r>
+                        <a:rPr lang="en-US" dirty="0"/>
+                        <a:t>0.2</a:t>
+                      </a:r>
+                      <a:endParaRPr dirty="0"/>
+                    </a:p>
+                  </a:txBody>
+                  <a:tcPr marL="91425" marR="91425" marT="91425" marB="91425">
+                    <a:solidFill>
+                      <a:schemeClr val="bg1"/>
+                    </a:solidFill>
+                  </a:tcPr>
+                </a:tc>
+                <a:tc>
+                  <a:txBody>
+                    <a:bodyPr/>
+                    <a:lstStyle/>
+                    <a:p>
+                      <a:pPr marL="0" lvl="0" indent="0" algn="r" rtl="0">
+                        <a:spcBef>
+                          <a:spcPts val="0"/>
+                        </a:spcBef>
+                        <a:spcAft>
+                          <a:spcPts val="0"/>
+                        </a:spcAft>
+                        <a:buNone/>
+                      </a:pPr>
+                      <a:r>
+                        <a:rPr lang="en-US" dirty="0"/>
+                        <a:t>0.05</a:t>
+                      </a:r>
+                      <a:endParaRPr dirty="0"/>
+                    </a:p>
+                  </a:txBody>
+                  <a:tcPr marL="91425" marR="91425" marT="91425" marB="91425">
+                    <a:solidFill>
+                      <a:schemeClr val="bg1"/>
+                    </a:solidFill>
+                  </a:tcPr>
+                </a:tc>
+                <a:tc>
+                  <a:txBody>
+                    <a:bodyPr/>
+                    <a:lstStyle/>
+                    <a:p>
+                      <a:pPr marL="0" lvl="0" indent="0" algn="r" rtl="0">
+                        <a:spcBef>
+                          <a:spcPts val="0"/>
+                        </a:spcBef>
+                        <a:spcAft>
+                          <a:spcPts val="0"/>
+                        </a:spcAft>
+                        <a:buNone/>
+                      </a:pPr>
+                      <a:r>
+                        <a:rPr lang="en-US" altLang="zh-CN" dirty="0"/>
+                        <a:t>0.53</a:t>
+                      </a:r>
+                      <a:endParaRPr dirty="0"/>
+                    </a:p>
+                  </a:txBody>
+                  <a:tcPr marL="91425" marR="91425" marT="91425" marB="91425">
+                    <a:solidFill>
+                      <a:schemeClr val="bg1"/>
+                    </a:solidFill>
+                  </a:tcPr>
+                </a:tc>
+                <a:tc>
+                  <a:txBody>
+                    <a:bodyPr/>
+                    <a:lstStyle/>
+                    <a:p>
+                      <a:pPr marL="0" lvl="0" indent="0" algn="r" rtl="0">
+                        <a:spcBef>
+                          <a:spcPts val="0"/>
+                        </a:spcBef>
+                        <a:spcAft>
+                          <a:spcPts val="0"/>
+                        </a:spcAft>
+                        <a:buNone/>
+                      </a:pPr>
+                      <a:r>
+                        <a:rPr lang="en-US" altLang="zh-CN" dirty="0"/>
+                        <a:t>1.20</a:t>
+                      </a:r>
+                      <a:endParaRPr dirty="0"/>
+                    </a:p>
+                  </a:txBody>
+                  <a:tcPr marL="91425" marR="91425" marT="91425" marB="91425">
+                    <a:solidFill>
+                      <a:schemeClr val="bg1"/>
+                    </a:solidFill>
+                  </a:tcPr>
+                </a:tc>
+                <a:extLst>
+                  <a:ext uri="{0D108BD9-81ED-4DB2-BD59-A6C34878D82A}">
+                    <a16:rowId xmlns:a16="http://schemas.microsoft.com/office/drawing/2014/main" xmlns="" val="10001"/>
+                  </a:ext>
+                </a:extLst>
+              </a:tr>
+              <a:tr h="371484">
+                <a:tc>
+                  <a:txBody>
+                    <a:bodyPr/>
+                    <a:lstStyle/>
+                    <a:p>
+                      <a:pPr marL="0" lvl="0" indent="0" algn="r" rtl="0">
+                        <a:spcBef>
+                          <a:spcPts val="0"/>
+                        </a:spcBef>
+                        <a:spcAft>
+                          <a:spcPts val="0"/>
+                        </a:spcAft>
+                        <a:buNone/>
+                      </a:pPr>
+                      <a:r>
+                        <a:rPr lang="en-US"/>
+                        <a:t>10</a:t>
+                      </a:r>
+                      <a:endParaRPr/>
+                    </a:p>
+                  </a:txBody>
+                  <a:tcPr marL="91425" marR="91425" marT="91425" marB="91425">
+                    <a:solidFill>
+                      <a:schemeClr val="bg1"/>
+                    </a:solidFill>
+                  </a:tcPr>
+                </a:tc>
+                <a:tc>
+                  <a:txBody>
+                    <a:bodyPr/>
+                    <a:lstStyle/>
+                    <a:p>
+                      <a:pPr marL="0" lvl="0" indent="0" algn="r" rtl="0">
+                        <a:spcBef>
+                          <a:spcPts val="0"/>
+                        </a:spcBef>
+                        <a:spcAft>
+                          <a:spcPts val="0"/>
+                        </a:spcAft>
+                        <a:buNone/>
+                      </a:pPr>
+                      <a:r>
+                        <a:rPr lang="en-US"/>
+                        <a:t>0.05</a:t>
+                      </a:r>
+                      <a:endParaRPr/>
+                    </a:p>
+                  </a:txBody>
+                  <a:tcPr marL="91425" marR="91425" marT="91425" marB="91425">
+                    <a:solidFill>
+                      <a:schemeClr val="bg1"/>
+                    </a:solidFill>
+                  </a:tcPr>
+                </a:tc>
+                <a:tc>
+                  <a:txBody>
+                    <a:bodyPr/>
+                    <a:lstStyle/>
+                    <a:p>
+                      <a:pPr marL="0" lvl="0" indent="0" algn="r" rtl="0">
+                        <a:spcBef>
+                          <a:spcPts val="0"/>
+                        </a:spcBef>
+                        <a:spcAft>
+                          <a:spcPts val="0"/>
+                        </a:spcAft>
+                        <a:buNone/>
+                      </a:pPr>
+                      <a:r>
+                        <a:rPr lang="en-US" dirty="0"/>
+                        <a:t>0.1</a:t>
+                      </a:r>
+                      <a:endParaRPr dirty="0"/>
+                    </a:p>
+                  </a:txBody>
+                  <a:tcPr marL="91425" marR="91425" marT="91425" marB="91425">
+                    <a:solidFill>
+                      <a:schemeClr val="bg1"/>
+                    </a:solidFill>
+                  </a:tcPr>
+                </a:tc>
+                <a:tc>
+                  <a:txBody>
+                    <a:bodyPr/>
+                    <a:lstStyle/>
+                    <a:p>
+                      <a:pPr marL="0" lvl="0" indent="0" algn="r" rtl="0">
+                        <a:spcBef>
+                          <a:spcPts val="0"/>
+                        </a:spcBef>
+                        <a:spcAft>
+                          <a:spcPts val="0"/>
+                        </a:spcAft>
+                        <a:buNone/>
+                      </a:pPr>
+                      <a:r>
+                        <a:rPr lang="en-US" altLang="zh-CN" dirty="0"/>
+                        <a:t>0.54</a:t>
+                      </a:r>
+                      <a:endParaRPr dirty="0"/>
+                    </a:p>
+                  </a:txBody>
+                  <a:tcPr marL="91425" marR="91425" marT="91425" marB="91425">
+                    <a:solidFill>
+                      <a:schemeClr val="bg1"/>
+                    </a:solidFill>
+                  </a:tcPr>
+                </a:tc>
+                <a:tc>
+                  <a:txBody>
+                    <a:bodyPr/>
+                    <a:lstStyle/>
+                    <a:p>
+                      <a:pPr marL="0" lvl="0" indent="0" algn="r" rtl="0">
+                        <a:spcBef>
+                          <a:spcPts val="0"/>
+                        </a:spcBef>
+                        <a:spcAft>
+                          <a:spcPts val="0"/>
+                        </a:spcAft>
+                        <a:buNone/>
+                      </a:pPr>
+                      <a:r>
+                        <a:rPr lang="en-US" altLang="zh-CN" dirty="0"/>
+                        <a:t>1.20</a:t>
+                      </a:r>
+                      <a:endParaRPr dirty="0"/>
+                    </a:p>
+                  </a:txBody>
+                  <a:tcPr marL="91425" marR="91425" marT="91425" marB="91425">
+                    <a:solidFill>
+                      <a:schemeClr val="bg1"/>
+                    </a:solidFill>
+                  </a:tcPr>
+                </a:tc>
+                <a:extLst>
+                  <a:ext uri="{0D108BD9-81ED-4DB2-BD59-A6C34878D82A}">
+                    <a16:rowId xmlns:a16="http://schemas.microsoft.com/office/drawing/2014/main" xmlns="" val="10002"/>
+                  </a:ext>
+                </a:extLst>
+              </a:tr>
+              <a:tr h="371484">
+                <a:tc>
+                  <a:txBody>
+                    <a:bodyPr/>
+                    <a:lstStyle/>
+                    <a:p>
+                      <a:pPr marL="0" lvl="0" indent="0" algn="r" rtl="0">
+                        <a:spcBef>
+                          <a:spcPts val="0"/>
+                        </a:spcBef>
+                        <a:spcAft>
+                          <a:spcPts val="0"/>
+                        </a:spcAft>
+                        <a:buNone/>
+                      </a:pPr>
+                      <a:r>
+                        <a:rPr lang="en-US"/>
+                        <a:t>10</a:t>
+                      </a:r>
+                      <a:endParaRPr/>
+                    </a:p>
+                  </a:txBody>
+                  <a:tcPr marL="91425" marR="91425" marT="91425" marB="91425">
+                    <a:solidFill>
+                      <a:schemeClr val="bg1"/>
+                    </a:solidFill>
+                  </a:tcPr>
+                </a:tc>
+                <a:tc>
+                  <a:txBody>
+                    <a:bodyPr/>
+                    <a:lstStyle/>
+                    <a:p>
+                      <a:pPr marL="0" lvl="0" indent="0" algn="r" rtl="0">
+                        <a:spcBef>
+                          <a:spcPts val="0"/>
+                        </a:spcBef>
+                        <a:spcAft>
+                          <a:spcPts val="0"/>
+                        </a:spcAft>
+                        <a:buNone/>
+                      </a:pPr>
+                      <a:r>
+                        <a:rPr lang="en-US" dirty="0"/>
+                        <a:t>0.1</a:t>
+                      </a:r>
+                      <a:endParaRPr dirty="0"/>
+                    </a:p>
+                  </a:txBody>
+                  <a:tcPr marL="91425" marR="91425" marT="91425" marB="91425">
+                    <a:solidFill>
+                      <a:schemeClr val="bg1"/>
+                    </a:solidFill>
+                  </a:tcPr>
+                </a:tc>
+                <a:tc>
+                  <a:txBody>
+                    <a:bodyPr/>
+                    <a:lstStyle/>
+                    <a:p>
+                      <a:pPr marL="0" lvl="0" indent="0" algn="r" rtl="0">
+                        <a:spcBef>
+                          <a:spcPts val="0"/>
+                        </a:spcBef>
+                        <a:spcAft>
+                          <a:spcPts val="0"/>
+                        </a:spcAft>
+                        <a:buNone/>
+                      </a:pPr>
+                      <a:r>
+                        <a:rPr lang="en-US" dirty="0"/>
+                        <a:t>0.2</a:t>
+                      </a:r>
+                      <a:endParaRPr dirty="0"/>
+                    </a:p>
+                  </a:txBody>
+                  <a:tcPr marL="91425" marR="91425" marT="91425" marB="91425">
+                    <a:solidFill>
+                      <a:schemeClr val="bg1"/>
+                    </a:solidFill>
+                  </a:tcPr>
+                </a:tc>
+                <a:tc>
+                  <a:txBody>
+                    <a:bodyPr/>
+                    <a:lstStyle/>
+                    <a:p>
+                      <a:pPr marL="0" lvl="0" indent="0" algn="r" rtl="0">
+                        <a:spcBef>
+                          <a:spcPts val="0"/>
+                        </a:spcBef>
+                        <a:spcAft>
+                          <a:spcPts val="0"/>
+                        </a:spcAft>
+                        <a:buNone/>
+                      </a:pPr>
+                      <a:r>
+                        <a:rPr lang="en-US" altLang="zh-CN" dirty="0"/>
+                        <a:t>0.55</a:t>
+                      </a:r>
+                      <a:endParaRPr dirty="0"/>
+                    </a:p>
+                  </a:txBody>
+                  <a:tcPr marL="91425" marR="91425" marT="91425" marB="91425">
+                    <a:solidFill>
+                      <a:schemeClr val="bg1"/>
+                    </a:solidFill>
+                  </a:tcPr>
+                </a:tc>
+                <a:tc>
+                  <a:txBody>
+                    <a:bodyPr/>
+                    <a:lstStyle/>
+                    <a:p>
+                      <a:pPr marL="0" lvl="0" indent="0" algn="r" rtl="0">
+                        <a:spcBef>
+                          <a:spcPts val="0"/>
+                        </a:spcBef>
+                        <a:spcAft>
+                          <a:spcPts val="0"/>
+                        </a:spcAft>
+                        <a:buNone/>
+                      </a:pPr>
+                      <a:r>
+                        <a:rPr lang="en-US" altLang="zh-CN" dirty="0"/>
+                        <a:t>1.19</a:t>
+                      </a:r>
+                      <a:endParaRPr dirty="0"/>
+                    </a:p>
+                  </a:txBody>
+                  <a:tcPr marL="91425" marR="91425" marT="91425" marB="91425">
+                    <a:solidFill>
+                      <a:schemeClr val="bg1"/>
+                    </a:solidFill>
+                  </a:tcPr>
+                </a:tc>
+                <a:extLst>
+                  <a:ext uri="{0D108BD9-81ED-4DB2-BD59-A6C34878D82A}">
+                    <a16:rowId xmlns:a16="http://schemas.microsoft.com/office/drawing/2014/main" xmlns="" val="10003"/>
+                  </a:ext>
+                </a:extLst>
+              </a:tr>
+              <a:tr h="371484">
+                <a:tc>
+                  <a:txBody>
+                    <a:bodyPr/>
+                    <a:lstStyle/>
+                    <a:p>
+                      <a:pPr marL="0" lvl="0" indent="0" algn="r" rtl="0">
+                        <a:spcBef>
+                          <a:spcPts val="0"/>
+                        </a:spcBef>
+                        <a:spcAft>
+                          <a:spcPts val="0"/>
+                        </a:spcAft>
+                        <a:buNone/>
+                      </a:pPr>
+                      <a:r>
+                        <a:rPr lang="en-US"/>
+                        <a:t>20</a:t>
+                      </a:r>
+                      <a:endParaRPr/>
+                    </a:p>
+                  </a:txBody>
+                  <a:tcPr marL="91425" marR="91425" marT="91425" marB="91425">
+                    <a:solidFill>
+                      <a:schemeClr val="bg1"/>
+                    </a:solidFill>
+                  </a:tcPr>
+                </a:tc>
+                <a:tc>
+                  <a:txBody>
+                    <a:bodyPr/>
+                    <a:lstStyle/>
+                    <a:p>
+                      <a:pPr marL="0" lvl="0" indent="0" algn="r" rtl="0">
+                        <a:spcBef>
+                          <a:spcPts val="0"/>
+                        </a:spcBef>
+                        <a:spcAft>
+                          <a:spcPts val="0"/>
+                        </a:spcAft>
+                        <a:buClr>
+                          <a:schemeClr val="dk1"/>
+                        </a:buClr>
+                        <a:buSzPts val="1100"/>
+                        <a:buFont typeface="Arial"/>
+                        <a:buNone/>
+                      </a:pPr>
+                      <a:r>
+                        <a:rPr lang="en-US">
+                          <a:solidFill>
+                            <a:schemeClr val="dk1"/>
+                          </a:solidFill>
+                        </a:rPr>
+                        <a:t>0.2</a:t>
+                      </a:r>
+                      <a:endParaRPr/>
+                    </a:p>
+                  </a:txBody>
+                  <a:tcPr marL="91425" marR="91425" marT="91425" marB="91425">
+                    <a:solidFill>
+                      <a:schemeClr val="bg1"/>
+                    </a:solidFill>
+                  </a:tcPr>
+                </a:tc>
+                <a:tc>
+                  <a:txBody>
+                    <a:bodyPr/>
+                    <a:lstStyle/>
+                    <a:p>
+                      <a:pPr marL="0" lvl="0" indent="0" algn="r" rtl="0">
+                        <a:spcBef>
+                          <a:spcPts val="0"/>
+                        </a:spcBef>
+                        <a:spcAft>
+                          <a:spcPts val="0"/>
+                        </a:spcAft>
+                        <a:buNone/>
+                      </a:pPr>
+                      <a:r>
+                        <a:rPr lang="en-US"/>
+                        <a:t>0.05</a:t>
+                      </a:r>
+                      <a:endParaRPr/>
+                    </a:p>
+                  </a:txBody>
+                  <a:tcPr marL="91425" marR="91425" marT="91425" marB="91425">
+                    <a:solidFill>
+                      <a:schemeClr val="bg1"/>
+                    </a:solidFill>
+                  </a:tcPr>
+                </a:tc>
+                <a:tc>
+                  <a:txBody>
+                    <a:bodyPr/>
+                    <a:lstStyle/>
+                    <a:p>
+                      <a:pPr marL="0" lvl="0" indent="0" algn="r" rtl="0">
+                        <a:spcBef>
+                          <a:spcPts val="0"/>
+                        </a:spcBef>
+                        <a:spcAft>
+                          <a:spcPts val="0"/>
+                        </a:spcAft>
+                        <a:buNone/>
+                      </a:pPr>
+                      <a:r>
+                        <a:rPr lang="en-US" altLang="zh-CN" dirty="0"/>
+                        <a:t>0.50</a:t>
+                      </a:r>
+                      <a:endParaRPr dirty="0"/>
+                    </a:p>
+                  </a:txBody>
+                  <a:tcPr marL="91425" marR="91425" marT="91425" marB="91425">
+                    <a:solidFill>
+                      <a:schemeClr val="bg1"/>
+                    </a:solidFill>
+                  </a:tcPr>
+                </a:tc>
+                <a:tc>
+                  <a:txBody>
+                    <a:bodyPr/>
+                    <a:lstStyle/>
+                    <a:p>
+                      <a:pPr marL="0" lvl="0" indent="0" algn="r" rtl="0">
+                        <a:spcBef>
+                          <a:spcPts val="0"/>
+                        </a:spcBef>
+                        <a:spcAft>
+                          <a:spcPts val="0"/>
+                        </a:spcAft>
+                        <a:buNone/>
+                      </a:pPr>
+                      <a:r>
+                        <a:rPr lang="en-US" altLang="zh-CN" dirty="0"/>
+                        <a:t>1.22</a:t>
+                      </a:r>
+                      <a:endParaRPr dirty="0"/>
+                    </a:p>
+                  </a:txBody>
+                  <a:tcPr marL="91425" marR="91425" marT="91425" marB="91425">
+                    <a:solidFill>
+                      <a:schemeClr val="bg1"/>
+                    </a:solidFill>
+                  </a:tcPr>
+                </a:tc>
+                <a:extLst>
+                  <a:ext uri="{0D108BD9-81ED-4DB2-BD59-A6C34878D82A}">
+                    <a16:rowId xmlns:a16="http://schemas.microsoft.com/office/drawing/2014/main" xmlns="" val="10004"/>
+                  </a:ext>
+                </a:extLst>
+              </a:tr>
+              <a:tr h="371484">
+                <a:tc>
+                  <a:txBody>
+                    <a:bodyPr/>
+                    <a:lstStyle/>
+                    <a:p>
+                      <a:pPr marL="0" lvl="0" indent="0" algn="r" rtl="0">
+                        <a:spcBef>
+                          <a:spcPts val="0"/>
+                        </a:spcBef>
+                        <a:spcAft>
+                          <a:spcPts val="0"/>
+                        </a:spcAft>
+                        <a:buNone/>
+                      </a:pPr>
+                      <a:r>
+                        <a:rPr lang="en-US"/>
+                        <a:t>20</a:t>
+                      </a:r>
+                      <a:endParaRPr/>
+                    </a:p>
+                  </a:txBody>
+                  <a:tcPr marL="91425" marR="91425" marT="91425" marB="91425">
+                    <a:solidFill>
+                      <a:schemeClr val="bg1"/>
+                    </a:solidFill>
+                  </a:tcPr>
+                </a:tc>
+                <a:tc>
+                  <a:txBody>
+                    <a:bodyPr/>
+                    <a:lstStyle/>
+                    <a:p>
+                      <a:pPr marL="0" lvl="0" indent="0" algn="r" rtl="0">
+                        <a:spcBef>
+                          <a:spcPts val="0"/>
+                        </a:spcBef>
+                        <a:spcAft>
+                          <a:spcPts val="0"/>
+                        </a:spcAft>
+                        <a:buClr>
+                          <a:schemeClr val="dk1"/>
+                        </a:buClr>
+                        <a:buSzPts val="1100"/>
+                        <a:buFont typeface="Arial"/>
+                        <a:buNone/>
+                      </a:pPr>
+                      <a:r>
+                        <a:rPr lang="en-US">
+                          <a:solidFill>
+                            <a:schemeClr val="dk1"/>
+                          </a:solidFill>
+                        </a:rPr>
+                        <a:t>0.05</a:t>
+                      </a:r>
+                      <a:endParaRPr/>
+                    </a:p>
+                  </a:txBody>
+                  <a:tcPr marL="91425" marR="91425" marT="91425" marB="91425">
+                    <a:solidFill>
+                      <a:schemeClr val="bg1"/>
+                    </a:solidFill>
+                  </a:tcPr>
+                </a:tc>
+                <a:tc>
+                  <a:txBody>
+                    <a:bodyPr/>
+                    <a:lstStyle/>
+                    <a:p>
+                      <a:pPr marL="0" lvl="0" indent="0" algn="r" rtl="0">
+                        <a:spcBef>
+                          <a:spcPts val="0"/>
+                        </a:spcBef>
+                        <a:spcAft>
+                          <a:spcPts val="0"/>
+                        </a:spcAft>
+                        <a:buNone/>
+                      </a:pPr>
+                      <a:r>
+                        <a:rPr lang="en-US"/>
+                        <a:t>0.1</a:t>
+                      </a:r>
+                      <a:endParaRPr/>
+                    </a:p>
+                  </a:txBody>
+                  <a:tcPr marL="91425" marR="91425" marT="91425" marB="91425">
+                    <a:solidFill>
+                      <a:schemeClr val="bg1"/>
+                    </a:solidFill>
+                  </a:tcPr>
+                </a:tc>
+                <a:tc>
+                  <a:txBody>
+                    <a:bodyPr/>
+                    <a:lstStyle/>
+                    <a:p>
+                      <a:pPr marL="0" lvl="0" indent="0" algn="r" rtl="0">
+                        <a:spcBef>
+                          <a:spcPts val="0"/>
+                        </a:spcBef>
+                        <a:spcAft>
+                          <a:spcPts val="0"/>
+                        </a:spcAft>
+                        <a:buNone/>
+                      </a:pPr>
+                      <a:r>
+                        <a:rPr lang="en-US" altLang="zh-CN" dirty="0"/>
+                        <a:t>0.50</a:t>
+                      </a:r>
+                      <a:endParaRPr dirty="0"/>
+                    </a:p>
+                  </a:txBody>
+                  <a:tcPr marL="91425" marR="91425" marT="91425" marB="91425">
+                    <a:solidFill>
+                      <a:schemeClr val="bg1"/>
+                    </a:solidFill>
+                  </a:tcPr>
+                </a:tc>
+                <a:tc>
+                  <a:txBody>
+                    <a:bodyPr/>
+                    <a:lstStyle/>
+                    <a:p>
+                      <a:pPr marL="0" lvl="0" indent="0" algn="r" rtl="0">
+                        <a:spcBef>
+                          <a:spcPts val="0"/>
+                        </a:spcBef>
+                        <a:spcAft>
+                          <a:spcPts val="0"/>
+                        </a:spcAft>
+                        <a:buNone/>
+                      </a:pPr>
+                      <a:r>
+                        <a:rPr lang="en-US" altLang="zh-CN" dirty="0"/>
+                        <a:t>1.21</a:t>
+                      </a:r>
+                      <a:endParaRPr dirty="0"/>
+                    </a:p>
+                  </a:txBody>
+                  <a:tcPr marL="91425" marR="91425" marT="91425" marB="91425">
+                    <a:solidFill>
+                      <a:schemeClr val="bg1"/>
+                    </a:solidFill>
+                  </a:tcPr>
+                </a:tc>
+                <a:extLst>
+                  <a:ext uri="{0D108BD9-81ED-4DB2-BD59-A6C34878D82A}">
+                    <a16:rowId xmlns:a16="http://schemas.microsoft.com/office/drawing/2014/main" xmlns="" val="10005"/>
+                  </a:ext>
+                </a:extLst>
+              </a:tr>
+              <a:tr h="371484">
+                <a:tc>
+                  <a:txBody>
+                    <a:bodyPr/>
+                    <a:lstStyle/>
+                    <a:p>
+                      <a:pPr marL="0" lvl="0" indent="0" algn="r" rtl="0">
+                        <a:spcBef>
+                          <a:spcPts val="0"/>
+                        </a:spcBef>
+                        <a:spcAft>
+                          <a:spcPts val="0"/>
+                        </a:spcAft>
+                        <a:buNone/>
+                      </a:pPr>
+                      <a:r>
+                        <a:rPr lang="en-US"/>
+                        <a:t>20</a:t>
+                      </a:r>
+                      <a:endParaRPr/>
+                    </a:p>
+                  </a:txBody>
+                  <a:tcPr marL="91425" marR="91425" marT="91425" marB="91425">
+                    <a:solidFill>
+                      <a:schemeClr val="bg1"/>
+                    </a:solidFill>
+                  </a:tcPr>
+                </a:tc>
+                <a:tc>
+                  <a:txBody>
+                    <a:bodyPr/>
+                    <a:lstStyle/>
+                    <a:p>
+                      <a:pPr marL="0" lvl="0" indent="0" algn="r" rtl="0">
+                        <a:spcBef>
+                          <a:spcPts val="0"/>
+                        </a:spcBef>
+                        <a:spcAft>
+                          <a:spcPts val="0"/>
+                        </a:spcAft>
+                        <a:buNone/>
+                      </a:pPr>
+                      <a:r>
+                        <a:rPr lang="en-US"/>
+                        <a:t>0.1</a:t>
+                      </a:r>
+                      <a:endParaRPr/>
+                    </a:p>
+                  </a:txBody>
+                  <a:tcPr marL="91425" marR="91425" marT="91425" marB="91425">
+                    <a:solidFill>
+                      <a:schemeClr val="bg1"/>
+                    </a:solidFill>
+                  </a:tcPr>
+                </a:tc>
+                <a:tc>
+                  <a:txBody>
+                    <a:bodyPr/>
+                    <a:lstStyle/>
+                    <a:p>
+                      <a:pPr marL="0" lvl="0" indent="0" algn="r" rtl="0">
+                        <a:spcBef>
+                          <a:spcPts val="0"/>
+                        </a:spcBef>
+                        <a:spcAft>
+                          <a:spcPts val="0"/>
+                        </a:spcAft>
+                        <a:buNone/>
+                      </a:pPr>
+                      <a:r>
+                        <a:rPr lang="en-US"/>
+                        <a:t>0.2</a:t>
+                      </a:r>
+                      <a:endParaRPr/>
+                    </a:p>
+                  </a:txBody>
+                  <a:tcPr marL="91425" marR="91425" marT="91425" marB="91425">
+                    <a:solidFill>
+                      <a:schemeClr val="bg1"/>
+                    </a:solidFill>
+                  </a:tcPr>
+                </a:tc>
+                <a:tc>
+                  <a:txBody>
+                    <a:bodyPr/>
+                    <a:lstStyle/>
+                    <a:p>
+                      <a:pPr marL="0" lvl="0" indent="0" algn="r" rtl="0">
+                        <a:spcBef>
+                          <a:spcPts val="0"/>
+                        </a:spcBef>
+                        <a:spcAft>
+                          <a:spcPts val="0"/>
+                        </a:spcAft>
+                        <a:buNone/>
+                      </a:pPr>
+                      <a:r>
+                        <a:rPr lang="en-US" altLang="zh-CN" dirty="0"/>
+                        <a:t>0.52</a:t>
+                      </a:r>
+                      <a:endParaRPr dirty="0"/>
+                    </a:p>
+                  </a:txBody>
+                  <a:tcPr marL="91425" marR="91425" marT="91425" marB="91425">
+                    <a:solidFill>
+                      <a:schemeClr val="bg1"/>
+                    </a:solidFill>
+                  </a:tcPr>
+                </a:tc>
+                <a:tc>
+                  <a:txBody>
+                    <a:bodyPr/>
+                    <a:lstStyle/>
+                    <a:p>
+                      <a:pPr marL="0" lvl="0" indent="0" algn="r" rtl="0">
+                        <a:spcBef>
+                          <a:spcPts val="0"/>
+                        </a:spcBef>
+                        <a:spcAft>
+                          <a:spcPts val="0"/>
+                        </a:spcAft>
+                        <a:buNone/>
+                      </a:pPr>
+                      <a:r>
+                        <a:rPr lang="en-US" altLang="zh-CN" dirty="0"/>
+                        <a:t>1.21</a:t>
+                      </a:r>
+                      <a:endParaRPr dirty="0"/>
+                    </a:p>
+                  </a:txBody>
+                  <a:tcPr marL="91425" marR="91425" marT="91425" marB="91425">
+                    <a:solidFill>
+                      <a:schemeClr val="bg1"/>
+                    </a:solidFill>
+                  </a:tcPr>
+                </a:tc>
+                <a:extLst>
+                  <a:ext uri="{0D108BD9-81ED-4DB2-BD59-A6C34878D82A}">
+                    <a16:rowId xmlns:a16="http://schemas.microsoft.com/office/drawing/2014/main" xmlns="" val="10006"/>
+                  </a:ext>
+                </a:extLst>
+              </a:tr>
+              <a:tr h="371484">
+                <a:tc>
+                  <a:txBody>
+                    <a:bodyPr/>
+                    <a:lstStyle/>
+                    <a:p>
+                      <a:pPr marL="0" lvl="0" indent="0" algn="r" rtl="0">
+                        <a:spcBef>
+                          <a:spcPts val="0"/>
+                        </a:spcBef>
+                        <a:spcAft>
+                          <a:spcPts val="0"/>
+                        </a:spcAft>
+                        <a:buNone/>
+                      </a:pPr>
+                      <a:r>
+                        <a:rPr lang="en-US"/>
+                        <a:t>30</a:t>
+                      </a:r>
+                      <a:endParaRPr/>
+                    </a:p>
+                  </a:txBody>
+                  <a:tcPr marL="91425" marR="91425" marT="91425" marB="91425">
+                    <a:solidFill>
+                      <a:schemeClr val="bg1"/>
+                    </a:solidFill>
+                  </a:tcPr>
+                </a:tc>
+                <a:tc>
+                  <a:txBody>
+                    <a:bodyPr/>
+                    <a:lstStyle/>
+                    <a:p>
+                      <a:pPr marL="0" lvl="0" indent="0" algn="r" rtl="0">
+                        <a:spcBef>
+                          <a:spcPts val="0"/>
+                        </a:spcBef>
+                        <a:spcAft>
+                          <a:spcPts val="0"/>
+                        </a:spcAft>
+                        <a:buNone/>
+                      </a:pPr>
+                      <a:r>
+                        <a:rPr lang="en-US"/>
+                        <a:t>0.2</a:t>
+                      </a:r>
+                      <a:endParaRPr/>
+                    </a:p>
+                  </a:txBody>
+                  <a:tcPr marL="91425" marR="91425" marT="91425" marB="91425">
+                    <a:solidFill>
+                      <a:schemeClr val="bg1"/>
+                    </a:solidFill>
+                  </a:tcPr>
+                </a:tc>
+                <a:tc>
+                  <a:txBody>
+                    <a:bodyPr/>
+                    <a:lstStyle/>
+                    <a:p>
+                      <a:pPr marL="0" lvl="0" indent="0" algn="r" rtl="0">
+                        <a:spcBef>
+                          <a:spcPts val="0"/>
+                        </a:spcBef>
+                        <a:spcAft>
+                          <a:spcPts val="0"/>
+                        </a:spcAft>
+                        <a:buNone/>
+                      </a:pPr>
+                      <a:r>
+                        <a:rPr lang="en-US"/>
+                        <a:t>0.05</a:t>
+                      </a:r>
+                      <a:endParaRPr/>
+                    </a:p>
+                  </a:txBody>
+                  <a:tcPr marL="91425" marR="91425" marT="91425" marB="91425">
+                    <a:solidFill>
+                      <a:schemeClr val="bg1"/>
+                    </a:solidFill>
+                  </a:tcPr>
+                </a:tc>
+                <a:tc>
+                  <a:txBody>
+                    <a:bodyPr/>
+                    <a:lstStyle/>
+                    <a:p>
+                      <a:pPr marL="0" lvl="0" indent="0" algn="r" rtl="0">
+                        <a:spcBef>
+                          <a:spcPts val="0"/>
+                        </a:spcBef>
+                        <a:spcAft>
+                          <a:spcPts val="0"/>
+                        </a:spcAft>
+                        <a:buNone/>
+                      </a:pPr>
+                      <a:r>
+                        <a:rPr lang="en-US" altLang="zh-CN" dirty="0"/>
+                        <a:t>0.47</a:t>
+                      </a:r>
+                      <a:endParaRPr dirty="0"/>
+                    </a:p>
+                  </a:txBody>
+                  <a:tcPr marL="91425" marR="91425" marT="91425" marB="91425">
+                    <a:solidFill>
+                      <a:schemeClr val="bg1"/>
+                    </a:solidFill>
+                  </a:tcPr>
+                </a:tc>
+                <a:tc>
+                  <a:txBody>
+                    <a:bodyPr/>
+                    <a:lstStyle/>
+                    <a:p>
+                      <a:pPr marL="0" lvl="0" indent="0" algn="r" rtl="0">
+                        <a:spcBef>
+                          <a:spcPts val="0"/>
+                        </a:spcBef>
+                        <a:spcAft>
+                          <a:spcPts val="0"/>
+                        </a:spcAft>
+                        <a:buNone/>
+                      </a:pPr>
+                      <a:r>
+                        <a:rPr lang="en-US" altLang="zh-CN" dirty="0"/>
+                        <a:t>1.22</a:t>
+                      </a:r>
+                      <a:endParaRPr dirty="0"/>
+                    </a:p>
+                  </a:txBody>
+                  <a:tcPr marL="91425" marR="91425" marT="91425" marB="91425">
+                    <a:solidFill>
+                      <a:schemeClr val="bg1"/>
+                    </a:solidFill>
+                  </a:tcPr>
+                </a:tc>
+                <a:extLst>
+                  <a:ext uri="{0D108BD9-81ED-4DB2-BD59-A6C34878D82A}">
+                    <a16:rowId xmlns:a16="http://schemas.microsoft.com/office/drawing/2014/main" xmlns="" val="10007"/>
+                  </a:ext>
+                </a:extLst>
+              </a:tr>
+              <a:tr h="371484">
+                <a:tc>
+                  <a:txBody>
+                    <a:bodyPr/>
+                    <a:lstStyle/>
+                    <a:p>
+                      <a:pPr marL="0" lvl="0" indent="0" algn="r" rtl="0">
+                        <a:spcBef>
+                          <a:spcPts val="0"/>
+                        </a:spcBef>
+                        <a:spcAft>
+                          <a:spcPts val="0"/>
+                        </a:spcAft>
+                        <a:buNone/>
+                      </a:pPr>
+                      <a:r>
+                        <a:rPr lang="en-US"/>
+                        <a:t>30</a:t>
+                      </a:r>
+                      <a:endParaRPr/>
+                    </a:p>
+                  </a:txBody>
+                  <a:tcPr marL="91425" marR="91425" marT="91425" marB="91425">
+                    <a:solidFill>
+                      <a:schemeClr val="bg1"/>
+                    </a:solidFill>
+                  </a:tcPr>
+                </a:tc>
+                <a:tc>
+                  <a:txBody>
+                    <a:bodyPr/>
+                    <a:lstStyle/>
+                    <a:p>
+                      <a:pPr marL="0" lvl="0" indent="0" algn="r" rtl="0">
+                        <a:spcBef>
+                          <a:spcPts val="0"/>
+                        </a:spcBef>
+                        <a:spcAft>
+                          <a:spcPts val="0"/>
+                        </a:spcAft>
+                        <a:buNone/>
+                      </a:pPr>
+                      <a:r>
+                        <a:rPr lang="en-US"/>
+                        <a:t>0.05</a:t>
+                      </a:r>
+                      <a:endParaRPr/>
+                    </a:p>
+                  </a:txBody>
+                  <a:tcPr marL="91425" marR="91425" marT="91425" marB="91425">
+                    <a:solidFill>
+                      <a:schemeClr val="bg1"/>
+                    </a:solidFill>
+                  </a:tcPr>
+                </a:tc>
+                <a:tc>
+                  <a:txBody>
+                    <a:bodyPr/>
+                    <a:lstStyle/>
+                    <a:p>
+                      <a:pPr marL="0" lvl="0" indent="0" algn="r" rtl="0">
+                        <a:spcBef>
+                          <a:spcPts val="0"/>
+                        </a:spcBef>
+                        <a:spcAft>
+                          <a:spcPts val="0"/>
+                        </a:spcAft>
+                        <a:buNone/>
+                      </a:pPr>
+                      <a:r>
+                        <a:rPr lang="en-US"/>
+                        <a:t>0.1</a:t>
+                      </a:r>
+                      <a:endParaRPr/>
+                    </a:p>
+                  </a:txBody>
+                  <a:tcPr marL="91425" marR="91425" marT="91425" marB="91425">
+                    <a:solidFill>
+                      <a:schemeClr val="bg1"/>
+                    </a:solidFill>
+                  </a:tcPr>
+                </a:tc>
+                <a:tc>
+                  <a:txBody>
+                    <a:bodyPr/>
+                    <a:lstStyle/>
+                    <a:p>
+                      <a:pPr marL="0" lvl="0" indent="0" algn="r" rtl="0">
+                        <a:spcBef>
+                          <a:spcPts val="0"/>
+                        </a:spcBef>
+                        <a:spcAft>
+                          <a:spcPts val="0"/>
+                        </a:spcAft>
+                        <a:buNone/>
+                      </a:pPr>
+                      <a:r>
+                        <a:rPr lang="en-US" altLang="zh-CN" dirty="0"/>
+                        <a:t>0.48</a:t>
+                      </a:r>
+                      <a:endParaRPr dirty="0"/>
+                    </a:p>
+                  </a:txBody>
+                  <a:tcPr marL="91425" marR="91425" marT="91425" marB="91425">
+                    <a:solidFill>
+                      <a:schemeClr val="bg1"/>
+                    </a:solidFill>
+                  </a:tcPr>
+                </a:tc>
+                <a:tc>
+                  <a:txBody>
+                    <a:bodyPr/>
+                    <a:lstStyle/>
+                    <a:p>
+                      <a:pPr marL="0" lvl="0" indent="0" algn="r" rtl="0">
+                        <a:spcBef>
+                          <a:spcPts val="0"/>
+                        </a:spcBef>
+                        <a:spcAft>
+                          <a:spcPts val="0"/>
+                        </a:spcAft>
+                        <a:buNone/>
+                      </a:pPr>
+                      <a:r>
+                        <a:rPr lang="en-US" altLang="zh-CN" dirty="0"/>
+                        <a:t>1.21</a:t>
+                      </a:r>
+                      <a:endParaRPr dirty="0"/>
+                    </a:p>
+                  </a:txBody>
+                  <a:tcPr marL="91425" marR="91425" marT="91425" marB="91425">
+                    <a:solidFill>
+                      <a:schemeClr val="bg1"/>
+                    </a:solidFill>
+                  </a:tcPr>
+                </a:tc>
+                <a:extLst>
+                  <a:ext uri="{0D108BD9-81ED-4DB2-BD59-A6C34878D82A}">
+                    <a16:rowId xmlns:a16="http://schemas.microsoft.com/office/drawing/2014/main" xmlns="" val="10008"/>
+                  </a:ext>
+                </a:extLst>
+              </a:tr>
+              <a:tr h="371484">
+                <a:tc>
+                  <a:txBody>
+                    <a:bodyPr/>
+                    <a:lstStyle/>
+                    <a:p>
+                      <a:pPr marL="0" lvl="0" indent="0" algn="r" rtl="0">
+                        <a:spcBef>
+                          <a:spcPts val="0"/>
+                        </a:spcBef>
+                        <a:spcAft>
+                          <a:spcPts val="0"/>
+                        </a:spcAft>
+                        <a:buNone/>
+                      </a:pPr>
+                      <a:r>
+                        <a:rPr lang="en-US" b="1" dirty="0"/>
+                        <a:t>30</a:t>
+                      </a:r>
+                      <a:endParaRPr b="1" dirty="0"/>
+                    </a:p>
+                  </a:txBody>
+                  <a:tcPr marL="91425" marR="91425" marT="91425" marB="91425">
+                    <a:solidFill>
+                      <a:schemeClr val="bg1">
+                        <a:lumMod val="85000"/>
+                      </a:schemeClr>
+                    </a:solidFill>
+                  </a:tcPr>
+                </a:tc>
+                <a:tc>
+                  <a:txBody>
+                    <a:bodyPr/>
+                    <a:lstStyle/>
+                    <a:p>
+                      <a:pPr marL="0" lvl="0" indent="0" algn="r" rtl="0">
+                        <a:spcBef>
+                          <a:spcPts val="0"/>
+                        </a:spcBef>
+                        <a:spcAft>
+                          <a:spcPts val="0"/>
+                        </a:spcAft>
+                        <a:buNone/>
+                      </a:pPr>
+                      <a:r>
+                        <a:rPr lang="en-US" b="1" dirty="0"/>
+                        <a:t>0.1</a:t>
+                      </a:r>
+                      <a:endParaRPr b="1" dirty="0"/>
+                    </a:p>
+                  </a:txBody>
+                  <a:tcPr marL="91425" marR="91425" marT="91425" marB="91425">
+                    <a:solidFill>
+                      <a:schemeClr val="bg1">
+                        <a:lumMod val="85000"/>
+                      </a:schemeClr>
+                    </a:solidFill>
+                  </a:tcPr>
+                </a:tc>
+                <a:tc>
+                  <a:txBody>
+                    <a:bodyPr/>
+                    <a:lstStyle/>
+                    <a:p>
+                      <a:pPr marL="0" lvl="0" indent="0" algn="r" rtl="0">
+                        <a:spcBef>
+                          <a:spcPts val="0"/>
+                        </a:spcBef>
+                        <a:spcAft>
+                          <a:spcPts val="0"/>
+                        </a:spcAft>
+                        <a:buNone/>
+                      </a:pPr>
+                      <a:r>
+                        <a:rPr lang="en-US" b="1" dirty="0"/>
+                        <a:t>0.2</a:t>
+                      </a:r>
+                      <a:endParaRPr b="1" dirty="0"/>
+                    </a:p>
+                  </a:txBody>
+                  <a:tcPr marL="91425" marR="91425" marT="91425" marB="91425">
+                    <a:solidFill>
+                      <a:schemeClr val="bg1">
+                        <a:lumMod val="85000"/>
+                      </a:schemeClr>
+                    </a:solidFill>
+                  </a:tcPr>
+                </a:tc>
+                <a:tc>
+                  <a:txBody>
+                    <a:bodyPr/>
+                    <a:lstStyle/>
+                    <a:p>
+                      <a:pPr marL="0" lvl="0" indent="0" algn="r" rtl="0">
+                        <a:spcBef>
+                          <a:spcPts val="0"/>
+                        </a:spcBef>
+                        <a:spcAft>
+                          <a:spcPts val="0"/>
+                        </a:spcAft>
+                        <a:buNone/>
+                      </a:pPr>
+                      <a:r>
+                        <a:rPr lang="en-US" altLang="zh-CN" b="1" dirty="0"/>
+                        <a:t>0.50</a:t>
+                      </a:r>
+                      <a:endParaRPr b="1" dirty="0"/>
+                    </a:p>
+                  </a:txBody>
+                  <a:tcPr marL="91425" marR="91425" marT="91425" marB="91425">
+                    <a:solidFill>
+                      <a:schemeClr val="bg1">
+                        <a:lumMod val="85000"/>
+                      </a:schemeClr>
+                    </a:solidFill>
+                  </a:tcPr>
+                </a:tc>
+                <a:tc>
+                  <a:txBody>
+                    <a:bodyPr/>
+                    <a:lstStyle/>
+                    <a:p>
+                      <a:pPr marL="0" lvl="0" indent="0" algn="r" rtl="0">
+                        <a:spcBef>
+                          <a:spcPts val="0"/>
+                        </a:spcBef>
+                        <a:spcAft>
+                          <a:spcPts val="0"/>
+                        </a:spcAft>
+                        <a:buNone/>
+                      </a:pPr>
+                      <a:r>
+                        <a:rPr lang="en-US" altLang="zh-CN" b="1" dirty="0"/>
+                        <a:t>1.20</a:t>
+                      </a:r>
+                      <a:endParaRPr b="1" dirty="0"/>
+                    </a:p>
+                  </a:txBody>
+                  <a:tcPr marL="91425" marR="91425" marT="91425" marB="91425">
+                    <a:solidFill>
+                      <a:schemeClr val="bg1">
+                        <a:lumMod val="85000"/>
+                      </a:schemeClr>
+                    </a:solidFill>
+                  </a:tcPr>
+                </a:tc>
+                <a:extLst>
+                  <a:ext uri="{0D108BD9-81ED-4DB2-BD59-A6C34878D82A}">
+                    <a16:rowId xmlns:a16="http://schemas.microsoft.com/office/drawing/2014/main" xmlns="" val="10009"/>
+                  </a:ext>
+                </a:extLst>
+              </a:tr>
+            </a:tbl>
+          </a:graphicData>
+        </a:graphic>
+      </p:graphicFrame>
+    </p:spTree>
+  </p:cSld>
+  <p:clrMapOvr>
+    <a:masterClrMapping/>
+  </p:clrMapOvr>
+</p:sld>
+</file>
+
+<file path=ppt/slides/slide6.xml><?xml version="1.0" encoding="utf-8"?>
 <p:sld xmlns:a="http://schemas.openxmlformats.org/drawingml/2006/main" xmlns:r="http://schemas.openxmlformats.org/officeDocument/2006/relationships" xmlns:p="http://schemas.openxmlformats.org/presentationml/2006/main">
   <p:cSld>
     <p:spTree>
@@ -27581,7 +30412,7 @@
           <p:cNvPr id="2" name="Slide Number Placeholder 1">
             <a:extLst>
               <a:ext uri="{FF2B5EF4-FFF2-40B4-BE49-F238E27FC236}">
-                <a16:creationId xmlns:a16="http://schemas.microsoft.com/office/drawing/2014/main" id="{C86C188F-99D2-AD4B-B076-D89507417AB6}"/>
+                <a16:creationId xmlns:a16="http://schemas.microsoft.com/office/drawing/2014/main" xmlns="" id="{C86C188F-99D2-AD4B-B076-D89507417AB6}"/>
               </a:ext>
             </a:extLst>
           </p:cNvPr>
@@ -27608,13 +30439,18 @@
             </a:pPr>
             <a:fld id="{00000000-1234-1234-1234-123412341234}" type="slidenum">
               <a:rPr lang="en-US" smtClean="0"/>
-              <a:t>5</a:t>
+              <a:t>6</a:t>
             </a:fld>
             <a:endParaRPr lang="en-US"/>
           </a:p>
         </p:txBody>
       </p:sp>
     </p:spTree>
+    <p:extLst>
+      <p:ext uri="{BB962C8B-B14F-4D97-AF65-F5344CB8AC3E}">
+        <p14:creationId xmlns:p14="http://schemas.microsoft.com/office/powerpoint/2010/main" val="4097978290"/>
+      </p:ext>
+    </p:extLst>
   </p:cSld>
   <p:clrMapOvr>
     <a:masterClrMapping/>
@@ -27622,7 +30458,7 @@
 </p:sld>
 </file>
 
-<file path=ppt/slides/slide6.xml><?xml version="1.0" encoding="utf-8"?>
+<file path=ppt/slides/slide7.xml><?xml version="1.0" encoding="utf-8"?>
 <p:sld xmlns:a="http://schemas.openxmlformats.org/drawingml/2006/main" xmlns:r="http://schemas.openxmlformats.org/officeDocument/2006/relationships" xmlns:p="http://schemas.openxmlformats.org/presentationml/2006/main">
   <p:cSld>
     <p:spTree>
@@ -27666,35 +30502,35 @@
                 <a:gridCol w="1550150">
                   <a:extLst>
                     <a:ext uri="{9D8B030D-6E8A-4147-A177-3AD203B41FA5}">
-                      <a16:colId xmlns:a16="http://schemas.microsoft.com/office/drawing/2014/main" val="20000"/>
+                      <a16:colId xmlns:a16="http://schemas.microsoft.com/office/drawing/2014/main" xmlns="" val="20000"/>
                     </a:ext>
                   </a:extLst>
                 </a:gridCol>
                 <a:gridCol w="1550150">
                   <a:extLst>
                     <a:ext uri="{9D8B030D-6E8A-4147-A177-3AD203B41FA5}">
-                      <a16:colId xmlns:a16="http://schemas.microsoft.com/office/drawing/2014/main" val="20001"/>
+                      <a16:colId xmlns:a16="http://schemas.microsoft.com/office/drawing/2014/main" xmlns="" val="20001"/>
                     </a:ext>
                   </a:extLst>
                 </a:gridCol>
                 <a:gridCol w="1550150">
                   <a:extLst>
                     <a:ext uri="{9D8B030D-6E8A-4147-A177-3AD203B41FA5}">
-                      <a16:colId xmlns:a16="http://schemas.microsoft.com/office/drawing/2014/main" val="20002"/>
+                      <a16:colId xmlns:a16="http://schemas.microsoft.com/office/drawing/2014/main" xmlns="" val="20002"/>
                     </a:ext>
                   </a:extLst>
                 </a:gridCol>
                 <a:gridCol w="1550150">
                   <a:extLst>
                     <a:ext uri="{9D8B030D-6E8A-4147-A177-3AD203B41FA5}">
-                      <a16:colId xmlns:a16="http://schemas.microsoft.com/office/drawing/2014/main" val="20003"/>
+                      <a16:colId xmlns:a16="http://schemas.microsoft.com/office/drawing/2014/main" xmlns="" val="20003"/>
                     </a:ext>
                   </a:extLst>
                 </a:gridCol>
                 <a:gridCol w="1550150">
                   <a:extLst>
                     <a:ext uri="{9D8B030D-6E8A-4147-A177-3AD203B41FA5}">
-                      <a16:colId xmlns:a16="http://schemas.microsoft.com/office/drawing/2014/main" val="20004"/>
+                      <a16:colId xmlns:a16="http://schemas.microsoft.com/office/drawing/2014/main" xmlns="" val="20004"/>
                     </a:ext>
                   </a:extLst>
                 </a:gridCol>
@@ -27856,7 +30692,7 @@
                 </a:tc>
                 <a:extLst>
                   <a:ext uri="{0D108BD9-81ED-4DB2-BD59-A6C34878D82A}">
-                    <a16:rowId xmlns:a16="http://schemas.microsoft.com/office/drawing/2014/main" val="10000"/>
+                    <a16:rowId xmlns:a16="http://schemas.microsoft.com/office/drawing/2014/main" xmlns="" val="10000"/>
                   </a:ext>
                 </a:extLst>
               </a:tr>
@@ -27978,7 +30814,7 @@
                 </a:tc>
                 <a:extLst>
                   <a:ext uri="{0D108BD9-81ED-4DB2-BD59-A6C34878D82A}">
-                    <a16:rowId xmlns:a16="http://schemas.microsoft.com/office/drawing/2014/main" val="10001"/>
+                    <a16:rowId xmlns:a16="http://schemas.microsoft.com/office/drawing/2014/main" xmlns="" val="10001"/>
                   </a:ext>
                 </a:extLst>
               </a:tr>
@@ -28100,7 +30936,7 @@
                 </a:tc>
                 <a:extLst>
                   <a:ext uri="{0D108BD9-81ED-4DB2-BD59-A6C34878D82A}">
-                    <a16:rowId xmlns:a16="http://schemas.microsoft.com/office/drawing/2014/main" val="10002"/>
+                    <a16:rowId xmlns:a16="http://schemas.microsoft.com/office/drawing/2014/main" xmlns="" val="10002"/>
                   </a:ext>
                 </a:extLst>
               </a:tr>
@@ -28222,7 +31058,7 @@
                 </a:tc>
                 <a:extLst>
                   <a:ext uri="{0D108BD9-81ED-4DB2-BD59-A6C34878D82A}">
-                    <a16:rowId xmlns:a16="http://schemas.microsoft.com/office/drawing/2014/main" val="10003"/>
+                    <a16:rowId xmlns:a16="http://schemas.microsoft.com/office/drawing/2014/main" xmlns="" val="10003"/>
                   </a:ext>
                 </a:extLst>
               </a:tr>
@@ -28353,7 +31189,7 @@
                 </a:tc>
                 <a:extLst>
                   <a:ext uri="{0D108BD9-81ED-4DB2-BD59-A6C34878D82A}">
-                    <a16:rowId xmlns:a16="http://schemas.microsoft.com/office/drawing/2014/main" val="10004"/>
+                    <a16:rowId xmlns:a16="http://schemas.microsoft.com/office/drawing/2014/main" xmlns="" val="10004"/>
                   </a:ext>
                 </a:extLst>
               </a:tr>
@@ -28484,7 +31320,7 @@
                 </a:tc>
                 <a:extLst>
                   <a:ext uri="{0D108BD9-81ED-4DB2-BD59-A6C34878D82A}">
-                    <a16:rowId xmlns:a16="http://schemas.microsoft.com/office/drawing/2014/main" val="10005"/>
+                    <a16:rowId xmlns:a16="http://schemas.microsoft.com/office/drawing/2014/main" xmlns="" val="10005"/>
                   </a:ext>
                 </a:extLst>
               </a:tr>
@@ -28606,7 +31442,7 @@
                 </a:tc>
                 <a:extLst>
                   <a:ext uri="{0D108BD9-81ED-4DB2-BD59-A6C34878D82A}">
-                    <a16:rowId xmlns:a16="http://schemas.microsoft.com/office/drawing/2014/main" val="10006"/>
+                    <a16:rowId xmlns:a16="http://schemas.microsoft.com/office/drawing/2014/main" xmlns="" val="10006"/>
                   </a:ext>
                 </a:extLst>
               </a:tr>
@@ -28728,7 +31564,7 @@
                 </a:tc>
                 <a:extLst>
                   <a:ext uri="{0D108BD9-81ED-4DB2-BD59-A6C34878D82A}">
-                    <a16:rowId xmlns:a16="http://schemas.microsoft.com/office/drawing/2014/main" val="10007"/>
+                    <a16:rowId xmlns:a16="http://schemas.microsoft.com/office/drawing/2014/main" xmlns="" val="10007"/>
                   </a:ext>
                 </a:extLst>
               </a:tr>
@@ -28850,7 +31686,7 @@
                 </a:tc>
                 <a:extLst>
                   <a:ext uri="{0D108BD9-81ED-4DB2-BD59-A6C34878D82A}">
-                    <a16:rowId xmlns:a16="http://schemas.microsoft.com/office/drawing/2014/main" val="10008"/>
+                    <a16:rowId xmlns:a16="http://schemas.microsoft.com/office/drawing/2014/main" xmlns="" val="10008"/>
                   </a:ext>
                 </a:extLst>
               </a:tr>
@@ -28992,7 +31828,7 @@
                 </a:tc>
                 <a:extLst>
                   <a:ext uri="{0D108BD9-81ED-4DB2-BD59-A6C34878D82A}">
-                    <a16:rowId xmlns:a16="http://schemas.microsoft.com/office/drawing/2014/main" val="10009"/>
+                    <a16:rowId xmlns:a16="http://schemas.microsoft.com/office/drawing/2014/main" xmlns="" val="10009"/>
                   </a:ext>
                 </a:extLst>
               </a:tr>
@@ -29005,7 +31841,7 @@
           <p:cNvPr id="2" name="Slide Number Placeholder 1">
             <a:extLst>
               <a:ext uri="{FF2B5EF4-FFF2-40B4-BE49-F238E27FC236}">
-                <a16:creationId xmlns:a16="http://schemas.microsoft.com/office/drawing/2014/main" id="{73BAE86D-7A17-1C4E-8A41-C0C3457470D2}"/>
+                <a16:creationId xmlns:a16="http://schemas.microsoft.com/office/drawing/2014/main" xmlns="" id="{73BAE86D-7A17-1C4E-8A41-C0C3457470D2}"/>
               </a:ext>
             </a:extLst>
           </p:cNvPr>
@@ -29032,7 +31868,7 @@
             </a:pPr>
             <a:fld id="{00000000-1234-1234-1234-123412341234}" type="slidenum">
               <a:rPr lang="en-US" smtClean="0"/>
-              <a:t>6</a:t>
+              <a:t>7</a:t>
             </a:fld>
             <a:endParaRPr lang="en-US"/>
           </a:p>
@@ -29046,7 +31882,7 @@
 </p:sld>
 </file>
 
-<file path=ppt/slides/slide7.xml><?xml version="1.0" encoding="utf-8"?>
+<file path=ppt/slides/slide8.xml><?xml version="1.0" encoding="utf-8"?>
 <p:sld xmlns:a="http://schemas.openxmlformats.org/drawingml/2006/main" xmlns:r="http://schemas.openxmlformats.org/officeDocument/2006/relationships" xmlns:p="http://schemas.openxmlformats.org/presentationml/2006/main">
   <p:cSld>
     <p:spTree>
@@ -29410,7 +32246,7 @@
           <p:cNvPr id="2" name="TextBox 1">
             <a:extLst>
               <a:ext uri="{FF2B5EF4-FFF2-40B4-BE49-F238E27FC236}">
-                <a16:creationId xmlns:a16="http://schemas.microsoft.com/office/drawing/2014/main" id="{0B455EBF-5739-C54A-A464-C9464C9D6CF8}"/>
+                <a16:creationId xmlns:a16="http://schemas.microsoft.com/office/drawing/2014/main" xmlns="" id="{0B455EBF-5739-C54A-A464-C9464C9D6CF8}"/>
               </a:ext>
             </a:extLst>
           </p:cNvPr>
@@ -29461,7 +32297,7 @@
           <p:cNvPr id="3" name="Slide Number Placeholder 2">
             <a:extLst>
               <a:ext uri="{FF2B5EF4-FFF2-40B4-BE49-F238E27FC236}">
-                <a16:creationId xmlns:a16="http://schemas.microsoft.com/office/drawing/2014/main" id="{84C70E15-5C43-D642-BC9A-B29FA7567CD7}"/>
+                <a16:creationId xmlns:a16="http://schemas.microsoft.com/office/drawing/2014/main" xmlns="" id="{84C70E15-5C43-D642-BC9A-B29FA7567CD7}"/>
               </a:ext>
             </a:extLst>
           </p:cNvPr>
@@ -29488,7 +32324,7 @@
             </a:pPr>
             <a:fld id="{00000000-1234-1234-1234-123412341234}" type="slidenum">
               <a:rPr lang="en-US" smtClean="0"/>
-              <a:t>7</a:t>
+              <a:t>8</a:t>
             </a:fld>
             <a:endParaRPr lang="en-US"/>
           </a:p>
@@ -29502,7 +32338,7 @@
 </p:sld>
 </file>
 
-<file path=ppt/slides/slide8.xml><?xml version="1.0" encoding="utf-8"?>
+<file path=ppt/slides/slide9.xml><?xml version="1.0" encoding="utf-8"?>
 <p:sld xmlns:a="http://schemas.openxmlformats.org/drawingml/2006/main" xmlns:r="http://schemas.openxmlformats.org/officeDocument/2006/relationships" xmlns:p="http://schemas.openxmlformats.org/presentationml/2006/main">
   <p:cSld>
     <p:spTree>
@@ -29574,7 +32410,7 @@
           <p:cNvPr id="2" name="TextBox 1">
             <a:extLst>
               <a:ext uri="{FF2B5EF4-FFF2-40B4-BE49-F238E27FC236}">
-                <a16:creationId xmlns:a16="http://schemas.microsoft.com/office/drawing/2014/main" id="{8DF5C8C2-B12C-ED47-92E5-5386C31AC56D}"/>
+                <a16:creationId xmlns:a16="http://schemas.microsoft.com/office/drawing/2014/main" xmlns="" id="{8DF5C8C2-B12C-ED47-92E5-5386C31AC56D}"/>
               </a:ext>
             </a:extLst>
           </p:cNvPr>
@@ -29722,7 +32558,7 @@
           <p:cNvPr id="4" name="Picture 3">
             <a:extLst>
               <a:ext uri="{FF2B5EF4-FFF2-40B4-BE49-F238E27FC236}">
-                <a16:creationId xmlns:a16="http://schemas.microsoft.com/office/drawing/2014/main" id="{3D9BA29B-2AD5-9742-AE28-F99019B6F9EB}"/>
+                <a16:creationId xmlns:a16="http://schemas.microsoft.com/office/drawing/2014/main" xmlns="" id="{3D9BA29B-2AD5-9742-AE28-F99019B6F9EB}"/>
               </a:ext>
             </a:extLst>
           </p:cNvPr>
@@ -29752,7 +32588,7 @@
           <p:cNvPr id="8" name="Picture 7">
             <a:extLst>
               <a:ext uri="{FF2B5EF4-FFF2-40B4-BE49-F238E27FC236}">
-                <a16:creationId xmlns:a16="http://schemas.microsoft.com/office/drawing/2014/main" id="{FCE64DB3-0608-3547-82CF-C1E84C37F3DC}"/>
+                <a16:creationId xmlns:a16="http://schemas.microsoft.com/office/drawing/2014/main" xmlns="" id="{FCE64DB3-0608-3547-82CF-C1E84C37F3DC}"/>
               </a:ext>
             </a:extLst>
           </p:cNvPr>
@@ -29782,7 +32618,7 @@
           <p:cNvPr id="13" name="Rectangle 12">
             <a:extLst>
               <a:ext uri="{FF2B5EF4-FFF2-40B4-BE49-F238E27FC236}">
-                <a16:creationId xmlns:a16="http://schemas.microsoft.com/office/drawing/2014/main" id="{E821117E-60F9-A148-9152-A71DB4683C1D}"/>
+                <a16:creationId xmlns:a16="http://schemas.microsoft.com/office/drawing/2014/main" xmlns="" id="{E821117E-60F9-A148-9152-A71DB4683C1D}"/>
               </a:ext>
             </a:extLst>
           </p:cNvPr>
@@ -29873,7 +32709,7 @@
           <p:cNvPr id="3" name="Slide Number Placeholder 2">
             <a:extLst>
               <a:ext uri="{FF2B5EF4-FFF2-40B4-BE49-F238E27FC236}">
-                <a16:creationId xmlns:a16="http://schemas.microsoft.com/office/drawing/2014/main" id="{EC5368EF-7ABE-CB46-A081-9AC79DABBBCE}"/>
+                <a16:creationId xmlns:a16="http://schemas.microsoft.com/office/drawing/2014/main" xmlns="" id="{EC5368EF-7ABE-CB46-A081-9AC79DABBBCE}"/>
               </a:ext>
             </a:extLst>
           </p:cNvPr>
@@ -29900,7 +32736,7 @@
             </a:pPr>
             <a:fld id="{00000000-1234-1234-1234-123412341234}" type="slidenum">
               <a:rPr lang="en-US" smtClean="0"/>
-              <a:t>8</a:t>
+              <a:t>9</a:t>
             </a:fld>
             <a:endParaRPr lang="en-US"/>
           </a:p>
@@ -29910,354 +32746,6 @@
     <p:extLst>
       <p:ext uri="{BB962C8B-B14F-4D97-AF65-F5344CB8AC3E}">
         <p14:creationId xmlns:p14="http://schemas.microsoft.com/office/powerpoint/2010/main" val="856625173"/>
-      </p:ext>
-    </p:extLst>
-  </p:cSld>
-  <p:clrMapOvr>
-    <a:masterClrMapping/>
-  </p:clrMapOvr>
-</p:sld>
-</file>
-
-<file path=ppt/slides/slide9.xml><?xml version="1.0" encoding="utf-8"?>
-<p:sld xmlns:a="http://schemas.openxmlformats.org/drawingml/2006/main" xmlns:r="http://schemas.openxmlformats.org/officeDocument/2006/relationships" xmlns:p="http://schemas.openxmlformats.org/presentationml/2006/main">
-  <p:cSld>
-    <p:spTree>
-      <p:nvGrpSpPr>
-        <p:cNvPr id="1" name="Shape 146"/>
-        <p:cNvGrpSpPr/>
-        <p:nvPr/>
-      </p:nvGrpSpPr>
-      <p:grpSpPr>
-        <a:xfrm>
-          <a:off x="0" y="0"/>
-          <a:ext cx="0" cy="0"/>
-          <a:chOff x="0" y="0"/>
-          <a:chExt cx="0" cy="0"/>
-        </a:xfrm>
-      </p:grpSpPr>
-      <p:sp>
-        <p:nvSpPr>
-          <p:cNvPr id="150" name="Google Shape;150;g6b602bf000_2_3"/>
-          <p:cNvSpPr txBox="1">
-            <a:spLocks noGrp="1"/>
-          </p:cNvSpPr>
-          <p:nvPr>
-            <p:ph type="title"/>
-          </p:nvPr>
-        </p:nvSpPr>
-        <p:spPr>
-          <a:xfrm>
-            <a:off x="1371600" y="685800"/>
-            <a:ext cx="9601200" cy="1485900"/>
-          </a:xfrm>
-          <a:prstGeom prst="rect">
-            <a:avLst/>
-          </a:prstGeom>
-          <a:noFill/>
-          <a:ln>
-            <a:noFill/>
-          </a:ln>
-        </p:spPr>
-        <p:txBody>
-          <a:bodyPr spcFirstLastPara="1" wrap="square" lIns="91425" tIns="45700" rIns="91425" bIns="45700" anchor="t" anchorCtr="0">
-            <a:noAutofit/>
-          </a:bodyPr>
-          <a:lstStyle/>
-          <a:p>
-            <a:pPr lvl="0">
-              <a:buSzPts val="4400"/>
-            </a:pPr>
-            <a:r>
-              <a:rPr lang="en-US" altLang="zh-CN" dirty="0">
-                <a:latin typeface="+mj-lt"/>
-              </a:rPr>
-              <a:t>PMF</a:t>
-            </a:r>
-            <a:r>
-              <a:rPr lang="en-US" dirty="0">
-                <a:latin typeface="+mj-lt"/>
-              </a:rPr>
-              <a:t> Parameter Evaluation</a:t>
-            </a:r>
-            <a:endParaRPr dirty="0">
-              <a:latin typeface="+mj-lt"/>
-            </a:endParaRPr>
-          </a:p>
-        </p:txBody>
-      </p:sp>
-      <p:sp>
-        <p:nvSpPr>
-          <p:cNvPr id="2" name="TextBox 1">
-            <a:extLst>
-              <a:ext uri="{FF2B5EF4-FFF2-40B4-BE49-F238E27FC236}">
-                <a16:creationId xmlns:a16="http://schemas.microsoft.com/office/drawing/2014/main" id="{8DF5C8C2-B12C-ED47-92E5-5386C31AC56D}"/>
-              </a:ext>
-            </a:extLst>
-          </p:cNvPr>
-          <p:cNvSpPr txBox="1"/>
-          <p:nvPr/>
-        </p:nvSpPr>
-        <p:spPr>
-          <a:xfrm>
-            <a:off x="1371600" y="1459746"/>
-            <a:ext cx="7698828" cy="369332"/>
-          </a:xfrm>
-          <a:prstGeom prst="rect">
-            <a:avLst/>
-          </a:prstGeom>
-          <a:noFill/>
-        </p:spPr>
-        <p:txBody>
-          <a:bodyPr wrap="square" rtlCol="0">
-            <a:spAutoFit/>
-          </a:bodyPr>
-          <a:lstStyle/>
-          <a:p>
-            <a:r>
-              <a:rPr lang="en-US" sz="1800" b="1" dirty="0"/>
-              <a:t>fix number of features to be </a:t>
-            </a:r>
-            <a:r>
-              <a:rPr lang="en-US" altLang="zh-CN" sz="1800" b="1" dirty="0"/>
-              <a:t>3</a:t>
-            </a:r>
-            <a:r>
-              <a:rPr lang="en-US" sz="1800" b="1" dirty="0"/>
-              <a:t>0</a:t>
-            </a:r>
-            <a:r>
-              <a:rPr lang="zh-CN" altLang="en-US" sz="1800" b="1" dirty="0"/>
-              <a:t> </a:t>
-            </a:r>
-            <a:r>
-              <a:rPr lang="en-US" altLang="zh-CN" sz="1800" b="1" dirty="0"/>
-              <a:t>and</a:t>
-            </a:r>
-            <a:r>
-              <a:rPr lang="zh-CN" altLang="en-US" sz="1800" b="1" dirty="0"/>
-              <a:t> </a:t>
-            </a:r>
-            <a:r>
-              <a:rPr lang="en-US" altLang="zh-CN" sz="1800" b="1" dirty="0" err="1"/>
-              <a:t>λ</a:t>
-            </a:r>
-            <a:r>
-              <a:rPr lang="en-US" altLang="zh-CN" sz="1800" b="1" baseline="-25000" dirty="0" err="1"/>
-              <a:t>v</a:t>
-            </a:r>
-            <a:r>
-              <a:rPr lang="zh-CN" altLang="en-US" sz="1800" b="1" dirty="0"/>
-              <a:t> </a:t>
-            </a:r>
-            <a:r>
-              <a:rPr lang="en-US" altLang="zh-CN" sz="1800" b="1" dirty="0"/>
-              <a:t>to</a:t>
-            </a:r>
-            <a:r>
-              <a:rPr lang="zh-CN" altLang="en-US" sz="1800" b="1" dirty="0"/>
-              <a:t> </a:t>
-            </a:r>
-            <a:r>
-              <a:rPr lang="en-US" altLang="zh-CN" sz="1800" b="1" dirty="0"/>
-              <a:t>be</a:t>
-            </a:r>
-            <a:r>
-              <a:rPr lang="zh-CN" altLang="en-US" sz="1800" b="1" dirty="0"/>
-              <a:t> </a:t>
-            </a:r>
-            <a:r>
-              <a:rPr lang="en-US" altLang="zh-CN" sz="1800" b="1" dirty="0"/>
-              <a:t>0.2</a:t>
-            </a:r>
-            <a:r>
-              <a:rPr lang="en-US" sz="1800" b="1" dirty="0"/>
-              <a:t>, change </a:t>
-            </a:r>
-            <a:r>
-              <a:rPr lang="en-US" altLang="zh-CN" sz="1800" b="1" dirty="0" err="1"/>
-              <a:t>λ</a:t>
-            </a:r>
-            <a:r>
-              <a:rPr lang="en-US" altLang="zh-CN" sz="1800" b="1" baseline="-25000" dirty="0" err="1"/>
-              <a:t>u</a:t>
-            </a:r>
-            <a:endParaRPr lang="en-US" sz="1800" b="1" dirty="0"/>
-          </a:p>
-        </p:txBody>
-      </p:sp>
-      <p:pic>
-        <p:nvPicPr>
-          <p:cNvPr id="4" name="Picture 3">
-            <a:extLst>
-              <a:ext uri="{FF2B5EF4-FFF2-40B4-BE49-F238E27FC236}">
-                <a16:creationId xmlns:a16="http://schemas.microsoft.com/office/drawing/2014/main" id="{65D4097B-F19A-674B-88B9-8EEDB67C6B45}"/>
-              </a:ext>
-            </a:extLst>
-          </p:cNvPr>
-          <p:cNvPicPr>
-            <a:picLocks noChangeAspect="1"/>
-          </p:cNvPicPr>
-          <p:nvPr/>
-        </p:nvPicPr>
-        <p:blipFill rotWithShape="1">
-          <a:blip r:embed="rId3"/>
-          <a:srcRect r="9165"/>
-          <a:stretch/>
-        </p:blipFill>
-        <p:spPr>
-          <a:xfrm>
-            <a:off x="1371601" y="1965433"/>
-            <a:ext cx="4367048" cy="3526221"/>
-          </a:xfrm>
-          <a:prstGeom prst="rect">
-            <a:avLst/>
-          </a:prstGeom>
-        </p:spPr>
-      </p:pic>
-      <p:pic>
-        <p:nvPicPr>
-          <p:cNvPr id="8" name="Picture 7">
-            <a:extLst>
-              <a:ext uri="{FF2B5EF4-FFF2-40B4-BE49-F238E27FC236}">
-                <a16:creationId xmlns:a16="http://schemas.microsoft.com/office/drawing/2014/main" id="{2A917C70-03FA-E742-AB5F-312E20C07C90}"/>
-              </a:ext>
-            </a:extLst>
-          </p:cNvPr>
-          <p:cNvPicPr>
-            <a:picLocks noChangeAspect="1"/>
-          </p:cNvPicPr>
-          <p:nvPr/>
-        </p:nvPicPr>
-        <p:blipFill rotWithShape="1">
-          <a:blip r:embed="rId4"/>
-          <a:srcRect r="7572"/>
-          <a:stretch/>
-        </p:blipFill>
-        <p:spPr>
-          <a:xfrm>
-            <a:off x="6639197" y="1965432"/>
-            <a:ext cx="4333604" cy="3526221"/>
-          </a:xfrm>
-          <a:prstGeom prst="rect">
-            <a:avLst/>
-          </a:prstGeom>
-        </p:spPr>
-      </p:pic>
-      <p:sp>
-        <p:nvSpPr>
-          <p:cNvPr id="9" name="TextBox 8">
-            <a:extLst>
-              <a:ext uri="{FF2B5EF4-FFF2-40B4-BE49-F238E27FC236}">
-                <a16:creationId xmlns:a16="http://schemas.microsoft.com/office/drawing/2014/main" id="{26AC9F5E-F117-354C-8AE8-204FA90992EC}"/>
-              </a:ext>
-            </a:extLst>
-          </p:cNvPr>
-          <p:cNvSpPr txBox="1"/>
-          <p:nvPr/>
-        </p:nvSpPr>
-        <p:spPr>
-          <a:xfrm>
-            <a:off x="4981903" y="5791200"/>
-            <a:ext cx="3647090" cy="400110"/>
-          </a:xfrm>
-          <a:prstGeom prst="rect">
-            <a:avLst/>
-          </a:prstGeom>
-          <a:noFill/>
-        </p:spPr>
-        <p:txBody>
-          <a:bodyPr wrap="square" rtlCol="0">
-            <a:spAutoFit/>
-          </a:bodyPr>
-          <a:lstStyle/>
-          <a:p>
-            <a:r>
-              <a:rPr lang="en-US" altLang="zh-CN" sz="1800" b="1" dirty="0"/>
-              <a:t>Finally</a:t>
-            </a:r>
-            <a:r>
-              <a:rPr lang="zh-CN" altLang="en-US" sz="2000" b="1" dirty="0"/>
-              <a:t> </a:t>
-            </a:r>
-            <a:r>
-              <a:rPr lang="en-US" altLang="zh-CN" sz="2000" b="1" dirty="0"/>
-              <a:t>choose</a:t>
-            </a:r>
-            <a:r>
-              <a:rPr lang="zh-CN" altLang="en-US" sz="2000" b="1" dirty="0"/>
-              <a:t> </a:t>
-            </a:r>
-            <a:r>
-              <a:rPr lang="en-US" altLang="zh-CN" sz="2000" b="1" dirty="0" err="1"/>
-              <a:t>λ</a:t>
-            </a:r>
-            <a:r>
-              <a:rPr lang="en-US" altLang="zh-CN" sz="2000" b="1" baseline="-25000" dirty="0" err="1"/>
-              <a:t>u</a:t>
-            </a:r>
-            <a:r>
-              <a:rPr lang="zh-CN" altLang="en-US" sz="2000" b="1" baseline="-25000" dirty="0"/>
-              <a:t> </a:t>
-            </a:r>
-            <a:r>
-              <a:rPr lang="en-US" altLang="zh-CN" sz="2000" b="1" dirty="0"/>
-              <a:t>=</a:t>
-            </a:r>
-            <a:r>
-              <a:rPr lang="zh-CN" altLang="en-US" sz="2000" b="1" dirty="0"/>
-              <a:t> </a:t>
-            </a:r>
-            <a:r>
-              <a:rPr lang="en-US" altLang="zh-CN" sz="2000" b="1" dirty="0"/>
-              <a:t>0.1</a:t>
-            </a:r>
-            <a:endParaRPr lang="en-US" sz="2000" dirty="0"/>
-          </a:p>
-        </p:txBody>
-      </p:sp>
-      <p:sp>
-        <p:nvSpPr>
-          <p:cNvPr id="3" name="Slide Number Placeholder 2">
-            <a:extLst>
-              <a:ext uri="{FF2B5EF4-FFF2-40B4-BE49-F238E27FC236}">
-                <a16:creationId xmlns:a16="http://schemas.microsoft.com/office/drawing/2014/main" id="{0F4DCDCA-4AB8-F94D-9916-B2E9882CA9C2}"/>
-              </a:ext>
-            </a:extLst>
-          </p:cNvPr>
-          <p:cNvSpPr>
-            <a:spLocks noGrp="1"/>
-          </p:cNvSpPr>
-          <p:nvPr>
-            <p:ph type="sldNum" idx="12"/>
-          </p:nvPr>
-        </p:nvSpPr>
-        <p:spPr/>
-        <p:txBody>
-          <a:bodyPr/>
-          <a:lstStyle/>
-          <a:p>
-            <a:pPr marL="0" lvl="0" indent="0" algn="r" rtl="0">
-              <a:spcBef>
-                <a:spcPts val="0"/>
-              </a:spcBef>
-              <a:spcAft>
-                <a:spcPts val="0"/>
-              </a:spcAft>
-              <a:buNone/>
-            </a:pPr>
-            <a:fld id="{00000000-1234-1234-1234-123412341234}" type="slidenum">
-              <a:rPr lang="en-US" smtClean="0"/>
-              <a:t>9</a:t>
-            </a:fld>
-            <a:endParaRPr lang="en-US"/>
-          </a:p>
-        </p:txBody>
-      </p:sp>
-    </p:spTree>
-    <p:extLst>
-      <p:ext uri="{BB962C8B-B14F-4D97-AF65-F5344CB8AC3E}">
-        <p14:creationId xmlns:p14="http://schemas.microsoft.com/office/powerpoint/2010/main" val="2449263063"/>
       </p:ext>
     </p:extLst>
   </p:cSld>

--- a/doc/Project 4 group 6 Presentation.pptx
+++ b/doc/Project 4 group 6 Presentation.pptx
@@ -32,13 +32,13 @@
   <p:notesSz cx="6858000" cy="9144000"/>
   <p:embeddedFontLst>
     <p:embeddedFont>
-      <p:font typeface="Franklin Gothic Medium" panose="020B0603020102020204" pitchFamily="34" charset="0"/>
+      <p:font typeface="Cambria Math" panose="02040503050406030204" pitchFamily="18" charset="0"/>
       <p:regular r:id="rId22"/>
-      <p:italic r:id="rId23"/>
     </p:embeddedFont>
     <p:embeddedFont>
-      <p:font typeface="Cambria Math" panose="02040503050406030204" pitchFamily="18" charset="0"/>
-      <p:regular r:id="rId24"/>
+      <p:font typeface="Franklin Gothic Medium" panose="020B0603020102020204" pitchFamily="34" charset="0"/>
+      <p:regular r:id="rId23"/>
+      <p:italic r:id="rId24"/>
     </p:embeddedFont>
     <p:embeddedFont>
       <p:font typeface="Libre Franklin" panose="00000500000000000000" charset="0"/>
@@ -282,7 +282,7 @@
       <p15:sldGuideLst xmlns:p15="http://schemas.microsoft.com/office/powerpoint/2012/main"/>
     </p:ext>
     <p:ext uri="http://customooxmlschemas.google.com/">
-      <go:slidesCustomData xmlns:go="http://customooxmlschemas.google.com/" xmlns:p15="http://schemas.microsoft.com/office/powerpoint/2012/main" xmlns:p14="http://schemas.microsoft.com/office/powerpoint/2010/main" xmlns:com="http://schemas.openxmlformats.org/drawingml/2006/compatibility" xmlns:pvml="urn:schemas-microsoft-com:office:powerpoint" xmlns:v="urn:schemas-microsoft-com:vml" xmlns:o="urn:schemas-microsoft-com:office:office" xmlns:dgm="http://schemas.openxmlformats.org/drawingml/2006/diagram" xmlns:c="http://schemas.openxmlformats.org/drawingml/2006/chart" xmlns:mv="urn:schemas-microsoft-com:mac:vml" xmlns:mc="http://schemas.openxmlformats.org/markup-compatibility/2006" xmlns="" r:id="rId29" roundtripDataSignature="AMtx7mh89RgWPKWqMtKn1aRcil2/X8C+og=="/>
+      <go:slidesCustomData xmlns="" xmlns:mc="http://schemas.openxmlformats.org/markup-compatibility/2006" xmlns:mv="urn:schemas-microsoft-com:mac:vml" xmlns:c="http://schemas.openxmlformats.org/drawingml/2006/chart" xmlns:dgm="http://schemas.openxmlformats.org/drawingml/2006/diagram" xmlns:o="urn:schemas-microsoft-com:office:office" xmlns:v="urn:schemas-microsoft-com:vml" xmlns:pvml="urn:schemas-microsoft-com:office:powerpoint" xmlns:com="http://schemas.openxmlformats.org/drawingml/2006/compatibility" xmlns:p14="http://schemas.microsoft.com/office/powerpoint/2010/main" xmlns:p15="http://schemas.microsoft.com/office/powerpoint/2012/main" xmlns:go="http://customooxmlschemas.google.com/" r:id="rId29" roundtripDataSignature="AMtx7mh89RgWPKWqMtKn1aRcil2/X8C+og=="/>
     </p:ext>
   </p:extLst>
 </p:presentation>
@@ -19741,7 +19741,7 @@
       </a:lvl9pPr>
     </p:otherStyle>
   </p:txStyles>
-  <p:extLst mod="1">
+  <p:extLst>
     <p:ext uri="{27BBF7A9-308A-43DC-89C8-2F10F3537804}">
       <p15:sldGuideLst xmlns:p15="http://schemas.microsoft.com/office/powerpoint/2012/main">
         <p15:guide id="1" orient="horz" pos="1368">
@@ -19859,45 +19859,27 @@
               </a:rPr>
               <a:t>COLLABORATIVE FILTERING ALGORITHM IMPLEMENTATION</a:t>
             </a:r>
-            <a:r>
-              <a:rPr lang="en-US" sz="3600" dirty="0">
-                <a:latin typeface="+mj-lt"/>
-              </a:rPr>
-              <a:t/>
-            </a:r>
             <a:br>
               <a:rPr lang="en-US" sz="3600" dirty="0">
                 <a:latin typeface="+mj-lt"/>
               </a:rPr>
             </a:br>
             <a:r>
-              <a:rPr lang="en-US" sz="2400" dirty="0" smtClean="0">
+              <a:rPr lang="en-US" sz="2400" dirty="0">
                 <a:latin typeface="+mj-lt"/>
               </a:rPr>
               <a:t> </a:t>
             </a:r>
-            <a:r>
-              <a:rPr lang="en-US" sz="3600" dirty="0" smtClean="0">
+            <a:br>
+              <a:rPr lang="en-US" sz="3600" dirty="0">
                 <a:latin typeface="+mj-lt"/>
               </a:rPr>
-              <a:t/>
-            </a:r>
-            <a:br>
-              <a:rPr lang="en-US" sz="3600" dirty="0" smtClean="0">
-                <a:latin typeface="+mj-lt"/>
-              </a:rPr>
             </a:br>
-            <a:r>
-              <a:rPr lang="en-US" sz="2400" cap="none" dirty="0" smtClean="0">
-                <a:latin typeface="+mj-lt"/>
-              </a:rPr>
-              <a:t>Using </a:t>
-            </a:r>
             <a:r>
               <a:rPr lang="en-US" sz="2400" cap="none" dirty="0">
                 <a:latin typeface="+mj-lt"/>
               </a:rPr>
-              <a:t>Probabilistic Matrix Factorization and Large-scale Parallel Collaborative Filtering using SVD with KNN </a:t>
+              <a:t>Using Probabilistic Matrix Factorization and Large-scale Parallel Collaborative Filtering using SVD with KNN </a:t>
             </a:r>
             <a:endParaRPr dirty="0">
               <a:latin typeface="+mj-lt"/>
@@ -19951,46 +19933,34 @@
               <a:buNone/>
             </a:pPr>
             <a:r>
-              <a:rPr lang="en-US" dirty="0" smtClean="0">
-                <a:latin typeface="+mj-lt"/>
-              </a:rPr>
-              <a:t>      Group </a:t>
-            </a:r>
-            <a:r>
-              <a:rPr lang="en-US" altLang="zh-CN" dirty="0" smtClean="0">
-                <a:latin typeface="+mj-lt"/>
-              </a:rPr>
-              <a:t>6</a:t>
-            </a:r>
-            <a:r>
-              <a:rPr lang="en-US" dirty="0" smtClean="0">
-                <a:latin typeface="+mj-lt"/>
-              </a:rPr>
-              <a:t>:	</a:t>
-            </a:r>
-            <a:r>
-              <a:rPr lang="en-US" dirty="0" err="1" smtClean="0">
-                <a:latin typeface="+mj-lt"/>
-              </a:rPr>
-              <a:t>Yanan</a:t>
-            </a:r>
-            <a:r>
-              <a:rPr lang="en-US" dirty="0" smtClean="0">
-                <a:latin typeface="+mj-lt"/>
-              </a:rPr>
-              <a:t> </a:t>
-            </a:r>
-            <a:r>
               <a:rPr lang="en-US" dirty="0">
                 <a:latin typeface="+mj-lt"/>
               </a:rPr>
-              <a:t>Li (</a:t>
-            </a:r>
-            <a:r>
-              <a:rPr lang="en-US" dirty="0" smtClean="0">
+              <a:t>      Group </a:t>
+            </a:r>
+            <a:r>
+              <a:rPr lang="en-US" altLang="zh-CN" dirty="0">
                 <a:latin typeface="+mj-lt"/>
               </a:rPr>
-              <a:t>yl4062)</a:t>
+              <a:t>6</a:t>
+            </a:r>
+            <a:r>
+              <a:rPr lang="en-US" dirty="0">
+                <a:latin typeface="+mj-lt"/>
+              </a:rPr>
+              <a:t>:	</a:t>
+            </a:r>
+            <a:r>
+              <a:rPr lang="en-US" dirty="0" err="1">
+                <a:latin typeface="+mj-lt"/>
+              </a:rPr>
+              <a:t>Yanan</a:t>
+            </a:r>
+            <a:r>
+              <a:rPr lang="en-US" dirty="0">
+                <a:latin typeface="+mj-lt"/>
+              </a:rPr>
+              <a:t> Li (yl4062)</a:t>
             </a:r>
           </a:p>
           <a:p>
@@ -20011,16 +19981,10 @@
               <a:buNone/>
             </a:pPr>
             <a:r>
-              <a:rPr lang="en-US" dirty="0" smtClean="0">
-                <a:latin typeface="+mj-lt"/>
-              </a:rPr>
-              <a:t>		Daniel </a:t>
-            </a:r>
-            <a:r>
               <a:rPr lang="en-US" dirty="0">
                 <a:latin typeface="+mj-lt"/>
               </a:rPr>
-              <a:t>Weiss (dmw2180)</a:t>
+              <a:t>		Daniel Weiss (dmw2180)</a:t>
             </a:r>
             <a:endParaRPr dirty="0">
               <a:latin typeface="+mj-lt"/>
@@ -20044,34 +20008,22 @@
               <a:buNone/>
             </a:pPr>
             <a:r>
-              <a:rPr lang="en-US" dirty="0" smtClean="0">
-                <a:latin typeface="+mj-lt"/>
-              </a:rPr>
-              <a:t>		</a:t>
-            </a:r>
-            <a:r>
-              <a:rPr lang="en-US" dirty="0" err="1" smtClean="0">
-                <a:latin typeface="+mj-lt"/>
-              </a:rPr>
-              <a:t>Bingquan</a:t>
-            </a:r>
-            <a:r>
-              <a:rPr lang="en-US" dirty="0" smtClean="0">
-                <a:latin typeface="+mj-lt"/>
-              </a:rPr>
-              <a:t> </a:t>
-            </a:r>
-            <a:r>
               <a:rPr lang="en-US" dirty="0">
                 <a:latin typeface="+mj-lt"/>
               </a:rPr>
-              <a:t>Wu (</a:t>
-            </a:r>
-            <a:r>
-              <a:rPr lang="en-US" dirty="0" smtClean="0">
+              <a:t>		</a:t>
+            </a:r>
+            <a:r>
+              <a:rPr lang="en-US" dirty="0" err="1">
                 <a:latin typeface="+mj-lt"/>
               </a:rPr>
-              <a:t>bw2585)</a:t>
+              <a:t>Bingquan</a:t>
+            </a:r>
+            <a:r>
+              <a:rPr lang="en-US" dirty="0">
+                <a:latin typeface="+mj-lt"/>
+              </a:rPr>
+              <a:t> Wu (bw2585)</a:t>
             </a:r>
           </a:p>
           <a:p>
@@ -20095,41 +20047,20 @@
               <a:rPr lang="en-US" dirty="0">
                 <a:latin typeface="+mj-lt"/>
               </a:rPr>
-              <a:t>	</a:t>
-            </a:r>
-            <a:r>
-              <a:rPr lang="en-US" dirty="0" smtClean="0">
+              <a:t>		</a:t>
+            </a:r>
+            <a:r>
+              <a:rPr lang="en-US" dirty="0" err="1">
                 <a:latin typeface="+mj-lt"/>
               </a:rPr>
-              <a:t>	</a:t>
-            </a:r>
-            <a:r>
-              <a:rPr lang="en-US" dirty="0" err="1" smtClean="0">
-                <a:latin typeface="+mj-lt"/>
-              </a:rPr>
               <a:t>Shijie</a:t>
-            </a:r>
-            <a:r>
-              <a:rPr lang="en-US" dirty="0" smtClean="0">
-                <a:latin typeface="+mj-lt"/>
-              </a:rPr>
-              <a:t> </a:t>
             </a:r>
             <a:r>
               <a:rPr lang="en-US" dirty="0">
                 <a:latin typeface="+mj-lt"/>
               </a:rPr>
-              <a:t>Zhang (</a:t>
-            </a:r>
-            <a:r>
-              <a:rPr lang="en-US" dirty="0" smtClean="0">
-                <a:latin typeface="+mj-lt"/>
-              </a:rPr>
-              <a:t>sz2781)</a:t>
-            </a:r>
-            <a:endParaRPr lang="en-US" dirty="0">
-              <a:latin typeface="+mj-lt"/>
-            </a:endParaRPr>
+              <a:t> Zhang (sz2781)</a:t>
+            </a:r>
           </a:p>
           <a:p>
             <a:pPr marL="0" lvl="0" indent="0" algn="l" rtl="0">
@@ -20152,13 +20083,7 @@
               <a:rPr lang="en-US" dirty="0">
                 <a:latin typeface="+mj-lt"/>
               </a:rPr>
-              <a:t>	</a:t>
-            </a:r>
-            <a:r>
-              <a:rPr lang="en-US" dirty="0" smtClean="0">
-                <a:latin typeface="+mj-lt"/>
-              </a:rPr>
-              <a:t>	Na </a:t>
+              <a:t>		Na </a:t>
             </a:r>
             <a:r>
               <a:rPr lang="en-US" dirty="0" err="1">
@@ -20183,7 +20108,7 @@
           <p:cNvPr id="2" name="Slide Number Placeholder 1">
             <a:extLst>
               <a:ext uri="{FF2B5EF4-FFF2-40B4-BE49-F238E27FC236}">
-                <a16:creationId xmlns:a16="http://schemas.microsoft.com/office/drawing/2014/main" xmlns="" id="{767B9A3D-AB0B-314E-84A1-7A6E26F92F01}"/>
+                <a16:creationId xmlns:a16="http://schemas.microsoft.com/office/drawing/2014/main" id="{767B9A3D-AB0B-314E-84A1-7A6E26F92F01}"/>
               </a:ext>
             </a:extLst>
           </p:cNvPr>
@@ -20296,7 +20221,7 @@
           <p:cNvPr id="2" name="TextBox 1">
             <a:extLst>
               <a:ext uri="{FF2B5EF4-FFF2-40B4-BE49-F238E27FC236}">
-                <a16:creationId xmlns:a16="http://schemas.microsoft.com/office/drawing/2014/main" xmlns="" id="{8DF5C8C2-B12C-ED47-92E5-5386C31AC56D}"/>
+                <a16:creationId xmlns:a16="http://schemas.microsoft.com/office/drawing/2014/main" id="{8DF5C8C2-B12C-ED47-92E5-5386C31AC56D}"/>
               </a:ext>
             </a:extLst>
           </p:cNvPr>
@@ -20396,7 +20321,7 @@
           <p:cNvPr id="4" name="Picture 3">
             <a:extLst>
               <a:ext uri="{FF2B5EF4-FFF2-40B4-BE49-F238E27FC236}">
-                <a16:creationId xmlns:a16="http://schemas.microsoft.com/office/drawing/2014/main" xmlns="" id="{65D4097B-F19A-674B-88B9-8EEDB67C6B45}"/>
+                <a16:creationId xmlns:a16="http://schemas.microsoft.com/office/drawing/2014/main" id="{65D4097B-F19A-674B-88B9-8EEDB67C6B45}"/>
               </a:ext>
             </a:extLst>
           </p:cNvPr>
@@ -20425,7 +20350,7 @@
           <p:cNvPr id="8" name="Picture 7">
             <a:extLst>
               <a:ext uri="{FF2B5EF4-FFF2-40B4-BE49-F238E27FC236}">
-                <a16:creationId xmlns:a16="http://schemas.microsoft.com/office/drawing/2014/main" xmlns="" id="{2A917C70-03FA-E742-AB5F-312E20C07C90}"/>
+                <a16:creationId xmlns:a16="http://schemas.microsoft.com/office/drawing/2014/main" id="{2A917C70-03FA-E742-AB5F-312E20C07C90}"/>
               </a:ext>
             </a:extLst>
           </p:cNvPr>
@@ -20454,7 +20379,7 @@
           <p:cNvPr id="9" name="TextBox 8">
             <a:extLst>
               <a:ext uri="{FF2B5EF4-FFF2-40B4-BE49-F238E27FC236}">
-                <a16:creationId xmlns:a16="http://schemas.microsoft.com/office/drawing/2014/main" xmlns="" id="{26AC9F5E-F117-354C-8AE8-204FA90992EC}"/>
+                <a16:creationId xmlns:a16="http://schemas.microsoft.com/office/drawing/2014/main" id="{26AC9F5E-F117-354C-8AE8-204FA90992EC}"/>
               </a:ext>
             </a:extLst>
           </p:cNvPr>
@@ -20526,7 +20451,7 @@
           <p:cNvPr id="3" name="Slide Number Placeholder 2">
             <a:extLst>
               <a:ext uri="{FF2B5EF4-FFF2-40B4-BE49-F238E27FC236}">
-                <a16:creationId xmlns:a16="http://schemas.microsoft.com/office/drawing/2014/main" xmlns="" id="{0F4DCDCA-4AB8-F94D-9916-B2E9882CA9C2}"/>
+                <a16:creationId xmlns:a16="http://schemas.microsoft.com/office/drawing/2014/main" id="{0F4DCDCA-4AB8-F94D-9916-B2E9882CA9C2}"/>
               </a:ext>
             </a:extLst>
           </p:cNvPr>
@@ -20644,7 +20569,7 @@
           <p:cNvPr id="2" name="TextBox 1">
             <a:extLst>
               <a:ext uri="{FF2B5EF4-FFF2-40B4-BE49-F238E27FC236}">
-                <a16:creationId xmlns:a16="http://schemas.microsoft.com/office/drawing/2014/main" xmlns="" id="{8DF5C8C2-B12C-ED47-92E5-5386C31AC56D}"/>
+                <a16:creationId xmlns:a16="http://schemas.microsoft.com/office/drawing/2014/main" id="{8DF5C8C2-B12C-ED47-92E5-5386C31AC56D}"/>
               </a:ext>
             </a:extLst>
           </p:cNvPr>
@@ -20744,7 +20669,7 @@
           <p:cNvPr id="5" name="Picture 4">
             <a:extLst>
               <a:ext uri="{FF2B5EF4-FFF2-40B4-BE49-F238E27FC236}">
-                <a16:creationId xmlns:a16="http://schemas.microsoft.com/office/drawing/2014/main" xmlns="" id="{3BF5EB0A-B66D-CF46-8C2E-5DAC695310D2}"/>
+                <a16:creationId xmlns:a16="http://schemas.microsoft.com/office/drawing/2014/main" id="{3BF5EB0A-B66D-CF46-8C2E-5DAC695310D2}"/>
               </a:ext>
             </a:extLst>
           </p:cNvPr>
@@ -20774,7 +20699,7 @@
           <p:cNvPr id="7" name="Picture 6">
             <a:extLst>
               <a:ext uri="{FF2B5EF4-FFF2-40B4-BE49-F238E27FC236}">
-                <a16:creationId xmlns:a16="http://schemas.microsoft.com/office/drawing/2014/main" xmlns="" id="{B5AC5C21-4518-514E-A548-5E10D7003459}"/>
+                <a16:creationId xmlns:a16="http://schemas.microsoft.com/office/drawing/2014/main" id="{B5AC5C21-4518-514E-A548-5E10D7003459}"/>
               </a:ext>
             </a:extLst>
           </p:cNvPr>
@@ -20804,7 +20729,7 @@
           <p:cNvPr id="8" name="Rectangle 7">
             <a:extLst>
               <a:ext uri="{FF2B5EF4-FFF2-40B4-BE49-F238E27FC236}">
-                <a16:creationId xmlns:a16="http://schemas.microsoft.com/office/drawing/2014/main" xmlns="" id="{2026B64B-115E-FC44-AEBB-80669B48AD0F}"/>
+                <a16:creationId xmlns:a16="http://schemas.microsoft.com/office/drawing/2014/main" id="{2026B64B-115E-FC44-AEBB-80669B48AD0F}"/>
               </a:ext>
             </a:extLst>
           </p:cNvPr>
@@ -20875,7 +20800,7 @@
           <p:cNvPr id="3" name="Slide Number Placeholder 2">
             <a:extLst>
               <a:ext uri="{FF2B5EF4-FFF2-40B4-BE49-F238E27FC236}">
-                <a16:creationId xmlns:a16="http://schemas.microsoft.com/office/drawing/2014/main" xmlns="" id="{1906876A-327B-3D4C-8ED2-7750DA06B55A}"/>
+                <a16:creationId xmlns:a16="http://schemas.microsoft.com/office/drawing/2014/main" id="{1906876A-327B-3D4C-8ED2-7750DA06B55A}"/>
               </a:ext>
             </a:extLst>
           </p:cNvPr>
@@ -20976,12 +20901,6 @@
               </a:rPr>
               <a:t>Large-scale Parallel Collaborative Filtering (LPCF)</a:t>
             </a:r>
-            <a:r>
-              <a:rPr lang="en-US" sz="3959" dirty="0">
-                <a:latin typeface="+mj-lt"/>
-              </a:rPr>
-              <a:t/>
-            </a:r>
             <a:br>
               <a:rPr lang="en-US" sz="3959" dirty="0">
                 <a:latin typeface="+mj-lt"/>
@@ -21281,7 +21200,7 @@
           <p:cNvPr id="2" name="Slide Number Placeholder 1">
             <a:extLst>
               <a:ext uri="{FF2B5EF4-FFF2-40B4-BE49-F238E27FC236}">
-                <a16:creationId xmlns:a16="http://schemas.microsoft.com/office/drawing/2014/main" xmlns="" id="{97854B3C-9D8C-C240-BA69-C8A6D282F0F9}"/>
+                <a16:creationId xmlns:a16="http://schemas.microsoft.com/office/drawing/2014/main" id="{97854B3C-9D8C-C240-BA69-C8A6D282F0F9}"/>
               </a:ext>
             </a:extLst>
           </p:cNvPr>
@@ -21409,12 +21328,6 @@
               </a:rPr>
               <a:t> </a:t>
             </a:r>
-            <a:r>
-              <a:rPr lang="en-US" altLang="zh-CN" dirty="0">
-                <a:latin typeface="+mj-lt"/>
-              </a:rPr>
-              <a:t/>
-            </a:r>
             <a:br>
               <a:rPr lang="en-US" altLang="zh-CN" dirty="0">
                 <a:latin typeface="+mj-lt"/>
@@ -21462,7 +21375,7 @@
               <p:cNvPr id="4" name="Rectangle 3">
                 <a:extLst>
                   <a:ext uri="{FF2B5EF4-FFF2-40B4-BE49-F238E27FC236}">
-                    <a16:creationId xmlns:a16="http://schemas.microsoft.com/office/drawing/2014/main" xmlns="" id="{FEFCE8E9-EA50-344A-9791-C1739EFD2012}"/>
+                    <a16:creationId xmlns:a16="http://schemas.microsoft.com/office/drawing/2014/main" id="{FEFCE8E9-EA50-344A-9791-C1739EFD2012}"/>
                   </a:ext>
                 </a:extLst>
               </p:cNvPr>
@@ -22063,7 +21976,7 @@
           <p:cNvPr id="5" name="TextBox 4">
             <a:extLst>
               <a:ext uri="{FF2B5EF4-FFF2-40B4-BE49-F238E27FC236}">
-                <a16:creationId xmlns:a16="http://schemas.microsoft.com/office/drawing/2014/main" xmlns="" id="{6C70C120-E020-1541-B2DC-54AB7CABC30D}"/>
+                <a16:creationId xmlns:a16="http://schemas.microsoft.com/office/drawing/2014/main" id="{6C70C120-E020-1541-B2DC-54AB7CABC30D}"/>
               </a:ext>
             </a:extLst>
           </p:cNvPr>
@@ -22218,7 +22131,7 @@
           <p:cNvPr id="6" name="Slide Number Placeholder 5">
             <a:extLst>
               <a:ext uri="{FF2B5EF4-FFF2-40B4-BE49-F238E27FC236}">
-                <a16:creationId xmlns:a16="http://schemas.microsoft.com/office/drawing/2014/main" xmlns="" id="{1943DDDF-8178-F94E-AB3F-1DCDFAA0BE8B}"/>
+                <a16:creationId xmlns:a16="http://schemas.microsoft.com/office/drawing/2014/main" id="{1943DDDF-8178-F94E-AB3F-1DCDFAA0BE8B}"/>
               </a:ext>
             </a:extLst>
           </p:cNvPr>
@@ -22633,7 +22546,7 @@
           <p:cNvPr id="2" name="Slide Number Placeholder 1">
             <a:extLst>
               <a:ext uri="{FF2B5EF4-FFF2-40B4-BE49-F238E27FC236}">
-                <a16:creationId xmlns:a16="http://schemas.microsoft.com/office/drawing/2014/main" xmlns="" id="{D8EBBB87-514E-F442-BF03-6EEC6E5CF19D}"/>
+                <a16:creationId xmlns:a16="http://schemas.microsoft.com/office/drawing/2014/main" id="{D8EBBB87-514E-F442-BF03-6EEC6E5CF19D}"/>
               </a:ext>
             </a:extLst>
           </p:cNvPr>
@@ -22846,7 +22759,7 @@
           <p:cNvPr id="2" name="TextBox 1">
             <a:extLst>
               <a:ext uri="{FF2B5EF4-FFF2-40B4-BE49-F238E27FC236}">
-                <a16:creationId xmlns:a16="http://schemas.microsoft.com/office/drawing/2014/main" xmlns="" id="{8DF5C8C2-B12C-ED47-92E5-5386C31AC56D}"/>
+                <a16:creationId xmlns:a16="http://schemas.microsoft.com/office/drawing/2014/main" id="{8DF5C8C2-B12C-ED47-92E5-5386C31AC56D}"/>
               </a:ext>
             </a:extLst>
           </p:cNvPr>
@@ -22881,7 +22794,7 @@
           <p:cNvPr id="3" name="Slide Number Placeholder 2">
             <a:extLst>
               <a:ext uri="{FF2B5EF4-FFF2-40B4-BE49-F238E27FC236}">
-                <a16:creationId xmlns:a16="http://schemas.microsoft.com/office/drawing/2014/main" xmlns="" id="{FF991100-6FBC-8244-A25B-97CB7E4A1161}"/>
+                <a16:creationId xmlns:a16="http://schemas.microsoft.com/office/drawing/2014/main" id="{FF991100-6FBC-8244-A25B-97CB7E4A1161}"/>
               </a:ext>
             </a:extLst>
           </p:cNvPr>
@@ -22919,7 +22832,7 @@
           <p:cNvPr id="4" name="Rectangle 3">
             <a:extLst>
               <a:ext uri="{FF2B5EF4-FFF2-40B4-BE49-F238E27FC236}">
-                <a16:creationId xmlns:a16="http://schemas.microsoft.com/office/drawing/2014/main" xmlns="" id="{DE17DA7F-9C3C-404C-9A44-5798D602C793}"/>
+                <a16:creationId xmlns:a16="http://schemas.microsoft.com/office/drawing/2014/main" id="{DE17DA7F-9C3C-404C-9A44-5798D602C793}"/>
               </a:ext>
             </a:extLst>
           </p:cNvPr>
@@ -23123,7 +23036,7 @@
           <p:cNvPr id="4" name="Rectangle 3">
             <a:extLst>
               <a:ext uri="{FF2B5EF4-FFF2-40B4-BE49-F238E27FC236}">
-                <a16:creationId xmlns:a16="http://schemas.microsoft.com/office/drawing/2014/main" xmlns="" id="{9FDFF6FF-FB38-5247-9410-8BF598AA9217}"/>
+                <a16:creationId xmlns:a16="http://schemas.microsoft.com/office/drawing/2014/main" id="{9FDFF6FF-FB38-5247-9410-8BF598AA9217}"/>
               </a:ext>
             </a:extLst>
           </p:cNvPr>
@@ -23161,7 +23074,7 @@
           <p:cNvPr id="2" name="Slide Number Placeholder 1">
             <a:extLst>
               <a:ext uri="{FF2B5EF4-FFF2-40B4-BE49-F238E27FC236}">
-                <a16:creationId xmlns:a16="http://schemas.microsoft.com/office/drawing/2014/main" xmlns="" id="{80242440-4DDA-0A44-8B45-A82269E72516}"/>
+                <a16:creationId xmlns:a16="http://schemas.microsoft.com/office/drawing/2014/main" id="{80242440-4DDA-0A44-8B45-A82269E72516}"/>
               </a:ext>
             </a:extLst>
           </p:cNvPr>
@@ -23199,7 +23112,7 @@
           <p:cNvPr id="3" name="Rectangle 2">
             <a:extLst>
               <a:ext uri="{FF2B5EF4-FFF2-40B4-BE49-F238E27FC236}">
-                <a16:creationId xmlns:a16="http://schemas.microsoft.com/office/drawing/2014/main" xmlns="" id="{0AF5C009-5927-E246-943C-4C505E8BEC95}"/>
+                <a16:creationId xmlns:a16="http://schemas.microsoft.com/office/drawing/2014/main" id="{0AF5C009-5927-E246-943C-4C505E8BEC95}"/>
               </a:ext>
             </a:extLst>
           </p:cNvPr>
@@ -23387,7 +23300,7 @@
               <p:cNvPr id="6" name="Content Placeholder 2">
                 <a:extLst>
                   <a:ext uri="{FF2B5EF4-FFF2-40B4-BE49-F238E27FC236}">
-                    <a16:creationId xmlns:a16="http://schemas.microsoft.com/office/drawing/2014/main" xmlns="" id="{7E98A3A6-31A0-A44A-BA1D-8A07C74FF225}"/>
+                    <a16:creationId xmlns:a16="http://schemas.microsoft.com/office/drawing/2014/main" id="{7E98A3A6-31A0-A44A-BA1D-8A07C74FF225}"/>
                   </a:ext>
                 </a:extLst>
               </p:cNvPr>
@@ -24518,7 +24431,7 @@
           <p:cNvPr id="2" name="Slide Number Placeholder 1">
             <a:extLst>
               <a:ext uri="{FF2B5EF4-FFF2-40B4-BE49-F238E27FC236}">
-                <a16:creationId xmlns:a16="http://schemas.microsoft.com/office/drawing/2014/main" xmlns="" id="{4496498C-6A40-C54C-AC08-1305795879FD}"/>
+                <a16:creationId xmlns:a16="http://schemas.microsoft.com/office/drawing/2014/main" id="{4496498C-6A40-C54C-AC08-1305795879FD}"/>
               </a:ext>
             </a:extLst>
           </p:cNvPr>
@@ -24639,7 +24552,7 @@
           <p:cNvPr id="2" name="Table 1">
             <a:extLst>
               <a:ext uri="{FF2B5EF4-FFF2-40B4-BE49-F238E27FC236}">
-                <a16:creationId xmlns:a16="http://schemas.microsoft.com/office/drawing/2014/main" xmlns="" id="{57B21D52-A7F8-7340-A066-AC70C21F286B}"/>
+                <a16:creationId xmlns:a16="http://schemas.microsoft.com/office/drawing/2014/main" id="{57B21D52-A7F8-7340-A066-AC70C21F286B}"/>
               </a:ext>
             </a:extLst>
           </p:cNvPr>
@@ -24649,7 +24562,7 @@
           <p:nvPr>
             <p:extLst>
               <p:ext uri="{D42A27DB-BD31-4B8C-83A1-F6EECF244321}">
-                <p14:modId xmlns:p14="http://schemas.microsoft.com/office/powerpoint/2010/main" val="4158005816"/>
+                <p14:modId xmlns:p14="http://schemas.microsoft.com/office/powerpoint/2010/main" val="639570726"/>
               </p:ext>
             </p:extLst>
           </p:nvPr>
@@ -24668,14 +24581,14 @@
                 <a:gridCol w="4064000">
                   <a:extLst>
                     <a:ext uri="{9D8B030D-6E8A-4147-A177-3AD203B41FA5}">
-                      <a16:colId xmlns:a16="http://schemas.microsoft.com/office/drawing/2014/main" xmlns="" val="500061330"/>
+                      <a16:colId xmlns:a16="http://schemas.microsoft.com/office/drawing/2014/main" val="500061330"/>
                     </a:ext>
                   </a:extLst>
                 </a:gridCol>
                 <a:gridCol w="4064000">
                   <a:extLst>
                     <a:ext uri="{9D8B030D-6E8A-4147-A177-3AD203B41FA5}">
-                      <a16:colId xmlns:a16="http://schemas.microsoft.com/office/drawing/2014/main" xmlns="" val="1959119972"/>
+                      <a16:colId xmlns:a16="http://schemas.microsoft.com/office/drawing/2014/main" val="1959119972"/>
                     </a:ext>
                   </a:extLst>
                 </a:gridCol>
@@ -24727,7 +24640,7 @@
                 </a:tc>
                 <a:extLst>
                   <a:ext uri="{0D108BD9-81ED-4DB2-BD59-A6C34878D82A}">
-                    <a16:rowId xmlns:a16="http://schemas.microsoft.com/office/drawing/2014/main" xmlns="" val="452676242"/>
+                    <a16:rowId xmlns:a16="http://schemas.microsoft.com/office/drawing/2014/main" val="452676242"/>
                   </a:ext>
                 </a:extLst>
               </a:tr>
@@ -24753,7 +24666,7 @@
                     <a:p>
                       <a:r>
                         <a:rPr lang="en-US" altLang="zh-CN" sz="2000" b="1" dirty="0"/>
-                        <a:t>2.05</a:t>
+                        <a:t>1.05</a:t>
                       </a:r>
                       <a:endParaRPr lang="en-US" sz="2000" b="1" dirty="0"/>
                     </a:p>
@@ -24762,7 +24675,7 @@
                 </a:tc>
                 <a:extLst>
                   <a:ext uri="{0D108BD9-81ED-4DB2-BD59-A6C34878D82A}">
-                    <a16:rowId xmlns:a16="http://schemas.microsoft.com/office/drawing/2014/main" xmlns="" val="3490324846"/>
+                    <a16:rowId xmlns:a16="http://schemas.microsoft.com/office/drawing/2014/main" val="3490324846"/>
                   </a:ext>
                 </a:extLst>
               </a:tr>
@@ -24775,7 +24688,7 @@
           <p:cNvPr id="3" name="TextBox 2">
             <a:extLst>
               <a:ext uri="{FF2B5EF4-FFF2-40B4-BE49-F238E27FC236}">
-                <a16:creationId xmlns:a16="http://schemas.microsoft.com/office/drawing/2014/main" xmlns="" id="{4B723FFC-7F69-4E49-A79A-8C8FF2EA22B8}"/>
+                <a16:creationId xmlns:a16="http://schemas.microsoft.com/office/drawing/2014/main" id="{4B723FFC-7F69-4E49-A79A-8C8FF2EA22B8}"/>
               </a:ext>
             </a:extLst>
           </p:cNvPr>
@@ -24810,7 +24723,7 @@
           <p:cNvPr id="4" name="Slide Number Placeholder 3">
             <a:extLst>
               <a:ext uri="{FF2B5EF4-FFF2-40B4-BE49-F238E27FC236}">
-                <a16:creationId xmlns:a16="http://schemas.microsoft.com/office/drawing/2014/main" xmlns="" id="{33366289-552E-A443-A01D-1C67AD1B36FD}"/>
+                <a16:creationId xmlns:a16="http://schemas.microsoft.com/office/drawing/2014/main" id="{33366289-552E-A443-A01D-1C67AD1B36FD}"/>
               </a:ext>
             </a:extLst>
           </p:cNvPr>
@@ -24976,7 +24889,7 @@
           <p:cNvPr id="2" name="Slide Number Placeholder 1">
             <a:extLst>
               <a:ext uri="{FF2B5EF4-FFF2-40B4-BE49-F238E27FC236}">
-                <a16:creationId xmlns:a16="http://schemas.microsoft.com/office/drawing/2014/main" xmlns="" id="{56EA20D4-F4FC-CE4F-BBD1-1D357EE8528A}"/>
+                <a16:creationId xmlns:a16="http://schemas.microsoft.com/office/drawing/2014/main" id="{56EA20D4-F4FC-CE4F-BBD1-1D357EE8528A}"/>
               </a:ext>
             </a:extLst>
           </p:cNvPr>
@@ -25678,10 +25591,10 @@
                 <a:cs typeface="Arial"/>
                 <a:sym typeface="Arial"/>
               </a:rPr>
-              <a:t>match consumers with </a:t>
-            </a:r>
-            <a:r>
-              <a:rPr lang="en-US" altLang="zh-CN" sz="1800" dirty="0" smtClean="0">
+              <a:t>match consumers with products we predict they would rate </a:t>
+            </a:r>
+            <a:r>
+              <a:rPr lang="en-US" altLang="zh-CN" sz="1800" dirty="0" err="1">
                 <a:solidFill>
                   <a:srgbClr val="000000"/>
                 </a:solidFill>
@@ -25689,31 +25602,9 @@
                 <a:cs typeface="Arial"/>
                 <a:sym typeface="Arial"/>
               </a:rPr>
-              <a:t>products we predict </a:t>
-            </a:r>
-            <a:r>
-              <a:rPr lang="en-US" altLang="zh-CN" sz="1800" dirty="0" smtClean="0">
-                <a:solidFill>
-                  <a:srgbClr val="000000"/>
-                </a:solidFill>
-                <a:latin typeface="+mj-lt"/>
-                <a:cs typeface="Arial"/>
-                <a:sym typeface="Arial"/>
-              </a:rPr>
-              <a:t>they would rate </a:t>
-            </a:r>
-            <a:r>
-              <a:rPr lang="en-US" altLang="zh-CN" sz="1800" dirty="0" err="1" smtClean="0">
-                <a:solidFill>
-                  <a:srgbClr val="000000"/>
-                </a:solidFill>
-                <a:latin typeface="+mj-lt"/>
-                <a:cs typeface="Arial"/>
-                <a:sym typeface="Arial"/>
-              </a:rPr>
               <a:t>higly</a:t>
             </a:r>
-            <a:endParaRPr lang="en-US" altLang="zh-CN" sz="1800" dirty="0" smtClean="0">
+            <a:endParaRPr lang="en-US" altLang="zh-CN" sz="1800" dirty="0">
               <a:solidFill>
                 <a:srgbClr val="000000"/>
               </a:solidFill>
@@ -25730,16 +25621,10 @@
               <a:buSzPts val="2000"/>
             </a:pPr>
             <a:r>
-              <a:rPr lang="en-US" sz="1800" dirty="0" smtClean="0">
-                <a:latin typeface="+mj-lt"/>
-              </a:rPr>
-              <a:t>Matrix </a:t>
-            </a:r>
-            <a:r>
               <a:rPr lang="en-US" sz="1800" dirty="0">
                 <a:latin typeface="+mj-lt"/>
               </a:rPr>
-              <a:t>factorization models map both users and items to a joint latent factor space of dimensionality</a:t>
+              <a:t>Matrix factorization models map both users and items to a joint latent factor space of dimensionality</a:t>
             </a:r>
             <a:r>
               <a:rPr lang="en-US" sz="1800" b="1" dirty="0">
@@ -26076,7 +25961,7 @@
           <p:cNvPr id="2" name="Slide Number Placeholder 1">
             <a:extLst>
               <a:ext uri="{FF2B5EF4-FFF2-40B4-BE49-F238E27FC236}">
-                <a16:creationId xmlns:a16="http://schemas.microsoft.com/office/drawing/2014/main" xmlns="" id="{8678174C-96BA-A94C-8AB3-04ADDD045FFE}"/>
+                <a16:creationId xmlns:a16="http://schemas.microsoft.com/office/drawing/2014/main" id="{8678174C-96BA-A94C-8AB3-04ADDD045FFE}"/>
               </a:ext>
             </a:extLst>
           </p:cNvPr>
@@ -26186,12 +26071,6 @@
               </a:rPr>
               <a:t>Probabilistic Matrix Factorization (PMF)</a:t>
             </a:r>
-            <a:r>
-              <a:rPr lang="en-US" dirty="0">
-                <a:latin typeface="+mj-lt"/>
-              </a:rPr>
-              <a:t/>
-            </a:r>
             <a:br>
               <a:rPr lang="en-US" dirty="0">
                 <a:latin typeface="+mj-lt"/>
@@ -26203,8 +26082,8 @@
           </a:p>
         </p:txBody>
       </p:sp>
-      <mc:AlternateContent xmlns:mc="http://schemas.openxmlformats.org/markup-compatibility/2006">
-        <mc:Choice xmlns:a14="http://schemas.microsoft.com/office/drawing/2010/main" Requires="a14">
+      <mc:AlternateContent xmlns:mc="http://schemas.openxmlformats.org/markup-compatibility/2006" xmlns:a14="http://schemas.microsoft.com/office/drawing/2010/main">
+        <mc:Choice Requires="a14">
           <p:sp>
             <p:nvSpPr>
               <p:cNvPr id="106" name="Google Shape;106;p3"/>
@@ -26251,7 +26130,7 @@
                   <a:buChar char="■"/>
                 </a:pPr>
                 <a:r>
-                  <a:rPr lang="en-US" sz="1900" dirty="0" smtClean="0">
+                  <a:rPr lang="en-US" sz="1900" dirty="0">
                     <a:latin typeface="+mj-lt"/>
                   </a:rPr>
                   <a:t>Assume gaussian distributions of ratings for users and movies</a:t>
@@ -27071,7 +26950,7 @@
             </p:txBody>
           </p:sp>
         </mc:Choice>
-        <mc:Fallback>
+        <mc:Fallback xmlns="">
           <p:sp>
             <p:nvSpPr>
               <p:cNvPr id="106" name="Google Shape;106;p3"/>
@@ -27120,7 +26999,7 @@
           <p:cNvPr id="5" name="Content Placeholder 2">
             <a:extLst>
               <a:ext uri="{FF2B5EF4-FFF2-40B4-BE49-F238E27FC236}">
-                <a16:creationId xmlns:a16="http://schemas.microsoft.com/office/drawing/2014/main" xmlns="" id="{97A4CB48-CD02-9149-BC08-B0BC66D8BDFE}"/>
+                <a16:creationId xmlns:a16="http://schemas.microsoft.com/office/drawing/2014/main" id="{97A4CB48-CD02-9149-BC08-B0BC66D8BDFE}"/>
               </a:ext>
             </a:extLst>
           </p:cNvPr>
@@ -27630,7 +27509,7 @@
           <p:cNvPr id="2" name="Slide Number Placeholder 1">
             <a:extLst>
               <a:ext uri="{FF2B5EF4-FFF2-40B4-BE49-F238E27FC236}">
-                <a16:creationId xmlns:a16="http://schemas.microsoft.com/office/drawing/2014/main" xmlns="" id="{18F0C61D-D449-6846-A03A-8C879EFFB44E}"/>
+                <a16:creationId xmlns:a16="http://schemas.microsoft.com/office/drawing/2014/main" id="{18F0C61D-D449-6846-A03A-8C879EFFB44E}"/>
               </a:ext>
             </a:extLst>
           </p:cNvPr>
@@ -27742,7 +27621,7 @@
           <p:cNvPr id="4" name="Rectangle 3">
             <a:extLst>
               <a:ext uri="{FF2B5EF4-FFF2-40B4-BE49-F238E27FC236}">
-                <a16:creationId xmlns:a16="http://schemas.microsoft.com/office/drawing/2014/main" xmlns="" id="{21518595-F3DE-A24E-B996-BD74001BF859}"/>
+                <a16:creationId xmlns:a16="http://schemas.microsoft.com/office/drawing/2014/main" id="{21518595-F3DE-A24E-B996-BD74001BF859}"/>
               </a:ext>
             </a:extLst>
           </p:cNvPr>
@@ -27865,7 +27744,7 @@
           <p:cNvPr id="5" name="Slide Number Placeholder 4">
             <a:extLst>
               <a:ext uri="{FF2B5EF4-FFF2-40B4-BE49-F238E27FC236}">
-                <a16:creationId xmlns:a16="http://schemas.microsoft.com/office/drawing/2014/main" xmlns="" id="{9D33BB7C-2BC9-8A40-AF74-39037A3A2E97}"/>
+                <a16:creationId xmlns:a16="http://schemas.microsoft.com/office/drawing/2014/main" id="{9D33BB7C-2BC9-8A40-AF74-39037A3A2E97}"/>
               </a:ext>
             </a:extLst>
           </p:cNvPr>
@@ -28017,7 +27896,7 @@
               <a:buChar char="§"/>
             </a:pPr>
             <a:r>
-              <a:rPr lang="en-US" sz="1800" i="1" dirty="0" err="1" smtClean="0">
+              <a:rPr lang="en-US" sz="1800" i="1" dirty="0" err="1">
                 <a:latin typeface="+mj-lt"/>
                 <a:ea typeface="Libre Franklin"/>
                 <a:cs typeface="Libre Franklin"/>
@@ -28026,22 +27905,13 @@
               <a:t>n</a:t>
             </a:r>
             <a:r>
-              <a:rPr lang="en-US" sz="1800" i="1" baseline="-25000" dirty="0" err="1" smtClean="0">
+              <a:rPr lang="en-US" sz="1800" i="1" baseline="-25000" dirty="0" err="1">
                 <a:latin typeface="+mj-lt"/>
                 <a:ea typeface="Libre Franklin"/>
                 <a:cs typeface="Libre Franklin"/>
                 <a:sym typeface="Libre Franklin"/>
               </a:rPr>
               <a:t>f</a:t>
-            </a:r>
-            <a:r>
-              <a:rPr lang="en-US" sz="1800" dirty="0" smtClean="0">
-                <a:latin typeface="+mj-lt"/>
-                <a:ea typeface="Libre Franklin"/>
-                <a:cs typeface="Libre Franklin"/>
-                <a:sym typeface="Libre Franklin"/>
-              </a:rPr>
-              <a:t>: number </a:t>
             </a:r>
             <a:r>
               <a:rPr lang="en-US" sz="1800" dirty="0">
@@ -28050,16 +27920,7 @@
                 <a:cs typeface="Libre Franklin"/>
                 <a:sym typeface="Libre Franklin"/>
               </a:rPr>
-              <a:t>of latent </a:t>
-            </a:r>
-            <a:r>
-              <a:rPr lang="en-US" sz="1800" dirty="0" smtClean="0">
-                <a:latin typeface="+mj-lt"/>
-                <a:ea typeface="Libre Franklin"/>
-                <a:cs typeface="Libre Franklin"/>
-                <a:sym typeface="Libre Franklin"/>
-              </a:rPr>
-              <a:t>factors</a:t>
+              <a:t>: number of latent factors</a:t>
             </a:r>
           </a:p>
           <a:p>
@@ -28068,7 +27929,7 @@
               <a:buChar char="§"/>
             </a:pPr>
             <a:r>
-              <a:rPr lang="en-US" sz="1800" dirty="0" err="1" smtClean="0">
+              <a:rPr lang="en-US" sz="1800" dirty="0" err="1">
                 <a:solidFill>
                   <a:schemeClr val="dk1"/>
                 </a:solidFill>
@@ -28079,7 +27940,7 @@
               <a:t>λ</a:t>
             </a:r>
             <a:r>
-              <a:rPr lang="en-US" sz="1800" baseline="-25000" dirty="0" err="1" smtClean="0">
+              <a:rPr lang="en-US" sz="1800" baseline="-25000" dirty="0" err="1">
                 <a:solidFill>
                   <a:schemeClr val="dk1"/>
                 </a:solidFill>
@@ -28091,7 +27952,7 @@
               <a:t>u</a:t>
             </a:r>
             <a:r>
-              <a:rPr lang="en-US" sz="1800" dirty="0" smtClean="0">
+              <a:rPr lang="en-US" sz="1800" dirty="0">
                 <a:solidFill>
                   <a:schemeClr val="dk1"/>
                 </a:solidFill>
@@ -28111,21 +27972,10 @@
                 <a:cs typeface="Libre Franklin"/>
                 <a:sym typeface="Libre Franklin"/>
               </a:rPr>
-              <a:t>feature variance of </a:t>
-            </a:r>
-            <a:r>
-              <a:rPr lang="en-US" sz="1800" dirty="0" smtClean="0">
-                <a:solidFill>
-                  <a:schemeClr val="dk1"/>
-                </a:solidFill>
-                <a:ea typeface="Libre Franklin"/>
-                <a:cs typeface="Libre Franklin"/>
-                <a:sym typeface="Libre Franklin"/>
-              </a:rPr>
-              <a:t>user </a:t>
-            </a:r>
-            <a:r>
-              <a:rPr lang="en-US" sz="1800" i="1" dirty="0" smtClean="0">
+              <a:t>feature variance of user </a:t>
+            </a:r>
+            <a:r>
+              <a:rPr lang="en-US" sz="1800" i="1" dirty="0">
                 <a:solidFill>
                   <a:schemeClr val="dk1"/>
                 </a:solidFill>
@@ -28142,7 +27992,7 @@
               <a:buChar char="§"/>
             </a:pPr>
             <a:r>
-              <a:rPr lang="en-US" sz="1800" dirty="0" err="1" smtClean="0">
+              <a:rPr lang="en-US" sz="1800" dirty="0" err="1">
                 <a:solidFill>
                   <a:schemeClr val="dk1"/>
                 </a:solidFill>
@@ -28153,7 +28003,7 @@
               <a:t>λ</a:t>
             </a:r>
             <a:r>
-              <a:rPr lang="en-US" sz="1800" baseline="-25000" dirty="0" err="1" smtClean="0">
+              <a:rPr lang="en-US" sz="1800" baseline="-25000" dirty="0" err="1">
                 <a:solidFill>
                   <a:schemeClr val="dk1"/>
                 </a:solidFill>
@@ -28164,7 +28014,7 @@
               <a:t>i</a:t>
             </a:r>
             <a:r>
-              <a:rPr lang="en-US" sz="1800" dirty="0" smtClean="0">
+              <a:rPr lang="en-US" sz="1800" dirty="0">
                 <a:solidFill>
                   <a:schemeClr val="dk1"/>
                 </a:solidFill>
@@ -28175,7 +28025,7 @@
               <a:t>:  squared ratio of rating variance to feature variance of movie </a:t>
             </a:r>
             <a:r>
-              <a:rPr lang="en-US" sz="1800" i="1" dirty="0" err="1" smtClean="0">
+              <a:rPr lang="en-US" sz="1800" i="1" dirty="0" err="1">
                 <a:solidFill>
                   <a:schemeClr val="dk1"/>
                 </a:solidFill>
@@ -28185,7 +28035,7 @@
               </a:rPr>
               <a:t>i</a:t>
             </a:r>
-            <a:endParaRPr lang="en-US" sz="1800" i="1" dirty="0" smtClean="0">
+            <a:endParaRPr lang="en-US" sz="1800" i="1" dirty="0">
               <a:solidFill>
                 <a:schemeClr val="dk1"/>
               </a:solidFill>
@@ -28206,7 +28056,7 @@
               <a:buChar char="§"/>
             </a:pPr>
             <a:r>
-              <a:rPr lang="en-US" sz="1800" dirty="0" smtClean="0">
+              <a:rPr lang="en-US" sz="1800" dirty="0">
                 <a:solidFill>
                   <a:schemeClr val="dk1"/>
                 </a:solidFill>
@@ -28215,19 +28065,7 @@
                 <a:cs typeface="Libre Franklin"/>
                 <a:sym typeface="Libre Franklin"/>
               </a:rPr>
-              <a:t>The </a:t>
-            </a:r>
-            <a:r>
-              <a:rPr lang="en-US" sz="1800" dirty="0">
-                <a:solidFill>
-                  <a:schemeClr val="dk1"/>
-                </a:solidFill>
-                <a:latin typeface="+mj-lt"/>
-                <a:ea typeface="Libre Franklin"/>
-                <a:cs typeface="Libre Franklin"/>
-                <a:sym typeface="Libre Franklin"/>
-              </a:rPr>
-              <a:t>cross-validation is used for parameter selection with </a:t>
+              <a:t>The cross-validation is used for parameter selection with </a:t>
             </a:r>
             <a:r>
               <a:rPr lang="en-US" sz="1800" b="1" dirty="0">
@@ -28303,7 +28141,7 @@
           <p:cNvPr id="2" name="Slide Number Placeholder 1">
             <a:extLst>
               <a:ext uri="{FF2B5EF4-FFF2-40B4-BE49-F238E27FC236}">
-                <a16:creationId xmlns:a16="http://schemas.microsoft.com/office/drawing/2014/main" xmlns="" id="{C86C188F-99D2-AD4B-B076-D89507417AB6}"/>
+                <a16:creationId xmlns:a16="http://schemas.microsoft.com/office/drawing/2014/main" id="{C86C188F-99D2-AD4B-B076-D89507417AB6}"/>
               </a:ext>
             </a:extLst>
           </p:cNvPr>
@@ -28363,35 +28201,35 @@
                 <a:gridCol w="1550150">
                   <a:extLst>
                     <a:ext uri="{9D8B030D-6E8A-4147-A177-3AD203B41FA5}">
-                      <a16:colId xmlns:a16="http://schemas.microsoft.com/office/drawing/2014/main" xmlns="" val="20000"/>
+                      <a16:colId xmlns:a16="http://schemas.microsoft.com/office/drawing/2014/main" val="20000"/>
                     </a:ext>
                   </a:extLst>
                 </a:gridCol>
                 <a:gridCol w="1550150">
                   <a:extLst>
                     <a:ext uri="{9D8B030D-6E8A-4147-A177-3AD203B41FA5}">
-                      <a16:colId xmlns:a16="http://schemas.microsoft.com/office/drawing/2014/main" xmlns="" val="20001"/>
+                      <a16:colId xmlns:a16="http://schemas.microsoft.com/office/drawing/2014/main" val="20001"/>
                     </a:ext>
                   </a:extLst>
                 </a:gridCol>
                 <a:gridCol w="1550150">
                   <a:extLst>
                     <a:ext uri="{9D8B030D-6E8A-4147-A177-3AD203B41FA5}">
-                      <a16:colId xmlns:a16="http://schemas.microsoft.com/office/drawing/2014/main" xmlns="" val="20002"/>
+                      <a16:colId xmlns:a16="http://schemas.microsoft.com/office/drawing/2014/main" val="20002"/>
                     </a:ext>
                   </a:extLst>
                 </a:gridCol>
                 <a:gridCol w="1550150">
                   <a:extLst>
                     <a:ext uri="{9D8B030D-6E8A-4147-A177-3AD203B41FA5}">
-                      <a16:colId xmlns:a16="http://schemas.microsoft.com/office/drawing/2014/main" xmlns="" val="20003"/>
+                      <a16:colId xmlns:a16="http://schemas.microsoft.com/office/drawing/2014/main" val="20003"/>
                     </a:ext>
                   </a:extLst>
                 </a:gridCol>
                 <a:gridCol w="1550150">
                   <a:extLst>
                     <a:ext uri="{9D8B030D-6E8A-4147-A177-3AD203B41FA5}">
-                      <a16:colId xmlns:a16="http://schemas.microsoft.com/office/drawing/2014/main" xmlns="" val="20004"/>
+                      <a16:colId xmlns:a16="http://schemas.microsoft.com/office/drawing/2014/main" val="20004"/>
                     </a:ext>
                   </a:extLst>
                 </a:gridCol>
@@ -28417,7 +28255,7 @@
                         <a:buNone/>
                       </a:pPr>
                       <a:r>
-                        <a:rPr lang="en-US" sz="1600" b="1" i="1" u="none" strike="noStrike" cap="none" dirty="0" err="1" smtClean="0">
+                        <a:rPr lang="en-US" sz="1600" b="1" i="1" u="none" strike="noStrike" cap="none" dirty="0" err="1">
                           <a:solidFill>
                             <a:srgbClr val="000000"/>
                           </a:solidFill>
@@ -28429,7 +28267,7 @@
                         <a:t>n</a:t>
                       </a:r>
                       <a:r>
-                        <a:rPr lang="en-US" sz="1600" b="1" i="1" u="none" strike="noStrike" cap="none" baseline="-25000" dirty="0" err="1" smtClean="0">
+                        <a:rPr lang="en-US" sz="1600" b="1" i="1" u="none" strike="noStrike" cap="none" baseline="-25000" dirty="0" err="1">
                           <a:solidFill>
                             <a:srgbClr val="000000"/>
                           </a:solidFill>
@@ -28469,7 +28307,7 @@
                         <a:buNone/>
                       </a:pPr>
                       <a:r>
-                        <a:rPr lang="en-US" sz="1600" b="1" i="1" dirty="0" err="1" smtClean="0">
+                        <a:rPr lang="en-US" sz="1600" b="1" i="1" dirty="0" err="1">
                           <a:solidFill>
                             <a:schemeClr val="dk1"/>
                           </a:solidFill>
@@ -28481,7 +28319,7 @@
                         <a:t>λ</a:t>
                       </a:r>
                       <a:r>
-                        <a:rPr lang="en-US" sz="1600" b="1" i="1" baseline="-25000" dirty="0" err="1" smtClean="0">
+                        <a:rPr lang="en-US" sz="1600" b="1" i="1" baseline="-25000" dirty="0" err="1">
                           <a:solidFill>
                             <a:schemeClr val="dk1"/>
                           </a:solidFill>
@@ -28521,7 +28359,7 @@
                         <a:buNone/>
                       </a:pPr>
                       <a:r>
-                        <a:rPr lang="en-US" sz="1600" b="1" i="1" dirty="0" err="1" smtClean="0">
+                        <a:rPr lang="en-US" sz="1600" b="1" i="1" dirty="0" err="1">
                           <a:solidFill>
                             <a:schemeClr val="dk1"/>
                           </a:solidFill>
@@ -28533,7 +28371,7 @@
                         <a:t>λ</a:t>
                       </a:r>
                       <a:r>
-                        <a:rPr lang="en-US" sz="1600" b="1" i="1" baseline="-25000" dirty="0" err="1" smtClean="0">
+                        <a:rPr lang="en-US" sz="1600" b="1" i="1" baseline="-25000" dirty="0" err="1">
                           <a:solidFill>
                             <a:schemeClr val="dk1"/>
                           </a:solidFill>
@@ -28568,15 +28406,15 @@
                         <a:buNone/>
                       </a:pPr>
                       <a:r>
-                        <a:rPr lang="en-US" b="1" dirty="0" smtClean="0"/>
+                        <a:rPr lang="en-US" b="1" dirty="0"/>
                         <a:t>RMSE</a:t>
                       </a:r>
                       <a:r>
-                        <a:rPr lang="en-US" b="1" baseline="0" dirty="0" smtClean="0"/>
+                        <a:rPr lang="en-US" b="1" baseline="0" dirty="0"/>
                         <a:t> T</a:t>
                       </a:r>
                       <a:r>
-                        <a:rPr lang="en-US" b="1" dirty="0" smtClean="0"/>
+                        <a:rPr lang="en-US" b="1" dirty="0"/>
                         <a:t>rain</a:t>
                       </a:r>
                       <a:endParaRPr b="1" dirty="0"/>
@@ -28603,15 +28441,15 @@
                         <a:buNone/>
                       </a:pPr>
                       <a:r>
-                        <a:rPr lang="en-US" b="1" dirty="0" smtClean="0"/>
+                        <a:rPr lang="en-US" b="1" dirty="0"/>
                         <a:t>RMSE</a:t>
                       </a:r>
                       <a:r>
-                        <a:rPr lang="en-US" b="1" baseline="0" dirty="0" smtClean="0"/>
+                        <a:rPr lang="en-US" b="1" baseline="0" dirty="0"/>
                         <a:t> T</a:t>
                       </a:r>
                       <a:r>
-                        <a:rPr lang="en-US" b="1" dirty="0" smtClean="0"/>
+                        <a:rPr lang="en-US" b="1" dirty="0"/>
                         <a:t>est</a:t>
                       </a:r>
                       <a:endParaRPr b="1" dirty="0"/>
@@ -28625,7 +28463,7 @@
                 </a:tc>
                 <a:extLst>
                   <a:ext uri="{0D108BD9-81ED-4DB2-BD59-A6C34878D82A}">
-                    <a16:rowId xmlns:a16="http://schemas.microsoft.com/office/drawing/2014/main" xmlns="" val="10000"/>
+                    <a16:rowId xmlns:a16="http://schemas.microsoft.com/office/drawing/2014/main" val="10000"/>
                   </a:ext>
                 </a:extLst>
               </a:tr>
@@ -28767,7 +28605,7 @@
                 </a:tc>
                 <a:extLst>
                   <a:ext uri="{0D108BD9-81ED-4DB2-BD59-A6C34878D82A}">
-                    <a16:rowId xmlns:a16="http://schemas.microsoft.com/office/drawing/2014/main" xmlns="" val="10001"/>
+                    <a16:rowId xmlns:a16="http://schemas.microsoft.com/office/drawing/2014/main" val="10001"/>
                   </a:ext>
                 </a:extLst>
               </a:tr>
@@ -28909,7 +28747,7 @@
                 </a:tc>
                 <a:extLst>
                   <a:ext uri="{0D108BD9-81ED-4DB2-BD59-A6C34878D82A}">
-                    <a16:rowId xmlns:a16="http://schemas.microsoft.com/office/drawing/2014/main" xmlns="" val="10002"/>
+                    <a16:rowId xmlns:a16="http://schemas.microsoft.com/office/drawing/2014/main" val="10002"/>
                   </a:ext>
                 </a:extLst>
               </a:tr>
@@ -29051,7 +28889,7 @@
                 </a:tc>
                 <a:extLst>
                   <a:ext uri="{0D108BD9-81ED-4DB2-BD59-A6C34878D82A}">
-                    <a16:rowId xmlns:a16="http://schemas.microsoft.com/office/drawing/2014/main" xmlns="" val="10003"/>
+                    <a16:rowId xmlns:a16="http://schemas.microsoft.com/office/drawing/2014/main" val="10003"/>
                   </a:ext>
                 </a:extLst>
               </a:tr>
@@ -29202,7 +29040,7 @@
                 </a:tc>
                 <a:extLst>
                   <a:ext uri="{0D108BD9-81ED-4DB2-BD59-A6C34878D82A}">
-                    <a16:rowId xmlns:a16="http://schemas.microsoft.com/office/drawing/2014/main" xmlns="" val="10004"/>
+                    <a16:rowId xmlns:a16="http://schemas.microsoft.com/office/drawing/2014/main" val="10004"/>
                   </a:ext>
                 </a:extLst>
               </a:tr>
@@ -29353,7 +29191,7 @@
                 </a:tc>
                 <a:extLst>
                   <a:ext uri="{0D108BD9-81ED-4DB2-BD59-A6C34878D82A}">
-                    <a16:rowId xmlns:a16="http://schemas.microsoft.com/office/drawing/2014/main" xmlns="" val="10005"/>
+                    <a16:rowId xmlns:a16="http://schemas.microsoft.com/office/drawing/2014/main" val="10005"/>
                   </a:ext>
                 </a:extLst>
               </a:tr>
@@ -29495,7 +29333,7 @@
                 </a:tc>
                 <a:extLst>
                   <a:ext uri="{0D108BD9-81ED-4DB2-BD59-A6C34878D82A}">
-                    <a16:rowId xmlns:a16="http://schemas.microsoft.com/office/drawing/2014/main" xmlns="" val="10006"/>
+                    <a16:rowId xmlns:a16="http://schemas.microsoft.com/office/drawing/2014/main" val="10006"/>
                   </a:ext>
                 </a:extLst>
               </a:tr>
@@ -29637,7 +29475,7 @@
                 </a:tc>
                 <a:extLst>
                   <a:ext uri="{0D108BD9-81ED-4DB2-BD59-A6C34878D82A}">
-                    <a16:rowId xmlns:a16="http://schemas.microsoft.com/office/drawing/2014/main" xmlns="" val="10007"/>
+                    <a16:rowId xmlns:a16="http://schemas.microsoft.com/office/drawing/2014/main" val="10007"/>
                   </a:ext>
                 </a:extLst>
               </a:tr>
@@ -29779,7 +29617,7 @@
                 </a:tc>
                 <a:extLst>
                   <a:ext uri="{0D108BD9-81ED-4DB2-BD59-A6C34878D82A}">
-                    <a16:rowId xmlns:a16="http://schemas.microsoft.com/office/drawing/2014/main" xmlns="" val="10008"/>
+                    <a16:rowId xmlns:a16="http://schemas.microsoft.com/office/drawing/2014/main" val="10008"/>
                   </a:ext>
                 </a:extLst>
               </a:tr>
@@ -29931,7 +29769,7 @@
                 </a:tc>
                 <a:extLst>
                   <a:ext uri="{0D108BD9-81ED-4DB2-BD59-A6C34878D82A}">
-                    <a16:rowId xmlns:a16="http://schemas.microsoft.com/office/drawing/2014/main" xmlns="" val="10009"/>
+                    <a16:rowId xmlns:a16="http://schemas.microsoft.com/office/drawing/2014/main" val="10009"/>
                   </a:ext>
                 </a:extLst>
               </a:tr>
@@ -30412,7 +30250,7 @@
           <p:cNvPr id="2" name="Slide Number Placeholder 1">
             <a:extLst>
               <a:ext uri="{FF2B5EF4-FFF2-40B4-BE49-F238E27FC236}">
-                <a16:creationId xmlns:a16="http://schemas.microsoft.com/office/drawing/2014/main" xmlns="" id="{C86C188F-99D2-AD4B-B076-D89507417AB6}"/>
+                <a16:creationId xmlns:a16="http://schemas.microsoft.com/office/drawing/2014/main" id="{C86C188F-99D2-AD4B-B076-D89507417AB6}"/>
               </a:ext>
             </a:extLst>
           </p:cNvPr>
@@ -30502,35 +30340,35 @@
                 <a:gridCol w="1550150">
                   <a:extLst>
                     <a:ext uri="{9D8B030D-6E8A-4147-A177-3AD203B41FA5}">
-                      <a16:colId xmlns:a16="http://schemas.microsoft.com/office/drawing/2014/main" xmlns="" val="20000"/>
+                      <a16:colId xmlns:a16="http://schemas.microsoft.com/office/drawing/2014/main" val="20000"/>
                     </a:ext>
                   </a:extLst>
                 </a:gridCol>
                 <a:gridCol w="1550150">
                   <a:extLst>
                     <a:ext uri="{9D8B030D-6E8A-4147-A177-3AD203B41FA5}">
-                      <a16:colId xmlns:a16="http://schemas.microsoft.com/office/drawing/2014/main" xmlns="" val="20001"/>
+                      <a16:colId xmlns:a16="http://schemas.microsoft.com/office/drawing/2014/main" val="20001"/>
                     </a:ext>
                   </a:extLst>
                 </a:gridCol>
                 <a:gridCol w="1550150">
                   <a:extLst>
                     <a:ext uri="{9D8B030D-6E8A-4147-A177-3AD203B41FA5}">
-                      <a16:colId xmlns:a16="http://schemas.microsoft.com/office/drawing/2014/main" xmlns="" val="20002"/>
+                      <a16:colId xmlns:a16="http://schemas.microsoft.com/office/drawing/2014/main" val="20002"/>
                     </a:ext>
                   </a:extLst>
                 </a:gridCol>
                 <a:gridCol w="1550150">
                   <a:extLst>
                     <a:ext uri="{9D8B030D-6E8A-4147-A177-3AD203B41FA5}">
-                      <a16:colId xmlns:a16="http://schemas.microsoft.com/office/drawing/2014/main" xmlns="" val="20003"/>
+                      <a16:colId xmlns:a16="http://schemas.microsoft.com/office/drawing/2014/main" val="20003"/>
                     </a:ext>
                   </a:extLst>
                 </a:gridCol>
                 <a:gridCol w="1550150">
                   <a:extLst>
                     <a:ext uri="{9D8B030D-6E8A-4147-A177-3AD203B41FA5}">
-                      <a16:colId xmlns:a16="http://schemas.microsoft.com/office/drawing/2014/main" xmlns="" val="20004"/>
+                      <a16:colId xmlns:a16="http://schemas.microsoft.com/office/drawing/2014/main" val="20004"/>
                     </a:ext>
                   </a:extLst>
                 </a:gridCol>
@@ -30692,7 +30530,7 @@
                 </a:tc>
                 <a:extLst>
                   <a:ext uri="{0D108BD9-81ED-4DB2-BD59-A6C34878D82A}">
-                    <a16:rowId xmlns:a16="http://schemas.microsoft.com/office/drawing/2014/main" xmlns="" val="10000"/>
+                    <a16:rowId xmlns:a16="http://schemas.microsoft.com/office/drawing/2014/main" val="10000"/>
                   </a:ext>
                 </a:extLst>
               </a:tr>
@@ -30814,7 +30652,7 @@
                 </a:tc>
                 <a:extLst>
                   <a:ext uri="{0D108BD9-81ED-4DB2-BD59-A6C34878D82A}">
-                    <a16:rowId xmlns:a16="http://schemas.microsoft.com/office/drawing/2014/main" xmlns="" val="10001"/>
+                    <a16:rowId xmlns:a16="http://schemas.microsoft.com/office/drawing/2014/main" val="10001"/>
                   </a:ext>
                 </a:extLst>
               </a:tr>
@@ -30936,7 +30774,7 @@
                 </a:tc>
                 <a:extLst>
                   <a:ext uri="{0D108BD9-81ED-4DB2-BD59-A6C34878D82A}">
-                    <a16:rowId xmlns:a16="http://schemas.microsoft.com/office/drawing/2014/main" xmlns="" val="10002"/>
+                    <a16:rowId xmlns:a16="http://schemas.microsoft.com/office/drawing/2014/main" val="10002"/>
                   </a:ext>
                 </a:extLst>
               </a:tr>
@@ -31058,7 +30896,7 @@
                 </a:tc>
                 <a:extLst>
                   <a:ext uri="{0D108BD9-81ED-4DB2-BD59-A6C34878D82A}">
-                    <a16:rowId xmlns:a16="http://schemas.microsoft.com/office/drawing/2014/main" xmlns="" val="10003"/>
+                    <a16:rowId xmlns:a16="http://schemas.microsoft.com/office/drawing/2014/main" val="10003"/>
                   </a:ext>
                 </a:extLst>
               </a:tr>
@@ -31189,7 +31027,7 @@
                 </a:tc>
                 <a:extLst>
                   <a:ext uri="{0D108BD9-81ED-4DB2-BD59-A6C34878D82A}">
-                    <a16:rowId xmlns:a16="http://schemas.microsoft.com/office/drawing/2014/main" xmlns="" val="10004"/>
+                    <a16:rowId xmlns:a16="http://schemas.microsoft.com/office/drawing/2014/main" val="10004"/>
                   </a:ext>
                 </a:extLst>
               </a:tr>
@@ -31320,7 +31158,7 @@
                 </a:tc>
                 <a:extLst>
                   <a:ext uri="{0D108BD9-81ED-4DB2-BD59-A6C34878D82A}">
-                    <a16:rowId xmlns:a16="http://schemas.microsoft.com/office/drawing/2014/main" xmlns="" val="10005"/>
+                    <a16:rowId xmlns:a16="http://schemas.microsoft.com/office/drawing/2014/main" val="10005"/>
                   </a:ext>
                 </a:extLst>
               </a:tr>
@@ -31442,7 +31280,7 @@
                 </a:tc>
                 <a:extLst>
                   <a:ext uri="{0D108BD9-81ED-4DB2-BD59-A6C34878D82A}">
-                    <a16:rowId xmlns:a16="http://schemas.microsoft.com/office/drawing/2014/main" xmlns="" val="10006"/>
+                    <a16:rowId xmlns:a16="http://schemas.microsoft.com/office/drawing/2014/main" val="10006"/>
                   </a:ext>
                 </a:extLst>
               </a:tr>
@@ -31564,7 +31402,7 @@
                 </a:tc>
                 <a:extLst>
                   <a:ext uri="{0D108BD9-81ED-4DB2-BD59-A6C34878D82A}">
-                    <a16:rowId xmlns:a16="http://schemas.microsoft.com/office/drawing/2014/main" xmlns="" val="10007"/>
+                    <a16:rowId xmlns:a16="http://schemas.microsoft.com/office/drawing/2014/main" val="10007"/>
                   </a:ext>
                 </a:extLst>
               </a:tr>
@@ -31686,7 +31524,7 @@
                 </a:tc>
                 <a:extLst>
                   <a:ext uri="{0D108BD9-81ED-4DB2-BD59-A6C34878D82A}">
-                    <a16:rowId xmlns:a16="http://schemas.microsoft.com/office/drawing/2014/main" xmlns="" val="10008"/>
+                    <a16:rowId xmlns:a16="http://schemas.microsoft.com/office/drawing/2014/main" val="10008"/>
                   </a:ext>
                 </a:extLst>
               </a:tr>
@@ -31828,7 +31666,7 @@
                 </a:tc>
                 <a:extLst>
                   <a:ext uri="{0D108BD9-81ED-4DB2-BD59-A6C34878D82A}">
-                    <a16:rowId xmlns:a16="http://schemas.microsoft.com/office/drawing/2014/main" xmlns="" val="10009"/>
+                    <a16:rowId xmlns:a16="http://schemas.microsoft.com/office/drawing/2014/main" val="10009"/>
                   </a:ext>
                 </a:extLst>
               </a:tr>
@@ -31841,7 +31679,7 @@
           <p:cNvPr id="2" name="Slide Number Placeholder 1">
             <a:extLst>
               <a:ext uri="{FF2B5EF4-FFF2-40B4-BE49-F238E27FC236}">
-                <a16:creationId xmlns:a16="http://schemas.microsoft.com/office/drawing/2014/main" xmlns="" id="{73BAE86D-7A17-1C4E-8A41-C0C3457470D2}"/>
+                <a16:creationId xmlns:a16="http://schemas.microsoft.com/office/drawing/2014/main" id="{73BAE86D-7A17-1C4E-8A41-C0C3457470D2}"/>
               </a:ext>
             </a:extLst>
           </p:cNvPr>
@@ -32246,7 +32084,7 @@
           <p:cNvPr id="2" name="TextBox 1">
             <a:extLst>
               <a:ext uri="{FF2B5EF4-FFF2-40B4-BE49-F238E27FC236}">
-                <a16:creationId xmlns:a16="http://schemas.microsoft.com/office/drawing/2014/main" xmlns="" id="{0B455EBF-5739-C54A-A464-C9464C9D6CF8}"/>
+                <a16:creationId xmlns:a16="http://schemas.microsoft.com/office/drawing/2014/main" id="{0B455EBF-5739-C54A-A464-C9464C9D6CF8}"/>
               </a:ext>
             </a:extLst>
           </p:cNvPr>
@@ -32297,7 +32135,7 @@
           <p:cNvPr id="3" name="Slide Number Placeholder 2">
             <a:extLst>
               <a:ext uri="{FF2B5EF4-FFF2-40B4-BE49-F238E27FC236}">
-                <a16:creationId xmlns:a16="http://schemas.microsoft.com/office/drawing/2014/main" xmlns="" id="{84C70E15-5C43-D642-BC9A-B29FA7567CD7}"/>
+                <a16:creationId xmlns:a16="http://schemas.microsoft.com/office/drawing/2014/main" id="{84C70E15-5C43-D642-BC9A-B29FA7567CD7}"/>
               </a:ext>
             </a:extLst>
           </p:cNvPr>
@@ -32410,7 +32248,7 @@
           <p:cNvPr id="2" name="TextBox 1">
             <a:extLst>
               <a:ext uri="{FF2B5EF4-FFF2-40B4-BE49-F238E27FC236}">
-                <a16:creationId xmlns:a16="http://schemas.microsoft.com/office/drawing/2014/main" xmlns="" id="{8DF5C8C2-B12C-ED47-92E5-5386C31AC56D}"/>
+                <a16:creationId xmlns:a16="http://schemas.microsoft.com/office/drawing/2014/main" id="{8DF5C8C2-B12C-ED47-92E5-5386C31AC56D}"/>
               </a:ext>
             </a:extLst>
           </p:cNvPr>
@@ -32558,7 +32396,7 @@
           <p:cNvPr id="4" name="Picture 3">
             <a:extLst>
               <a:ext uri="{FF2B5EF4-FFF2-40B4-BE49-F238E27FC236}">
-                <a16:creationId xmlns:a16="http://schemas.microsoft.com/office/drawing/2014/main" xmlns="" id="{3D9BA29B-2AD5-9742-AE28-F99019B6F9EB}"/>
+                <a16:creationId xmlns:a16="http://schemas.microsoft.com/office/drawing/2014/main" id="{3D9BA29B-2AD5-9742-AE28-F99019B6F9EB}"/>
               </a:ext>
             </a:extLst>
           </p:cNvPr>
@@ -32588,7 +32426,7 @@
           <p:cNvPr id="8" name="Picture 7">
             <a:extLst>
               <a:ext uri="{FF2B5EF4-FFF2-40B4-BE49-F238E27FC236}">
-                <a16:creationId xmlns:a16="http://schemas.microsoft.com/office/drawing/2014/main" xmlns="" id="{FCE64DB3-0608-3547-82CF-C1E84C37F3DC}"/>
+                <a16:creationId xmlns:a16="http://schemas.microsoft.com/office/drawing/2014/main" id="{FCE64DB3-0608-3547-82CF-C1E84C37F3DC}"/>
               </a:ext>
             </a:extLst>
           </p:cNvPr>
@@ -32618,7 +32456,7 @@
           <p:cNvPr id="13" name="Rectangle 12">
             <a:extLst>
               <a:ext uri="{FF2B5EF4-FFF2-40B4-BE49-F238E27FC236}">
-                <a16:creationId xmlns:a16="http://schemas.microsoft.com/office/drawing/2014/main" xmlns="" id="{E821117E-60F9-A148-9152-A71DB4683C1D}"/>
+                <a16:creationId xmlns:a16="http://schemas.microsoft.com/office/drawing/2014/main" id="{E821117E-60F9-A148-9152-A71DB4683C1D}"/>
               </a:ext>
             </a:extLst>
           </p:cNvPr>
@@ -32709,7 +32547,7 @@
           <p:cNvPr id="3" name="Slide Number Placeholder 2">
             <a:extLst>
               <a:ext uri="{FF2B5EF4-FFF2-40B4-BE49-F238E27FC236}">
-                <a16:creationId xmlns:a16="http://schemas.microsoft.com/office/drawing/2014/main" xmlns="" id="{EC5368EF-7ABE-CB46-A081-9AC79DABBBCE}"/>
+                <a16:creationId xmlns:a16="http://schemas.microsoft.com/office/drawing/2014/main" id="{EC5368EF-7ABE-CB46-A081-9AC79DABBBCE}"/>
               </a:ext>
             </a:extLst>
           </p:cNvPr>
